--- a/docs/Présentation CES'eat.pptx
+++ b/docs/Présentation CES'eat.pptx
@@ -9,37 +9,38 @@
     <p:sldId id="257" r:id="rId3"/>
     <p:sldId id="258" r:id="rId4"/>
     <p:sldId id="259" r:id="rId5"/>
-    <p:sldId id="275" r:id="rId6"/>
-    <p:sldId id="274" r:id="rId7"/>
-    <p:sldId id="260" r:id="rId8"/>
-    <p:sldId id="261" r:id="rId9"/>
-    <p:sldId id="262" r:id="rId10"/>
-    <p:sldId id="263" r:id="rId11"/>
-    <p:sldId id="264" r:id="rId12"/>
-    <p:sldId id="265" r:id="rId13"/>
-    <p:sldId id="266" r:id="rId14"/>
-    <p:sldId id="267" r:id="rId15"/>
-    <p:sldId id="268" r:id="rId16"/>
-    <p:sldId id="269" r:id="rId17"/>
-    <p:sldId id="270" r:id="rId18"/>
-    <p:sldId id="271" r:id="rId19"/>
-    <p:sldId id="272" r:id="rId20"/>
-    <p:sldId id="273" r:id="rId21"/>
+    <p:sldId id="276" r:id="rId6"/>
+    <p:sldId id="275" r:id="rId7"/>
+    <p:sldId id="274" r:id="rId8"/>
+    <p:sldId id="260" r:id="rId9"/>
+    <p:sldId id="261" r:id="rId10"/>
+    <p:sldId id="262" r:id="rId11"/>
+    <p:sldId id="263" r:id="rId12"/>
+    <p:sldId id="264" r:id="rId13"/>
+    <p:sldId id="265" r:id="rId14"/>
+    <p:sldId id="266" r:id="rId15"/>
+    <p:sldId id="267" r:id="rId16"/>
+    <p:sldId id="268" r:id="rId17"/>
+    <p:sldId id="269" r:id="rId18"/>
+    <p:sldId id="270" r:id="rId19"/>
+    <p:sldId id="271" r:id="rId20"/>
+    <p:sldId id="272" r:id="rId21"/>
+    <p:sldId id="273" r:id="rId22"/>
   </p:sldIdLst>
   <p:sldSz cx="18288000" cy="10287000"/>
   <p:notesSz cx="6858000" cy="9144000"/>
   <p:embeddedFontLst>
     <p:embeddedFont>
       <p:font typeface="Alegreya" panose="020B0604020202020204" charset="0"/>
-      <p:regular r:id="rId22"/>
+      <p:regular r:id="rId23"/>
     </p:embeddedFont>
     <p:embeddedFont>
       <p:font typeface="Alegreya Bold" panose="020B0604020202020204" charset="0"/>
-      <p:regular r:id="rId23"/>
+      <p:regular r:id="rId24"/>
     </p:embeddedFont>
     <p:embeddedFont>
       <p:font typeface="Bobby Jones" panose="020B0604020202020204" charset="0"/>
-      <p:regular r:id="rId24"/>
+      <p:regular r:id="rId25"/>
     </p:embeddedFont>
   </p:embeddedFontLst>
   <p:defaultTextStyle>
@@ -3275,6 +3276,527 @@
 </file>
 
 <file path=ppt/slides/slide10.xml><?xml version="1.0" encoding="utf-8"?>
+<p:sld xmlns:a="http://schemas.openxmlformats.org/drawingml/2006/main" xmlns:r="http://schemas.openxmlformats.org/officeDocument/2006/relationships" xmlns:p="http://schemas.openxmlformats.org/presentationml/2006/main">
+  <p:cSld>
+    <p:spTree>
+      <p:nvGrpSpPr>
+        <p:cNvPr id="1" name=""/>
+        <p:cNvGrpSpPr/>
+        <p:nvPr/>
+      </p:nvGrpSpPr>
+      <p:grpSpPr>
+        <a:xfrm>
+          <a:off x="0" y="0"/>
+          <a:ext cx="0" cy="0"/>
+          <a:chOff x="0" y="0"/>
+          <a:chExt cx="0" cy="0"/>
+        </a:xfrm>
+      </p:grpSpPr>
+      <p:sp>
+        <p:nvSpPr>
+          <p:cNvPr id="2" name="Freeform 2"/>
+          <p:cNvSpPr/>
+          <p:nvPr/>
+        </p:nvSpPr>
+        <p:spPr>
+          <a:xfrm>
+            <a:off x="0" y="0"/>
+            <a:ext cx="18288000" cy="10287000"/>
+          </a:xfrm>
+          <a:custGeom>
+            <a:avLst/>
+            <a:gdLst/>
+            <a:ahLst/>
+            <a:cxnLst/>
+            <a:rect l="l" t="t" r="r" b="b"/>
+            <a:pathLst>
+              <a:path w="18288000" h="10287000">
+                <a:moveTo>
+                  <a:pt x="0" y="0"/>
+                </a:moveTo>
+                <a:lnTo>
+                  <a:pt x="18288000" y="0"/>
+                </a:lnTo>
+                <a:lnTo>
+                  <a:pt x="18288000" y="10287000"/>
+                </a:lnTo>
+                <a:lnTo>
+                  <a:pt x="0" y="10287000"/>
+                </a:lnTo>
+                <a:lnTo>
+                  <a:pt x="0" y="0"/>
+                </a:lnTo>
+                <a:close/>
+              </a:path>
+            </a:pathLst>
+          </a:custGeom>
+          <a:blipFill>
+            <a:blip r:embed="rId2"/>
+            <a:stretch>
+              <a:fillRect l="-220" t="-9510" r="-1696" b="-11203"/>
+            </a:stretch>
+          </a:blipFill>
+        </p:spPr>
+        <p:txBody>
+          <a:bodyPr/>
+          <a:lstStyle/>
+          <a:p>
+            <a:endParaRPr lang="fr-FR"/>
+          </a:p>
+        </p:txBody>
+      </p:sp>
+      <p:grpSp>
+        <p:nvGrpSpPr>
+          <p:cNvPr id="3" name="Group 3"/>
+          <p:cNvGrpSpPr>
+            <a:grpSpLocks noChangeAspect="1"/>
+          </p:cNvGrpSpPr>
+          <p:nvPr/>
+        </p:nvGrpSpPr>
+        <p:grpSpPr>
+          <a:xfrm>
+            <a:off x="1334007" y="3124680"/>
+            <a:ext cx="4690072" cy="4690054"/>
+            <a:chOff x="0" y="0"/>
+            <a:chExt cx="6350000" cy="6349975"/>
+          </a:xfrm>
+        </p:grpSpPr>
+        <p:sp>
+          <p:nvSpPr>
+            <p:cNvPr id="4" name="Freeform 4"/>
+            <p:cNvSpPr/>
+            <p:nvPr/>
+          </p:nvSpPr>
+          <p:spPr>
+            <a:xfrm>
+              <a:off x="0" y="0"/>
+              <a:ext cx="6350000" cy="6349974"/>
+            </a:xfrm>
+            <a:custGeom>
+              <a:avLst/>
+              <a:gdLst/>
+              <a:ahLst/>
+              <a:cxnLst/>
+              <a:rect l="l" t="t" r="r" b="b"/>
+              <a:pathLst>
+                <a:path w="6350000" h="6349974">
+                  <a:moveTo>
+                    <a:pt x="6350000" y="3175025"/>
+                  </a:moveTo>
+                  <a:cubicBezTo>
+                    <a:pt x="6350000" y="4928451"/>
+                    <a:pt x="4928476" y="6349974"/>
+                    <a:pt x="3175000" y="6349974"/>
+                  </a:cubicBezTo>
+                  <a:cubicBezTo>
+                    <a:pt x="1421498" y="6349974"/>
+                    <a:pt x="0" y="4928451"/>
+                    <a:pt x="0" y="3175025"/>
+                  </a:cubicBezTo>
+                  <a:cubicBezTo>
+                    <a:pt x="0" y="1421511"/>
+                    <a:pt x="1421498" y="0"/>
+                    <a:pt x="3175000" y="0"/>
+                  </a:cubicBezTo>
+                  <a:cubicBezTo>
+                    <a:pt x="4928501" y="0"/>
+                    <a:pt x="6350000" y="1421511"/>
+                    <a:pt x="6350000" y="3175025"/>
+                  </a:cubicBezTo>
+                  <a:close/>
+                </a:path>
+              </a:pathLst>
+            </a:custGeom>
+            <a:blipFill>
+              <a:blip r:embed="rId3"/>
+              <a:stretch>
+                <a:fillRect l="-13054" t="-34515" r="-639" b="-35813"/>
+              </a:stretch>
+            </a:blipFill>
+          </p:spPr>
+          <p:txBody>
+            <a:bodyPr/>
+            <a:lstStyle/>
+            <a:p>
+              <a:endParaRPr lang="fr-FR"/>
+            </a:p>
+          </p:txBody>
+        </p:sp>
+      </p:grpSp>
+      <p:grpSp>
+        <p:nvGrpSpPr>
+          <p:cNvPr id="5" name="Group 5"/>
+          <p:cNvGrpSpPr>
+            <a:grpSpLocks noChangeAspect="1"/>
+          </p:cNvGrpSpPr>
+          <p:nvPr/>
+        </p:nvGrpSpPr>
+        <p:grpSpPr>
+          <a:xfrm>
+            <a:off x="6818416" y="3124680"/>
+            <a:ext cx="4690072" cy="4690054"/>
+            <a:chOff x="0" y="0"/>
+            <a:chExt cx="6350000" cy="6349975"/>
+          </a:xfrm>
+        </p:grpSpPr>
+        <p:sp>
+          <p:nvSpPr>
+            <p:cNvPr id="6" name="Freeform 6"/>
+            <p:cNvSpPr/>
+            <p:nvPr/>
+          </p:nvSpPr>
+          <p:spPr>
+            <a:xfrm>
+              <a:off x="0" y="0"/>
+              <a:ext cx="6350000" cy="6349974"/>
+            </a:xfrm>
+            <a:custGeom>
+              <a:avLst/>
+              <a:gdLst/>
+              <a:ahLst/>
+              <a:cxnLst/>
+              <a:rect l="l" t="t" r="r" b="b"/>
+              <a:pathLst>
+                <a:path w="6350000" h="6349974">
+                  <a:moveTo>
+                    <a:pt x="6350000" y="3175025"/>
+                  </a:moveTo>
+                  <a:cubicBezTo>
+                    <a:pt x="6350000" y="4928451"/>
+                    <a:pt x="4928476" y="6349974"/>
+                    <a:pt x="3175000" y="6349974"/>
+                  </a:cubicBezTo>
+                  <a:cubicBezTo>
+                    <a:pt x="1421498" y="6349974"/>
+                    <a:pt x="0" y="4928451"/>
+                    <a:pt x="0" y="3175025"/>
+                  </a:cubicBezTo>
+                  <a:cubicBezTo>
+                    <a:pt x="0" y="1421511"/>
+                    <a:pt x="1421498" y="0"/>
+                    <a:pt x="3175000" y="0"/>
+                  </a:cubicBezTo>
+                  <a:cubicBezTo>
+                    <a:pt x="4928501" y="0"/>
+                    <a:pt x="6350000" y="1421511"/>
+                    <a:pt x="6350000" y="3175025"/>
+                  </a:cubicBezTo>
+                  <a:close/>
+                </a:path>
+              </a:pathLst>
+            </a:custGeom>
+            <a:blipFill>
+              <a:blip r:embed="rId4"/>
+              <a:stretch>
+                <a:fillRect t="-44768" b="-5326"/>
+              </a:stretch>
+            </a:blipFill>
+          </p:spPr>
+          <p:txBody>
+            <a:bodyPr/>
+            <a:lstStyle/>
+            <a:p>
+              <a:endParaRPr lang="fr-FR"/>
+            </a:p>
+          </p:txBody>
+        </p:sp>
+      </p:grpSp>
+      <p:grpSp>
+        <p:nvGrpSpPr>
+          <p:cNvPr id="7" name="Group 7"/>
+          <p:cNvGrpSpPr>
+            <a:grpSpLocks noChangeAspect="1"/>
+          </p:cNvGrpSpPr>
+          <p:nvPr/>
+        </p:nvGrpSpPr>
+        <p:grpSpPr>
+          <a:xfrm>
+            <a:off x="12302825" y="3124680"/>
+            <a:ext cx="4690072" cy="4690054"/>
+            <a:chOff x="0" y="0"/>
+            <a:chExt cx="6350000" cy="6349975"/>
+          </a:xfrm>
+        </p:grpSpPr>
+        <p:sp>
+          <p:nvSpPr>
+            <p:cNvPr id="8" name="Freeform 8"/>
+            <p:cNvSpPr/>
+            <p:nvPr/>
+          </p:nvSpPr>
+          <p:spPr>
+            <a:xfrm>
+              <a:off x="0" y="0"/>
+              <a:ext cx="6350000" cy="6349974"/>
+            </a:xfrm>
+            <a:custGeom>
+              <a:avLst/>
+              <a:gdLst/>
+              <a:ahLst/>
+              <a:cxnLst/>
+              <a:rect l="l" t="t" r="r" b="b"/>
+              <a:pathLst>
+                <a:path w="6350000" h="6349974">
+                  <a:moveTo>
+                    <a:pt x="6350000" y="3175025"/>
+                  </a:moveTo>
+                  <a:cubicBezTo>
+                    <a:pt x="6350000" y="4928451"/>
+                    <a:pt x="4928476" y="6349974"/>
+                    <a:pt x="3175000" y="6349974"/>
+                  </a:cubicBezTo>
+                  <a:cubicBezTo>
+                    <a:pt x="1421498" y="6349974"/>
+                    <a:pt x="0" y="4928451"/>
+                    <a:pt x="0" y="3175025"/>
+                  </a:cubicBezTo>
+                  <a:cubicBezTo>
+                    <a:pt x="0" y="1421511"/>
+                    <a:pt x="1421498" y="0"/>
+                    <a:pt x="3175000" y="0"/>
+                  </a:cubicBezTo>
+                  <a:cubicBezTo>
+                    <a:pt x="4928501" y="0"/>
+                    <a:pt x="6350000" y="1421511"/>
+                    <a:pt x="6350000" y="3175025"/>
+                  </a:cubicBezTo>
+                  <a:close/>
+                </a:path>
+              </a:pathLst>
+            </a:custGeom>
+            <a:blipFill>
+              <a:blip r:embed="rId5"/>
+              <a:stretch>
+                <a:fillRect l="-25471" r="-25471"/>
+              </a:stretch>
+            </a:blipFill>
+          </p:spPr>
+          <p:txBody>
+            <a:bodyPr/>
+            <a:lstStyle/>
+            <a:p>
+              <a:endParaRPr lang="fr-FR"/>
+            </a:p>
+          </p:txBody>
+        </p:sp>
+      </p:grpSp>
+      <p:sp>
+        <p:nvSpPr>
+          <p:cNvPr id="9" name="TextBox 9"/>
+          <p:cNvSpPr txBox="1"/>
+          <p:nvPr/>
+        </p:nvSpPr>
+        <p:spPr>
+          <a:xfrm>
+            <a:off x="1372912" y="8033809"/>
+            <a:ext cx="4651168" cy="712470"/>
+          </a:xfrm>
+          <a:prstGeom prst="rect">
+            <a:avLst/>
+          </a:prstGeom>
+        </p:spPr>
+        <p:txBody>
+          <a:bodyPr lIns="0" tIns="0" rIns="0" bIns="0" rtlCol="0" anchor="t">
+            <a:spAutoFit/>
+          </a:bodyPr>
+          <a:lstStyle/>
+          <a:p>
+            <a:pPr algn="ctr">
+              <a:lnSpc>
+                <a:spcPts val="5880"/>
+              </a:lnSpc>
+            </a:pPr>
+            <a:r>
+              <a:rPr lang="en-US" sz="4200" b="1">
+                <a:solidFill>
+                  <a:srgbClr val="000000"/>
+                </a:solidFill>
+                <a:latin typeface="Alegreya Bold"/>
+                <a:ea typeface="Alegreya Bold"/>
+                <a:cs typeface="Alegreya Bold"/>
+                <a:sym typeface="Alegreya Bold"/>
+              </a:rPr>
+              <a:t>Juliana Silva</a:t>
+            </a:r>
+          </a:p>
+        </p:txBody>
+      </p:sp>
+      <p:sp>
+        <p:nvSpPr>
+          <p:cNvPr id="10" name="TextBox 10"/>
+          <p:cNvSpPr txBox="1"/>
+          <p:nvPr/>
+        </p:nvSpPr>
+        <p:spPr>
+          <a:xfrm>
+            <a:off x="6857321" y="8033809"/>
+            <a:ext cx="4651168" cy="712470"/>
+          </a:xfrm>
+          <a:prstGeom prst="rect">
+            <a:avLst/>
+          </a:prstGeom>
+        </p:spPr>
+        <p:txBody>
+          <a:bodyPr lIns="0" tIns="0" rIns="0" bIns="0" rtlCol="0" anchor="t">
+            <a:spAutoFit/>
+          </a:bodyPr>
+          <a:lstStyle/>
+          <a:p>
+            <a:pPr algn="ctr">
+              <a:lnSpc>
+                <a:spcPts val="5880"/>
+              </a:lnSpc>
+            </a:pPr>
+            <a:r>
+              <a:rPr lang="en-US" sz="4200" b="1">
+                <a:solidFill>
+                  <a:srgbClr val="000000"/>
+                </a:solidFill>
+                <a:latin typeface="Alegreya Bold"/>
+                <a:ea typeface="Alegreya Bold"/>
+                <a:cs typeface="Alegreya Bold"/>
+                <a:sym typeface="Alegreya Bold"/>
+              </a:rPr>
+              <a:t>Olivia Wilson</a:t>
+            </a:r>
+          </a:p>
+        </p:txBody>
+      </p:sp>
+      <p:sp>
+        <p:nvSpPr>
+          <p:cNvPr id="11" name="TextBox 11"/>
+          <p:cNvSpPr txBox="1"/>
+          <p:nvPr/>
+        </p:nvSpPr>
+        <p:spPr>
+          <a:xfrm>
+            <a:off x="12341730" y="8033809"/>
+            <a:ext cx="4651168" cy="712470"/>
+          </a:xfrm>
+          <a:prstGeom prst="rect">
+            <a:avLst/>
+          </a:prstGeom>
+        </p:spPr>
+        <p:txBody>
+          <a:bodyPr lIns="0" tIns="0" rIns="0" bIns="0" rtlCol="0" anchor="t">
+            <a:spAutoFit/>
+          </a:bodyPr>
+          <a:lstStyle/>
+          <a:p>
+            <a:pPr algn="ctr">
+              <a:lnSpc>
+                <a:spcPts val="5880"/>
+              </a:lnSpc>
+            </a:pPr>
+            <a:r>
+              <a:rPr lang="en-US" sz="4200" b="1">
+                <a:solidFill>
+                  <a:srgbClr val="000000"/>
+                </a:solidFill>
+                <a:latin typeface="Alegreya Bold"/>
+                <a:ea typeface="Alegreya Bold"/>
+                <a:cs typeface="Alegreya Bold"/>
+                <a:sym typeface="Alegreya Bold"/>
+              </a:rPr>
+              <a:t>Claudia Alves</a:t>
+            </a:r>
+          </a:p>
+        </p:txBody>
+      </p:sp>
+      <p:sp>
+        <p:nvSpPr>
+          <p:cNvPr id="12" name="TextBox 12"/>
+          <p:cNvSpPr txBox="1"/>
+          <p:nvPr/>
+        </p:nvSpPr>
+        <p:spPr>
+          <a:xfrm>
+            <a:off x="3679044" y="847725"/>
+            <a:ext cx="10929913" cy="1332031"/>
+          </a:xfrm>
+          <a:prstGeom prst="rect">
+            <a:avLst/>
+          </a:prstGeom>
+        </p:spPr>
+        <p:txBody>
+          <a:bodyPr lIns="0" tIns="0" rIns="0" bIns="0" rtlCol="0" anchor="t">
+            <a:spAutoFit/>
+          </a:bodyPr>
+          <a:lstStyle/>
+          <a:p>
+            <a:pPr algn="ctr">
+              <a:lnSpc>
+                <a:spcPts val="11432"/>
+              </a:lnSpc>
+            </a:pPr>
+            <a:r>
+              <a:rPr lang="en-US" sz="8165" dirty="0">
+                <a:solidFill>
+                  <a:srgbClr val="000000"/>
+                </a:solidFill>
+                <a:latin typeface="Bobby Jones"/>
+                <a:ea typeface="Bobby Jones"/>
+                <a:cs typeface="Bobby Jones"/>
+                <a:sym typeface="Bobby Jones"/>
+              </a:rPr>
+              <a:t>﻿</a:t>
+            </a:r>
+            <a:r>
+              <a:rPr lang="en-US" sz="8165" dirty="0" err="1">
+                <a:solidFill>
+                  <a:srgbClr val="000000"/>
+                </a:solidFill>
+                <a:latin typeface="Bobby Jones"/>
+                <a:ea typeface="Bobby Jones"/>
+                <a:cs typeface="Bobby Jones"/>
+                <a:sym typeface="Bobby Jones"/>
+              </a:rPr>
+              <a:t>Présentation</a:t>
+            </a:r>
+            <a:r>
+              <a:rPr lang="en-US" sz="8165" dirty="0">
+                <a:solidFill>
+                  <a:srgbClr val="000000"/>
+                </a:solidFill>
+                <a:latin typeface="Bobby Jones"/>
+                <a:ea typeface="Bobby Jones"/>
+                <a:cs typeface="Bobby Jones"/>
+                <a:sym typeface="Bobby Jones"/>
+              </a:rPr>
+              <a:t> du </a:t>
+            </a:r>
+            <a:r>
+              <a:rPr lang="en-US" sz="8165" dirty="0" err="1">
+                <a:solidFill>
+                  <a:srgbClr val="000000"/>
+                </a:solidFill>
+                <a:latin typeface="Bobby Jones"/>
+                <a:ea typeface="Bobby Jones"/>
+                <a:cs typeface="Bobby Jones"/>
+                <a:sym typeface="Bobby Jones"/>
+              </a:rPr>
+              <a:t>groupe</a:t>
+            </a:r>
+            <a:endParaRPr lang="en-US" sz="8165" dirty="0">
+              <a:solidFill>
+                <a:srgbClr val="000000"/>
+              </a:solidFill>
+              <a:latin typeface="Bobby Jones"/>
+              <a:ea typeface="Bobby Jones"/>
+              <a:cs typeface="Bobby Jones"/>
+              <a:sym typeface="Bobby Jones"/>
+            </a:endParaRPr>
+          </a:p>
+        </p:txBody>
+      </p:sp>
+    </p:spTree>
+  </p:cSld>
+  <p:clrMapOvr>
+    <a:masterClrMapping/>
+  </p:clrMapOvr>
+</p:sld>
+</file>
+
+<file path=ppt/slides/slide11.xml><?xml version="1.0" encoding="utf-8"?>
 <p:sld xmlns:a="http://schemas.openxmlformats.org/drawingml/2006/main" xmlns:r="http://schemas.openxmlformats.org/officeDocument/2006/relationships" xmlns:p="http://schemas.openxmlformats.org/presentationml/2006/main">
   <p:cSld>
     <p:spTree>
@@ -4682,7 +5204,7 @@
 </p:sld>
 </file>
 
-<file path=ppt/slides/slide11.xml><?xml version="1.0" encoding="utf-8"?>
+<file path=ppt/slides/slide12.xml><?xml version="1.0" encoding="utf-8"?>
 <p:sld xmlns:a="http://schemas.openxmlformats.org/drawingml/2006/main" xmlns:r="http://schemas.openxmlformats.org/officeDocument/2006/relationships" xmlns:p="http://schemas.openxmlformats.org/presentationml/2006/main">
   <p:cSld>
     <p:spTree>
@@ -5250,7 +5772,7 @@
 </p:sld>
 </file>
 
-<file path=ppt/slides/slide12.xml><?xml version="1.0" encoding="utf-8"?>
+<file path=ppt/slides/slide13.xml><?xml version="1.0" encoding="utf-8"?>
 <p:sld xmlns:a="http://schemas.openxmlformats.org/drawingml/2006/main" xmlns:r="http://schemas.openxmlformats.org/officeDocument/2006/relationships" xmlns:p="http://schemas.openxmlformats.org/presentationml/2006/main">
   <p:cSld>
     <p:spTree>
@@ -6059,7 +6581,7 @@
 </p:sld>
 </file>
 
-<file path=ppt/slides/slide13.xml><?xml version="1.0" encoding="utf-8"?>
+<file path=ppt/slides/slide14.xml><?xml version="1.0" encoding="utf-8"?>
 <p:sld xmlns:a="http://schemas.openxmlformats.org/drawingml/2006/main" xmlns:r="http://schemas.openxmlformats.org/officeDocument/2006/relationships" xmlns:p="http://schemas.openxmlformats.org/presentationml/2006/main">
   <p:cSld>
     <p:spTree>
@@ -6814,7 +7336,7 @@
 </p:sld>
 </file>
 
-<file path=ppt/slides/slide14.xml><?xml version="1.0" encoding="utf-8"?>
+<file path=ppt/slides/slide15.xml><?xml version="1.0" encoding="utf-8"?>
 <p:sld xmlns:a="http://schemas.openxmlformats.org/drawingml/2006/main" xmlns:r="http://schemas.openxmlformats.org/officeDocument/2006/relationships" xmlns:p="http://schemas.openxmlformats.org/presentationml/2006/main">
   <p:cSld>
     <p:spTree>
@@ -7220,7 +7742,7 @@
 </p:sld>
 </file>
 
-<file path=ppt/slides/slide15.xml><?xml version="1.0" encoding="utf-8"?>
+<file path=ppt/slides/slide16.xml><?xml version="1.0" encoding="utf-8"?>
 <p:sld xmlns:a="http://schemas.openxmlformats.org/drawingml/2006/main" xmlns:r="http://schemas.openxmlformats.org/officeDocument/2006/relationships" xmlns:p="http://schemas.openxmlformats.org/presentationml/2006/main">
   <p:cSld>
     <p:spTree>
@@ -7698,7 +8220,7 @@
 </p:sld>
 </file>
 
-<file path=ppt/slides/slide16.xml><?xml version="1.0" encoding="utf-8"?>
+<file path=ppt/slides/slide17.xml><?xml version="1.0" encoding="utf-8"?>
 <p:sld xmlns:a="http://schemas.openxmlformats.org/drawingml/2006/main" xmlns:r="http://schemas.openxmlformats.org/officeDocument/2006/relationships" xmlns:p="http://schemas.openxmlformats.org/presentationml/2006/main">
   <p:cSld>
     <p:spTree>
@@ -8176,7 +8698,7 @@
 </p:sld>
 </file>
 
-<file path=ppt/slides/slide17.xml><?xml version="1.0" encoding="utf-8"?>
+<file path=ppt/slides/slide18.xml><?xml version="1.0" encoding="utf-8"?>
 <p:sld xmlns:a="http://schemas.openxmlformats.org/drawingml/2006/main" xmlns:r="http://schemas.openxmlformats.org/officeDocument/2006/relationships" xmlns:p="http://schemas.openxmlformats.org/presentationml/2006/main">
   <p:cSld>
     <p:spTree>
@@ -8661,7 +9183,7 @@
 </p:sld>
 </file>
 
-<file path=ppt/slides/slide18.xml><?xml version="1.0" encoding="utf-8"?>
+<file path=ppt/slides/slide19.xml><?xml version="1.0" encoding="utf-8"?>
 <p:sld xmlns:a="http://schemas.openxmlformats.org/drawingml/2006/main" xmlns:r="http://schemas.openxmlformats.org/officeDocument/2006/relationships" xmlns:p="http://schemas.openxmlformats.org/presentationml/2006/main">
   <p:cSld>
     <p:spTree>
@@ -8932,125 +9454,6 @@
                 <a:sym typeface="Alegreya Bold"/>
               </a:rPr>
               <a:t>Presentations are communication tools that can be used as demonstrations, lectures, speeches, reports, and more. Mostly presented before an audience, it serves a variety of purposes, making presentations powerful tools for convicing and teaching.</a:t>
-            </a:r>
-          </a:p>
-        </p:txBody>
-      </p:sp>
-    </p:spTree>
-  </p:cSld>
-  <p:clrMapOvr>
-    <a:masterClrMapping/>
-  </p:clrMapOvr>
-</p:sld>
-</file>
-
-<file path=ppt/slides/slide19.xml><?xml version="1.0" encoding="utf-8"?>
-<p:sld xmlns:a="http://schemas.openxmlformats.org/drawingml/2006/main" xmlns:r="http://schemas.openxmlformats.org/officeDocument/2006/relationships" xmlns:p="http://schemas.openxmlformats.org/presentationml/2006/main">
-  <p:cSld>
-    <p:spTree>
-      <p:nvGrpSpPr>
-        <p:cNvPr id="1" name=""/>
-        <p:cNvGrpSpPr/>
-        <p:nvPr/>
-      </p:nvGrpSpPr>
-      <p:grpSpPr>
-        <a:xfrm>
-          <a:off x="0" y="0"/>
-          <a:ext cx="0" cy="0"/>
-          <a:chOff x="0" y="0"/>
-          <a:chExt cx="0" cy="0"/>
-        </a:xfrm>
-      </p:grpSpPr>
-      <p:sp>
-        <p:nvSpPr>
-          <p:cNvPr id="2" name="Freeform 2"/>
-          <p:cNvSpPr/>
-          <p:nvPr/>
-        </p:nvSpPr>
-        <p:spPr>
-          <a:xfrm>
-            <a:off x="0" y="0"/>
-            <a:ext cx="18288000" cy="10287000"/>
-          </a:xfrm>
-          <a:custGeom>
-            <a:avLst/>
-            <a:gdLst/>
-            <a:ahLst/>
-            <a:cxnLst/>
-            <a:rect l="l" t="t" r="r" b="b"/>
-            <a:pathLst>
-              <a:path w="18288000" h="10287000">
-                <a:moveTo>
-                  <a:pt x="0" y="0"/>
-                </a:moveTo>
-                <a:lnTo>
-                  <a:pt x="18288000" y="0"/>
-                </a:lnTo>
-                <a:lnTo>
-                  <a:pt x="18288000" y="10287000"/>
-                </a:lnTo>
-                <a:lnTo>
-                  <a:pt x="0" y="10287000"/>
-                </a:lnTo>
-                <a:lnTo>
-                  <a:pt x="0" y="0"/>
-                </a:lnTo>
-                <a:close/>
-              </a:path>
-            </a:pathLst>
-          </a:custGeom>
-          <a:blipFill>
-            <a:blip r:embed="rId2"/>
-            <a:stretch>
-              <a:fillRect l="-220" t="-9510" r="-1696" b="-11203"/>
-            </a:stretch>
-          </a:blipFill>
-        </p:spPr>
-        <p:txBody>
-          <a:bodyPr/>
-          <a:lstStyle/>
-          <a:p>
-            <a:endParaRPr lang="fr-FR"/>
-          </a:p>
-        </p:txBody>
-      </p:sp>
-      <p:sp>
-        <p:nvSpPr>
-          <p:cNvPr id="3" name="TextBox 3"/>
-          <p:cNvSpPr txBox="1"/>
-          <p:nvPr/>
-        </p:nvSpPr>
-        <p:spPr>
-          <a:xfrm>
-            <a:off x="2691138" y="3358912"/>
-            <a:ext cx="12905724" cy="3369152"/>
-          </a:xfrm>
-          <a:prstGeom prst="rect">
-            <a:avLst/>
-          </a:prstGeom>
-        </p:spPr>
-        <p:txBody>
-          <a:bodyPr lIns="0" tIns="0" rIns="0" bIns="0" rtlCol="0" anchor="t">
-            <a:spAutoFit/>
-          </a:bodyPr>
-          <a:lstStyle/>
-          <a:p>
-            <a:pPr algn="ctr">
-              <a:lnSpc>
-                <a:spcPts val="13498"/>
-              </a:lnSpc>
-            </a:pPr>
-            <a:r>
-              <a:rPr lang="en-US" sz="9641">
-                <a:solidFill>
-                  <a:srgbClr val="000000"/>
-                </a:solidFill>
-                <a:latin typeface="Bobby Jones"/>
-                <a:ea typeface="Bobby Jones"/>
-                <a:cs typeface="Bobby Jones"/>
-                <a:sym typeface="Bobby Jones"/>
-              </a:rPr>
-              <a:t>Does Anyone Have a Questions?</a:t>
             </a:r>
           </a:p>
         </p:txBody>
@@ -9857,8 +10260,8 @@
         </p:nvSpPr>
         <p:spPr>
           <a:xfrm>
-            <a:off x="2616729" y="3509275"/>
-            <a:ext cx="13054542" cy="2906500"/>
+            <a:off x="2691138" y="3358912"/>
+            <a:ext cx="12905724" cy="3369152"/>
           </a:xfrm>
           <a:prstGeom prst="rect">
             <a:avLst/>
@@ -9872,11 +10275,11 @@
           <a:p>
             <a:pPr algn="ctr">
               <a:lnSpc>
-                <a:spcPts val="23410"/>
+                <a:spcPts val="13498"/>
               </a:lnSpc>
             </a:pPr>
             <a:r>
-              <a:rPr lang="en-US" sz="16721">
+              <a:rPr lang="en-US" sz="9641">
                 <a:solidFill>
                   <a:srgbClr val="000000"/>
                 </a:solidFill>
@@ -9885,7 +10288,7 @@
                 <a:cs typeface="Bobby Jones"/>
                 <a:sym typeface="Bobby Jones"/>
               </a:rPr>
-              <a:t>Thank you</a:t>
+              <a:t>Does Anyone Have a Questions?</a:t>
             </a:r>
           </a:p>
         </p:txBody>
@@ -9898,7 +10301,7 @@
 </p:sld>
 </file>
 
-<file path=ppt/slides/slide3.xml><?xml version="1.0" encoding="utf-8"?>
+<file path=ppt/slides/slide21.xml><?xml version="1.0" encoding="utf-8"?>
 <p:sld xmlns:a="http://schemas.openxmlformats.org/drawingml/2006/main" xmlns:r="http://schemas.openxmlformats.org/officeDocument/2006/relationships" xmlns:p="http://schemas.openxmlformats.org/presentationml/2006/main">
   <p:cSld>
     <p:spTree>
@@ -9976,8 +10379,8 @@
         </p:nvSpPr>
         <p:spPr>
           <a:xfrm>
-            <a:off x="1761580" y="2521435"/>
-            <a:ext cx="14764841" cy="4939330"/>
+            <a:off x="2616729" y="3509275"/>
+            <a:ext cx="13054542" cy="2906500"/>
           </a:xfrm>
           <a:prstGeom prst="rect">
             <a:avLst/>
@@ -9991,11 +10394,11 @@
           <a:p>
             <a:pPr algn="ctr">
               <a:lnSpc>
-                <a:spcPts val="19653"/>
+                <a:spcPts val="23410"/>
               </a:lnSpc>
             </a:pPr>
             <a:r>
-              <a:rPr lang="en-US" sz="14038">
+              <a:rPr lang="en-US" sz="16721">
                 <a:solidFill>
                   <a:srgbClr val="000000"/>
                 </a:solidFill>
@@ -10004,7 +10407,7 @@
                 <a:cs typeface="Bobby Jones"/>
                 <a:sym typeface="Bobby Jones"/>
               </a:rPr>
-              <a:t>Introduction et contexte</a:t>
+              <a:t>Thank you</a:t>
             </a:r>
           </a:p>
         </p:txBody>
@@ -10017,7 +10420,7 @@
 </p:sld>
 </file>
 
-<file path=ppt/slides/slide4.xml><?xml version="1.0" encoding="utf-8"?>
+<file path=ppt/slides/slide3.xml><?xml version="1.0" encoding="utf-8"?>
 <p:sld xmlns:a="http://schemas.openxmlformats.org/drawingml/2006/main" xmlns:r="http://schemas.openxmlformats.org/officeDocument/2006/relationships" xmlns:p="http://schemas.openxmlformats.org/presentationml/2006/main">
   <p:cSld>
     <p:spTree>
@@ -10089,10 +10492,183 @@
       </p:sp>
       <p:sp>
         <p:nvSpPr>
-          <p:cNvPr id="3" name="TextBox 12">
+          <p:cNvPr id="3" name="TextBox 3"/>
+          <p:cNvSpPr txBox="1"/>
+          <p:nvPr/>
+        </p:nvSpPr>
+        <p:spPr>
+          <a:xfrm>
+            <a:off x="1761580" y="2521435"/>
+            <a:ext cx="14764841" cy="4939330"/>
+          </a:xfrm>
+          <a:prstGeom prst="rect">
+            <a:avLst/>
+          </a:prstGeom>
+        </p:spPr>
+        <p:txBody>
+          <a:bodyPr lIns="0" tIns="0" rIns="0" bIns="0" rtlCol="0" anchor="t">
+            <a:spAutoFit/>
+          </a:bodyPr>
+          <a:lstStyle/>
+          <a:p>
+            <a:pPr algn="ctr">
+              <a:lnSpc>
+                <a:spcPts val="19653"/>
+              </a:lnSpc>
+            </a:pPr>
+            <a:r>
+              <a:rPr lang="en-US" sz="14038">
+                <a:solidFill>
+                  <a:srgbClr val="000000"/>
+                </a:solidFill>
+                <a:latin typeface="Bobby Jones"/>
+                <a:ea typeface="Bobby Jones"/>
+                <a:cs typeface="Bobby Jones"/>
+                <a:sym typeface="Bobby Jones"/>
+              </a:rPr>
+              <a:t>Introduction et contexte</a:t>
+            </a:r>
+          </a:p>
+        </p:txBody>
+      </p:sp>
+    </p:spTree>
+  </p:cSld>
+  <p:clrMapOvr>
+    <a:masterClrMapping/>
+  </p:clrMapOvr>
+</p:sld>
+</file>
+
+<file path=ppt/slides/slide4.xml><?xml version="1.0" encoding="utf-8"?>
+<p:sld xmlns:a="http://schemas.openxmlformats.org/drawingml/2006/main" xmlns:r="http://schemas.openxmlformats.org/officeDocument/2006/relationships" xmlns:p="http://schemas.openxmlformats.org/presentationml/2006/main">
+  <p:cSld>
+    <p:spTree>
+      <p:nvGrpSpPr>
+        <p:cNvPr id="1" name=""/>
+        <p:cNvGrpSpPr/>
+        <p:nvPr/>
+      </p:nvGrpSpPr>
+      <p:grpSpPr>
+        <a:xfrm>
+          <a:off x="0" y="0"/>
+          <a:ext cx="0" cy="0"/>
+          <a:chOff x="0" y="0"/>
+          <a:chExt cx="0" cy="0"/>
+        </a:xfrm>
+      </p:grpSpPr>
+      <p:sp>
+        <p:nvSpPr>
+          <p:cNvPr id="2" name="Freeform 2"/>
+          <p:cNvSpPr/>
+          <p:nvPr/>
+        </p:nvSpPr>
+        <p:spPr>
+          <a:xfrm>
+            <a:off x="0" y="0"/>
+            <a:ext cx="18288000" cy="10287000"/>
+          </a:xfrm>
+          <a:custGeom>
+            <a:avLst/>
+            <a:gdLst/>
+            <a:ahLst/>
+            <a:cxnLst/>
+            <a:rect l="l" t="t" r="r" b="b"/>
+            <a:pathLst>
+              <a:path w="18288000" h="10287000">
+                <a:moveTo>
+                  <a:pt x="0" y="0"/>
+                </a:moveTo>
+                <a:lnTo>
+                  <a:pt x="18288000" y="0"/>
+                </a:lnTo>
+                <a:lnTo>
+                  <a:pt x="18288000" y="10287000"/>
+                </a:lnTo>
+                <a:lnTo>
+                  <a:pt x="0" y="10287000"/>
+                </a:lnTo>
+                <a:lnTo>
+                  <a:pt x="0" y="0"/>
+                </a:lnTo>
+                <a:close/>
+              </a:path>
+            </a:pathLst>
+          </a:custGeom>
+          <a:blipFill>
+            <a:blip r:embed="rId2"/>
+            <a:stretch>
+              <a:fillRect l="-220" t="-9510" r="-1696" b="-11203"/>
+            </a:stretch>
+          </a:blipFill>
+        </p:spPr>
+        <p:txBody>
+          <a:bodyPr/>
+          <a:lstStyle/>
+          <a:p>
+            <a:endParaRPr lang="fr-FR" dirty="0"/>
+          </a:p>
+        </p:txBody>
+      </p:sp>
+      <p:sp>
+        <p:nvSpPr>
+          <p:cNvPr id="5" name="Rectangle 4">
             <a:extLst>
               <a:ext uri="{FF2B5EF4-FFF2-40B4-BE49-F238E27FC236}">
-                <a16:creationId xmlns:a16="http://schemas.microsoft.com/office/drawing/2014/main" id="{59C9E7EE-8525-B820-B20C-2D84C256F830}"/>
+                <a16:creationId xmlns:a16="http://schemas.microsoft.com/office/drawing/2014/main" id="{6C8BBC26-983F-C560-F369-FBEC2B659228}"/>
+              </a:ext>
+            </a:extLst>
+          </p:cNvPr>
+          <p:cNvSpPr/>
+          <p:nvPr/>
+        </p:nvSpPr>
+        <p:spPr>
+          <a:xfrm>
+            <a:off x="0" y="9410700"/>
+            <a:ext cx="18288000" cy="876300"/>
+          </a:xfrm>
+          <a:prstGeom prst="rect">
+            <a:avLst/>
+          </a:prstGeom>
+          <a:solidFill>
+            <a:srgbClr val="F5F3F3"/>
+          </a:solidFill>
+          <a:ln>
+            <a:solidFill>
+              <a:srgbClr val="F5F3F3"/>
+            </a:solidFill>
+          </a:ln>
+        </p:spPr>
+        <p:style>
+          <a:lnRef idx="2">
+            <a:schemeClr val="accent1">
+              <a:shade val="15000"/>
+            </a:schemeClr>
+          </a:lnRef>
+          <a:fillRef idx="1">
+            <a:schemeClr val="accent1"/>
+          </a:fillRef>
+          <a:effectRef idx="0">
+            <a:schemeClr val="accent1"/>
+          </a:effectRef>
+          <a:fontRef idx="minor">
+            <a:schemeClr val="lt1"/>
+          </a:fontRef>
+        </p:style>
+        <p:txBody>
+          <a:bodyPr rtlCol="0" anchor="ctr"/>
+          <a:lstStyle/>
+          <a:p>
+            <a:pPr algn="ctr"/>
+            <a:endParaRPr lang="fr-FR"/>
+          </a:p>
+        </p:txBody>
+      </p:sp>
+      <p:sp>
+        <p:nvSpPr>
+          <p:cNvPr id="6" name="ZoneTexte 5">
+            <a:extLst>
+              <a:ext uri="{FF2B5EF4-FFF2-40B4-BE49-F238E27FC236}">
+                <a16:creationId xmlns:a16="http://schemas.microsoft.com/office/drawing/2014/main" id="{B55F99E1-02BE-0F98-9E56-349D08E9C75B}"/>
               </a:ext>
             </a:extLst>
           </p:cNvPr>
@@ -10101,7 +10677,347 @@
         </p:nvSpPr>
         <p:spPr>
           <a:xfrm>
-            <a:off x="3679044" y="847725"/>
+            <a:off x="609600" y="9587240"/>
+            <a:ext cx="17068800" cy="523220"/>
+          </a:xfrm>
+          <a:prstGeom prst="rect">
+            <a:avLst/>
+          </a:prstGeom>
+          <a:noFill/>
+        </p:spPr>
+        <p:txBody>
+          <a:bodyPr wrap="square" rtlCol="0">
+            <a:spAutoFit/>
+          </a:bodyPr>
+          <a:lstStyle/>
+          <a:p>
+            <a:pPr algn="ctr"/>
+            <a:r>
+              <a:rPr lang="fr-FR" sz="2800" b="1" dirty="0">
+                <a:latin typeface="Alegreya" panose="020B0604020202020204" charset="0"/>
+              </a:rPr>
+              <a:t>Introduction et complexe        </a:t>
+            </a:r>
+            <a:r>
+              <a:rPr lang="fr-FR" sz="2800" dirty="0">
+                <a:solidFill>
+                  <a:schemeClr val="bg1">
+                    <a:lumMod val="50000"/>
+                  </a:schemeClr>
+                </a:solidFill>
+                <a:latin typeface="Alegreya" panose="020B0604020202020204" charset="0"/>
+              </a:rPr>
+              <a:t>–        Développement et démonstration        –        Analyse et conclusion</a:t>
+            </a:r>
+          </a:p>
+        </p:txBody>
+      </p:sp>
+      <p:pic>
+        <p:nvPicPr>
+          <p:cNvPr id="9" name="Graphique 8" descr="Épingle contour">
+            <a:extLst>
+              <a:ext uri="{FF2B5EF4-FFF2-40B4-BE49-F238E27FC236}">
+                <a16:creationId xmlns:a16="http://schemas.microsoft.com/office/drawing/2014/main" id="{C068AAC0-443F-16C3-DA40-B6590AAFC063}"/>
+              </a:ext>
+            </a:extLst>
+          </p:cNvPr>
+          <p:cNvPicPr>
+            <a:picLocks noChangeAspect="1"/>
+          </p:cNvPicPr>
+          <p:nvPr/>
+        </p:nvPicPr>
+        <p:blipFill>
+          <a:blip r:embed="rId3">
+            <a:extLst>
+              <a:ext uri="{96DAC541-7B7A-43D3-8B79-37D633B846F1}">
+                <asvg:svgBlip xmlns:asvg="http://schemas.microsoft.com/office/drawing/2016/SVG/main" r:embed="rId4"/>
+              </a:ext>
+            </a:extLst>
+          </a:blip>
+          <a:stretch>
+            <a:fillRect/>
+          </a:stretch>
+        </p:blipFill>
+        <p:spPr>
+          <a:xfrm>
+            <a:off x="1011343" y="2799176"/>
+            <a:ext cx="1676400" cy="1676400"/>
+          </a:xfrm>
+          <a:prstGeom prst="rect">
+            <a:avLst/>
+          </a:prstGeom>
+        </p:spPr>
+      </p:pic>
+      <p:sp>
+        <p:nvSpPr>
+          <p:cNvPr id="11" name="ZoneTexte 10">
+            <a:extLst>
+              <a:ext uri="{FF2B5EF4-FFF2-40B4-BE49-F238E27FC236}">
+                <a16:creationId xmlns:a16="http://schemas.microsoft.com/office/drawing/2014/main" id="{AE6DE22C-1DF7-B7EA-63A8-73B3277B7AF5}"/>
+              </a:ext>
+            </a:extLst>
+          </p:cNvPr>
+          <p:cNvSpPr txBox="1"/>
+          <p:nvPr/>
+        </p:nvSpPr>
+        <p:spPr>
+          <a:xfrm>
+            <a:off x="2841173" y="3027776"/>
+            <a:ext cx="15414170" cy="1938992"/>
+          </a:xfrm>
+          <a:prstGeom prst="rect">
+            <a:avLst/>
+          </a:prstGeom>
+          <a:noFill/>
+        </p:spPr>
+        <p:txBody>
+          <a:bodyPr wrap="square">
+            <a:spAutoFit/>
+          </a:bodyPr>
+          <a:lstStyle/>
+          <a:p>
+            <a:pPr>
+              <a:buNone/>
+            </a:pPr>
+            <a:r>
+              <a:rPr lang="fr-FR" sz="3600" b="1" u="sng" dirty="0">
+                <a:latin typeface="Alegreya" panose="020B0604020202020204" charset="0"/>
+              </a:rPr>
+              <a:t>Contexte du projet</a:t>
+            </a:r>
+          </a:p>
+          <a:p>
+            <a:pPr>
+              <a:lnSpc>
+                <a:spcPct val="150000"/>
+              </a:lnSpc>
+            </a:pPr>
+            <a:r>
+              <a:rPr lang="fr-FR" sz="3200" dirty="0">
+                <a:latin typeface="Alegreya" panose="020B0604020202020204" charset="0"/>
+              </a:rPr>
+              <a:t>Développement d’une plateforme logicielle distribuée pour la restauration en ligne</a:t>
+            </a:r>
+          </a:p>
+          <a:p>
+            <a:pPr>
+              <a:buNone/>
+            </a:pPr>
+            <a:endParaRPr lang="fr-FR" sz="3600" u="sng" dirty="0">
+              <a:latin typeface="Alegreya" panose="020B0604020202020204" charset="0"/>
+            </a:endParaRPr>
+          </a:p>
+        </p:txBody>
+      </p:sp>
+      <p:pic>
+        <p:nvPicPr>
+          <p:cNvPr id="15" name="Graphique 14" descr="Mille contour">
+            <a:extLst>
+              <a:ext uri="{FF2B5EF4-FFF2-40B4-BE49-F238E27FC236}">
+                <a16:creationId xmlns:a16="http://schemas.microsoft.com/office/drawing/2014/main" id="{5AC2ABCD-E957-C411-0D40-F3FB47B47E2A}"/>
+              </a:ext>
+            </a:extLst>
+          </p:cNvPr>
+          <p:cNvPicPr>
+            <a:picLocks noChangeAspect="1"/>
+          </p:cNvPicPr>
+          <p:nvPr/>
+        </p:nvPicPr>
+        <p:blipFill>
+          <a:blip r:embed="rId5">
+            <a:extLst>
+              <a:ext uri="{96DAC541-7B7A-43D3-8B79-37D633B846F1}">
+                <asvg:svgBlip xmlns:asvg="http://schemas.microsoft.com/office/drawing/2016/SVG/main" r:embed="rId6"/>
+              </a:ext>
+            </a:extLst>
+          </a:blip>
+          <a:stretch>
+            <a:fillRect/>
+          </a:stretch>
+        </p:blipFill>
+        <p:spPr>
+          <a:xfrm>
+            <a:off x="1011343" y="4996276"/>
+            <a:ext cx="1676399" cy="1676399"/>
+          </a:xfrm>
+          <a:prstGeom prst="rect">
+            <a:avLst/>
+          </a:prstGeom>
+        </p:spPr>
+      </p:pic>
+      <p:sp>
+        <p:nvSpPr>
+          <p:cNvPr id="16" name="ZoneTexte 15">
+            <a:extLst>
+              <a:ext uri="{FF2B5EF4-FFF2-40B4-BE49-F238E27FC236}">
+                <a16:creationId xmlns:a16="http://schemas.microsoft.com/office/drawing/2014/main" id="{359BD1CD-BD6D-217C-9A0A-12579CF6E05B}"/>
+              </a:ext>
+            </a:extLst>
+          </p:cNvPr>
+          <p:cNvSpPr txBox="1"/>
+          <p:nvPr/>
+        </p:nvSpPr>
+        <p:spPr>
+          <a:xfrm>
+            <a:off x="2841173" y="5051185"/>
+            <a:ext cx="15414170" cy="1938992"/>
+          </a:xfrm>
+          <a:prstGeom prst="rect">
+            <a:avLst/>
+          </a:prstGeom>
+          <a:noFill/>
+        </p:spPr>
+        <p:txBody>
+          <a:bodyPr wrap="square">
+            <a:spAutoFit/>
+          </a:bodyPr>
+          <a:lstStyle/>
+          <a:p>
+            <a:pPr>
+              <a:buNone/>
+            </a:pPr>
+            <a:r>
+              <a:rPr lang="fr-FR" sz="3600" b="1" u="sng" dirty="0">
+                <a:latin typeface="Alegreya" panose="020B0604020202020204" charset="0"/>
+              </a:rPr>
+              <a:t>Objectif du projet</a:t>
+            </a:r>
+          </a:p>
+          <a:p>
+            <a:pPr>
+              <a:lnSpc>
+                <a:spcPct val="150000"/>
+              </a:lnSpc>
+            </a:pPr>
+            <a:r>
+              <a:rPr lang="fr-FR" sz="3200" dirty="0">
+                <a:latin typeface="Alegreya" panose="020B0604020202020204" charset="0"/>
+              </a:rPr>
+              <a:t>Optimiser la gestion des commandes et des livraisons</a:t>
+            </a:r>
+          </a:p>
+          <a:p>
+            <a:pPr>
+              <a:buNone/>
+            </a:pPr>
+            <a:endParaRPr lang="fr-FR" sz="3600" u="sng" dirty="0">
+              <a:latin typeface="Alegreya" panose="020B0604020202020204" charset="0"/>
+            </a:endParaRPr>
+          </a:p>
+        </p:txBody>
+      </p:sp>
+      <p:pic>
+        <p:nvPicPr>
+          <p:cNvPr id="18" name="Graphique 17" descr="Utilisateur contour">
+            <a:extLst>
+              <a:ext uri="{FF2B5EF4-FFF2-40B4-BE49-F238E27FC236}">
+                <a16:creationId xmlns:a16="http://schemas.microsoft.com/office/drawing/2014/main" id="{96CC544B-4F4A-489D-DC9A-85C883A07904}"/>
+              </a:ext>
+            </a:extLst>
+          </p:cNvPr>
+          <p:cNvPicPr>
+            <a:picLocks noChangeAspect="1"/>
+          </p:cNvPicPr>
+          <p:nvPr/>
+        </p:nvPicPr>
+        <p:blipFill>
+          <a:blip r:embed="rId7">
+            <a:extLst>
+              <a:ext uri="{96DAC541-7B7A-43D3-8B79-37D633B846F1}">
+                <asvg:svgBlip xmlns:asvg="http://schemas.microsoft.com/office/drawing/2016/SVG/main" r:embed="rId8"/>
+              </a:ext>
+            </a:extLst>
+          </a:blip>
+          <a:stretch>
+            <a:fillRect/>
+          </a:stretch>
+        </p:blipFill>
+        <p:spPr>
+          <a:xfrm>
+            <a:off x="1011343" y="6906981"/>
+            <a:ext cx="1676400" cy="1676400"/>
+          </a:xfrm>
+          <a:prstGeom prst="rect">
+            <a:avLst/>
+          </a:prstGeom>
+        </p:spPr>
+      </p:pic>
+      <p:sp>
+        <p:nvSpPr>
+          <p:cNvPr id="19" name="ZoneTexte 18">
+            <a:extLst>
+              <a:ext uri="{FF2B5EF4-FFF2-40B4-BE49-F238E27FC236}">
+                <a16:creationId xmlns:a16="http://schemas.microsoft.com/office/drawing/2014/main" id="{59DC83E2-0858-F03D-C11F-A8989A0A62C1}"/>
+              </a:ext>
+            </a:extLst>
+          </p:cNvPr>
+          <p:cNvSpPr txBox="1"/>
+          <p:nvPr/>
+        </p:nvSpPr>
+        <p:spPr>
+          <a:xfrm>
+            <a:off x="2873830" y="7110356"/>
+            <a:ext cx="15414170" cy="1938992"/>
+          </a:xfrm>
+          <a:prstGeom prst="rect">
+            <a:avLst/>
+          </a:prstGeom>
+          <a:noFill/>
+        </p:spPr>
+        <p:txBody>
+          <a:bodyPr wrap="square">
+            <a:spAutoFit/>
+          </a:bodyPr>
+          <a:lstStyle/>
+          <a:p>
+            <a:pPr>
+              <a:buNone/>
+            </a:pPr>
+            <a:r>
+              <a:rPr lang="fr-FR" sz="3600" b="1" u="sng" dirty="0">
+                <a:latin typeface="Alegreya" panose="020B0604020202020204" charset="0"/>
+              </a:rPr>
+              <a:t>Intégration de plusieurs acteurs</a:t>
+            </a:r>
+          </a:p>
+          <a:p>
+            <a:pPr>
+              <a:lnSpc>
+                <a:spcPct val="150000"/>
+              </a:lnSpc>
+            </a:pPr>
+            <a:r>
+              <a:rPr lang="fr-FR" sz="3200" dirty="0">
+                <a:latin typeface="Alegreya" panose="020B0604020202020204" charset="0"/>
+              </a:rPr>
+              <a:t>Clients, restaurateurs, livreurs, développeurs tiers, services commerciaux et techniques</a:t>
+            </a:r>
+          </a:p>
+          <a:p>
+            <a:pPr>
+              <a:buNone/>
+            </a:pPr>
+            <a:endParaRPr lang="fr-FR" sz="3600" u="sng" dirty="0">
+              <a:latin typeface="Alegreya" panose="020B0604020202020204" charset="0"/>
+            </a:endParaRPr>
+          </a:p>
+        </p:txBody>
+      </p:sp>
+      <p:sp>
+        <p:nvSpPr>
+          <p:cNvPr id="22" name="TextBox 12">
+            <a:extLst>
+              <a:ext uri="{FF2B5EF4-FFF2-40B4-BE49-F238E27FC236}">
+                <a16:creationId xmlns:a16="http://schemas.microsoft.com/office/drawing/2014/main" id="{4203723E-2AEC-92D2-25B7-9FE24744DC24}"/>
+              </a:ext>
+            </a:extLst>
+          </p:cNvPr>
+          <p:cNvSpPr txBox="1"/>
+          <p:nvPr/>
+        </p:nvSpPr>
+        <p:spPr>
+          <a:xfrm>
+            <a:off x="3679043" y="560460"/>
             <a:ext cx="10929913" cy="1332031"/>
           </a:xfrm>
           <a:prstGeom prst="rect">
@@ -10155,6 +11071,86 @@
           </a:p>
         </p:txBody>
       </p:sp>
+      <p:sp>
+        <p:nvSpPr>
+          <p:cNvPr id="23" name="TextBox 12">
+            <a:extLst>
+              <a:ext uri="{FF2B5EF4-FFF2-40B4-BE49-F238E27FC236}">
+                <a16:creationId xmlns:a16="http://schemas.microsoft.com/office/drawing/2014/main" id="{35D00DC7-F25F-A645-4811-C8CA9D00DE82}"/>
+              </a:ext>
+            </a:extLst>
+          </p:cNvPr>
+          <p:cNvSpPr txBox="1"/>
+          <p:nvPr/>
+        </p:nvSpPr>
+        <p:spPr>
+          <a:xfrm>
+            <a:off x="7048499" y="1046235"/>
+            <a:ext cx="4191000" cy="1184748"/>
+          </a:xfrm>
+          <a:prstGeom prst="rect">
+            <a:avLst/>
+          </a:prstGeom>
+        </p:spPr>
+        <p:txBody>
+          <a:bodyPr wrap="square" lIns="0" tIns="0" rIns="0" bIns="0" rtlCol="0" anchor="ctr">
+            <a:spAutoFit/>
+          </a:bodyPr>
+          <a:lstStyle/>
+          <a:p>
+            <a:pPr algn="ctr">
+              <a:lnSpc>
+                <a:spcPts val="11432"/>
+              </a:lnSpc>
+            </a:pPr>
+            <a:r>
+              <a:rPr lang="en-US" sz="3000" dirty="0" err="1">
+                <a:solidFill>
+                  <a:srgbClr val="000000"/>
+                </a:solidFill>
+                <a:latin typeface="Bobby Jones"/>
+                <a:ea typeface="Bobby Jones"/>
+                <a:cs typeface="Bobby Jones"/>
+                <a:sym typeface="Bobby Jones"/>
+              </a:rPr>
+              <a:t>Objectifs</a:t>
+            </a:r>
+            <a:r>
+              <a:rPr lang="en-US" sz="3000" dirty="0">
+                <a:solidFill>
+                  <a:srgbClr val="000000"/>
+                </a:solidFill>
+                <a:latin typeface="Bobby Jones"/>
+                <a:ea typeface="Bobby Jones"/>
+                <a:cs typeface="Bobby Jones"/>
+                <a:sym typeface="Bobby Jones"/>
+              </a:rPr>
+              <a:t> </a:t>
+            </a:r>
+            <a:r>
+              <a:rPr lang="en-US" sz="3000" dirty="0" err="1">
+                <a:solidFill>
+                  <a:srgbClr val="000000"/>
+                </a:solidFill>
+                <a:latin typeface="Bobby Jones"/>
+                <a:ea typeface="Bobby Jones"/>
+                <a:cs typeface="Bobby Jones"/>
+                <a:sym typeface="Bobby Jones"/>
+              </a:rPr>
+              <a:t>fonctionnels</a:t>
+            </a:r>
+            <a:endParaRPr lang="en-US" sz="3000" dirty="0">
+              <a:solidFill>
+                <a:srgbClr val="000000"/>
+              </a:solidFill>
+              <a:latin typeface="Bobby Jones"/>
+              <a:ea typeface="Bobby Jones"/>
+              <a:cs typeface="Bobby Jones"/>
+              <a:sym typeface="Bobby Jones"/>
+            </a:endParaRPr>
+          </a:p>
+        </p:txBody>
+      </p:sp>
     </p:spTree>
   </p:cSld>
   <p:clrMapOvr>
@@ -10164,6 +11160,881 @@
 </file>
 
 <file path=ppt/slides/slide5.xml><?xml version="1.0" encoding="utf-8"?>
+<p:sld xmlns:a="http://schemas.openxmlformats.org/drawingml/2006/main" xmlns:r="http://schemas.openxmlformats.org/officeDocument/2006/relationships" xmlns:p="http://schemas.openxmlformats.org/presentationml/2006/main">
+  <p:cSld>
+    <p:spTree>
+      <p:nvGrpSpPr>
+        <p:cNvPr id="1" name="">
+          <a:extLst>
+            <a:ext uri="{FF2B5EF4-FFF2-40B4-BE49-F238E27FC236}">
+              <a16:creationId xmlns:a16="http://schemas.microsoft.com/office/drawing/2014/main" id="{296AF5C7-B838-BA2E-2071-736EBBFF211A}"/>
+            </a:ext>
+          </a:extLst>
+        </p:cNvPr>
+        <p:cNvGrpSpPr/>
+        <p:nvPr/>
+      </p:nvGrpSpPr>
+      <p:grpSpPr>
+        <a:xfrm>
+          <a:off x="0" y="0"/>
+          <a:ext cx="0" cy="0"/>
+          <a:chOff x="0" y="0"/>
+          <a:chExt cx="0" cy="0"/>
+        </a:xfrm>
+      </p:grpSpPr>
+      <p:sp>
+        <p:nvSpPr>
+          <p:cNvPr id="2" name="Freeform 2">
+            <a:extLst>
+              <a:ext uri="{FF2B5EF4-FFF2-40B4-BE49-F238E27FC236}">
+                <a16:creationId xmlns:a16="http://schemas.microsoft.com/office/drawing/2014/main" id="{21B1FCFF-E3B4-E305-E098-FB0360067B94}"/>
+              </a:ext>
+            </a:extLst>
+          </p:cNvPr>
+          <p:cNvSpPr/>
+          <p:nvPr/>
+        </p:nvSpPr>
+        <p:spPr>
+          <a:xfrm>
+            <a:off x="0" y="0"/>
+            <a:ext cx="18288000" cy="10287000"/>
+          </a:xfrm>
+          <a:custGeom>
+            <a:avLst/>
+            <a:gdLst/>
+            <a:ahLst/>
+            <a:cxnLst/>
+            <a:rect l="l" t="t" r="r" b="b"/>
+            <a:pathLst>
+              <a:path w="18288000" h="10287000">
+                <a:moveTo>
+                  <a:pt x="0" y="0"/>
+                </a:moveTo>
+                <a:lnTo>
+                  <a:pt x="18288000" y="0"/>
+                </a:lnTo>
+                <a:lnTo>
+                  <a:pt x="18288000" y="10287000"/>
+                </a:lnTo>
+                <a:lnTo>
+                  <a:pt x="0" y="10287000"/>
+                </a:lnTo>
+                <a:lnTo>
+                  <a:pt x="0" y="0"/>
+                </a:lnTo>
+                <a:close/>
+              </a:path>
+            </a:pathLst>
+          </a:custGeom>
+          <a:blipFill>
+            <a:blip r:embed="rId2"/>
+            <a:stretch>
+              <a:fillRect l="-220" t="-9510" r="-1696" b="-11203"/>
+            </a:stretch>
+          </a:blipFill>
+        </p:spPr>
+        <p:txBody>
+          <a:bodyPr/>
+          <a:lstStyle/>
+          <a:p>
+            <a:endParaRPr lang="fr-FR" dirty="0"/>
+          </a:p>
+        </p:txBody>
+      </p:sp>
+      <p:sp>
+        <p:nvSpPr>
+          <p:cNvPr id="3" name="TextBox 12">
+            <a:extLst>
+              <a:ext uri="{FF2B5EF4-FFF2-40B4-BE49-F238E27FC236}">
+                <a16:creationId xmlns:a16="http://schemas.microsoft.com/office/drawing/2014/main" id="{74083DFF-E818-23F6-E50E-C6A4AFC99743}"/>
+              </a:ext>
+            </a:extLst>
+          </p:cNvPr>
+          <p:cNvSpPr txBox="1"/>
+          <p:nvPr/>
+        </p:nvSpPr>
+        <p:spPr>
+          <a:xfrm>
+            <a:off x="3679043" y="560460"/>
+            <a:ext cx="10929913" cy="1332031"/>
+          </a:xfrm>
+          <a:prstGeom prst="rect">
+            <a:avLst/>
+          </a:prstGeom>
+        </p:spPr>
+        <p:txBody>
+          <a:bodyPr lIns="0" tIns="0" rIns="0" bIns="0" rtlCol="0" anchor="t">
+            <a:spAutoFit/>
+          </a:bodyPr>
+          <a:lstStyle/>
+          <a:p>
+            <a:pPr algn="ctr">
+              <a:lnSpc>
+                <a:spcPts val="11432"/>
+              </a:lnSpc>
+            </a:pPr>
+            <a:r>
+              <a:rPr lang="en-US" sz="8165" dirty="0">
+                <a:solidFill>
+                  <a:srgbClr val="000000"/>
+                </a:solidFill>
+                <a:latin typeface="Bobby Jones"/>
+                <a:ea typeface="Bobby Jones"/>
+                <a:cs typeface="Bobby Jones"/>
+                <a:sym typeface="Bobby Jones"/>
+              </a:rPr>
+              <a:t>﻿Rappel du </a:t>
+            </a:r>
+            <a:r>
+              <a:rPr lang="en-US" sz="8165" dirty="0" err="1">
+                <a:solidFill>
+                  <a:srgbClr val="000000"/>
+                </a:solidFill>
+                <a:latin typeface="Bobby Jones"/>
+                <a:ea typeface="Bobby Jones"/>
+                <a:cs typeface="Bobby Jones"/>
+                <a:sym typeface="Bobby Jones"/>
+              </a:rPr>
+              <a:t>besoin</a:t>
+            </a:r>
+            <a:endParaRPr lang="en-US" sz="8165" dirty="0">
+              <a:solidFill>
+                <a:srgbClr val="000000"/>
+              </a:solidFill>
+              <a:latin typeface="Bobby Jones"/>
+              <a:ea typeface="Bobby Jones"/>
+              <a:cs typeface="Bobby Jones"/>
+              <a:sym typeface="Bobby Jones"/>
+            </a:endParaRPr>
+          </a:p>
+        </p:txBody>
+      </p:sp>
+      <p:sp>
+        <p:nvSpPr>
+          <p:cNvPr id="4" name="TextBox 12">
+            <a:extLst>
+              <a:ext uri="{FF2B5EF4-FFF2-40B4-BE49-F238E27FC236}">
+                <a16:creationId xmlns:a16="http://schemas.microsoft.com/office/drawing/2014/main" id="{D2CA2140-578B-C79E-C300-AA3E3B3A354D}"/>
+              </a:ext>
+            </a:extLst>
+          </p:cNvPr>
+          <p:cNvSpPr txBox="1"/>
+          <p:nvPr/>
+        </p:nvSpPr>
+        <p:spPr>
+          <a:xfrm>
+            <a:off x="7048499" y="1046235"/>
+            <a:ext cx="4191000" cy="1184748"/>
+          </a:xfrm>
+          <a:prstGeom prst="rect">
+            <a:avLst/>
+          </a:prstGeom>
+        </p:spPr>
+        <p:txBody>
+          <a:bodyPr wrap="square" lIns="0" tIns="0" rIns="0" bIns="0" rtlCol="0" anchor="ctr">
+            <a:spAutoFit/>
+          </a:bodyPr>
+          <a:lstStyle/>
+          <a:p>
+            <a:pPr algn="ctr">
+              <a:lnSpc>
+                <a:spcPts val="11432"/>
+              </a:lnSpc>
+            </a:pPr>
+            <a:r>
+              <a:rPr lang="en-US" sz="3000" dirty="0" err="1">
+                <a:solidFill>
+                  <a:srgbClr val="000000"/>
+                </a:solidFill>
+                <a:latin typeface="Bobby Jones"/>
+                <a:ea typeface="Bobby Jones"/>
+                <a:cs typeface="Bobby Jones"/>
+                <a:sym typeface="Bobby Jones"/>
+              </a:rPr>
+              <a:t>Objectifs</a:t>
+            </a:r>
+            <a:r>
+              <a:rPr lang="en-US" sz="3000" dirty="0">
+                <a:solidFill>
+                  <a:srgbClr val="000000"/>
+                </a:solidFill>
+                <a:latin typeface="Bobby Jones"/>
+                <a:ea typeface="Bobby Jones"/>
+                <a:cs typeface="Bobby Jones"/>
+                <a:sym typeface="Bobby Jones"/>
+              </a:rPr>
+              <a:t> </a:t>
+            </a:r>
+            <a:r>
+              <a:rPr lang="en-US" sz="3000" dirty="0" err="1">
+                <a:solidFill>
+                  <a:srgbClr val="000000"/>
+                </a:solidFill>
+                <a:latin typeface="Bobby Jones"/>
+                <a:ea typeface="Bobby Jones"/>
+                <a:cs typeface="Bobby Jones"/>
+                <a:sym typeface="Bobby Jones"/>
+              </a:rPr>
+              <a:t>fonctionnels</a:t>
+            </a:r>
+            <a:endParaRPr lang="en-US" sz="3000" dirty="0">
+              <a:solidFill>
+                <a:srgbClr val="000000"/>
+              </a:solidFill>
+              <a:latin typeface="Bobby Jones"/>
+              <a:ea typeface="Bobby Jones"/>
+              <a:cs typeface="Bobby Jones"/>
+              <a:sym typeface="Bobby Jones"/>
+            </a:endParaRPr>
+          </a:p>
+        </p:txBody>
+      </p:sp>
+      <p:sp>
+        <p:nvSpPr>
+          <p:cNvPr id="5" name="Rectangle 4">
+            <a:extLst>
+              <a:ext uri="{FF2B5EF4-FFF2-40B4-BE49-F238E27FC236}">
+                <a16:creationId xmlns:a16="http://schemas.microsoft.com/office/drawing/2014/main" id="{95A552AF-78DF-093F-FD9C-52C0531315E0}"/>
+              </a:ext>
+            </a:extLst>
+          </p:cNvPr>
+          <p:cNvSpPr/>
+          <p:nvPr/>
+        </p:nvSpPr>
+        <p:spPr>
+          <a:xfrm>
+            <a:off x="0" y="9410700"/>
+            <a:ext cx="18288000" cy="876300"/>
+          </a:xfrm>
+          <a:prstGeom prst="rect">
+            <a:avLst/>
+          </a:prstGeom>
+          <a:solidFill>
+            <a:srgbClr val="F5F3F3"/>
+          </a:solidFill>
+          <a:ln>
+            <a:solidFill>
+              <a:srgbClr val="F5F3F3"/>
+            </a:solidFill>
+          </a:ln>
+        </p:spPr>
+        <p:style>
+          <a:lnRef idx="2">
+            <a:schemeClr val="accent1">
+              <a:shade val="15000"/>
+            </a:schemeClr>
+          </a:lnRef>
+          <a:fillRef idx="1">
+            <a:schemeClr val="accent1"/>
+          </a:fillRef>
+          <a:effectRef idx="0">
+            <a:schemeClr val="accent1"/>
+          </a:effectRef>
+          <a:fontRef idx="minor">
+            <a:schemeClr val="lt1"/>
+          </a:fontRef>
+        </p:style>
+        <p:txBody>
+          <a:bodyPr rtlCol="0" anchor="ctr"/>
+          <a:lstStyle/>
+          <a:p>
+            <a:pPr algn="ctr"/>
+            <a:endParaRPr lang="fr-FR"/>
+          </a:p>
+        </p:txBody>
+      </p:sp>
+      <p:sp>
+        <p:nvSpPr>
+          <p:cNvPr id="6" name="ZoneTexte 5">
+            <a:extLst>
+              <a:ext uri="{FF2B5EF4-FFF2-40B4-BE49-F238E27FC236}">
+                <a16:creationId xmlns:a16="http://schemas.microsoft.com/office/drawing/2014/main" id="{26406EE5-BD9A-D697-77EB-091F0339C5CB}"/>
+              </a:ext>
+            </a:extLst>
+          </p:cNvPr>
+          <p:cNvSpPr txBox="1"/>
+          <p:nvPr/>
+        </p:nvSpPr>
+        <p:spPr>
+          <a:xfrm>
+            <a:off x="609600" y="9587240"/>
+            <a:ext cx="17068800" cy="523220"/>
+          </a:xfrm>
+          <a:prstGeom prst="rect">
+            <a:avLst/>
+          </a:prstGeom>
+          <a:noFill/>
+        </p:spPr>
+        <p:txBody>
+          <a:bodyPr wrap="square" rtlCol="0">
+            <a:spAutoFit/>
+          </a:bodyPr>
+          <a:lstStyle/>
+          <a:p>
+            <a:pPr algn="ctr"/>
+            <a:r>
+              <a:rPr lang="fr-FR" sz="2800" b="1" dirty="0">
+                <a:latin typeface="Alegreya" panose="020B0604020202020204" charset="0"/>
+              </a:rPr>
+              <a:t>Introduction et complexe        </a:t>
+            </a:r>
+            <a:r>
+              <a:rPr lang="fr-FR" sz="2800" dirty="0">
+                <a:solidFill>
+                  <a:schemeClr val="bg1">
+                    <a:lumMod val="50000"/>
+                  </a:schemeClr>
+                </a:solidFill>
+                <a:latin typeface="Alegreya" panose="020B0604020202020204" charset="0"/>
+              </a:rPr>
+              <a:t>–        Développement et démonstration        –        Analyse et conclusion</a:t>
+            </a:r>
+          </a:p>
+        </p:txBody>
+      </p:sp>
+      <p:sp>
+        <p:nvSpPr>
+          <p:cNvPr id="7" name="ZoneTexte 6">
+            <a:extLst>
+              <a:ext uri="{FF2B5EF4-FFF2-40B4-BE49-F238E27FC236}">
+                <a16:creationId xmlns:a16="http://schemas.microsoft.com/office/drawing/2014/main" id="{43D20655-5781-AFDB-945E-50CE221008EF}"/>
+              </a:ext>
+            </a:extLst>
+          </p:cNvPr>
+          <p:cNvSpPr txBox="1"/>
+          <p:nvPr/>
+        </p:nvSpPr>
+        <p:spPr>
+          <a:xfrm>
+            <a:off x="10820404" y="7252737"/>
+            <a:ext cx="7178040" cy="1569660"/>
+          </a:xfrm>
+          <a:prstGeom prst="rect">
+            <a:avLst/>
+          </a:prstGeom>
+          <a:noFill/>
+        </p:spPr>
+        <p:txBody>
+          <a:bodyPr wrap="square" rtlCol="0">
+            <a:spAutoFit/>
+          </a:bodyPr>
+          <a:lstStyle/>
+          <a:p>
+            <a:pPr>
+              <a:buNone/>
+            </a:pPr>
+            <a:r>
+              <a:rPr lang="fr-FR" sz="3200" b="1" u="sng" dirty="0">
+                <a:latin typeface="Alegreya" panose="020B0604020202020204" charset="0"/>
+              </a:rPr>
+              <a:t>Service technique</a:t>
+            </a:r>
+          </a:p>
+          <a:p>
+            <a:pPr marL="457200" indent="-457200">
+              <a:buFont typeface="Symbol" panose="05050102010706020507" pitchFamily="18" charset="2"/>
+              <a:buChar char="®"/>
+            </a:pPr>
+            <a:r>
+              <a:rPr lang="fr-FR" sz="3200" dirty="0">
+                <a:latin typeface="Alegreya" panose="020B0604020202020204" charset="0"/>
+              </a:rPr>
+              <a:t> Supervision, monitoring, gestion des performances</a:t>
+            </a:r>
+          </a:p>
+        </p:txBody>
+      </p:sp>
+      <p:pic>
+        <p:nvPicPr>
+          <p:cNvPr id="10" name="Graphique 9" descr="Personne s'alimentant contour">
+            <a:extLst>
+              <a:ext uri="{FF2B5EF4-FFF2-40B4-BE49-F238E27FC236}">
+                <a16:creationId xmlns:a16="http://schemas.microsoft.com/office/drawing/2014/main" id="{5F30FC6C-65E9-1C3C-3571-51FA8048E129}"/>
+              </a:ext>
+            </a:extLst>
+          </p:cNvPr>
+          <p:cNvPicPr>
+            <a:picLocks noChangeAspect="1"/>
+          </p:cNvPicPr>
+          <p:nvPr/>
+        </p:nvPicPr>
+        <p:blipFill>
+          <a:blip r:embed="rId3">
+            <a:extLst>
+              <a:ext uri="{96DAC541-7B7A-43D3-8B79-37D633B846F1}">
+                <asvg:svgBlip xmlns:asvg="http://schemas.microsoft.com/office/drawing/2016/SVG/main" r:embed="rId4"/>
+              </a:ext>
+            </a:extLst>
+          </a:blip>
+          <a:stretch>
+            <a:fillRect/>
+          </a:stretch>
+        </p:blipFill>
+        <p:spPr>
+          <a:xfrm>
+            <a:off x="609600" y="3027481"/>
+            <a:ext cx="1676400" cy="1676400"/>
+          </a:xfrm>
+          <a:prstGeom prst="rect">
+            <a:avLst/>
+          </a:prstGeom>
+        </p:spPr>
+      </p:pic>
+      <p:sp>
+        <p:nvSpPr>
+          <p:cNvPr id="14" name="ZoneTexte 13">
+            <a:extLst>
+              <a:ext uri="{FF2B5EF4-FFF2-40B4-BE49-F238E27FC236}">
+                <a16:creationId xmlns:a16="http://schemas.microsoft.com/office/drawing/2014/main" id="{35753CDA-C654-A37A-5FBD-0E7D378FAE93}"/>
+              </a:ext>
+            </a:extLst>
+          </p:cNvPr>
+          <p:cNvSpPr txBox="1"/>
+          <p:nvPr/>
+        </p:nvSpPr>
+        <p:spPr>
+          <a:xfrm>
+            <a:off x="2514600" y="3027481"/>
+            <a:ext cx="5943600" cy="2123658"/>
+          </a:xfrm>
+          <a:prstGeom prst="rect">
+            <a:avLst/>
+          </a:prstGeom>
+          <a:noFill/>
+        </p:spPr>
+        <p:txBody>
+          <a:bodyPr wrap="square">
+            <a:spAutoFit/>
+          </a:bodyPr>
+          <a:lstStyle/>
+          <a:p>
+            <a:r>
+              <a:rPr lang="fr-FR" sz="3200" b="1" u="sng" dirty="0">
+                <a:latin typeface="Alegreya" panose="020B0604020202020204" charset="0"/>
+              </a:rPr>
+              <a:t>Utilisateurs finaux</a:t>
+            </a:r>
+          </a:p>
+          <a:p>
+            <a:pPr marL="285750" indent="-285750">
+              <a:buFont typeface="Symbol" panose="05050102010706020507" pitchFamily="18" charset="2"/>
+              <a:buChar char="®"/>
+            </a:pPr>
+            <a:r>
+              <a:rPr lang="fr-FR" sz="3200" dirty="0">
+                <a:latin typeface="Alegreya" panose="020B0604020202020204" charset="0"/>
+              </a:rPr>
+              <a:t> Commander, payer, suivre une livraison</a:t>
+            </a:r>
+          </a:p>
+          <a:p>
+            <a:pPr marL="285750" indent="-285750">
+              <a:buFont typeface="Symbol" panose="05050102010706020507" pitchFamily="18" charset="2"/>
+              <a:buChar char="®"/>
+            </a:pPr>
+            <a:r>
+              <a:rPr lang="fr-FR" sz="3200" dirty="0">
+                <a:latin typeface="Alegreya" panose="020B0604020202020204" charset="0"/>
+              </a:rPr>
+              <a:t> Parrainage et notifications</a:t>
+            </a:r>
+            <a:endParaRPr lang="fr-FR" sz="3200" dirty="0"/>
+          </a:p>
+        </p:txBody>
+      </p:sp>
+      <p:pic>
+        <p:nvPicPr>
+          <p:cNvPr id="16" name="Graphique 15" descr="Couverts de table  contour">
+            <a:extLst>
+              <a:ext uri="{FF2B5EF4-FFF2-40B4-BE49-F238E27FC236}">
+                <a16:creationId xmlns:a16="http://schemas.microsoft.com/office/drawing/2014/main" id="{5C898455-2AC5-C31B-8957-3FE5DF42570D}"/>
+              </a:ext>
+            </a:extLst>
+          </p:cNvPr>
+          <p:cNvPicPr>
+            <a:picLocks noChangeAspect="1"/>
+          </p:cNvPicPr>
+          <p:nvPr/>
+        </p:nvPicPr>
+        <p:blipFill>
+          <a:blip r:embed="rId5">
+            <a:extLst>
+              <a:ext uri="{96DAC541-7B7A-43D3-8B79-37D633B846F1}">
+                <asvg:svgBlip xmlns:asvg="http://schemas.microsoft.com/office/drawing/2016/SVG/main" r:embed="rId6"/>
+              </a:ext>
+            </a:extLst>
+          </a:blip>
+          <a:stretch>
+            <a:fillRect/>
+          </a:stretch>
+        </p:blipFill>
+        <p:spPr>
+          <a:xfrm>
+            <a:off x="609600" y="5393117"/>
+            <a:ext cx="1676401" cy="1676401"/>
+          </a:xfrm>
+          <a:prstGeom prst="rect">
+            <a:avLst/>
+          </a:prstGeom>
+        </p:spPr>
+      </p:pic>
+      <p:sp>
+        <p:nvSpPr>
+          <p:cNvPr id="18" name="ZoneTexte 17">
+            <a:extLst>
+              <a:ext uri="{FF2B5EF4-FFF2-40B4-BE49-F238E27FC236}">
+                <a16:creationId xmlns:a16="http://schemas.microsoft.com/office/drawing/2014/main" id="{ABF6825B-9AC1-D65C-CFA6-0F1A062E008F}"/>
+              </a:ext>
+            </a:extLst>
+          </p:cNvPr>
+          <p:cNvSpPr txBox="1"/>
+          <p:nvPr/>
+        </p:nvSpPr>
+        <p:spPr>
+          <a:xfrm>
+            <a:off x="2514600" y="5381623"/>
+            <a:ext cx="5943600" cy="1631216"/>
+          </a:xfrm>
+          <a:prstGeom prst="rect">
+            <a:avLst/>
+          </a:prstGeom>
+          <a:noFill/>
+        </p:spPr>
+        <p:txBody>
+          <a:bodyPr wrap="square">
+            <a:spAutoFit/>
+          </a:bodyPr>
+          <a:lstStyle/>
+          <a:p>
+            <a:r>
+              <a:rPr lang="fr-FR" sz="3200" b="1" u="sng" dirty="0">
+                <a:latin typeface="Alegreya" panose="020B0604020202020204" charset="0"/>
+              </a:rPr>
+              <a:t>Restaurateurs</a:t>
+            </a:r>
+          </a:p>
+          <a:p>
+            <a:pPr marL="285750" indent="-285750">
+              <a:buFont typeface="Symbol" panose="05050102010706020507" pitchFamily="18" charset="2"/>
+              <a:buChar char=""/>
+            </a:pPr>
+            <a:r>
+              <a:rPr lang="fr-FR" sz="3200" dirty="0">
+                <a:latin typeface="Alegreya" panose="020B0604020202020204" charset="0"/>
+              </a:rPr>
+              <a:t> Gérer menus, commandes et statistiques</a:t>
+            </a:r>
+            <a:endParaRPr lang="fr-FR" sz="3200" dirty="0"/>
+          </a:p>
+        </p:txBody>
+      </p:sp>
+      <p:pic>
+        <p:nvPicPr>
+          <p:cNvPr id="20" name="Graphique 19" descr="Cyclisme contour">
+            <a:extLst>
+              <a:ext uri="{FF2B5EF4-FFF2-40B4-BE49-F238E27FC236}">
+                <a16:creationId xmlns:a16="http://schemas.microsoft.com/office/drawing/2014/main" id="{0989C6F6-FC14-1E7C-085A-A996F2F1342B}"/>
+              </a:ext>
+            </a:extLst>
+          </p:cNvPr>
+          <p:cNvPicPr>
+            <a:picLocks noChangeAspect="1"/>
+          </p:cNvPicPr>
+          <p:nvPr/>
+        </p:nvPicPr>
+        <p:blipFill>
+          <a:blip r:embed="rId7">
+            <a:extLst>
+              <a:ext uri="{96DAC541-7B7A-43D3-8B79-37D633B846F1}">
+                <asvg:svgBlip xmlns:asvg="http://schemas.microsoft.com/office/drawing/2016/SVG/main" r:embed="rId8"/>
+              </a:ext>
+            </a:extLst>
+          </a:blip>
+          <a:stretch>
+            <a:fillRect/>
+          </a:stretch>
+        </p:blipFill>
+        <p:spPr>
+          <a:xfrm>
+            <a:off x="609600" y="7252737"/>
+            <a:ext cx="1676400" cy="1676400"/>
+          </a:xfrm>
+          <a:prstGeom prst="rect">
+            <a:avLst/>
+          </a:prstGeom>
+        </p:spPr>
+      </p:pic>
+      <p:sp>
+        <p:nvSpPr>
+          <p:cNvPr id="22" name="ZoneTexte 21">
+            <a:extLst>
+              <a:ext uri="{FF2B5EF4-FFF2-40B4-BE49-F238E27FC236}">
+                <a16:creationId xmlns:a16="http://schemas.microsoft.com/office/drawing/2014/main" id="{5D3F21EF-CE07-8BB6-C80D-4606913630BE}"/>
+              </a:ext>
+            </a:extLst>
+          </p:cNvPr>
+          <p:cNvSpPr txBox="1"/>
+          <p:nvPr/>
+        </p:nvSpPr>
+        <p:spPr>
+          <a:xfrm>
+            <a:off x="2514599" y="7252737"/>
+            <a:ext cx="5943600" cy="1569660"/>
+          </a:xfrm>
+          <a:prstGeom prst="rect">
+            <a:avLst/>
+          </a:prstGeom>
+          <a:noFill/>
+        </p:spPr>
+        <p:txBody>
+          <a:bodyPr wrap="square">
+            <a:spAutoFit/>
+          </a:bodyPr>
+          <a:lstStyle/>
+          <a:p>
+            <a:r>
+              <a:rPr lang="fr-FR" sz="3200" b="1" u="sng" dirty="0">
+                <a:latin typeface="Alegreya" panose="020B0604020202020204" charset="0"/>
+              </a:rPr>
+              <a:t>Livreurs</a:t>
+            </a:r>
+          </a:p>
+          <a:p>
+            <a:pPr marL="285750" indent="-285750">
+              <a:buFont typeface="Symbol" panose="05050102010706020507" pitchFamily="18" charset="2"/>
+              <a:buChar char="®"/>
+            </a:pPr>
+            <a:r>
+              <a:rPr lang="fr-FR" sz="3200" dirty="0">
+                <a:latin typeface="Alegreya" panose="020B0604020202020204" charset="0"/>
+              </a:rPr>
+              <a:t> Accepter/refuser des livraisons, validation via QR Code </a:t>
+            </a:r>
+          </a:p>
+        </p:txBody>
+      </p:sp>
+      <p:pic>
+        <p:nvPicPr>
+          <p:cNvPr id="24" name="Graphique 23" descr="Programmeur contour">
+            <a:extLst>
+              <a:ext uri="{FF2B5EF4-FFF2-40B4-BE49-F238E27FC236}">
+                <a16:creationId xmlns:a16="http://schemas.microsoft.com/office/drawing/2014/main" id="{D08890A8-4DAD-D1B2-39D3-BB424714C1AC}"/>
+              </a:ext>
+            </a:extLst>
+          </p:cNvPr>
+          <p:cNvPicPr>
+            <a:picLocks noChangeAspect="1"/>
+          </p:cNvPicPr>
+          <p:nvPr/>
+        </p:nvPicPr>
+        <p:blipFill>
+          <a:blip r:embed="rId9">
+            <a:extLst>
+              <a:ext uri="{96DAC541-7B7A-43D3-8B79-37D633B846F1}">
+                <asvg:svgBlip xmlns:asvg="http://schemas.microsoft.com/office/drawing/2016/SVG/main" r:embed="rId10"/>
+              </a:ext>
+            </a:extLst>
+          </a:blip>
+          <a:stretch>
+            <a:fillRect/>
+          </a:stretch>
+        </p:blipFill>
+        <p:spPr>
+          <a:xfrm>
+            <a:off x="9067802" y="3027481"/>
+            <a:ext cx="1524000" cy="1524000"/>
+          </a:xfrm>
+          <a:prstGeom prst="rect">
+            <a:avLst/>
+          </a:prstGeom>
+        </p:spPr>
+      </p:pic>
+      <p:sp>
+        <p:nvSpPr>
+          <p:cNvPr id="26" name="ZoneTexte 25">
+            <a:extLst>
+              <a:ext uri="{FF2B5EF4-FFF2-40B4-BE49-F238E27FC236}">
+                <a16:creationId xmlns:a16="http://schemas.microsoft.com/office/drawing/2014/main" id="{3581B02E-24DD-B989-C585-0C41B92E5938}"/>
+              </a:ext>
+            </a:extLst>
+          </p:cNvPr>
+          <p:cNvSpPr txBox="1"/>
+          <p:nvPr/>
+        </p:nvSpPr>
+        <p:spPr>
+          <a:xfrm>
+            <a:off x="10576562" y="3010690"/>
+            <a:ext cx="7086598" cy="1631216"/>
+          </a:xfrm>
+          <a:prstGeom prst="rect">
+            <a:avLst/>
+          </a:prstGeom>
+          <a:noFill/>
+        </p:spPr>
+        <p:txBody>
+          <a:bodyPr wrap="square">
+            <a:spAutoFit/>
+          </a:bodyPr>
+          <a:lstStyle/>
+          <a:p>
+            <a:r>
+              <a:rPr lang="fr-FR" sz="3200" b="1" u="sng" dirty="0">
+                <a:latin typeface="Alegreya" panose="020B0604020202020204" charset="0"/>
+              </a:rPr>
+              <a:t>Développeurs tiers</a:t>
+            </a:r>
+          </a:p>
+          <a:p>
+            <a:pPr marL="457200" indent="-457200">
+              <a:buFont typeface="Symbol" panose="05050102010706020507" pitchFamily="18" charset="2"/>
+              <a:buChar char=""/>
+            </a:pPr>
+            <a:r>
+              <a:rPr lang="fr-FR" sz="3200" dirty="0">
+                <a:latin typeface="Alegreya" panose="020B0604020202020204" charset="0"/>
+              </a:rPr>
+              <a:t> Accéder à l’API, télécharger des composants</a:t>
+            </a:r>
+            <a:endParaRPr lang="fr-FR" sz="3200" dirty="0"/>
+          </a:p>
+        </p:txBody>
+      </p:sp>
+      <p:pic>
+        <p:nvPicPr>
+          <p:cNvPr id="28" name="Graphique 27" descr="Graphique à barres contour">
+            <a:extLst>
+              <a:ext uri="{FF2B5EF4-FFF2-40B4-BE49-F238E27FC236}">
+                <a16:creationId xmlns:a16="http://schemas.microsoft.com/office/drawing/2014/main" id="{0F54A25A-5CCF-5D10-41E6-C4E6FD37C0DA}"/>
+              </a:ext>
+            </a:extLst>
+          </p:cNvPr>
+          <p:cNvPicPr>
+            <a:picLocks noChangeAspect="1"/>
+          </p:cNvPicPr>
+          <p:nvPr/>
+        </p:nvPicPr>
+        <p:blipFill>
+          <a:blip r:embed="rId11">
+            <a:extLst>
+              <a:ext uri="{96DAC541-7B7A-43D3-8B79-37D633B846F1}">
+                <asvg:svgBlip xmlns:asvg="http://schemas.microsoft.com/office/drawing/2016/SVG/main" r:embed="rId12"/>
+              </a:ext>
+            </a:extLst>
+          </a:blip>
+          <a:stretch>
+            <a:fillRect/>
+          </a:stretch>
+        </p:blipFill>
+        <p:spPr>
+          <a:xfrm>
+            <a:off x="8778305" y="5117356"/>
+            <a:ext cx="1813497" cy="1813497"/>
+          </a:xfrm>
+          <a:prstGeom prst="rect">
+            <a:avLst/>
+          </a:prstGeom>
+        </p:spPr>
+      </p:pic>
+      <p:sp>
+        <p:nvSpPr>
+          <p:cNvPr id="30" name="ZoneTexte 29">
+            <a:extLst>
+              <a:ext uri="{FF2B5EF4-FFF2-40B4-BE49-F238E27FC236}">
+                <a16:creationId xmlns:a16="http://schemas.microsoft.com/office/drawing/2014/main" id="{6095782C-CE7C-9969-1ED4-9FFC202EB5BE}"/>
+              </a:ext>
+            </a:extLst>
+          </p:cNvPr>
+          <p:cNvSpPr txBox="1"/>
+          <p:nvPr/>
+        </p:nvSpPr>
+        <p:spPr>
+          <a:xfrm>
+            <a:off x="10744200" y="5202618"/>
+            <a:ext cx="7239000" cy="1631216"/>
+          </a:xfrm>
+          <a:prstGeom prst="rect">
+            <a:avLst/>
+          </a:prstGeom>
+          <a:noFill/>
+        </p:spPr>
+        <p:txBody>
+          <a:bodyPr wrap="square">
+            <a:spAutoFit/>
+          </a:bodyPr>
+          <a:lstStyle/>
+          <a:p>
+            <a:r>
+              <a:rPr lang="fr-FR" sz="3200" b="1" u="sng" dirty="0">
+                <a:latin typeface="Alegreya" panose="020B0604020202020204" charset="0"/>
+              </a:rPr>
+              <a:t>Service commercial</a:t>
+            </a:r>
+          </a:p>
+          <a:p>
+            <a:pPr marL="457200" indent="-457200">
+              <a:buFont typeface="Symbol" panose="05050102010706020507" pitchFamily="18" charset="2"/>
+              <a:buChar char="®"/>
+            </a:pPr>
+            <a:r>
+              <a:rPr lang="fr-FR" sz="3200" dirty="0">
+                <a:latin typeface="Alegreya" panose="020B0604020202020204" charset="0"/>
+              </a:rPr>
+              <a:t> Suivi en temps réel des performances commerciales</a:t>
+            </a:r>
+            <a:endParaRPr lang="fr-FR" sz="3200" dirty="0"/>
+          </a:p>
+        </p:txBody>
+      </p:sp>
+      <p:pic>
+        <p:nvPicPr>
+          <p:cNvPr id="32" name="Graphique 31" descr="Outils contour">
+            <a:extLst>
+              <a:ext uri="{FF2B5EF4-FFF2-40B4-BE49-F238E27FC236}">
+                <a16:creationId xmlns:a16="http://schemas.microsoft.com/office/drawing/2014/main" id="{6451D2E2-995B-6618-2C74-1A1769305BBD}"/>
+              </a:ext>
+            </a:extLst>
+          </p:cNvPr>
+          <p:cNvPicPr>
+            <a:picLocks noChangeAspect="1"/>
+          </p:cNvPicPr>
+          <p:nvPr/>
+        </p:nvPicPr>
+        <p:blipFill>
+          <a:blip r:embed="rId13">
+            <a:extLst>
+              <a:ext uri="{96DAC541-7B7A-43D3-8B79-37D633B846F1}">
+                <asvg:svgBlip xmlns:asvg="http://schemas.microsoft.com/office/drawing/2016/SVG/main" r:embed="rId14"/>
+              </a:ext>
+            </a:extLst>
+          </a:blip>
+          <a:stretch>
+            <a:fillRect/>
+          </a:stretch>
+        </p:blipFill>
+        <p:spPr>
+          <a:xfrm>
+            <a:off x="9067802" y="7394257"/>
+            <a:ext cx="1524000" cy="1524000"/>
+          </a:xfrm>
+          <a:prstGeom prst="rect">
+            <a:avLst/>
+          </a:prstGeom>
+        </p:spPr>
+      </p:pic>
+    </p:spTree>
+    <p:extLst>
+      <p:ext uri="{BB962C8B-B14F-4D97-AF65-F5344CB8AC3E}">
+        <p14:creationId xmlns:p14="http://schemas.microsoft.com/office/powerpoint/2010/main" val="2955636877"/>
+      </p:ext>
+    </p:extLst>
+  </p:cSld>
+  <p:clrMapOvr>
+    <a:masterClrMapping/>
+  </p:clrMapOvr>
+</p:sld>
+</file>
+
+<file path=ppt/slides/slide6.xml><?xml version="1.0" encoding="utf-8"?>
 <p:sld xmlns:a="http://schemas.openxmlformats.org/drawingml/2006/main" xmlns:r="http://schemas.openxmlformats.org/officeDocument/2006/relationships" xmlns:p="http://schemas.openxmlformats.org/presentationml/2006/main">
   <p:cSld>
     <p:spTree>
@@ -10748,6 +12619,109 @@
           </a:p>
         </p:txBody>
       </p:sp>
+      <p:sp>
+        <p:nvSpPr>
+          <p:cNvPr id="13" name="Rectangle 12">
+            <a:extLst>
+              <a:ext uri="{FF2B5EF4-FFF2-40B4-BE49-F238E27FC236}">
+                <a16:creationId xmlns:a16="http://schemas.microsoft.com/office/drawing/2014/main" id="{9F94FEB5-D3E7-74EA-E8F8-86492EED3B22}"/>
+              </a:ext>
+            </a:extLst>
+          </p:cNvPr>
+          <p:cNvSpPr/>
+          <p:nvPr/>
+        </p:nvSpPr>
+        <p:spPr>
+          <a:xfrm>
+            <a:off x="0" y="9410700"/>
+            <a:ext cx="18288000" cy="876300"/>
+          </a:xfrm>
+          <a:prstGeom prst="rect">
+            <a:avLst/>
+          </a:prstGeom>
+          <a:solidFill>
+            <a:srgbClr val="F5F3F3"/>
+          </a:solidFill>
+          <a:ln>
+            <a:solidFill>
+              <a:srgbClr val="F5F3F3"/>
+            </a:solidFill>
+          </a:ln>
+        </p:spPr>
+        <p:style>
+          <a:lnRef idx="2">
+            <a:schemeClr val="accent1">
+              <a:shade val="15000"/>
+            </a:schemeClr>
+          </a:lnRef>
+          <a:fillRef idx="1">
+            <a:schemeClr val="accent1"/>
+          </a:fillRef>
+          <a:effectRef idx="0">
+            <a:schemeClr val="accent1"/>
+          </a:effectRef>
+          <a:fontRef idx="minor">
+            <a:schemeClr val="lt1"/>
+          </a:fontRef>
+        </p:style>
+        <p:txBody>
+          <a:bodyPr rtlCol="0" anchor="ctr"/>
+          <a:lstStyle/>
+          <a:p>
+            <a:pPr algn="ctr"/>
+            <a:endParaRPr lang="fr-FR"/>
+          </a:p>
+        </p:txBody>
+      </p:sp>
+      <p:sp>
+        <p:nvSpPr>
+          <p:cNvPr id="14" name="ZoneTexte 13">
+            <a:extLst>
+              <a:ext uri="{FF2B5EF4-FFF2-40B4-BE49-F238E27FC236}">
+                <a16:creationId xmlns:a16="http://schemas.microsoft.com/office/drawing/2014/main" id="{0E57311F-29C8-A12B-54F7-6C6F1B742A7E}"/>
+              </a:ext>
+            </a:extLst>
+          </p:cNvPr>
+          <p:cNvSpPr txBox="1"/>
+          <p:nvPr/>
+        </p:nvSpPr>
+        <p:spPr>
+          <a:xfrm>
+            <a:off x="609600" y="9587240"/>
+            <a:ext cx="17068800" cy="523220"/>
+          </a:xfrm>
+          <a:prstGeom prst="rect">
+            <a:avLst/>
+          </a:prstGeom>
+          <a:noFill/>
+        </p:spPr>
+        <p:txBody>
+          <a:bodyPr wrap="square" rtlCol="0">
+            <a:spAutoFit/>
+          </a:bodyPr>
+          <a:lstStyle/>
+          <a:p>
+            <a:pPr algn="ctr"/>
+            <a:r>
+              <a:rPr lang="fr-FR" sz="2800" b="1" dirty="0">
+                <a:latin typeface="Alegreya" panose="020B0604020202020204" charset="0"/>
+              </a:rPr>
+              <a:t>Introduction et complexe        </a:t>
+            </a:r>
+            <a:r>
+              <a:rPr lang="fr-FR" sz="2800" dirty="0">
+                <a:solidFill>
+                  <a:schemeClr val="bg1">
+                    <a:lumMod val="50000"/>
+                  </a:schemeClr>
+                </a:solidFill>
+                <a:latin typeface="Alegreya" panose="020B0604020202020204" charset="0"/>
+              </a:rPr>
+              <a:t>–        Développement et démonstration        –        Analyse et conclusion</a:t>
+            </a:r>
+          </a:p>
+        </p:txBody>
+      </p:sp>
     </p:spTree>
     <p:extLst>
       <p:ext uri="{BB962C8B-B14F-4D97-AF65-F5344CB8AC3E}">
@@ -10761,7 +12735,7 @@
 </p:sld>
 </file>
 
-<file path=ppt/slides/slide6.xml><?xml version="1.0" encoding="utf-8"?>
+<file path=ppt/slides/slide7.xml><?xml version="1.0" encoding="utf-8"?>
 <p:sld xmlns:a="http://schemas.openxmlformats.org/drawingml/2006/main" xmlns:r="http://schemas.openxmlformats.org/officeDocument/2006/relationships" xmlns:p="http://schemas.openxmlformats.org/presentationml/2006/main">
   <p:cSld>
     <p:spTree>
@@ -10856,7 +12830,7 @@
 </p:sld>
 </file>
 
-<file path=ppt/slides/slide7.xml><?xml version="1.0" encoding="utf-8"?>
+<file path=ppt/slides/slide8.xml><?xml version="1.0" encoding="utf-8"?>
 <p:sld xmlns:a="http://schemas.openxmlformats.org/drawingml/2006/main" xmlns:r="http://schemas.openxmlformats.org/officeDocument/2006/relationships" xmlns:p="http://schemas.openxmlformats.org/presentationml/2006/main">
   <p:cSld>
     <p:spTree>
@@ -11016,7 +12990,7 @@
 </p:sld>
 </file>
 
-<file path=ppt/slides/slide8.xml><?xml version="1.0" encoding="utf-8"?>
+<file path=ppt/slides/slide9.xml><?xml version="1.0" encoding="utf-8"?>
 <p:sld xmlns:a="http://schemas.openxmlformats.org/drawingml/2006/main" xmlns:r="http://schemas.openxmlformats.org/officeDocument/2006/relationships" xmlns:p="http://schemas.openxmlformats.org/presentationml/2006/main">
   <p:cSld>
     <p:spTree>
@@ -11303,527 +13277,6 @@
               </a:rPr>
               <a:t>Project Overview</a:t>
             </a:r>
-          </a:p>
-        </p:txBody>
-      </p:sp>
-    </p:spTree>
-  </p:cSld>
-  <p:clrMapOvr>
-    <a:masterClrMapping/>
-  </p:clrMapOvr>
-</p:sld>
-</file>
-
-<file path=ppt/slides/slide9.xml><?xml version="1.0" encoding="utf-8"?>
-<p:sld xmlns:a="http://schemas.openxmlformats.org/drawingml/2006/main" xmlns:r="http://schemas.openxmlformats.org/officeDocument/2006/relationships" xmlns:p="http://schemas.openxmlformats.org/presentationml/2006/main">
-  <p:cSld>
-    <p:spTree>
-      <p:nvGrpSpPr>
-        <p:cNvPr id="1" name=""/>
-        <p:cNvGrpSpPr/>
-        <p:nvPr/>
-      </p:nvGrpSpPr>
-      <p:grpSpPr>
-        <a:xfrm>
-          <a:off x="0" y="0"/>
-          <a:ext cx="0" cy="0"/>
-          <a:chOff x="0" y="0"/>
-          <a:chExt cx="0" cy="0"/>
-        </a:xfrm>
-      </p:grpSpPr>
-      <p:sp>
-        <p:nvSpPr>
-          <p:cNvPr id="2" name="Freeform 2"/>
-          <p:cNvSpPr/>
-          <p:nvPr/>
-        </p:nvSpPr>
-        <p:spPr>
-          <a:xfrm>
-            <a:off x="0" y="0"/>
-            <a:ext cx="18288000" cy="10287000"/>
-          </a:xfrm>
-          <a:custGeom>
-            <a:avLst/>
-            <a:gdLst/>
-            <a:ahLst/>
-            <a:cxnLst/>
-            <a:rect l="l" t="t" r="r" b="b"/>
-            <a:pathLst>
-              <a:path w="18288000" h="10287000">
-                <a:moveTo>
-                  <a:pt x="0" y="0"/>
-                </a:moveTo>
-                <a:lnTo>
-                  <a:pt x="18288000" y="0"/>
-                </a:lnTo>
-                <a:lnTo>
-                  <a:pt x="18288000" y="10287000"/>
-                </a:lnTo>
-                <a:lnTo>
-                  <a:pt x="0" y="10287000"/>
-                </a:lnTo>
-                <a:lnTo>
-                  <a:pt x="0" y="0"/>
-                </a:lnTo>
-                <a:close/>
-              </a:path>
-            </a:pathLst>
-          </a:custGeom>
-          <a:blipFill>
-            <a:blip r:embed="rId2"/>
-            <a:stretch>
-              <a:fillRect l="-220" t="-9510" r="-1696" b="-11203"/>
-            </a:stretch>
-          </a:blipFill>
-        </p:spPr>
-        <p:txBody>
-          <a:bodyPr/>
-          <a:lstStyle/>
-          <a:p>
-            <a:endParaRPr lang="fr-FR"/>
-          </a:p>
-        </p:txBody>
-      </p:sp>
-      <p:grpSp>
-        <p:nvGrpSpPr>
-          <p:cNvPr id="3" name="Group 3"/>
-          <p:cNvGrpSpPr>
-            <a:grpSpLocks noChangeAspect="1"/>
-          </p:cNvGrpSpPr>
-          <p:nvPr/>
-        </p:nvGrpSpPr>
-        <p:grpSpPr>
-          <a:xfrm>
-            <a:off x="1334007" y="3124680"/>
-            <a:ext cx="4690072" cy="4690054"/>
-            <a:chOff x="0" y="0"/>
-            <a:chExt cx="6350000" cy="6349975"/>
-          </a:xfrm>
-        </p:grpSpPr>
-        <p:sp>
-          <p:nvSpPr>
-            <p:cNvPr id="4" name="Freeform 4"/>
-            <p:cNvSpPr/>
-            <p:nvPr/>
-          </p:nvSpPr>
-          <p:spPr>
-            <a:xfrm>
-              <a:off x="0" y="0"/>
-              <a:ext cx="6350000" cy="6349974"/>
-            </a:xfrm>
-            <a:custGeom>
-              <a:avLst/>
-              <a:gdLst/>
-              <a:ahLst/>
-              <a:cxnLst/>
-              <a:rect l="l" t="t" r="r" b="b"/>
-              <a:pathLst>
-                <a:path w="6350000" h="6349974">
-                  <a:moveTo>
-                    <a:pt x="6350000" y="3175025"/>
-                  </a:moveTo>
-                  <a:cubicBezTo>
-                    <a:pt x="6350000" y="4928451"/>
-                    <a:pt x="4928476" y="6349974"/>
-                    <a:pt x="3175000" y="6349974"/>
-                  </a:cubicBezTo>
-                  <a:cubicBezTo>
-                    <a:pt x="1421498" y="6349974"/>
-                    <a:pt x="0" y="4928451"/>
-                    <a:pt x="0" y="3175025"/>
-                  </a:cubicBezTo>
-                  <a:cubicBezTo>
-                    <a:pt x="0" y="1421511"/>
-                    <a:pt x="1421498" y="0"/>
-                    <a:pt x="3175000" y="0"/>
-                  </a:cubicBezTo>
-                  <a:cubicBezTo>
-                    <a:pt x="4928501" y="0"/>
-                    <a:pt x="6350000" y="1421511"/>
-                    <a:pt x="6350000" y="3175025"/>
-                  </a:cubicBezTo>
-                  <a:close/>
-                </a:path>
-              </a:pathLst>
-            </a:custGeom>
-            <a:blipFill>
-              <a:blip r:embed="rId3"/>
-              <a:stretch>
-                <a:fillRect l="-13054" t="-34515" r="-639" b="-35813"/>
-              </a:stretch>
-            </a:blipFill>
-          </p:spPr>
-          <p:txBody>
-            <a:bodyPr/>
-            <a:lstStyle/>
-            <a:p>
-              <a:endParaRPr lang="fr-FR"/>
-            </a:p>
-          </p:txBody>
-        </p:sp>
-      </p:grpSp>
-      <p:grpSp>
-        <p:nvGrpSpPr>
-          <p:cNvPr id="5" name="Group 5"/>
-          <p:cNvGrpSpPr>
-            <a:grpSpLocks noChangeAspect="1"/>
-          </p:cNvGrpSpPr>
-          <p:nvPr/>
-        </p:nvGrpSpPr>
-        <p:grpSpPr>
-          <a:xfrm>
-            <a:off x="6818416" y="3124680"/>
-            <a:ext cx="4690072" cy="4690054"/>
-            <a:chOff x="0" y="0"/>
-            <a:chExt cx="6350000" cy="6349975"/>
-          </a:xfrm>
-        </p:grpSpPr>
-        <p:sp>
-          <p:nvSpPr>
-            <p:cNvPr id="6" name="Freeform 6"/>
-            <p:cNvSpPr/>
-            <p:nvPr/>
-          </p:nvSpPr>
-          <p:spPr>
-            <a:xfrm>
-              <a:off x="0" y="0"/>
-              <a:ext cx="6350000" cy="6349974"/>
-            </a:xfrm>
-            <a:custGeom>
-              <a:avLst/>
-              <a:gdLst/>
-              <a:ahLst/>
-              <a:cxnLst/>
-              <a:rect l="l" t="t" r="r" b="b"/>
-              <a:pathLst>
-                <a:path w="6350000" h="6349974">
-                  <a:moveTo>
-                    <a:pt x="6350000" y="3175025"/>
-                  </a:moveTo>
-                  <a:cubicBezTo>
-                    <a:pt x="6350000" y="4928451"/>
-                    <a:pt x="4928476" y="6349974"/>
-                    <a:pt x="3175000" y="6349974"/>
-                  </a:cubicBezTo>
-                  <a:cubicBezTo>
-                    <a:pt x="1421498" y="6349974"/>
-                    <a:pt x="0" y="4928451"/>
-                    <a:pt x="0" y="3175025"/>
-                  </a:cubicBezTo>
-                  <a:cubicBezTo>
-                    <a:pt x="0" y="1421511"/>
-                    <a:pt x="1421498" y="0"/>
-                    <a:pt x="3175000" y="0"/>
-                  </a:cubicBezTo>
-                  <a:cubicBezTo>
-                    <a:pt x="4928501" y="0"/>
-                    <a:pt x="6350000" y="1421511"/>
-                    <a:pt x="6350000" y="3175025"/>
-                  </a:cubicBezTo>
-                  <a:close/>
-                </a:path>
-              </a:pathLst>
-            </a:custGeom>
-            <a:blipFill>
-              <a:blip r:embed="rId4"/>
-              <a:stretch>
-                <a:fillRect t="-44768" b="-5326"/>
-              </a:stretch>
-            </a:blipFill>
-          </p:spPr>
-          <p:txBody>
-            <a:bodyPr/>
-            <a:lstStyle/>
-            <a:p>
-              <a:endParaRPr lang="fr-FR"/>
-            </a:p>
-          </p:txBody>
-        </p:sp>
-      </p:grpSp>
-      <p:grpSp>
-        <p:nvGrpSpPr>
-          <p:cNvPr id="7" name="Group 7"/>
-          <p:cNvGrpSpPr>
-            <a:grpSpLocks noChangeAspect="1"/>
-          </p:cNvGrpSpPr>
-          <p:nvPr/>
-        </p:nvGrpSpPr>
-        <p:grpSpPr>
-          <a:xfrm>
-            <a:off x="12302825" y="3124680"/>
-            <a:ext cx="4690072" cy="4690054"/>
-            <a:chOff x="0" y="0"/>
-            <a:chExt cx="6350000" cy="6349975"/>
-          </a:xfrm>
-        </p:grpSpPr>
-        <p:sp>
-          <p:nvSpPr>
-            <p:cNvPr id="8" name="Freeform 8"/>
-            <p:cNvSpPr/>
-            <p:nvPr/>
-          </p:nvSpPr>
-          <p:spPr>
-            <a:xfrm>
-              <a:off x="0" y="0"/>
-              <a:ext cx="6350000" cy="6349974"/>
-            </a:xfrm>
-            <a:custGeom>
-              <a:avLst/>
-              <a:gdLst/>
-              <a:ahLst/>
-              <a:cxnLst/>
-              <a:rect l="l" t="t" r="r" b="b"/>
-              <a:pathLst>
-                <a:path w="6350000" h="6349974">
-                  <a:moveTo>
-                    <a:pt x="6350000" y="3175025"/>
-                  </a:moveTo>
-                  <a:cubicBezTo>
-                    <a:pt x="6350000" y="4928451"/>
-                    <a:pt x="4928476" y="6349974"/>
-                    <a:pt x="3175000" y="6349974"/>
-                  </a:cubicBezTo>
-                  <a:cubicBezTo>
-                    <a:pt x="1421498" y="6349974"/>
-                    <a:pt x="0" y="4928451"/>
-                    <a:pt x="0" y="3175025"/>
-                  </a:cubicBezTo>
-                  <a:cubicBezTo>
-                    <a:pt x="0" y="1421511"/>
-                    <a:pt x="1421498" y="0"/>
-                    <a:pt x="3175000" y="0"/>
-                  </a:cubicBezTo>
-                  <a:cubicBezTo>
-                    <a:pt x="4928501" y="0"/>
-                    <a:pt x="6350000" y="1421511"/>
-                    <a:pt x="6350000" y="3175025"/>
-                  </a:cubicBezTo>
-                  <a:close/>
-                </a:path>
-              </a:pathLst>
-            </a:custGeom>
-            <a:blipFill>
-              <a:blip r:embed="rId5"/>
-              <a:stretch>
-                <a:fillRect l="-25471" r="-25471"/>
-              </a:stretch>
-            </a:blipFill>
-          </p:spPr>
-          <p:txBody>
-            <a:bodyPr/>
-            <a:lstStyle/>
-            <a:p>
-              <a:endParaRPr lang="fr-FR"/>
-            </a:p>
-          </p:txBody>
-        </p:sp>
-      </p:grpSp>
-      <p:sp>
-        <p:nvSpPr>
-          <p:cNvPr id="9" name="TextBox 9"/>
-          <p:cNvSpPr txBox="1"/>
-          <p:nvPr/>
-        </p:nvSpPr>
-        <p:spPr>
-          <a:xfrm>
-            <a:off x="1372912" y="8033809"/>
-            <a:ext cx="4651168" cy="712470"/>
-          </a:xfrm>
-          <a:prstGeom prst="rect">
-            <a:avLst/>
-          </a:prstGeom>
-        </p:spPr>
-        <p:txBody>
-          <a:bodyPr lIns="0" tIns="0" rIns="0" bIns="0" rtlCol="0" anchor="t">
-            <a:spAutoFit/>
-          </a:bodyPr>
-          <a:lstStyle/>
-          <a:p>
-            <a:pPr algn="ctr">
-              <a:lnSpc>
-                <a:spcPts val="5880"/>
-              </a:lnSpc>
-            </a:pPr>
-            <a:r>
-              <a:rPr lang="en-US" sz="4200" b="1">
-                <a:solidFill>
-                  <a:srgbClr val="000000"/>
-                </a:solidFill>
-                <a:latin typeface="Alegreya Bold"/>
-                <a:ea typeface="Alegreya Bold"/>
-                <a:cs typeface="Alegreya Bold"/>
-                <a:sym typeface="Alegreya Bold"/>
-              </a:rPr>
-              <a:t>Juliana Silva</a:t>
-            </a:r>
-          </a:p>
-        </p:txBody>
-      </p:sp>
-      <p:sp>
-        <p:nvSpPr>
-          <p:cNvPr id="10" name="TextBox 10"/>
-          <p:cNvSpPr txBox="1"/>
-          <p:nvPr/>
-        </p:nvSpPr>
-        <p:spPr>
-          <a:xfrm>
-            <a:off x="6857321" y="8033809"/>
-            <a:ext cx="4651168" cy="712470"/>
-          </a:xfrm>
-          <a:prstGeom prst="rect">
-            <a:avLst/>
-          </a:prstGeom>
-        </p:spPr>
-        <p:txBody>
-          <a:bodyPr lIns="0" tIns="0" rIns="0" bIns="0" rtlCol="0" anchor="t">
-            <a:spAutoFit/>
-          </a:bodyPr>
-          <a:lstStyle/>
-          <a:p>
-            <a:pPr algn="ctr">
-              <a:lnSpc>
-                <a:spcPts val="5880"/>
-              </a:lnSpc>
-            </a:pPr>
-            <a:r>
-              <a:rPr lang="en-US" sz="4200" b="1">
-                <a:solidFill>
-                  <a:srgbClr val="000000"/>
-                </a:solidFill>
-                <a:latin typeface="Alegreya Bold"/>
-                <a:ea typeface="Alegreya Bold"/>
-                <a:cs typeface="Alegreya Bold"/>
-                <a:sym typeface="Alegreya Bold"/>
-              </a:rPr>
-              <a:t>Olivia Wilson</a:t>
-            </a:r>
-          </a:p>
-        </p:txBody>
-      </p:sp>
-      <p:sp>
-        <p:nvSpPr>
-          <p:cNvPr id="11" name="TextBox 11"/>
-          <p:cNvSpPr txBox="1"/>
-          <p:nvPr/>
-        </p:nvSpPr>
-        <p:spPr>
-          <a:xfrm>
-            <a:off x="12341730" y="8033809"/>
-            <a:ext cx="4651168" cy="712470"/>
-          </a:xfrm>
-          <a:prstGeom prst="rect">
-            <a:avLst/>
-          </a:prstGeom>
-        </p:spPr>
-        <p:txBody>
-          <a:bodyPr lIns="0" tIns="0" rIns="0" bIns="0" rtlCol="0" anchor="t">
-            <a:spAutoFit/>
-          </a:bodyPr>
-          <a:lstStyle/>
-          <a:p>
-            <a:pPr algn="ctr">
-              <a:lnSpc>
-                <a:spcPts val="5880"/>
-              </a:lnSpc>
-            </a:pPr>
-            <a:r>
-              <a:rPr lang="en-US" sz="4200" b="1">
-                <a:solidFill>
-                  <a:srgbClr val="000000"/>
-                </a:solidFill>
-                <a:latin typeface="Alegreya Bold"/>
-                <a:ea typeface="Alegreya Bold"/>
-                <a:cs typeface="Alegreya Bold"/>
-                <a:sym typeface="Alegreya Bold"/>
-              </a:rPr>
-              <a:t>Claudia Alves</a:t>
-            </a:r>
-          </a:p>
-        </p:txBody>
-      </p:sp>
-      <p:sp>
-        <p:nvSpPr>
-          <p:cNvPr id="12" name="TextBox 12"/>
-          <p:cNvSpPr txBox="1"/>
-          <p:nvPr/>
-        </p:nvSpPr>
-        <p:spPr>
-          <a:xfrm>
-            <a:off x="3679044" y="847725"/>
-            <a:ext cx="10929913" cy="1332031"/>
-          </a:xfrm>
-          <a:prstGeom prst="rect">
-            <a:avLst/>
-          </a:prstGeom>
-        </p:spPr>
-        <p:txBody>
-          <a:bodyPr lIns="0" tIns="0" rIns="0" bIns="0" rtlCol="0" anchor="t">
-            <a:spAutoFit/>
-          </a:bodyPr>
-          <a:lstStyle/>
-          <a:p>
-            <a:pPr algn="ctr">
-              <a:lnSpc>
-                <a:spcPts val="11432"/>
-              </a:lnSpc>
-            </a:pPr>
-            <a:r>
-              <a:rPr lang="en-US" sz="8165" dirty="0">
-                <a:solidFill>
-                  <a:srgbClr val="000000"/>
-                </a:solidFill>
-                <a:latin typeface="Bobby Jones"/>
-                <a:ea typeface="Bobby Jones"/>
-                <a:cs typeface="Bobby Jones"/>
-                <a:sym typeface="Bobby Jones"/>
-              </a:rPr>
-              <a:t>﻿</a:t>
-            </a:r>
-            <a:r>
-              <a:rPr lang="en-US" sz="8165" dirty="0" err="1">
-                <a:solidFill>
-                  <a:srgbClr val="000000"/>
-                </a:solidFill>
-                <a:latin typeface="Bobby Jones"/>
-                <a:ea typeface="Bobby Jones"/>
-                <a:cs typeface="Bobby Jones"/>
-                <a:sym typeface="Bobby Jones"/>
-              </a:rPr>
-              <a:t>Présentation</a:t>
-            </a:r>
-            <a:r>
-              <a:rPr lang="en-US" sz="8165" dirty="0">
-                <a:solidFill>
-                  <a:srgbClr val="000000"/>
-                </a:solidFill>
-                <a:latin typeface="Bobby Jones"/>
-                <a:ea typeface="Bobby Jones"/>
-                <a:cs typeface="Bobby Jones"/>
-                <a:sym typeface="Bobby Jones"/>
-              </a:rPr>
-              <a:t> du </a:t>
-            </a:r>
-            <a:r>
-              <a:rPr lang="en-US" sz="8165" dirty="0" err="1">
-                <a:solidFill>
-                  <a:srgbClr val="000000"/>
-                </a:solidFill>
-                <a:latin typeface="Bobby Jones"/>
-                <a:ea typeface="Bobby Jones"/>
-                <a:cs typeface="Bobby Jones"/>
-                <a:sym typeface="Bobby Jones"/>
-              </a:rPr>
-              <a:t>groupe</a:t>
-            </a:r>
-            <a:endParaRPr lang="en-US" sz="8165" dirty="0">
-              <a:solidFill>
-                <a:srgbClr val="000000"/>
-              </a:solidFill>
-              <a:latin typeface="Bobby Jones"/>
-              <a:ea typeface="Bobby Jones"/>
-              <a:cs typeface="Bobby Jones"/>
-              <a:sym typeface="Bobby Jones"/>
-            </a:endParaRPr>
           </a:p>
         </p:txBody>
       </p:sp>

--- a/docs/Présentation CES'eat.pptx
+++ b/docs/Présentation CES'eat.pptx
@@ -4,43 +4,48 @@
   <p:sldMasterIdLst>
     <p:sldMasterId id="2147483648" r:id="rId1"/>
   </p:sldMasterIdLst>
+  <p:notesMasterIdLst>
+    <p:notesMasterId r:id="rId25"/>
+  </p:notesMasterIdLst>
   <p:sldIdLst>
     <p:sldId id="256" r:id="rId2"/>
-    <p:sldId id="257" r:id="rId3"/>
-    <p:sldId id="258" r:id="rId4"/>
-    <p:sldId id="259" r:id="rId5"/>
-    <p:sldId id="276" r:id="rId6"/>
-    <p:sldId id="275" r:id="rId7"/>
-    <p:sldId id="274" r:id="rId8"/>
-    <p:sldId id="260" r:id="rId9"/>
-    <p:sldId id="261" r:id="rId10"/>
-    <p:sldId id="262" r:id="rId11"/>
-    <p:sldId id="263" r:id="rId12"/>
-    <p:sldId id="264" r:id="rId13"/>
-    <p:sldId id="265" r:id="rId14"/>
-    <p:sldId id="266" r:id="rId15"/>
-    <p:sldId id="267" r:id="rId16"/>
-    <p:sldId id="268" r:id="rId17"/>
-    <p:sldId id="269" r:id="rId18"/>
-    <p:sldId id="270" r:id="rId19"/>
-    <p:sldId id="271" r:id="rId20"/>
-    <p:sldId id="272" r:id="rId21"/>
-    <p:sldId id="273" r:id="rId22"/>
+    <p:sldId id="277" r:id="rId3"/>
+    <p:sldId id="257" r:id="rId4"/>
+    <p:sldId id="258" r:id="rId5"/>
+    <p:sldId id="259" r:id="rId6"/>
+    <p:sldId id="276" r:id="rId7"/>
+    <p:sldId id="275" r:id="rId8"/>
+    <p:sldId id="274" r:id="rId9"/>
+    <p:sldId id="278" r:id="rId10"/>
+    <p:sldId id="260" r:id="rId11"/>
+    <p:sldId id="261" r:id="rId12"/>
+    <p:sldId id="262" r:id="rId13"/>
+    <p:sldId id="263" r:id="rId14"/>
+    <p:sldId id="264" r:id="rId15"/>
+    <p:sldId id="265" r:id="rId16"/>
+    <p:sldId id="266" r:id="rId17"/>
+    <p:sldId id="267" r:id="rId18"/>
+    <p:sldId id="268" r:id="rId19"/>
+    <p:sldId id="269" r:id="rId20"/>
+    <p:sldId id="270" r:id="rId21"/>
+    <p:sldId id="271" r:id="rId22"/>
+    <p:sldId id="272" r:id="rId23"/>
+    <p:sldId id="273" r:id="rId24"/>
   </p:sldIdLst>
   <p:sldSz cx="18288000" cy="10287000"/>
   <p:notesSz cx="6858000" cy="9144000"/>
   <p:embeddedFontLst>
     <p:embeddedFont>
       <p:font typeface="Alegreya" panose="020B0604020202020204" charset="0"/>
-      <p:regular r:id="rId23"/>
+      <p:regular r:id="rId26"/>
     </p:embeddedFont>
     <p:embeddedFont>
       <p:font typeface="Alegreya Bold" panose="020B0604020202020204" charset="0"/>
-      <p:regular r:id="rId24"/>
+      <p:regular r:id="rId27"/>
     </p:embeddedFont>
     <p:embeddedFont>
       <p:font typeface="Bobby Jones" panose="020B0604020202020204" charset="0"/>
-      <p:regular r:id="rId25"/>
+      <p:regular r:id="rId28"/>
     </p:embeddedFont>
   </p:embeddedFontLst>
   <p:defaultTextStyle>
@@ -157,6 +162,439 @@
 </p:presentation>
 </file>
 
+<file path=ppt/notesMasters/notesMaster1.xml><?xml version="1.0" encoding="utf-8"?>
+<p:notesMaster xmlns:a="http://schemas.openxmlformats.org/drawingml/2006/main" xmlns:r="http://schemas.openxmlformats.org/officeDocument/2006/relationships" xmlns:p="http://schemas.openxmlformats.org/presentationml/2006/main">
+  <p:cSld>
+    <p:bg>
+      <p:bgRef idx="1001">
+        <a:schemeClr val="bg1"/>
+      </p:bgRef>
+    </p:bg>
+    <p:spTree>
+      <p:nvGrpSpPr>
+        <p:cNvPr id="1" name=""/>
+        <p:cNvGrpSpPr/>
+        <p:nvPr/>
+      </p:nvGrpSpPr>
+      <p:grpSpPr>
+        <a:xfrm>
+          <a:off x="0" y="0"/>
+          <a:ext cx="0" cy="0"/>
+          <a:chOff x="0" y="0"/>
+          <a:chExt cx="0" cy="0"/>
+        </a:xfrm>
+      </p:grpSpPr>
+      <p:sp>
+        <p:nvSpPr>
+          <p:cNvPr id="2" name="Espace réservé de l'en-tête 1"/>
+          <p:cNvSpPr>
+            <a:spLocks noGrp="1"/>
+          </p:cNvSpPr>
+          <p:nvPr>
+            <p:ph type="hdr" sz="quarter"/>
+          </p:nvPr>
+        </p:nvSpPr>
+        <p:spPr>
+          <a:xfrm>
+            <a:off x="0" y="0"/>
+            <a:ext cx="2971800" cy="458788"/>
+          </a:xfrm>
+          <a:prstGeom prst="rect">
+            <a:avLst/>
+          </a:prstGeom>
+        </p:spPr>
+        <p:txBody>
+          <a:bodyPr vert="horz" lIns="91440" tIns="45720" rIns="91440" bIns="45720" rtlCol="0"/>
+          <a:lstStyle>
+            <a:lvl1pPr algn="l">
+              <a:defRPr sz="1200"/>
+            </a:lvl1pPr>
+          </a:lstStyle>
+          <a:p>
+            <a:endParaRPr lang="fr-FR"/>
+          </a:p>
+        </p:txBody>
+      </p:sp>
+      <p:sp>
+        <p:nvSpPr>
+          <p:cNvPr id="3" name="Espace réservé de la date 2"/>
+          <p:cNvSpPr>
+            <a:spLocks noGrp="1"/>
+          </p:cNvSpPr>
+          <p:nvPr>
+            <p:ph type="dt" idx="1"/>
+          </p:nvPr>
+        </p:nvSpPr>
+        <p:spPr>
+          <a:xfrm>
+            <a:off x="3884613" y="0"/>
+            <a:ext cx="2971800" cy="458788"/>
+          </a:xfrm>
+          <a:prstGeom prst="rect">
+            <a:avLst/>
+          </a:prstGeom>
+        </p:spPr>
+        <p:txBody>
+          <a:bodyPr vert="horz" lIns="91440" tIns="45720" rIns="91440" bIns="45720" rtlCol="0"/>
+          <a:lstStyle>
+            <a:lvl1pPr algn="r">
+              <a:defRPr sz="1200"/>
+            </a:lvl1pPr>
+          </a:lstStyle>
+          <a:p>
+            <a:fld id="{39C286BD-1CB4-4F20-A5E0-F149B06B6438}" type="datetimeFigureOut">
+              <a:rPr lang="fr-FR" smtClean="0"/>
+              <a:t>04/04/2025</a:t>
+            </a:fld>
+            <a:endParaRPr lang="fr-FR"/>
+          </a:p>
+        </p:txBody>
+      </p:sp>
+      <p:sp>
+        <p:nvSpPr>
+          <p:cNvPr id="4" name="Espace réservé de l'image des diapositives 3"/>
+          <p:cNvSpPr>
+            <a:spLocks noGrp="1" noRot="1" noChangeAspect="1"/>
+          </p:cNvSpPr>
+          <p:nvPr>
+            <p:ph type="sldImg" idx="2"/>
+          </p:nvPr>
+        </p:nvSpPr>
+        <p:spPr>
+          <a:xfrm>
+            <a:off x="685800" y="1143000"/>
+            <a:ext cx="5486400" cy="3086100"/>
+          </a:xfrm>
+          <a:prstGeom prst="rect">
+            <a:avLst/>
+          </a:prstGeom>
+          <a:noFill/>
+          <a:ln w="12700">
+            <a:solidFill>
+              <a:prstClr val="black"/>
+            </a:solidFill>
+          </a:ln>
+        </p:spPr>
+        <p:txBody>
+          <a:bodyPr vert="horz" lIns="91440" tIns="45720" rIns="91440" bIns="45720" rtlCol="0" anchor="ctr"/>
+          <a:lstStyle/>
+          <a:p>
+            <a:endParaRPr lang="fr-FR"/>
+          </a:p>
+        </p:txBody>
+      </p:sp>
+      <p:sp>
+        <p:nvSpPr>
+          <p:cNvPr id="5" name="Espace réservé des notes 4"/>
+          <p:cNvSpPr>
+            <a:spLocks noGrp="1"/>
+          </p:cNvSpPr>
+          <p:nvPr>
+            <p:ph type="body" sz="quarter" idx="3"/>
+          </p:nvPr>
+        </p:nvSpPr>
+        <p:spPr>
+          <a:xfrm>
+            <a:off x="685800" y="4400550"/>
+            <a:ext cx="5486400" cy="3600450"/>
+          </a:xfrm>
+          <a:prstGeom prst="rect">
+            <a:avLst/>
+          </a:prstGeom>
+        </p:spPr>
+        <p:txBody>
+          <a:bodyPr vert="horz" lIns="91440" tIns="45720" rIns="91440" bIns="45720" rtlCol="0"/>
+          <a:lstStyle/>
+          <a:p>
+            <a:pPr lvl="0"/>
+            <a:r>
+              <a:rPr lang="fr-FR"/>
+              <a:t>Cliquez pour modifier les styles du texte du masque</a:t>
+            </a:r>
+          </a:p>
+          <a:p>
+            <a:pPr lvl="1"/>
+            <a:r>
+              <a:rPr lang="fr-FR"/>
+              <a:t>Deuxième niveau</a:t>
+            </a:r>
+          </a:p>
+          <a:p>
+            <a:pPr lvl="2"/>
+            <a:r>
+              <a:rPr lang="fr-FR"/>
+              <a:t>Troisième niveau</a:t>
+            </a:r>
+          </a:p>
+          <a:p>
+            <a:pPr lvl="3"/>
+            <a:r>
+              <a:rPr lang="fr-FR"/>
+              <a:t>Quatrième niveau</a:t>
+            </a:r>
+          </a:p>
+          <a:p>
+            <a:pPr lvl="4"/>
+            <a:r>
+              <a:rPr lang="fr-FR"/>
+              <a:t>Cinquième niveau</a:t>
+            </a:r>
+          </a:p>
+        </p:txBody>
+      </p:sp>
+      <p:sp>
+        <p:nvSpPr>
+          <p:cNvPr id="6" name="Espace réservé du pied de page 5"/>
+          <p:cNvSpPr>
+            <a:spLocks noGrp="1"/>
+          </p:cNvSpPr>
+          <p:nvPr>
+            <p:ph type="ftr" sz="quarter" idx="4"/>
+          </p:nvPr>
+        </p:nvSpPr>
+        <p:spPr>
+          <a:xfrm>
+            <a:off x="0" y="8685213"/>
+            <a:ext cx="2971800" cy="458787"/>
+          </a:xfrm>
+          <a:prstGeom prst="rect">
+            <a:avLst/>
+          </a:prstGeom>
+        </p:spPr>
+        <p:txBody>
+          <a:bodyPr vert="horz" lIns="91440" tIns="45720" rIns="91440" bIns="45720" rtlCol="0" anchor="b"/>
+          <a:lstStyle>
+            <a:lvl1pPr algn="l">
+              <a:defRPr sz="1200"/>
+            </a:lvl1pPr>
+          </a:lstStyle>
+          <a:p>
+            <a:endParaRPr lang="fr-FR"/>
+          </a:p>
+        </p:txBody>
+      </p:sp>
+      <p:sp>
+        <p:nvSpPr>
+          <p:cNvPr id="7" name="Espace réservé du numéro de diapositive 6"/>
+          <p:cNvSpPr>
+            <a:spLocks noGrp="1"/>
+          </p:cNvSpPr>
+          <p:nvPr>
+            <p:ph type="sldNum" sz="quarter" idx="5"/>
+          </p:nvPr>
+        </p:nvSpPr>
+        <p:spPr>
+          <a:xfrm>
+            <a:off x="3884613" y="8685213"/>
+            <a:ext cx="2971800" cy="458787"/>
+          </a:xfrm>
+          <a:prstGeom prst="rect">
+            <a:avLst/>
+          </a:prstGeom>
+        </p:spPr>
+        <p:txBody>
+          <a:bodyPr vert="horz" lIns="91440" tIns="45720" rIns="91440" bIns="45720" rtlCol="0" anchor="b"/>
+          <a:lstStyle>
+            <a:lvl1pPr algn="r">
+              <a:defRPr sz="1200"/>
+            </a:lvl1pPr>
+          </a:lstStyle>
+          <a:p>
+            <a:fld id="{BF369EB8-818D-4A98-93EB-61D429F53E70}" type="slidenum">
+              <a:rPr lang="fr-FR" smtClean="0"/>
+              <a:t>‹N°›</a:t>
+            </a:fld>
+            <a:endParaRPr lang="fr-FR"/>
+          </a:p>
+        </p:txBody>
+      </p:sp>
+    </p:spTree>
+    <p:extLst>
+      <p:ext uri="{BB962C8B-B14F-4D97-AF65-F5344CB8AC3E}">
+        <p14:creationId xmlns:p14="http://schemas.microsoft.com/office/powerpoint/2010/main" val="1576287877"/>
+      </p:ext>
+    </p:extLst>
+  </p:cSld>
+  <p:clrMap bg1="lt1" tx1="dk1" bg2="lt2" tx2="dk2" accent1="accent1" accent2="accent2" accent3="accent3" accent4="accent4" accent5="accent5" accent6="accent6" hlink="hlink" folHlink="folHlink"/>
+  <p:notesStyle>
+    <a:lvl1pPr marL="0" algn="l" defTabSz="914400" rtl="0" eaLnBrk="1" latinLnBrk="0" hangingPunct="1">
+      <a:defRPr sz="1200" kern="1200">
+        <a:solidFill>
+          <a:schemeClr val="tx1"/>
+        </a:solidFill>
+        <a:latin typeface="+mn-lt"/>
+        <a:ea typeface="+mn-ea"/>
+        <a:cs typeface="+mn-cs"/>
+      </a:defRPr>
+    </a:lvl1pPr>
+    <a:lvl2pPr marL="457200" algn="l" defTabSz="914400" rtl="0" eaLnBrk="1" latinLnBrk="0" hangingPunct="1">
+      <a:defRPr sz="1200" kern="1200">
+        <a:solidFill>
+          <a:schemeClr val="tx1"/>
+        </a:solidFill>
+        <a:latin typeface="+mn-lt"/>
+        <a:ea typeface="+mn-ea"/>
+        <a:cs typeface="+mn-cs"/>
+      </a:defRPr>
+    </a:lvl2pPr>
+    <a:lvl3pPr marL="914400" algn="l" defTabSz="914400" rtl="0" eaLnBrk="1" latinLnBrk="0" hangingPunct="1">
+      <a:defRPr sz="1200" kern="1200">
+        <a:solidFill>
+          <a:schemeClr val="tx1"/>
+        </a:solidFill>
+        <a:latin typeface="+mn-lt"/>
+        <a:ea typeface="+mn-ea"/>
+        <a:cs typeface="+mn-cs"/>
+      </a:defRPr>
+    </a:lvl3pPr>
+    <a:lvl4pPr marL="1371600" algn="l" defTabSz="914400" rtl="0" eaLnBrk="1" latinLnBrk="0" hangingPunct="1">
+      <a:defRPr sz="1200" kern="1200">
+        <a:solidFill>
+          <a:schemeClr val="tx1"/>
+        </a:solidFill>
+        <a:latin typeface="+mn-lt"/>
+        <a:ea typeface="+mn-ea"/>
+        <a:cs typeface="+mn-cs"/>
+      </a:defRPr>
+    </a:lvl4pPr>
+    <a:lvl5pPr marL="1828800" algn="l" defTabSz="914400" rtl="0" eaLnBrk="1" latinLnBrk="0" hangingPunct="1">
+      <a:defRPr sz="1200" kern="1200">
+        <a:solidFill>
+          <a:schemeClr val="tx1"/>
+        </a:solidFill>
+        <a:latin typeface="+mn-lt"/>
+        <a:ea typeface="+mn-ea"/>
+        <a:cs typeface="+mn-cs"/>
+      </a:defRPr>
+    </a:lvl5pPr>
+    <a:lvl6pPr marL="2286000" algn="l" defTabSz="914400" rtl="0" eaLnBrk="1" latinLnBrk="0" hangingPunct="1">
+      <a:defRPr sz="1200" kern="1200">
+        <a:solidFill>
+          <a:schemeClr val="tx1"/>
+        </a:solidFill>
+        <a:latin typeface="+mn-lt"/>
+        <a:ea typeface="+mn-ea"/>
+        <a:cs typeface="+mn-cs"/>
+      </a:defRPr>
+    </a:lvl6pPr>
+    <a:lvl7pPr marL="2743200" algn="l" defTabSz="914400" rtl="0" eaLnBrk="1" latinLnBrk="0" hangingPunct="1">
+      <a:defRPr sz="1200" kern="1200">
+        <a:solidFill>
+          <a:schemeClr val="tx1"/>
+        </a:solidFill>
+        <a:latin typeface="+mn-lt"/>
+        <a:ea typeface="+mn-ea"/>
+        <a:cs typeface="+mn-cs"/>
+      </a:defRPr>
+    </a:lvl7pPr>
+    <a:lvl8pPr marL="3200400" algn="l" defTabSz="914400" rtl="0" eaLnBrk="1" latinLnBrk="0" hangingPunct="1">
+      <a:defRPr sz="1200" kern="1200">
+        <a:solidFill>
+          <a:schemeClr val="tx1"/>
+        </a:solidFill>
+        <a:latin typeface="+mn-lt"/>
+        <a:ea typeface="+mn-ea"/>
+        <a:cs typeface="+mn-cs"/>
+      </a:defRPr>
+    </a:lvl8pPr>
+    <a:lvl9pPr marL="3657600" algn="l" defTabSz="914400" rtl="0" eaLnBrk="1" latinLnBrk="0" hangingPunct="1">
+      <a:defRPr sz="1200" kern="1200">
+        <a:solidFill>
+          <a:schemeClr val="tx1"/>
+        </a:solidFill>
+        <a:latin typeface="+mn-lt"/>
+        <a:ea typeface="+mn-ea"/>
+        <a:cs typeface="+mn-cs"/>
+      </a:defRPr>
+    </a:lvl9pPr>
+  </p:notesStyle>
+</p:notesMaster>
+</file>
+
+<file path=ppt/notesSlides/notesSlide1.xml><?xml version="1.0" encoding="utf-8"?>
+<p:notes xmlns:a="http://schemas.openxmlformats.org/drawingml/2006/main" xmlns:r="http://schemas.openxmlformats.org/officeDocument/2006/relationships" xmlns:p="http://schemas.openxmlformats.org/presentationml/2006/main">
+  <p:cSld>
+    <p:spTree>
+      <p:nvGrpSpPr>
+        <p:cNvPr id="1" name=""/>
+        <p:cNvGrpSpPr/>
+        <p:nvPr/>
+      </p:nvGrpSpPr>
+      <p:grpSpPr>
+        <a:xfrm>
+          <a:off x="0" y="0"/>
+          <a:ext cx="0" cy="0"/>
+          <a:chOff x="0" y="0"/>
+          <a:chExt cx="0" cy="0"/>
+        </a:xfrm>
+      </p:grpSpPr>
+      <p:sp>
+        <p:nvSpPr>
+          <p:cNvPr id="2" name="Espace réservé de l'image des diapositives 1"/>
+          <p:cNvSpPr>
+            <a:spLocks noGrp="1" noRot="1" noChangeAspect="1"/>
+          </p:cNvSpPr>
+          <p:nvPr>
+            <p:ph type="sldImg"/>
+          </p:nvPr>
+        </p:nvSpPr>
+        <p:spPr/>
+      </p:sp>
+      <p:sp>
+        <p:nvSpPr>
+          <p:cNvPr id="3" name="Espace réservé des notes 2"/>
+          <p:cNvSpPr>
+            <a:spLocks noGrp="1"/>
+          </p:cNvSpPr>
+          <p:nvPr>
+            <p:ph type="body" idx="1"/>
+          </p:nvPr>
+        </p:nvSpPr>
+        <p:spPr/>
+        <p:txBody>
+          <a:bodyPr/>
+          <a:lstStyle/>
+          <a:p>
+            <a:endParaRPr lang="fr-FR" dirty="0"/>
+          </a:p>
+        </p:txBody>
+      </p:sp>
+      <p:sp>
+        <p:nvSpPr>
+          <p:cNvPr id="4" name="Espace réservé du numéro de diapositive 3"/>
+          <p:cNvSpPr>
+            <a:spLocks noGrp="1"/>
+          </p:cNvSpPr>
+          <p:nvPr>
+            <p:ph type="sldNum" sz="quarter" idx="5"/>
+          </p:nvPr>
+        </p:nvSpPr>
+        <p:spPr/>
+        <p:txBody>
+          <a:bodyPr/>
+          <a:lstStyle/>
+          <a:p>
+            <a:fld id="{BF369EB8-818D-4A98-93EB-61D429F53E70}" type="slidenum">
+              <a:rPr lang="fr-FR" smtClean="0"/>
+              <a:t>3</a:t>
+            </a:fld>
+            <a:endParaRPr lang="fr-FR"/>
+          </a:p>
+        </p:txBody>
+      </p:sp>
+    </p:spTree>
+    <p:extLst>
+      <p:ext uri="{BB962C8B-B14F-4D97-AF65-F5344CB8AC3E}">
+        <p14:creationId xmlns:p14="http://schemas.microsoft.com/office/powerpoint/2010/main" val="2070798052"/>
+      </p:ext>
+    </p:extLst>
+  </p:cSld>
+  <p:clrMapOvr>
+    <a:masterClrMapping/>
+  </p:clrMapOvr>
+</p:notes>
+</file>
+
 <file path=ppt/slideLayouts/slideLayout1.xml><?xml version="1.0" encoding="utf-8"?>
 <p:sldLayout xmlns:a="http://schemas.openxmlformats.org/drawingml/2006/main" xmlns:r="http://schemas.openxmlformats.org/officeDocument/2006/relationships" xmlns:p="http://schemas.openxmlformats.org/presentationml/2006/main" type="title" preserve="1">
   <p:cSld name="Title Slide">
@@ -334,10 +772,9 @@
           <a:bodyPr/>
           <a:lstStyle/>
           <a:p>
-            <a:fld id="{1D8BD707-D9CF-40AE-B4C6-C98DA3205C09}" type="datetimeFigureOut">
+            <a:fld id="{677535B9-7182-4537-B66C-6D41B8DAA7F8}" type="datetime1">
               <a:rPr lang="en-US" smtClean="0"/>
-              <a:pPr/>
-              <a:t>4/2/2025</a:t>
+              <a:t>4/4/2025</a:t>
             </a:fld>
             <a:endParaRPr lang="en-US"/>
           </a:p>
@@ -499,10 +936,9 @@
           <a:bodyPr/>
           <a:lstStyle/>
           <a:p>
-            <a:fld id="{1D8BD707-D9CF-40AE-B4C6-C98DA3205C09}" type="datetimeFigureOut">
+            <a:fld id="{0CD3CC55-C8AE-43E6-8F0B-F610866D3666}" type="datetime1">
               <a:rPr lang="en-US" smtClean="0"/>
-              <a:pPr/>
-              <a:t>4/2/2025</a:t>
+              <a:t>4/4/2025</a:t>
             </a:fld>
             <a:endParaRPr lang="en-US"/>
           </a:p>
@@ -674,10 +1110,9 @@
           <a:bodyPr/>
           <a:lstStyle/>
           <a:p>
-            <a:fld id="{1D8BD707-D9CF-40AE-B4C6-C98DA3205C09}" type="datetimeFigureOut">
+            <a:fld id="{6067FB71-CFE2-4152-9B33-5EB6F60327F9}" type="datetime1">
               <a:rPr lang="en-US" smtClean="0"/>
-              <a:pPr/>
-              <a:t>4/2/2025</a:t>
+              <a:t>4/4/2025</a:t>
             </a:fld>
             <a:endParaRPr lang="en-US"/>
           </a:p>
@@ -839,10 +1274,9 @@
           <a:bodyPr/>
           <a:lstStyle/>
           <a:p>
-            <a:fld id="{1D8BD707-D9CF-40AE-B4C6-C98DA3205C09}" type="datetimeFigureOut">
+            <a:fld id="{A14261D5-E39F-4E5E-BA35-7A842DAB20F7}" type="datetime1">
               <a:rPr lang="en-US" smtClean="0"/>
-              <a:pPr/>
-              <a:t>4/2/2025</a:t>
+              <a:t>4/4/2025</a:t>
             </a:fld>
             <a:endParaRPr lang="en-US"/>
           </a:p>
@@ -1081,10 +1515,9 @@
           <a:bodyPr/>
           <a:lstStyle/>
           <a:p>
-            <a:fld id="{1D8BD707-D9CF-40AE-B4C6-C98DA3205C09}" type="datetimeFigureOut">
+            <a:fld id="{7EB3285C-860C-461B-9C84-09B7851D36A2}" type="datetime1">
               <a:rPr lang="en-US" smtClean="0"/>
-              <a:pPr/>
-              <a:t>4/2/2025</a:t>
+              <a:t>4/4/2025</a:t>
             </a:fld>
             <a:endParaRPr lang="en-US"/>
           </a:p>
@@ -1363,10 +1796,9 @@
           <a:bodyPr/>
           <a:lstStyle/>
           <a:p>
-            <a:fld id="{1D8BD707-D9CF-40AE-B4C6-C98DA3205C09}" type="datetimeFigureOut">
+            <a:fld id="{108253CB-8711-4751-943F-BED60E20AE67}" type="datetime1">
               <a:rPr lang="en-US" smtClean="0"/>
-              <a:pPr/>
-              <a:t>4/2/2025</a:t>
+              <a:t>4/4/2025</a:t>
             </a:fld>
             <a:endParaRPr lang="en-US"/>
           </a:p>
@@ -1779,10 +2211,9 @@
           <a:bodyPr/>
           <a:lstStyle/>
           <a:p>
-            <a:fld id="{1D8BD707-D9CF-40AE-B4C6-C98DA3205C09}" type="datetimeFigureOut">
+            <a:fld id="{4730E22D-11F7-4339-9E21-45E3FF3E1829}" type="datetime1">
               <a:rPr lang="en-US" smtClean="0"/>
-              <a:pPr/>
-              <a:t>4/2/2025</a:t>
+              <a:t>4/4/2025</a:t>
             </a:fld>
             <a:endParaRPr lang="en-US"/>
           </a:p>
@@ -1893,10 +2324,9 @@
           <a:bodyPr/>
           <a:lstStyle/>
           <a:p>
-            <a:fld id="{1D8BD707-D9CF-40AE-B4C6-C98DA3205C09}" type="datetimeFigureOut">
+            <a:fld id="{2A56C51A-995B-43E9-8972-B60EBF2302A9}" type="datetime1">
               <a:rPr lang="en-US" smtClean="0"/>
-              <a:pPr/>
-              <a:t>4/2/2025</a:t>
+              <a:t>4/4/2025</a:t>
             </a:fld>
             <a:endParaRPr lang="en-US"/>
           </a:p>
@@ -1985,10 +2415,9 @@
           <a:bodyPr/>
           <a:lstStyle/>
           <a:p>
-            <a:fld id="{1D8BD707-D9CF-40AE-B4C6-C98DA3205C09}" type="datetimeFigureOut">
+            <a:fld id="{A4F4BFBE-CCBB-4062-AAD9-4E9950E14C94}" type="datetime1">
               <a:rPr lang="en-US" smtClean="0"/>
-              <a:pPr/>
-              <a:t>4/2/2025</a:t>
+              <a:t>4/4/2025</a:t>
             </a:fld>
             <a:endParaRPr lang="en-US"/>
           </a:p>
@@ -2257,10 +2686,9 @@
           <a:bodyPr/>
           <a:lstStyle/>
           <a:p>
-            <a:fld id="{1D8BD707-D9CF-40AE-B4C6-C98DA3205C09}" type="datetimeFigureOut">
+            <a:fld id="{4E7F2F25-9ABC-4E49-AED8-B9CFC07F24FB}" type="datetime1">
               <a:rPr lang="en-US" smtClean="0"/>
-              <a:pPr/>
-              <a:t>4/2/2025</a:t>
+              <a:t>4/4/2025</a:t>
             </a:fld>
             <a:endParaRPr lang="en-US"/>
           </a:p>
@@ -2506,10 +2934,9 @@
           <a:bodyPr/>
           <a:lstStyle/>
           <a:p>
-            <a:fld id="{1D8BD707-D9CF-40AE-B4C6-C98DA3205C09}" type="datetimeFigureOut">
+            <a:fld id="{60DEE475-3156-4C95-B419-2D03515A0317}" type="datetime1">
               <a:rPr lang="en-US" smtClean="0"/>
-              <a:pPr/>
-              <a:t>4/2/2025</a:t>
+              <a:t>4/4/2025</a:t>
             </a:fld>
             <a:endParaRPr lang="en-US"/>
           </a:p>
@@ -2714,10 +3141,9 @@
             </a:lvl1pPr>
           </a:lstStyle>
           <a:p>
-            <a:fld id="{1D8BD707-D9CF-40AE-B4C6-C98DA3205C09}" type="datetimeFigureOut">
+            <a:fld id="{5D8F0F20-AB01-48A9-BC88-D79BD7DE0349}" type="datetime1">
               <a:rPr lang="en-US" smtClean="0"/>
-              <a:pPr/>
-              <a:t>4/2/2025</a:t>
+              <a:t>4/4/2025</a:t>
             </a:fld>
             <a:endParaRPr lang="en-US"/>
           </a:p>
@@ -2818,6 +3244,7 @@
     <p:sldLayoutId id="2147483658" r:id="rId10"/>
     <p:sldLayoutId id="2147483659" r:id="rId11"/>
   </p:sldLayoutIdLst>
+  <p:hf sldNum="0" hdr="0" ftr="0" dt="0"/>
   <p:txStyles>
     <p:titleStyle>
       <a:lvl1pPr algn="ctr" defTabSz="914400" rtl="0" eaLnBrk="1" latinLnBrk="0" hangingPunct="1">
@@ -3209,7 +3636,7 @@
               </a:lnSpc>
             </a:pPr>
             <a:r>
-              <a:rPr lang="en-US" sz="6000" b="1">
+              <a:rPr lang="en-US" sz="6000" b="1" dirty="0" err="1">
                 <a:solidFill>
                   <a:srgbClr val="000000"/>
                 </a:solidFill>
@@ -3218,7 +3645,19 @@
                 <a:cs typeface="Alegreya Bold"/>
                 <a:sym typeface="Alegreya Bold"/>
               </a:rPr>
-              <a:t>Présentation au client</a:t>
+              <a:t>Présentation</a:t>
+            </a:r>
+            <a:r>
+              <a:rPr lang="en-US" sz="6000" b="1" dirty="0">
+                <a:solidFill>
+                  <a:srgbClr val="000000"/>
+                </a:solidFill>
+                <a:latin typeface="Alegreya Bold"/>
+                <a:ea typeface="Alegreya Bold"/>
+                <a:cs typeface="Alegreya Bold"/>
+                <a:sym typeface="Alegreya Bold"/>
+              </a:rPr>
+              <a:t> au client</a:t>
             </a:r>
           </a:p>
         </p:txBody>
@@ -3253,7 +3692,7 @@
               </a:spcBef>
             </a:pPr>
             <a:r>
-              <a:rPr lang="en-US" sz="2499">
+              <a:rPr lang="en-US" sz="2499" dirty="0">
                 <a:solidFill>
                   <a:srgbClr val="000000"/>
                 </a:solidFill>
@@ -3262,7 +3701,55 @@
                 <a:cs typeface="Alegreya"/>
                 <a:sym typeface="Alegreya"/>
               </a:rPr>
-              <a:t>Mohamed Himeur, Lucas Moniot, Noémie Rappeneau, Omar Sedrati, Axel Vion </a:t>
+              <a:t>Mohamed Himeur, Lucas Moniot, Noémie </a:t>
+            </a:r>
+            <a:r>
+              <a:rPr lang="en-US" sz="2499" dirty="0" err="1">
+                <a:solidFill>
+                  <a:srgbClr val="000000"/>
+                </a:solidFill>
+                <a:latin typeface="Alegreya"/>
+                <a:ea typeface="Alegreya"/>
+                <a:cs typeface="Alegreya"/>
+                <a:sym typeface="Alegreya"/>
+              </a:rPr>
+              <a:t>Rappeneau</a:t>
+            </a:r>
+            <a:r>
+              <a:rPr lang="en-US" sz="2499" dirty="0">
+                <a:solidFill>
+                  <a:srgbClr val="000000"/>
+                </a:solidFill>
+                <a:latin typeface="Alegreya"/>
+                <a:ea typeface="Alegreya"/>
+                <a:cs typeface="Alegreya"/>
+                <a:sym typeface="Alegreya"/>
+              </a:rPr>
+              <a:t>, Omar Sedrati, Axel </a:t>
+            </a:r>
+            <a:r>
+              <a:rPr lang="en-US" sz="2499" dirty="0" err="1">
+                <a:solidFill>
+                  <a:srgbClr val="000000"/>
+                </a:solidFill>
+                <a:latin typeface="Alegreya"/>
+                <a:ea typeface="Alegreya"/>
+                <a:cs typeface="Alegreya"/>
+                <a:sym typeface="Alegreya"/>
+              </a:rPr>
+              <a:t>Vion</a:t>
+            </a:r>
+            <a:r>
+              <a:rPr lang="en-US" sz="2499" dirty="0">
+                <a:solidFill>
+                  <a:srgbClr val="000000"/>
+                </a:solidFill>
+                <a:latin typeface="Alegreya"/>
+                <a:ea typeface="Alegreya"/>
+                <a:cs typeface="Alegreya"/>
+                <a:sym typeface="Alegreya"/>
+              </a:rPr>
+              <a:t> </a:t>
             </a:r>
           </a:p>
         </p:txBody>
@@ -3276,6 +3763,464 @@
 </file>
 
 <file path=ppt/slides/slide10.xml><?xml version="1.0" encoding="utf-8"?>
+<p:sld xmlns:a="http://schemas.openxmlformats.org/drawingml/2006/main" xmlns:r="http://schemas.openxmlformats.org/officeDocument/2006/relationships" xmlns:p="http://schemas.openxmlformats.org/presentationml/2006/main">
+  <p:cSld>
+    <p:spTree>
+      <p:nvGrpSpPr>
+        <p:cNvPr id="1" name=""/>
+        <p:cNvGrpSpPr/>
+        <p:nvPr/>
+      </p:nvGrpSpPr>
+      <p:grpSpPr>
+        <a:xfrm>
+          <a:off x="0" y="0"/>
+          <a:ext cx="0" cy="0"/>
+          <a:chOff x="0" y="0"/>
+          <a:chExt cx="0" cy="0"/>
+        </a:xfrm>
+      </p:grpSpPr>
+      <p:sp>
+        <p:nvSpPr>
+          <p:cNvPr id="2" name="Freeform 2"/>
+          <p:cNvSpPr/>
+          <p:nvPr/>
+        </p:nvSpPr>
+        <p:spPr>
+          <a:xfrm>
+            <a:off x="0" y="0"/>
+            <a:ext cx="18288000" cy="10287000"/>
+          </a:xfrm>
+          <a:custGeom>
+            <a:avLst/>
+            <a:gdLst/>
+            <a:ahLst/>
+            <a:cxnLst/>
+            <a:rect l="l" t="t" r="r" b="b"/>
+            <a:pathLst>
+              <a:path w="18288000" h="10287000">
+                <a:moveTo>
+                  <a:pt x="0" y="0"/>
+                </a:moveTo>
+                <a:lnTo>
+                  <a:pt x="18288000" y="0"/>
+                </a:lnTo>
+                <a:lnTo>
+                  <a:pt x="18288000" y="10287000"/>
+                </a:lnTo>
+                <a:lnTo>
+                  <a:pt x="0" y="10287000"/>
+                </a:lnTo>
+                <a:lnTo>
+                  <a:pt x="0" y="0"/>
+                </a:lnTo>
+                <a:close/>
+              </a:path>
+            </a:pathLst>
+          </a:custGeom>
+          <a:blipFill>
+            <a:blip r:embed="rId2"/>
+            <a:stretch>
+              <a:fillRect l="-220" t="-9510" r="-1696" b="-11203"/>
+            </a:stretch>
+          </a:blipFill>
+        </p:spPr>
+        <p:txBody>
+          <a:bodyPr/>
+          <a:lstStyle/>
+          <a:p>
+            <a:endParaRPr lang="fr-FR"/>
+          </a:p>
+        </p:txBody>
+      </p:sp>
+      <p:sp>
+        <p:nvSpPr>
+          <p:cNvPr id="3" name="TextBox 3"/>
+          <p:cNvSpPr txBox="1"/>
+          <p:nvPr/>
+        </p:nvSpPr>
+        <p:spPr>
+          <a:xfrm>
+            <a:off x="1761580" y="3027933"/>
+            <a:ext cx="14764841" cy="2443780"/>
+          </a:xfrm>
+          <a:prstGeom prst="rect">
+            <a:avLst/>
+          </a:prstGeom>
+        </p:spPr>
+        <p:txBody>
+          <a:bodyPr lIns="0" tIns="0" rIns="0" bIns="0" rtlCol="0" anchor="t">
+            <a:spAutoFit/>
+          </a:bodyPr>
+          <a:lstStyle/>
+          <a:p>
+            <a:pPr algn="ctr">
+              <a:lnSpc>
+                <a:spcPts val="19653"/>
+              </a:lnSpc>
+            </a:pPr>
+            <a:r>
+              <a:rPr lang="en-US" sz="14038">
+                <a:solidFill>
+                  <a:srgbClr val="000000"/>
+                </a:solidFill>
+                <a:latin typeface="Bobby Jones"/>
+                <a:ea typeface="Bobby Jones"/>
+                <a:cs typeface="Bobby Jones"/>
+                <a:sym typeface="Bobby Jones"/>
+              </a:rPr>
+              <a:t>Group Project</a:t>
+            </a:r>
+          </a:p>
+        </p:txBody>
+      </p:sp>
+      <p:sp>
+        <p:nvSpPr>
+          <p:cNvPr id="4" name="TextBox 4"/>
+          <p:cNvSpPr txBox="1"/>
+          <p:nvPr/>
+        </p:nvSpPr>
+        <p:spPr>
+          <a:xfrm>
+            <a:off x="2831326" y="5654893"/>
+            <a:ext cx="12625348" cy="987804"/>
+          </a:xfrm>
+          <a:prstGeom prst="rect">
+            <a:avLst/>
+          </a:prstGeom>
+        </p:spPr>
+        <p:txBody>
+          <a:bodyPr lIns="0" tIns="0" rIns="0" bIns="0" rtlCol="0" anchor="t">
+            <a:spAutoFit/>
+          </a:bodyPr>
+          <a:lstStyle/>
+          <a:p>
+            <a:pPr algn="ctr">
+              <a:lnSpc>
+                <a:spcPts val="8029"/>
+              </a:lnSpc>
+            </a:pPr>
+            <a:r>
+              <a:rPr lang="en-US" sz="5735" b="1">
+                <a:solidFill>
+                  <a:srgbClr val="000000"/>
+                </a:solidFill>
+                <a:latin typeface="Alegreya Bold"/>
+                <a:ea typeface="Alegreya Bold"/>
+                <a:cs typeface="Alegreya Bold"/>
+                <a:sym typeface="Alegreya Bold"/>
+              </a:rPr>
+              <a:t>Presented By : Group Borcelle</a:t>
+            </a:r>
+          </a:p>
+        </p:txBody>
+      </p:sp>
+    </p:spTree>
+  </p:cSld>
+  <p:clrMapOvr>
+    <a:masterClrMapping/>
+  </p:clrMapOvr>
+</p:sld>
+</file>
+
+<file path=ppt/slides/slide11.xml><?xml version="1.0" encoding="utf-8"?>
+<p:sld xmlns:a="http://schemas.openxmlformats.org/drawingml/2006/main" xmlns:r="http://schemas.openxmlformats.org/officeDocument/2006/relationships" xmlns:p="http://schemas.openxmlformats.org/presentationml/2006/main">
+  <p:cSld>
+    <p:spTree>
+      <p:nvGrpSpPr>
+        <p:cNvPr id="1" name=""/>
+        <p:cNvGrpSpPr/>
+        <p:nvPr/>
+      </p:nvGrpSpPr>
+      <p:grpSpPr>
+        <a:xfrm>
+          <a:off x="0" y="0"/>
+          <a:ext cx="0" cy="0"/>
+          <a:chOff x="0" y="0"/>
+          <a:chExt cx="0" cy="0"/>
+        </a:xfrm>
+      </p:grpSpPr>
+      <p:sp>
+        <p:nvSpPr>
+          <p:cNvPr id="2" name="Freeform 2"/>
+          <p:cNvSpPr/>
+          <p:nvPr/>
+        </p:nvSpPr>
+        <p:spPr>
+          <a:xfrm>
+            <a:off x="0" y="0"/>
+            <a:ext cx="18288000" cy="10287000"/>
+          </a:xfrm>
+          <a:custGeom>
+            <a:avLst/>
+            <a:gdLst/>
+            <a:ahLst/>
+            <a:cxnLst/>
+            <a:rect l="l" t="t" r="r" b="b"/>
+            <a:pathLst>
+              <a:path w="18288000" h="10287000">
+                <a:moveTo>
+                  <a:pt x="0" y="0"/>
+                </a:moveTo>
+                <a:lnTo>
+                  <a:pt x="18288000" y="0"/>
+                </a:lnTo>
+                <a:lnTo>
+                  <a:pt x="18288000" y="10287000"/>
+                </a:lnTo>
+                <a:lnTo>
+                  <a:pt x="0" y="10287000"/>
+                </a:lnTo>
+                <a:lnTo>
+                  <a:pt x="0" y="0"/>
+                </a:lnTo>
+                <a:close/>
+              </a:path>
+            </a:pathLst>
+          </a:custGeom>
+          <a:blipFill>
+            <a:blip r:embed="rId2"/>
+            <a:stretch>
+              <a:fillRect l="-220" t="-9510" r="-1696" b="-11203"/>
+            </a:stretch>
+          </a:blipFill>
+        </p:spPr>
+        <p:txBody>
+          <a:bodyPr/>
+          <a:lstStyle/>
+          <a:p>
+            <a:endParaRPr lang="fr-FR"/>
+          </a:p>
+        </p:txBody>
+      </p:sp>
+      <p:grpSp>
+        <p:nvGrpSpPr>
+          <p:cNvPr id="3" name="Group 3"/>
+          <p:cNvGrpSpPr/>
+          <p:nvPr/>
+        </p:nvGrpSpPr>
+        <p:grpSpPr>
+          <a:xfrm>
+            <a:off x="1978052" y="2879312"/>
+            <a:ext cx="14331896" cy="6093238"/>
+            <a:chOff x="0" y="0"/>
+            <a:chExt cx="3774656" cy="1604803"/>
+          </a:xfrm>
+        </p:grpSpPr>
+        <p:sp>
+          <p:nvSpPr>
+            <p:cNvPr id="4" name="Freeform 4"/>
+            <p:cNvSpPr/>
+            <p:nvPr/>
+          </p:nvSpPr>
+          <p:spPr>
+            <a:xfrm>
+              <a:off x="0" y="0"/>
+              <a:ext cx="3774656" cy="1604803"/>
+            </a:xfrm>
+            <a:custGeom>
+              <a:avLst/>
+              <a:gdLst/>
+              <a:ahLst/>
+              <a:cxnLst/>
+              <a:rect l="l" t="t" r="r" b="b"/>
+              <a:pathLst>
+                <a:path w="3774656" h="1604803">
+                  <a:moveTo>
+                    <a:pt x="27550" y="0"/>
+                  </a:moveTo>
+                  <a:lnTo>
+                    <a:pt x="3747106" y="0"/>
+                  </a:lnTo>
+                  <a:cubicBezTo>
+                    <a:pt x="3754413" y="0"/>
+                    <a:pt x="3761420" y="2903"/>
+                    <a:pt x="3766586" y="8069"/>
+                  </a:cubicBezTo>
+                  <a:cubicBezTo>
+                    <a:pt x="3771753" y="13236"/>
+                    <a:pt x="3774656" y="20243"/>
+                    <a:pt x="3774656" y="27550"/>
+                  </a:cubicBezTo>
+                  <a:lnTo>
+                    <a:pt x="3774656" y="1577254"/>
+                  </a:lnTo>
+                  <a:cubicBezTo>
+                    <a:pt x="3774656" y="1592469"/>
+                    <a:pt x="3762321" y="1604803"/>
+                    <a:pt x="3747106" y="1604803"/>
+                  </a:cubicBezTo>
+                  <a:lnTo>
+                    <a:pt x="27550" y="1604803"/>
+                  </a:lnTo>
+                  <a:cubicBezTo>
+                    <a:pt x="20243" y="1604803"/>
+                    <a:pt x="13236" y="1601901"/>
+                    <a:pt x="8069" y="1596734"/>
+                  </a:cubicBezTo>
+                  <a:cubicBezTo>
+                    <a:pt x="2903" y="1591568"/>
+                    <a:pt x="0" y="1584560"/>
+                    <a:pt x="0" y="1577254"/>
+                  </a:cubicBezTo>
+                  <a:lnTo>
+                    <a:pt x="0" y="27550"/>
+                  </a:lnTo>
+                  <a:cubicBezTo>
+                    <a:pt x="0" y="20243"/>
+                    <a:pt x="2903" y="13236"/>
+                    <a:pt x="8069" y="8069"/>
+                  </a:cubicBezTo>
+                  <a:cubicBezTo>
+                    <a:pt x="13236" y="2903"/>
+                    <a:pt x="20243" y="0"/>
+                    <a:pt x="27550" y="0"/>
+                  </a:cubicBezTo>
+                  <a:close/>
+                </a:path>
+              </a:pathLst>
+            </a:custGeom>
+            <a:solidFill>
+              <a:srgbClr val="FFFFFF"/>
+            </a:solidFill>
+            <a:ln w="38100" cap="rnd">
+              <a:solidFill>
+                <a:srgbClr val="000000"/>
+              </a:solidFill>
+              <a:prstDash val="lgDash"/>
+              <a:round/>
+            </a:ln>
+          </p:spPr>
+          <p:txBody>
+            <a:bodyPr/>
+            <a:lstStyle/>
+            <a:p>
+              <a:endParaRPr lang="fr-FR"/>
+            </a:p>
+          </p:txBody>
+        </p:sp>
+        <p:sp>
+          <p:nvSpPr>
+            <p:cNvPr id="5" name="TextBox 5"/>
+            <p:cNvSpPr txBox="1"/>
+            <p:nvPr/>
+          </p:nvSpPr>
+          <p:spPr>
+            <a:xfrm>
+              <a:off x="0" y="-38100"/>
+              <a:ext cx="3774656" cy="1642903"/>
+            </a:xfrm>
+            <a:prstGeom prst="rect">
+              <a:avLst/>
+            </a:prstGeom>
+          </p:spPr>
+          <p:txBody>
+            <a:bodyPr lIns="50800" tIns="50800" rIns="50800" bIns="50800" rtlCol="0" anchor="ctr"/>
+            <a:lstStyle/>
+            <a:p>
+              <a:pPr algn="ctr">
+                <a:lnSpc>
+                  <a:spcPts val="2659"/>
+                </a:lnSpc>
+                <a:spcBef>
+                  <a:spcPct val="0"/>
+                </a:spcBef>
+              </a:pPr>
+              <a:endParaRPr/>
+            </a:p>
+          </p:txBody>
+        </p:sp>
+      </p:grpSp>
+      <p:sp>
+        <p:nvSpPr>
+          <p:cNvPr id="6" name="TextBox 6"/>
+          <p:cNvSpPr txBox="1"/>
+          <p:nvPr/>
+        </p:nvSpPr>
+        <p:spPr>
+          <a:xfrm>
+            <a:off x="2678497" y="3394916"/>
+            <a:ext cx="12555011" cy="4919155"/>
+          </a:xfrm>
+          <a:prstGeom prst="rect">
+            <a:avLst/>
+          </a:prstGeom>
+        </p:spPr>
+        <p:txBody>
+          <a:bodyPr lIns="0" tIns="0" rIns="0" bIns="0" rtlCol="0" anchor="t">
+            <a:spAutoFit/>
+          </a:bodyPr>
+          <a:lstStyle/>
+          <a:p>
+            <a:pPr algn="l">
+              <a:lnSpc>
+                <a:spcPts val="6542"/>
+              </a:lnSpc>
+            </a:pPr>
+            <a:r>
+              <a:rPr lang="en-US" sz="4673" b="1">
+                <a:solidFill>
+                  <a:srgbClr val="000000"/>
+                </a:solidFill>
+                <a:latin typeface="Alegreya Bold"/>
+                <a:ea typeface="Alegreya Bold"/>
+                <a:cs typeface="Alegreya Bold"/>
+                <a:sym typeface="Alegreya Bold"/>
+              </a:rPr>
+              <a:t>Presentations are communication tools that can be used as demonstrations, lectures, speeches, reports, and more. Mostly presented before an audience, it serves a variety of purposes, making presentations powerful tools for convicing and teaching.</a:t>
+            </a:r>
+          </a:p>
+        </p:txBody>
+      </p:sp>
+      <p:sp>
+        <p:nvSpPr>
+          <p:cNvPr id="7" name="TextBox 7"/>
+          <p:cNvSpPr txBox="1"/>
+          <p:nvPr/>
+        </p:nvSpPr>
+        <p:spPr>
+          <a:xfrm>
+            <a:off x="3918390" y="857250"/>
+            <a:ext cx="10451219" cy="1420496"/>
+          </a:xfrm>
+          <a:prstGeom prst="rect">
+            <a:avLst/>
+          </a:prstGeom>
+        </p:spPr>
+        <p:txBody>
+          <a:bodyPr lIns="0" tIns="0" rIns="0" bIns="0" rtlCol="0" anchor="t">
+            <a:spAutoFit/>
+          </a:bodyPr>
+          <a:lstStyle/>
+          <a:p>
+            <a:pPr algn="ctr">
+              <a:lnSpc>
+                <a:spcPts val="11479"/>
+              </a:lnSpc>
+            </a:pPr>
+            <a:r>
+              <a:rPr lang="en-US" sz="8199">
+                <a:solidFill>
+                  <a:srgbClr val="000000"/>
+                </a:solidFill>
+                <a:latin typeface="Bobby Jones"/>
+                <a:ea typeface="Bobby Jones"/>
+                <a:cs typeface="Bobby Jones"/>
+                <a:sym typeface="Bobby Jones"/>
+              </a:rPr>
+              <a:t>Project Overview</a:t>
+            </a:r>
+          </a:p>
+        </p:txBody>
+      </p:sp>
+    </p:spTree>
+  </p:cSld>
+  <p:clrMapOvr>
+    <a:masterClrMapping/>
+  </p:clrMapOvr>
+</p:sld>
+</file>
+
+<file path=ppt/slides/slide12.xml><?xml version="1.0" encoding="utf-8"?>
 <p:sld xmlns:a="http://schemas.openxmlformats.org/drawingml/2006/main" xmlns:r="http://schemas.openxmlformats.org/officeDocument/2006/relationships" xmlns:p="http://schemas.openxmlformats.org/presentationml/2006/main">
   <p:cSld>
     <p:spTree>
@@ -3796,7 +4741,7 @@
 </p:sld>
 </file>
 
-<file path=ppt/slides/slide11.xml><?xml version="1.0" encoding="utf-8"?>
+<file path=ppt/slides/slide13.xml><?xml version="1.0" encoding="utf-8"?>
 <p:sld xmlns:a="http://schemas.openxmlformats.org/drawingml/2006/main" xmlns:r="http://schemas.openxmlformats.org/officeDocument/2006/relationships" xmlns:p="http://schemas.openxmlformats.org/presentationml/2006/main">
   <p:cSld>
     <p:spTree>
@@ -3876,7 +4821,7 @@
         </p:nvGraphicFramePr>
         <p:xfrm>
           <a:off x="1315640" y="3066778"/>
-          <a:ext cx="15656721" cy="5010150"/>
+          <a:ext cx="15656722" cy="5010151"/>
         </p:xfrm>
         <a:graphic>
           <a:graphicData uri="http://schemas.openxmlformats.org/drawingml/2006/table">
@@ -5204,7 +6149,7 @@
 </p:sld>
 </file>
 
-<file path=ppt/slides/slide12.xml><?xml version="1.0" encoding="utf-8"?>
+<file path=ppt/slides/slide14.xml><?xml version="1.0" encoding="utf-8"?>
 <p:sld xmlns:a="http://schemas.openxmlformats.org/drawingml/2006/main" xmlns:r="http://schemas.openxmlformats.org/officeDocument/2006/relationships" xmlns:p="http://schemas.openxmlformats.org/presentationml/2006/main">
   <p:cSld>
     <p:spTree>
@@ -5772,7 +6717,7 @@
 </p:sld>
 </file>
 
-<file path=ppt/slides/slide13.xml><?xml version="1.0" encoding="utf-8"?>
+<file path=ppt/slides/slide15.xml><?xml version="1.0" encoding="utf-8"?>
 <p:sld xmlns:a="http://schemas.openxmlformats.org/drawingml/2006/main" xmlns:r="http://schemas.openxmlformats.org/officeDocument/2006/relationships" xmlns:p="http://schemas.openxmlformats.org/presentationml/2006/main">
   <p:cSld>
     <p:spTree>
@@ -6581,7 +7526,7 @@
 </p:sld>
 </file>
 
-<file path=ppt/slides/slide14.xml><?xml version="1.0" encoding="utf-8"?>
+<file path=ppt/slides/slide16.xml><?xml version="1.0" encoding="utf-8"?>
 <p:sld xmlns:a="http://schemas.openxmlformats.org/drawingml/2006/main" xmlns:r="http://schemas.openxmlformats.org/officeDocument/2006/relationships" xmlns:p="http://schemas.openxmlformats.org/presentationml/2006/main">
   <p:cSld>
     <p:spTree>
@@ -7336,7 +8281,7 @@
 </p:sld>
 </file>
 
-<file path=ppt/slides/slide15.xml><?xml version="1.0" encoding="utf-8"?>
+<file path=ppt/slides/slide17.xml><?xml version="1.0" encoding="utf-8"?>
 <p:sld xmlns:a="http://schemas.openxmlformats.org/drawingml/2006/main" xmlns:r="http://schemas.openxmlformats.org/officeDocument/2006/relationships" xmlns:p="http://schemas.openxmlformats.org/presentationml/2006/main">
   <p:cSld>
     <p:spTree>
@@ -7742,7 +8687,7 @@
 </p:sld>
 </file>
 
-<file path=ppt/slides/slide16.xml><?xml version="1.0" encoding="utf-8"?>
+<file path=ppt/slides/slide18.xml><?xml version="1.0" encoding="utf-8"?>
 <p:sld xmlns:a="http://schemas.openxmlformats.org/drawingml/2006/main" xmlns:r="http://schemas.openxmlformats.org/officeDocument/2006/relationships" xmlns:p="http://schemas.openxmlformats.org/presentationml/2006/main">
   <p:cSld>
     <p:spTree>
@@ -8220,7 +9165,7 @@
 </p:sld>
 </file>
 
-<file path=ppt/slides/slide17.xml><?xml version="1.0" encoding="utf-8"?>
+<file path=ppt/slides/slide19.xml><?xml version="1.0" encoding="utf-8"?>
 <p:sld xmlns:a="http://schemas.openxmlformats.org/drawingml/2006/main" xmlns:r="http://schemas.openxmlformats.org/officeDocument/2006/relationships" xmlns:p="http://schemas.openxmlformats.org/presentationml/2006/main">
   <p:cSld>
     <p:spTree>
@@ -8698,7 +9643,143 @@
 </p:sld>
 </file>
 
-<file path=ppt/slides/slide18.xml><?xml version="1.0" encoding="utf-8"?>
+<file path=ppt/slides/slide2.xml><?xml version="1.0" encoding="utf-8"?>
+<p:sld xmlns:a="http://schemas.openxmlformats.org/drawingml/2006/main" xmlns:r="http://schemas.openxmlformats.org/officeDocument/2006/relationships" xmlns:p="http://schemas.openxmlformats.org/presentationml/2006/main">
+  <p:cSld>
+    <p:spTree>
+      <p:nvGrpSpPr>
+        <p:cNvPr id="1" name=""/>
+        <p:cNvGrpSpPr/>
+        <p:nvPr/>
+      </p:nvGrpSpPr>
+      <p:grpSpPr>
+        <a:xfrm>
+          <a:off x="0" y="0"/>
+          <a:ext cx="0" cy="0"/>
+          <a:chOff x="0" y="0"/>
+          <a:chExt cx="0" cy="0"/>
+        </a:xfrm>
+      </p:grpSpPr>
+      <p:sp>
+        <p:nvSpPr>
+          <p:cNvPr id="2" name="Freeform 2">
+            <a:extLst>
+              <a:ext uri="{FF2B5EF4-FFF2-40B4-BE49-F238E27FC236}">
+                <a16:creationId xmlns:a16="http://schemas.microsoft.com/office/drawing/2014/main" id="{BC7ACC81-1A33-25CF-11C2-EEBADE427DCC}"/>
+              </a:ext>
+            </a:extLst>
+          </p:cNvPr>
+          <p:cNvSpPr/>
+          <p:nvPr/>
+        </p:nvSpPr>
+        <p:spPr>
+          <a:xfrm>
+            <a:off x="0" y="0"/>
+            <a:ext cx="18288000" cy="10287000"/>
+          </a:xfrm>
+          <a:custGeom>
+            <a:avLst/>
+            <a:gdLst/>
+            <a:ahLst/>
+            <a:cxnLst/>
+            <a:rect l="l" t="t" r="r" b="b"/>
+            <a:pathLst>
+              <a:path w="18288000" h="10287000">
+                <a:moveTo>
+                  <a:pt x="0" y="0"/>
+                </a:moveTo>
+                <a:lnTo>
+                  <a:pt x="18288000" y="0"/>
+                </a:lnTo>
+                <a:lnTo>
+                  <a:pt x="18288000" y="10287000"/>
+                </a:lnTo>
+                <a:lnTo>
+                  <a:pt x="0" y="10287000"/>
+                </a:lnTo>
+                <a:lnTo>
+                  <a:pt x="0" y="0"/>
+                </a:lnTo>
+                <a:close/>
+              </a:path>
+            </a:pathLst>
+          </a:custGeom>
+          <a:blipFill>
+            <a:blip r:embed="rId2"/>
+            <a:stretch>
+              <a:fillRect l="-220" t="-9510" r="-1696" b="-11203"/>
+            </a:stretch>
+          </a:blipFill>
+        </p:spPr>
+        <p:txBody>
+          <a:bodyPr/>
+          <a:lstStyle/>
+          <a:p>
+            <a:endParaRPr lang="fr-FR"/>
+          </a:p>
+        </p:txBody>
+      </p:sp>
+      <p:sp>
+        <p:nvSpPr>
+          <p:cNvPr id="3" name="TextBox 4">
+            <a:extLst>
+              <a:ext uri="{FF2B5EF4-FFF2-40B4-BE49-F238E27FC236}">
+                <a16:creationId xmlns:a16="http://schemas.microsoft.com/office/drawing/2014/main" id="{4E77B9A7-EE42-FD95-819D-82B4680CA06A}"/>
+              </a:ext>
+            </a:extLst>
+          </p:cNvPr>
+          <p:cNvSpPr txBox="1"/>
+          <p:nvPr/>
+        </p:nvSpPr>
+        <p:spPr>
+          <a:xfrm>
+            <a:off x="2831326" y="5645368"/>
+            <a:ext cx="12625348" cy="1038225"/>
+          </a:xfrm>
+          <a:prstGeom prst="rect">
+            <a:avLst/>
+          </a:prstGeom>
+        </p:spPr>
+        <p:txBody>
+          <a:bodyPr lIns="0" tIns="0" rIns="0" bIns="0" rtlCol="0" anchor="t">
+            <a:spAutoFit/>
+          </a:bodyPr>
+          <a:lstStyle/>
+          <a:p>
+            <a:pPr algn="ctr">
+              <a:lnSpc>
+                <a:spcPts val="8400"/>
+              </a:lnSpc>
+            </a:pPr>
+            <a:r>
+              <a:rPr lang="en-US" sz="6000" b="1" dirty="0">
+                <a:solidFill>
+                  <a:srgbClr val="FF0000"/>
+                </a:solidFill>
+                <a:latin typeface="Alegreya Bold"/>
+                <a:ea typeface="Alegreya Bold"/>
+                <a:cs typeface="Alegreya Bold"/>
+                <a:sym typeface="Alegreya Bold"/>
+              </a:rPr>
+              <a:t>Introduction à faire</a:t>
+            </a:r>
+          </a:p>
+        </p:txBody>
+      </p:sp>
+    </p:spTree>
+    <p:extLst>
+      <p:ext uri="{BB962C8B-B14F-4D97-AF65-F5344CB8AC3E}">
+        <p14:creationId xmlns:p14="http://schemas.microsoft.com/office/powerpoint/2010/main" val="2870700434"/>
+      </p:ext>
+    </p:extLst>
+  </p:cSld>
+  <p:clrMapOvr>
+    <a:masterClrMapping/>
+  </p:clrMapOvr>
+</p:sld>
+</file>
+
+<file path=ppt/slides/slide20.xml><?xml version="1.0" encoding="utf-8"?>
 <p:sld xmlns:a="http://schemas.openxmlformats.org/drawingml/2006/main" xmlns:r="http://schemas.openxmlformats.org/officeDocument/2006/relationships" xmlns:p="http://schemas.openxmlformats.org/presentationml/2006/main">
   <p:cSld>
     <p:spTree>
@@ -9183,7 +10264,7 @@
 </p:sld>
 </file>
 
-<file path=ppt/slides/slide19.xml><?xml version="1.0" encoding="utf-8"?>
+<file path=ppt/slides/slide21.xml><?xml version="1.0" encoding="utf-8"?>
 <p:sld xmlns:a="http://schemas.openxmlformats.org/drawingml/2006/main" xmlns:r="http://schemas.openxmlformats.org/officeDocument/2006/relationships" xmlns:p="http://schemas.openxmlformats.org/presentationml/2006/main">
   <p:cSld>
     <p:spTree>
@@ -9466,7 +10547,7 @@
 </p:sld>
 </file>
 
-<file path=ppt/slides/slide2.xml><?xml version="1.0" encoding="utf-8"?>
+<file path=ppt/slides/slide22.xml><?xml version="1.0" encoding="utf-8"?>
 <p:sld xmlns:a="http://schemas.openxmlformats.org/drawingml/2006/main" xmlns:r="http://schemas.openxmlformats.org/officeDocument/2006/relationships" xmlns:p="http://schemas.openxmlformats.org/presentationml/2006/main">
   <p:cSld>
     <p:spTree>
@@ -9532,6 +10613,244 @@
           <a:bodyPr/>
           <a:lstStyle/>
           <a:p>
+            <a:endParaRPr lang="fr-FR"/>
+          </a:p>
+        </p:txBody>
+      </p:sp>
+      <p:sp>
+        <p:nvSpPr>
+          <p:cNvPr id="3" name="TextBox 3"/>
+          <p:cNvSpPr txBox="1"/>
+          <p:nvPr/>
+        </p:nvSpPr>
+        <p:spPr>
+          <a:xfrm>
+            <a:off x="2691138" y="3358912"/>
+            <a:ext cx="12905724" cy="3369152"/>
+          </a:xfrm>
+          <a:prstGeom prst="rect">
+            <a:avLst/>
+          </a:prstGeom>
+        </p:spPr>
+        <p:txBody>
+          <a:bodyPr lIns="0" tIns="0" rIns="0" bIns="0" rtlCol="0" anchor="t">
+            <a:spAutoFit/>
+          </a:bodyPr>
+          <a:lstStyle/>
+          <a:p>
+            <a:pPr algn="ctr">
+              <a:lnSpc>
+                <a:spcPts val="13498"/>
+              </a:lnSpc>
+            </a:pPr>
+            <a:r>
+              <a:rPr lang="en-US" sz="9641">
+                <a:solidFill>
+                  <a:srgbClr val="000000"/>
+                </a:solidFill>
+                <a:latin typeface="Bobby Jones"/>
+                <a:ea typeface="Bobby Jones"/>
+                <a:cs typeface="Bobby Jones"/>
+                <a:sym typeface="Bobby Jones"/>
+              </a:rPr>
+              <a:t>Does Anyone Have a Questions?</a:t>
+            </a:r>
+          </a:p>
+        </p:txBody>
+      </p:sp>
+    </p:spTree>
+  </p:cSld>
+  <p:clrMapOvr>
+    <a:masterClrMapping/>
+  </p:clrMapOvr>
+</p:sld>
+</file>
+
+<file path=ppt/slides/slide23.xml><?xml version="1.0" encoding="utf-8"?>
+<p:sld xmlns:a="http://schemas.openxmlformats.org/drawingml/2006/main" xmlns:r="http://schemas.openxmlformats.org/officeDocument/2006/relationships" xmlns:p="http://schemas.openxmlformats.org/presentationml/2006/main">
+  <p:cSld>
+    <p:spTree>
+      <p:nvGrpSpPr>
+        <p:cNvPr id="1" name=""/>
+        <p:cNvGrpSpPr/>
+        <p:nvPr/>
+      </p:nvGrpSpPr>
+      <p:grpSpPr>
+        <a:xfrm>
+          <a:off x="0" y="0"/>
+          <a:ext cx="0" cy="0"/>
+          <a:chOff x="0" y="0"/>
+          <a:chExt cx="0" cy="0"/>
+        </a:xfrm>
+      </p:grpSpPr>
+      <p:sp>
+        <p:nvSpPr>
+          <p:cNvPr id="2" name="Freeform 2"/>
+          <p:cNvSpPr/>
+          <p:nvPr/>
+        </p:nvSpPr>
+        <p:spPr>
+          <a:xfrm>
+            <a:off x="0" y="0"/>
+            <a:ext cx="18288000" cy="10287000"/>
+          </a:xfrm>
+          <a:custGeom>
+            <a:avLst/>
+            <a:gdLst/>
+            <a:ahLst/>
+            <a:cxnLst/>
+            <a:rect l="l" t="t" r="r" b="b"/>
+            <a:pathLst>
+              <a:path w="18288000" h="10287000">
+                <a:moveTo>
+                  <a:pt x="0" y="0"/>
+                </a:moveTo>
+                <a:lnTo>
+                  <a:pt x="18288000" y="0"/>
+                </a:lnTo>
+                <a:lnTo>
+                  <a:pt x="18288000" y="10287000"/>
+                </a:lnTo>
+                <a:lnTo>
+                  <a:pt x="0" y="10287000"/>
+                </a:lnTo>
+                <a:lnTo>
+                  <a:pt x="0" y="0"/>
+                </a:lnTo>
+                <a:close/>
+              </a:path>
+            </a:pathLst>
+          </a:custGeom>
+          <a:blipFill>
+            <a:blip r:embed="rId2"/>
+            <a:stretch>
+              <a:fillRect l="-220" t="-9510" r="-1696" b="-11203"/>
+            </a:stretch>
+          </a:blipFill>
+        </p:spPr>
+        <p:txBody>
+          <a:bodyPr/>
+          <a:lstStyle/>
+          <a:p>
+            <a:endParaRPr lang="fr-FR"/>
+          </a:p>
+        </p:txBody>
+      </p:sp>
+      <p:sp>
+        <p:nvSpPr>
+          <p:cNvPr id="3" name="TextBox 3"/>
+          <p:cNvSpPr txBox="1"/>
+          <p:nvPr/>
+        </p:nvSpPr>
+        <p:spPr>
+          <a:xfrm>
+            <a:off x="2616729" y="3509275"/>
+            <a:ext cx="13054542" cy="2906500"/>
+          </a:xfrm>
+          <a:prstGeom prst="rect">
+            <a:avLst/>
+          </a:prstGeom>
+        </p:spPr>
+        <p:txBody>
+          <a:bodyPr lIns="0" tIns="0" rIns="0" bIns="0" rtlCol="0" anchor="t">
+            <a:spAutoFit/>
+          </a:bodyPr>
+          <a:lstStyle/>
+          <a:p>
+            <a:pPr algn="ctr">
+              <a:lnSpc>
+                <a:spcPts val="23410"/>
+              </a:lnSpc>
+            </a:pPr>
+            <a:r>
+              <a:rPr lang="en-US" sz="16721">
+                <a:solidFill>
+                  <a:srgbClr val="000000"/>
+                </a:solidFill>
+                <a:latin typeface="Bobby Jones"/>
+                <a:ea typeface="Bobby Jones"/>
+                <a:cs typeface="Bobby Jones"/>
+                <a:sym typeface="Bobby Jones"/>
+              </a:rPr>
+              <a:t>Thank you</a:t>
+            </a:r>
+          </a:p>
+        </p:txBody>
+      </p:sp>
+    </p:spTree>
+  </p:cSld>
+  <p:clrMapOvr>
+    <a:masterClrMapping/>
+  </p:clrMapOvr>
+</p:sld>
+</file>
+
+<file path=ppt/slides/slide3.xml><?xml version="1.0" encoding="utf-8"?>
+<p:sld xmlns:a="http://schemas.openxmlformats.org/drawingml/2006/main" xmlns:r="http://schemas.openxmlformats.org/officeDocument/2006/relationships" xmlns:p="http://schemas.openxmlformats.org/presentationml/2006/main">
+  <p:cSld>
+    <p:spTree>
+      <p:nvGrpSpPr>
+        <p:cNvPr id="1" name=""/>
+        <p:cNvGrpSpPr/>
+        <p:nvPr/>
+      </p:nvGrpSpPr>
+      <p:grpSpPr>
+        <a:xfrm>
+          <a:off x="0" y="0"/>
+          <a:ext cx="0" cy="0"/>
+          <a:chOff x="0" y="0"/>
+          <a:chExt cx="0" cy="0"/>
+        </a:xfrm>
+      </p:grpSpPr>
+      <p:sp>
+        <p:nvSpPr>
+          <p:cNvPr id="2" name="Freeform 2"/>
+          <p:cNvSpPr/>
+          <p:nvPr/>
+        </p:nvSpPr>
+        <p:spPr>
+          <a:xfrm>
+            <a:off x="0" y="0"/>
+            <a:ext cx="18288000" cy="10287000"/>
+          </a:xfrm>
+          <a:custGeom>
+            <a:avLst/>
+            <a:gdLst/>
+            <a:ahLst/>
+            <a:cxnLst/>
+            <a:rect l="l" t="t" r="r" b="b"/>
+            <a:pathLst>
+              <a:path w="18288000" h="10287000">
+                <a:moveTo>
+                  <a:pt x="0" y="0"/>
+                </a:moveTo>
+                <a:lnTo>
+                  <a:pt x="18288000" y="0"/>
+                </a:lnTo>
+                <a:lnTo>
+                  <a:pt x="18288000" y="10287000"/>
+                </a:lnTo>
+                <a:lnTo>
+                  <a:pt x="0" y="10287000"/>
+                </a:lnTo>
+                <a:lnTo>
+                  <a:pt x="0" y="0"/>
+                </a:lnTo>
+                <a:close/>
+              </a:path>
+            </a:pathLst>
+          </a:custGeom>
+          <a:blipFill>
+            <a:blip r:embed="rId3"/>
+            <a:stretch>
+              <a:fillRect l="-220" t="-9510" r="-1696" b="-11203"/>
+            </a:stretch>
+          </a:blipFill>
+        </p:spPr>
+        <p:txBody>
+          <a:bodyPr/>
+          <a:lstStyle/>
+          <a:p>
             <a:endParaRPr lang="fr-FR" noProof="0" dirty="0"/>
           </a:p>
         </p:txBody>
@@ -9550,7 +10869,7 @@
         </p:nvSpPr>
         <p:spPr>
           <a:xfrm>
-            <a:off x="1153144" y="4719026"/>
+            <a:off x="1131373" y="4169884"/>
             <a:ext cx="7914656" cy="608226"/>
           </a:xfrm>
           <a:prstGeom prst="roundRect">
@@ -9608,8 +10927,8 @@
         </p:nvSpPr>
         <p:spPr>
           <a:xfrm>
-            <a:off x="1153145" y="2221249"/>
-            <a:ext cx="6165699" cy="608226"/>
+            <a:off x="1131374" y="1672107"/>
+            <a:ext cx="2580655" cy="608226"/>
           </a:xfrm>
           <a:prstGeom prst="roundRect">
             <a:avLst/>
@@ -9707,8 +11026,8 @@
         </p:nvSpPr>
         <p:spPr>
           <a:xfrm>
-            <a:off x="1153144" y="7282189"/>
-            <a:ext cx="5552456" cy="608226"/>
+            <a:off x="1131373" y="6733047"/>
+            <a:ext cx="2326827" cy="608226"/>
           </a:xfrm>
           <a:prstGeom prst="roundRect">
             <a:avLst/>
@@ -9759,7 +11078,7 @@
         </p:nvGrpSpPr>
         <p:grpSpPr>
           <a:xfrm>
-            <a:off x="1028700" y="2195162"/>
+            <a:off x="1006929" y="1646020"/>
             <a:ext cx="10428382" cy="2414716"/>
             <a:chOff x="0" y="-76200"/>
             <a:chExt cx="13904509" cy="3219621"/>
@@ -9886,7 +11205,7 @@
                   <a:cs typeface="Bobby Jones"/>
                   <a:sym typeface="Bobby Jones"/>
                 </a:rPr>
-                <a:t>Introduction et contexte</a:t>
+                <a:t>contexte</a:t>
               </a:r>
             </a:p>
           </p:txBody>
@@ -9900,7 +11219,7 @@
         </p:nvGrpSpPr>
         <p:grpSpPr>
           <a:xfrm>
-            <a:off x="1028700" y="4781021"/>
+            <a:off x="1006929" y="4231879"/>
             <a:ext cx="17244946" cy="2327274"/>
             <a:chOff x="0" y="0"/>
             <a:chExt cx="22993261" cy="3103033"/>
@@ -10041,10 +11360,10 @@
         </p:nvGrpSpPr>
         <p:grpSpPr>
           <a:xfrm>
-            <a:off x="1028700" y="7309167"/>
-            <a:ext cx="17244946" cy="2327274"/>
-            <a:chOff x="0" y="0"/>
-            <a:chExt cx="22993261" cy="3103033"/>
+            <a:off x="1006929" y="6702875"/>
+            <a:ext cx="17244946" cy="2384423"/>
+            <a:chOff x="0" y="-76200"/>
+            <a:chExt cx="22993261" cy="3179232"/>
           </a:xfrm>
         </p:grpSpPr>
         <p:sp>
@@ -10056,14 +11375,14 @@
           <p:spPr>
             <a:xfrm>
               <a:off x="504364" y="-76200"/>
-              <a:ext cx="15764989" cy="880533"/>
+              <a:ext cx="3102436" cy="880534"/>
             </a:xfrm>
             <a:prstGeom prst="rect">
               <a:avLst/>
             </a:prstGeom>
           </p:spPr>
           <p:txBody>
-            <a:bodyPr lIns="0" tIns="0" rIns="0" bIns="0" rtlCol="0" anchor="t">
+            <a:bodyPr wrap="square" lIns="0" tIns="0" rIns="0" bIns="0" rtlCol="0" anchor="t">
               <a:spAutoFit/>
             </a:bodyPr>
             <a:lstStyle/>
@@ -10083,7 +11402,7 @@
                   <a:cs typeface="Bobby Jones"/>
                   <a:sym typeface="Bobby Jones"/>
                 </a:rPr>
-                <a:t>Analyse et Conclusion</a:t>
+                <a:t>Analyse</a:t>
               </a:r>
             </a:p>
           </p:txBody>
@@ -10174,6 +11493,108 @@
           </p:txBody>
         </p:sp>
       </p:grpSp>
+      <p:sp>
+        <p:nvSpPr>
+          <p:cNvPr id="18" name="Rectangle : coins arrondis 17">
+            <a:extLst>
+              <a:ext uri="{FF2B5EF4-FFF2-40B4-BE49-F238E27FC236}">
+                <a16:creationId xmlns:a16="http://schemas.microsoft.com/office/drawing/2014/main" id="{0BD7C595-68A4-1ADA-7876-8D4BE8DCF6AB}"/>
+              </a:ext>
+            </a:extLst>
+          </p:cNvPr>
+          <p:cNvSpPr/>
+          <p:nvPr/>
+        </p:nvSpPr>
+        <p:spPr>
+          <a:xfrm>
+            <a:off x="1131373" y="9245553"/>
+            <a:ext cx="3047999" cy="608226"/>
+          </a:xfrm>
+          <a:prstGeom prst="roundRect">
+            <a:avLst/>
+          </a:prstGeom>
+          <a:solidFill>
+            <a:schemeClr val="bg1">
+              <a:lumMod val="65000"/>
+            </a:schemeClr>
+          </a:solidFill>
+          <a:ln>
+            <a:solidFill>
+              <a:schemeClr val="bg1">
+                <a:lumMod val="65000"/>
+              </a:schemeClr>
+            </a:solidFill>
+          </a:ln>
+        </p:spPr>
+        <p:style>
+          <a:lnRef idx="2">
+            <a:schemeClr val="accent1">
+              <a:shade val="15000"/>
+            </a:schemeClr>
+          </a:lnRef>
+          <a:fillRef idx="1">
+            <a:schemeClr val="accent1"/>
+          </a:fillRef>
+          <a:effectRef idx="0">
+            <a:schemeClr val="accent1"/>
+          </a:effectRef>
+          <a:fontRef idx="minor">
+            <a:schemeClr val="lt1"/>
+          </a:fontRef>
+        </p:style>
+        <p:txBody>
+          <a:bodyPr rtlCol="0" anchor="ctr"/>
+          <a:lstStyle/>
+          <a:p>
+            <a:pPr algn="ctr"/>
+            <a:endParaRPr lang="fr-FR" noProof="0" dirty="0"/>
+          </a:p>
+        </p:txBody>
+      </p:sp>
+      <p:sp>
+        <p:nvSpPr>
+          <p:cNvPr id="22" name="ZoneTexte 21">
+            <a:extLst>
+              <a:ext uri="{FF2B5EF4-FFF2-40B4-BE49-F238E27FC236}">
+                <a16:creationId xmlns:a16="http://schemas.microsoft.com/office/drawing/2014/main" id="{0F2E44E6-6E80-3237-6A02-384D504BE60E}"/>
+              </a:ext>
+            </a:extLst>
+          </p:cNvPr>
+          <p:cNvSpPr txBox="1"/>
+          <p:nvPr/>
+        </p:nvSpPr>
+        <p:spPr>
+          <a:xfrm>
+            <a:off x="1245673" y="9195723"/>
+            <a:ext cx="3047999" cy="707886"/>
+          </a:xfrm>
+          <a:prstGeom prst="rect">
+            <a:avLst/>
+          </a:prstGeom>
+          <a:noFill/>
+        </p:spPr>
+        <p:txBody>
+          <a:bodyPr wrap="square">
+            <a:spAutoFit/>
+          </a:bodyPr>
+          <a:lstStyle/>
+          <a:p>
+            <a:r>
+              <a:rPr lang="fr-FR" sz="4000" noProof="0" dirty="0">
+                <a:solidFill>
+                  <a:srgbClr val="000000"/>
+                </a:solidFill>
+                <a:latin typeface="Bobby Jones"/>
+                <a:ea typeface="Bobby Jones"/>
+                <a:cs typeface="Bobby Jones"/>
+                <a:sym typeface="Bobby Jones"/>
+              </a:rPr>
+              <a:t>Conclusion</a:t>
+            </a:r>
+            <a:endParaRPr lang="fr-FR" sz="4000" dirty="0"/>
+          </a:p>
+        </p:txBody>
+      </p:sp>
     </p:spTree>
   </p:cSld>
   <p:clrMapOvr>
@@ -10182,7 +11603,7 @@
 </p:sld>
 </file>
 
-<file path=ppt/slides/slide20.xml><?xml version="1.0" encoding="utf-8"?>
+<file path=ppt/slides/slide4.xml><?xml version="1.0" encoding="utf-8"?>
 <p:sld xmlns:a="http://schemas.openxmlformats.org/drawingml/2006/main" xmlns:r="http://schemas.openxmlformats.org/officeDocument/2006/relationships" xmlns:p="http://schemas.openxmlformats.org/presentationml/2006/main">
   <p:cSld>
     <p:spTree>
@@ -10260,8 +11681,8 @@
         </p:nvSpPr>
         <p:spPr>
           <a:xfrm>
-            <a:off x="2691138" y="3358912"/>
-            <a:ext cx="12905724" cy="3369152"/>
+            <a:off x="1761580" y="2521435"/>
+            <a:ext cx="14764841" cy="2307939"/>
           </a:xfrm>
           <a:prstGeom prst="rect">
             <a:avLst/>
@@ -10275,11 +11696,11 @@
           <a:p>
             <a:pPr algn="ctr">
               <a:lnSpc>
-                <a:spcPts val="13498"/>
+                <a:spcPts val="19653"/>
               </a:lnSpc>
             </a:pPr>
             <a:r>
-              <a:rPr lang="en-US" sz="9641">
+              <a:rPr lang="en-US" sz="14038" dirty="0" err="1">
                 <a:solidFill>
                   <a:srgbClr val="000000"/>
                 </a:solidFill>
@@ -10288,8 +11709,17 @@
                 <a:cs typeface="Bobby Jones"/>
                 <a:sym typeface="Bobby Jones"/>
               </a:rPr>
-              <a:t>Does Anyone Have a Questions?</a:t>
-            </a:r>
+              <a:t>contexte</a:t>
+            </a:r>
+            <a:endParaRPr lang="en-US" sz="14038" dirty="0">
+              <a:solidFill>
+                <a:srgbClr val="000000"/>
+              </a:solidFill>
+              <a:latin typeface="Bobby Jones"/>
+              <a:ea typeface="Bobby Jones"/>
+              <a:cs typeface="Bobby Jones"/>
+              <a:sym typeface="Bobby Jones"/>
+            </a:endParaRPr>
           </a:p>
         </p:txBody>
       </p:sp>
@@ -10301,7 +11731,7 @@
 </p:sld>
 </file>
 
-<file path=ppt/slides/slide21.xml><?xml version="1.0" encoding="utf-8"?>
+<file path=ppt/slides/slide5.xml><?xml version="1.0" encoding="utf-8"?>
 <p:sld xmlns:a="http://schemas.openxmlformats.org/drawingml/2006/main" xmlns:r="http://schemas.openxmlformats.org/officeDocument/2006/relationships" xmlns:p="http://schemas.openxmlformats.org/presentationml/2006/main">
   <p:cSld>
     <p:spTree>
@@ -10367,25 +11797,425 @@
           <a:bodyPr/>
           <a:lstStyle/>
           <a:p>
+            <a:endParaRPr lang="fr-FR" dirty="0"/>
+          </a:p>
+        </p:txBody>
+      </p:sp>
+      <p:sp>
+        <p:nvSpPr>
+          <p:cNvPr id="5" name="Rectangle 4">
+            <a:extLst>
+              <a:ext uri="{FF2B5EF4-FFF2-40B4-BE49-F238E27FC236}">
+                <a16:creationId xmlns:a16="http://schemas.microsoft.com/office/drawing/2014/main" id="{6C8BBC26-983F-C560-F369-FBEC2B659228}"/>
+              </a:ext>
+            </a:extLst>
+          </p:cNvPr>
+          <p:cNvSpPr/>
+          <p:nvPr/>
+        </p:nvSpPr>
+        <p:spPr>
+          <a:xfrm>
+            <a:off x="0" y="9410700"/>
+            <a:ext cx="18288000" cy="876300"/>
+          </a:xfrm>
+          <a:prstGeom prst="rect">
+            <a:avLst/>
+          </a:prstGeom>
+          <a:solidFill>
+            <a:srgbClr val="F5F3F3"/>
+          </a:solidFill>
+          <a:ln>
+            <a:solidFill>
+              <a:srgbClr val="F5F3F3"/>
+            </a:solidFill>
+          </a:ln>
+        </p:spPr>
+        <p:style>
+          <a:lnRef idx="2">
+            <a:schemeClr val="accent1">
+              <a:shade val="15000"/>
+            </a:schemeClr>
+          </a:lnRef>
+          <a:fillRef idx="1">
+            <a:schemeClr val="accent1"/>
+          </a:fillRef>
+          <a:effectRef idx="0">
+            <a:schemeClr val="accent1"/>
+          </a:effectRef>
+          <a:fontRef idx="minor">
+            <a:schemeClr val="lt1"/>
+          </a:fontRef>
+        </p:style>
+        <p:txBody>
+          <a:bodyPr rtlCol="0" anchor="ctr"/>
+          <a:lstStyle/>
+          <a:p>
+            <a:pPr algn="ctr"/>
             <a:endParaRPr lang="fr-FR"/>
           </a:p>
         </p:txBody>
       </p:sp>
       <p:sp>
         <p:nvSpPr>
-          <p:cNvPr id="3" name="TextBox 3"/>
+          <p:cNvPr id="6" name="ZoneTexte 5">
+            <a:extLst>
+              <a:ext uri="{FF2B5EF4-FFF2-40B4-BE49-F238E27FC236}">
+                <a16:creationId xmlns:a16="http://schemas.microsoft.com/office/drawing/2014/main" id="{B55F99E1-02BE-0F98-9E56-349D08E9C75B}"/>
+              </a:ext>
+            </a:extLst>
+          </p:cNvPr>
           <p:cNvSpPr txBox="1"/>
           <p:nvPr/>
         </p:nvSpPr>
         <p:spPr>
           <a:xfrm>
-            <a:off x="2616729" y="3509275"/>
-            <a:ext cx="13054542" cy="2906500"/>
+            <a:off x="609600" y="9587240"/>
+            <a:ext cx="17068800" cy="523220"/>
+          </a:xfrm>
+          <a:prstGeom prst="rect">
+            <a:avLst/>
+          </a:prstGeom>
+          <a:noFill/>
+        </p:spPr>
+        <p:txBody>
+          <a:bodyPr wrap="square" rtlCol="0">
+            <a:spAutoFit/>
+          </a:bodyPr>
+          <a:lstStyle/>
+          <a:p>
+            <a:pPr algn="ctr"/>
+            <a:r>
+              <a:rPr lang="fr-FR" sz="2800" b="1" dirty="0">
+                <a:latin typeface="Alegreya" panose="020B0604020202020204" charset="0"/>
+              </a:rPr>
+              <a:t>Contexte        </a:t>
+            </a:r>
+            <a:r>
+              <a:rPr lang="fr-FR" sz="2800" dirty="0">
+                <a:solidFill>
+                  <a:schemeClr val="bg1">
+                    <a:lumMod val="50000"/>
+                  </a:schemeClr>
+                </a:solidFill>
+                <a:latin typeface="Alegreya" panose="020B0604020202020204" charset="0"/>
+              </a:rPr>
+              <a:t>–        Développement et démonstration        –        Analyse        -        Conclusion</a:t>
+            </a:r>
+          </a:p>
+        </p:txBody>
+      </p:sp>
+      <p:pic>
+        <p:nvPicPr>
+          <p:cNvPr id="9" name="Graphique 8" descr="Épingle contour">
+            <a:extLst>
+              <a:ext uri="{FF2B5EF4-FFF2-40B4-BE49-F238E27FC236}">
+                <a16:creationId xmlns:a16="http://schemas.microsoft.com/office/drawing/2014/main" id="{C068AAC0-443F-16C3-DA40-B6590AAFC063}"/>
+              </a:ext>
+            </a:extLst>
+          </p:cNvPr>
+          <p:cNvPicPr>
+            <a:picLocks noChangeAspect="1"/>
+          </p:cNvPicPr>
+          <p:nvPr/>
+        </p:nvPicPr>
+        <p:blipFill>
+          <a:blip r:embed="rId3">
+            <a:extLst>
+              <a:ext uri="{96DAC541-7B7A-43D3-8B79-37D633B846F1}">
+                <asvg:svgBlip xmlns:asvg="http://schemas.microsoft.com/office/drawing/2016/SVG/main" r:embed="rId4"/>
+              </a:ext>
+            </a:extLst>
+          </a:blip>
+          <a:stretch>
+            <a:fillRect/>
+          </a:stretch>
+        </p:blipFill>
+        <p:spPr>
+          <a:xfrm>
+            <a:off x="1011343" y="2799176"/>
+            <a:ext cx="1676400" cy="1676400"/>
           </a:xfrm>
           <a:prstGeom prst="rect">
             <a:avLst/>
           </a:prstGeom>
         </p:spPr>
+      </p:pic>
+      <p:sp>
+        <p:nvSpPr>
+          <p:cNvPr id="11" name="ZoneTexte 10">
+            <a:extLst>
+              <a:ext uri="{FF2B5EF4-FFF2-40B4-BE49-F238E27FC236}">
+                <a16:creationId xmlns:a16="http://schemas.microsoft.com/office/drawing/2014/main" id="{AE6DE22C-1DF7-B7EA-63A8-73B3277B7AF5}"/>
+              </a:ext>
+            </a:extLst>
+          </p:cNvPr>
+          <p:cNvSpPr txBox="1"/>
+          <p:nvPr/>
+        </p:nvSpPr>
+        <p:spPr>
+          <a:xfrm>
+            <a:off x="2841173" y="3027776"/>
+            <a:ext cx="15414170" cy="1938992"/>
+          </a:xfrm>
+          <a:prstGeom prst="rect">
+            <a:avLst/>
+          </a:prstGeom>
+          <a:noFill/>
+        </p:spPr>
+        <p:txBody>
+          <a:bodyPr wrap="square">
+            <a:spAutoFit/>
+          </a:bodyPr>
+          <a:lstStyle/>
+          <a:p>
+            <a:pPr>
+              <a:buNone/>
+            </a:pPr>
+            <a:r>
+              <a:rPr lang="fr-FR" sz="3600" b="1" u="sng" dirty="0">
+                <a:latin typeface="Alegreya" panose="020B0604020202020204" charset="0"/>
+              </a:rPr>
+              <a:t>Contexte du projet</a:t>
+            </a:r>
+          </a:p>
+          <a:p>
+            <a:pPr>
+              <a:lnSpc>
+                <a:spcPct val="150000"/>
+              </a:lnSpc>
+            </a:pPr>
+            <a:r>
+              <a:rPr lang="fr-FR" sz="3200" dirty="0">
+                <a:latin typeface="Alegreya" panose="020B0604020202020204" charset="0"/>
+              </a:rPr>
+              <a:t>Développement d’une plateforme logicielle distribuée pour la restauration en ligne</a:t>
+            </a:r>
+          </a:p>
+          <a:p>
+            <a:pPr>
+              <a:buNone/>
+            </a:pPr>
+            <a:endParaRPr lang="fr-FR" sz="3600" u="sng" dirty="0">
+              <a:latin typeface="Alegreya" panose="020B0604020202020204" charset="0"/>
+            </a:endParaRPr>
+          </a:p>
+        </p:txBody>
+      </p:sp>
+      <p:pic>
+        <p:nvPicPr>
+          <p:cNvPr id="15" name="Graphique 14" descr="Mille contour">
+            <a:extLst>
+              <a:ext uri="{FF2B5EF4-FFF2-40B4-BE49-F238E27FC236}">
+                <a16:creationId xmlns:a16="http://schemas.microsoft.com/office/drawing/2014/main" id="{5AC2ABCD-E957-C411-0D40-F3FB47B47E2A}"/>
+              </a:ext>
+            </a:extLst>
+          </p:cNvPr>
+          <p:cNvPicPr>
+            <a:picLocks noChangeAspect="1"/>
+          </p:cNvPicPr>
+          <p:nvPr/>
+        </p:nvPicPr>
+        <p:blipFill>
+          <a:blip r:embed="rId5">
+            <a:extLst>
+              <a:ext uri="{96DAC541-7B7A-43D3-8B79-37D633B846F1}">
+                <asvg:svgBlip xmlns:asvg="http://schemas.microsoft.com/office/drawing/2016/SVG/main" r:embed="rId6"/>
+              </a:ext>
+            </a:extLst>
+          </a:blip>
+          <a:stretch>
+            <a:fillRect/>
+          </a:stretch>
+        </p:blipFill>
+        <p:spPr>
+          <a:xfrm>
+            <a:off x="1011343" y="4996276"/>
+            <a:ext cx="1676399" cy="1676399"/>
+          </a:xfrm>
+          <a:prstGeom prst="rect">
+            <a:avLst/>
+          </a:prstGeom>
+        </p:spPr>
+      </p:pic>
+      <p:sp>
+        <p:nvSpPr>
+          <p:cNvPr id="16" name="ZoneTexte 15">
+            <a:extLst>
+              <a:ext uri="{FF2B5EF4-FFF2-40B4-BE49-F238E27FC236}">
+                <a16:creationId xmlns:a16="http://schemas.microsoft.com/office/drawing/2014/main" id="{359BD1CD-BD6D-217C-9A0A-12579CF6E05B}"/>
+              </a:ext>
+            </a:extLst>
+          </p:cNvPr>
+          <p:cNvSpPr txBox="1"/>
+          <p:nvPr/>
+        </p:nvSpPr>
+        <p:spPr>
+          <a:xfrm>
+            <a:off x="2841173" y="5051185"/>
+            <a:ext cx="15414170" cy="1938992"/>
+          </a:xfrm>
+          <a:prstGeom prst="rect">
+            <a:avLst/>
+          </a:prstGeom>
+          <a:noFill/>
+        </p:spPr>
+        <p:txBody>
+          <a:bodyPr wrap="square">
+            <a:spAutoFit/>
+          </a:bodyPr>
+          <a:lstStyle/>
+          <a:p>
+            <a:pPr>
+              <a:buNone/>
+            </a:pPr>
+            <a:r>
+              <a:rPr lang="fr-FR" sz="3600" b="1" u="sng" dirty="0">
+                <a:latin typeface="Alegreya" panose="020B0604020202020204" charset="0"/>
+              </a:rPr>
+              <a:t>Objectif du projet</a:t>
+            </a:r>
+          </a:p>
+          <a:p>
+            <a:pPr>
+              <a:lnSpc>
+                <a:spcPct val="150000"/>
+              </a:lnSpc>
+            </a:pPr>
+            <a:r>
+              <a:rPr lang="fr-FR" sz="3200" dirty="0">
+                <a:latin typeface="Alegreya" panose="020B0604020202020204" charset="0"/>
+              </a:rPr>
+              <a:t>Optimiser la gestion des commandes et des livraisons</a:t>
+            </a:r>
+          </a:p>
+          <a:p>
+            <a:pPr>
+              <a:buNone/>
+            </a:pPr>
+            <a:endParaRPr lang="fr-FR" sz="3600" u="sng" dirty="0">
+              <a:latin typeface="Alegreya" panose="020B0604020202020204" charset="0"/>
+            </a:endParaRPr>
+          </a:p>
+        </p:txBody>
+      </p:sp>
+      <p:pic>
+        <p:nvPicPr>
+          <p:cNvPr id="18" name="Graphique 17" descr="Utilisateur contour">
+            <a:extLst>
+              <a:ext uri="{FF2B5EF4-FFF2-40B4-BE49-F238E27FC236}">
+                <a16:creationId xmlns:a16="http://schemas.microsoft.com/office/drawing/2014/main" id="{96CC544B-4F4A-489D-DC9A-85C883A07904}"/>
+              </a:ext>
+            </a:extLst>
+          </p:cNvPr>
+          <p:cNvPicPr>
+            <a:picLocks noChangeAspect="1"/>
+          </p:cNvPicPr>
+          <p:nvPr/>
+        </p:nvPicPr>
+        <p:blipFill>
+          <a:blip r:embed="rId7">
+            <a:extLst>
+              <a:ext uri="{96DAC541-7B7A-43D3-8B79-37D633B846F1}">
+                <asvg:svgBlip xmlns:asvg="http://schemas.microsoft.com/office/drawing/2016/SVG/main" r:embed="rId8"/>
+              </a:ext>
+            </a:extLst>
+          </a:blip>
+          <a:stretch>
+            <a:fillRect/>
+          </a:stretch>
+        </p:blipFill>
+        <p:spPr>
+          <a:xfrm>
+            <a:off x="1011343" y="6906981"/>
+            <a:ext cx="1676400" cy="1676400"/>
+          </a:xfrm>
+          <a:prstGeom prst="rect">
+            <a:avLst/>
+          </a:prstGeom>
+        </p:spPr>
+      </p:pic>
+      <p:sp>
+        <p:nvSpPr>
+          <p:cNvPr id="19" name="ZoneTexte 18">
+            <a:extLst>
+              <a:ext uri="{FF2B5EF4-FFF2-40B4-BE49-F238E27FC236}">
+                <a16:creationId xmlns:a16="http://schemas.microsoft.com/office/drawing/2014/main" id="{59DC83E2-0858-F03D-C11F-A8989A0A62C1}"/>
+              </a:ext>
+            </a:extLst>
+          </p:cNvPr>
+          <p:cNvSpPr txBox="1"/>
+          <p:nvPr/>
+        </p:nvSpPr>
+        <p:spPr>
+          <a:xfrm>
+            <a:off x="2873830" y="7110356"/>
+            <a:ext cx="15414170" cy="1938992"/>
+          </a:xfrm>
+          <a:prstGeom prst="rect">
+            <a:avLst/>
+          </a:prstGeom>
+          <a:noFill/>
+        </p:spPr>
+        <p:txBody>
+          <a:bodyPr wrap="square">
+            <a:spAutoFit/>
+          </a:bodyPr>
+          <a:lstStyle/>
+          <a:p>
+            <a:pPr>
+              <a:buNone/>
+            </a:pPr>
+            <a:r>
+              <a:rPr lang="fr-FR" sz="3600" b="1" u="sng" dirty="0">
+                <a:latin typeface="Alegreya" panose="020B0604020202020204" charset="0"/>
+              </a:rPr>
+              <a:t>Intégration de plusieurs acteurs</a:t>
+            </a:r>
+          </a:p>
+          <a:p>
+            <a:pPr>
+              <a:lnSpc>
+                <a:spcPct val="150000"/>
+              </a:lnSpc>
+            </a:pPr>
+            <a:r>
+              <a:rPr lang="fr-FR" sz="3200" dirty="0">
+                <a:latin typeface="Alegreya" panose="020B0604020202020204" charset="0"/>
+              </a:rPr>
+              <a:t>Clients, restaurateurs, livreurs, développeurs tiers, services commerciaux et techniques</a:t>
+            </a:r>
+          </a:p>
+          <a:p>
+            <a:pPr>
+              <a:buNone/>
+            </a:pPr>
+            <a:endParaRPr lang="fr-FR" sz="3600" u="sng" dirty="0">
+              <a:latin typeface="Alegreya" panose="020B0604020202020204" charset="0"/>
+            </a:endParaRPr>
+          </a:p>
+        </p:txBody>
+      </p:sp>
+      <p:sp>
+        <p:nvSpPr>
+          <p:cNvPr id="22" name="TextBox 12">
+            <a:extLst>
+              <a:ext uri="{FF2B5EF4-FFF2-40B4-BE49-F238E27FC236}">
+                <a16:creationId xmlns:a16="http://schemas.microsoft.com/office/drawing/2014/main" id="{4203723E-2AEC-92D2-25B7-9FE24744DC24}"/>
+              </a:ext>
+            </a:extLst>
+          </p:cNvPr>
+          <p:cNvSpPr txBox="1"/>
+          <p:nvPr/>
+        </p:nvSpPr>
+        <p:spPr>
+          <a:xfrm>
+            <a:off x="3679043" y="560460"/>
+            <a:ext cx="10929913" cy="1332031"/>
+          </a:xfrm>
+          <a:prstGeom prst="rect">
+            <a:avLst/>
+          </a:prstGeom>
+        </p:spPr>
         <p:txBody>
           <a:bodyPr lIns="0" tIns="0" rIns="0" bIns="0" rtlCol="0" anchor="t">
             <a:spAutoFit/>
@@ -10394,11 +12224,11 @@
           <a:p>
             <a:pPr algn="ctr">
               <a:lnSpc>
-                <a:spcPts val="23410"/>
+                <a:spcPts val="11432"/>
               </a:lnSpc>
             </a:pPr>
             <a:r>
-              <a:rPr lang="en-US" sz="16721">
+              <a:rPr lang="en-US" sz="8165" dirty="0">
                 <a:solidFill>
                   <a:srgbClr val="000000"/>
                 </a:solidFill>
@@ -10407,8 +12237,109 @@
                 <a:cs typeface="Bobby Jones"/>
                 <a:sym typeface="Bobby Jones"/>
               </a:rPr>
-              <a:t>Thank you</a:t>
-            </a:r>
+              <a:t>﻿Rappel du </a:t>
+            </a:r>
+            <a:r>
+              <a:rPr lang="en-US" sz="8165" dirty="0" err="1">
+                <a:solidFill>
+                  <a:srgbClr val="000000"/>
+                </a:solidFill>
+                <a:latin typeface="Bobby Jones"/>
+                <a:ea typeface="Bobby Jones"/>
+                <a:cs typeface="Bobby Jones"/>
+                <a:sym typeface="Bobby Jones"/>
+              </a:rPr>
+              <a:t>besoin</a:t>
+            </a:r>
+            <a:endParaRPr lang="en-US" sz="8165" dirty="0">
+              <a:solidFill>
+                <a:srgbClr val="000000"/>
+              </a:solidFill>
+              <a:latin typeface="Bobby Jones"/>
+              <a:ea typeface="Bobby Jones"/>
+              <a:cs typeface="Bobby Jones"/>
+              <a:sym typeface="Bobby Jones"/>
+            </a:endParaRPr>
+          </a:p>
+        </p:txBody>
+      </p:sp>
+      <p:sp>
+        <p:nvSpPr>
+          <p:cNvPr id="23" name="TextBox 12">
+            <a:extLst>
+              <a:ext uri="{FF2B5EF4-FFF2-40B4-BE49-F238E27FC236}">
+                <a16:creationId xmlns:a16="http://schemas.microsoft.com/office/drawing/2014/main" id="{35D00DC7-F25F-A645-4811-C8CA9D00DE82}"/>
+              </a:ext>
+            </a:extLst>
+          </p:cNvPr>
+          <p:cNvSpPr txBox="1"/>
+          <p:nvPr/>
+        </p:nvSpPr>
+        <p:spPr>
+          <a:xfrm>
+            <a:off x="7048499" y="1046235"/>
+            <a:ext cx="4191000" cy="1184748"/>
+          </a:xfrm>
+          <a:prstGeom prst="rect">
+            <a:avLst/>
+          </a:prstGeom>
+        </p:spPr>
+        <p:txBody>
+          <a:bodyPr wrap="square" lIns="0" tIns="0" rIns="0" bIns="0" rtlCol="0" anchor="ctr">
+            <a:spAutoFit/>
+          </a:bodyPr>
+          <a:lstStyle/>
+          <a:p>
+            <a:pPr algn="ctr">
+              <a:lnSpc>
+                <a:spcPts val="11432"/>
+              </a:lnSpc>
+            </a:pPr>
+            <a:r>
+              <a:rPr lang="en-US" sz="3000" dirty="0" err="1">
+                <a:solidFill>
+                  <a:srgbClr val="000000"/>
+                </a:solidFill>
+                <a:latin typeface="Bobby Jones"/>
+                <a:ea typeface="Bobby Jones"/>
+                <a:cs typeface="Bobby Jones"/>
+                <a:sym typeface="Bobby Jones"/>
+              </a:rPr>
+              <a:t>Objectifs</a:t>
+            </a:r>
+            <a:r>
+              <a:rPr lang="en-US" sz="3000" dirty="0">
+                <a:solidFill>
+                  <a:srgbClr val="000000"/>
+                </a:solidFill>
+                <a:latin typeface="Bobby Jones"/>
+                <a:ea typeface="Bobby Jones"/>
+                <a:cs typeface="Bobby Jones"/>
+                <a:sym typeface="Bobby Jones"/>
+              </a:rPr>
+              <a:t> </a:t>
+            </a:r>
+            <a:r>
+              <a:rPr lang="en-US" sz="3000" dirty="0" err="1">
+                <a:solidFill>
+                  <a:srgbClr val="000000"/>
+                </a:solidFill>
+                <a:latin typeface="Bobby Jones"/>
+                <a:ea typeface="Bobby Jones"/>
+                <a:cs typeface="Bobby Jones"/>
+                <a:sym typeface="Bobby Jones"/>
+              </a:rPr>
+              <a:t>fonctionnels</a:t>
+            </a:r>
+            <a:endParaRPr lang="en-US" sz="3000" dirty="0">
+              <a:solidFill>
+                <a:srgbClr val="000000"/>
+              </a:solidFill>
+              <a:latin typeface="Bobby Jones"/>
+              <a:ea typeface="Bobby Jones"/>
+              <a:cs typeface="Bobby Jones"/>
+              <a:sym typeface="Bobby Jones"/>
+            </a:endParaRPr>
           </a:p>
         </p:txBody>
       </p:sp>
@@ -10420,12 +12351,18 @@
 </p:sld>
 </file>
 
-<file path=ppt/slides/slide3.xml><?xml version="1.0" encoding="utf-8"?>
+<file path=ppt/slides/slide6.xml><?xml version="1.0" encoding="utf-8"?>
 <p:sld xmlns:a="http://schemas.openxmlformats.org/drawingml/2006/main" xmlns:r="http://schemas.openxmlformats.org/officeDocument/2006/relationships" xmlns:p="http://schemas.openxmlformats.org/presentationml/2006/main">
   <p:cSld>
     <p:spTree>
       <p:nvGrpSpPr>
-        <p:cNvPr id="1" name=""/>
+        <p:cNvPr id="1" name="">
+          <a:extLst>
+            <a:ext uri="{FF2B5EF4-FFF2-40B4-BE49-F238E27FC236}">
+              <a16:creationId xmlns:a16="http://schemas.microsoft.com/office/drawing/2014/main" id="{296AF5C7-B838-BA2E-2071-736EBBFF211A}"/>
+            </a:ext>
+          </a:extLst>
+        </p:cNvPr>
         <p:cNvGrpSpPr/>
         <p:nvPr/>
       </p:nvGrpSpPr>
@@ -10439,7 +12376,13 @@
       </p:grpSpPr>
       <p:sp>
         <p:nvSpPr>
-          <p:cNvPr id="2" name="Freeform 2"/>
+          <p:cNvPr id="2" name="Freeform 2">
+            <a:extLst>
+              <a:ext uri="{FF2B5EF4-FFF2-40B4-BE49-F238E27FC236}">
+                <a16:creationId xmlns:a16="http://schemas.microsoft.com/office/drawing/2014/main" id="{21B1FCFF-E3B4-E305-E098-FB0360067B94}"/>
+              </a:ext>
+            </a:extLst>
+          </p:cNvPr>
           <p:cNvSpPr/>
           <p:nvPr/>
         </p:nvSpPr>
@@ -10486,20 +12429,26 @@
           <a:bodyPr/>
           <a:lstStyle/>
           <a:p>
-            <a:endParaRPr lang="fr-FR"/>
-          </a:p>
-        </p:txBody>
-      </p:sp>
-      <p:sp>
-        <p:nvSpPr>
-          <p:cNvPr id="3" name="TextBox 3"/>
+            <a:endParaRPr lang="fr-FR" dirty="0"/>
+          </a:p>
+        </p:txBody>
+      </p:sp>
+      <p:sp>
+        <p:nvSpPr>
+          <p:cNvPr id="3" name="TextBox 12">
+            <a:extLst>
+              <a:ext uri="{FF2B5EF4-FFF2-40B4-BE49-F238E27FC236}">
+                <a16:creationId xmlns:a16="http://schemas.microsoft.com/office/drawing/2014/main" id="{74083DFF-E818-23F6-E50E-C6A4AFC99743}"/>
+              </a:ext>
+            </a:extLst>
+          </p:cNvPr>
           <p:cNvSpPr txBox="1"/>
           <p:nvPr/>
         </p:nvSpPr>
         <p:spPr>
           <a:xfrm>
-            <a:off x="1761580" y="2521435"/>
-            <a:ext cx="14764841" cy="4939330"/>
+            <a:off x="3679043" y="560460"/>
+            <a:ext cx="10929913" cy="1332031"/>
           </a:xfrm>
           <a:prstGeom prst="rect">
             <a:avLst/>
@@ -10513,11 +12462,11 @@
           <a:p>
             <a:pPr algn="ctr">
               <a:lnSpc>
-                <a:spcPts val="19653"/>
+                <a:spcPts val="11432"/>
               </a:lnSpc>
             </a:pPr>
             <a:r>
-              <a:rPr lang="en-US" sz="14038">
+              <a:rPr lang="en-US" sz="8165" dirty="0">
                 <a:solidFill>
                   <a:srgbClr val="000000"/>
                 </a:solidFill>
@@ -10526,12 +12475,750 @@
                 <a:cs typeface="Bobby Jones"/>
                 <a:sym typeface="Bobby Jones"/>
               </a:rPr>
-              <a:t>Introduction et contexte</a:t>
-            </a:r>
-          </a:p>
-        </p:txBody>
-      </p:sp>
+              <a:t>﻿Rappel du </a:t>
+            </a:r>
+            <a:r>
+              <a:rPr lang="en-US" sz="8165" dirty="0" err="1">
+                <a:solidFill>
+                  <a:srgbClr val="000000"/>
+                </a:solidFill>
+                <a:latin typeface="Bobby Jones"/>
+                <a:ea typeface="Bobby Jones"/>
+                <a:cs typeface="Bobby Jones"/>
+                <a:sym typeface="Bobby Jones"/>
+              </a:rPr>
+              <a:t>besoin</a:t>
+            </a:r>
+            <a:endParaRPr lang="en-US" sz="8165" dirty="0">
+              <a:solidFill>
+                <a:srgbClr val="000000"/>
+              </a:solidFill>
+              <a:latin typeface="Bobby Jones"/>
+              <a:ea typeface="Bobby Jones"/>
+              <a:cs typeface="Bobby Jones"/>
+              <a:sym typeface="Bobby Jones"/>
+            </a:endParaRPr>
+          </a:p>
+        </p:txBody>
+      </p:sp>
+      <p:sp>
+        <p:nvSpPr>
+          <p:cNvPr id="4" name="TextBox 12">
+            <a:extLst>
+              <a:ext uri="{FF2B5EF4-FFF2-40B4-BE49-F238E27FC236}">
+                <a16:creationId xmlns:a16="http://schemas.microsoft.com/office/drawing/2014/main" id="{D2CA2140-578B-C79E-C300-AA3E3B3A354D}"/>
+              </a:ext>
+            </a:extLst>
+          </p:cNvPr>
+          <p:cNvSpPr txBox="1"/>
+          <p:nvPr/>
+        </p:nvSpPr>
+        <p:spPr>
+          <a:xfrm>
+            <a:off x="7048499" y="1046235"/>
+            <a:ext cx="4191000" cy="1184748"/>
+          </a:xfrm>
+          <a:prstGeom prst="rect">
+            <a:avLst/>
+          </a:prstGeom>
+        </p:spPr>
+        <p:txBody>
+          <a:bodyPr wrap="square" lIns="0" tIns="0" rIns="0" bIns="0" rtlCol="0" anchor="ctr">
+            <a:spAutoFit/>
+          </a:bodyPr>
+          <a:lstStyle/>
+          <a:p>
+            <a:pPr algn="ctr">
+              <a:lnSpc>
+                <a:spcPts val="11432"/>
+              </a:lnSpc>
+            </a:pPr>
+            <a:r>
+              <a:rPr lang="en-US" sz="3000" dirty="0" err="1">
+                <a:solidFill>
+                  <a:srgbClr val="000000"/>
+                </a:solidFill>
+                <a:latin typeface="Bobby Jones"/>
+                <a:ea typeface="Bobby Jones"/>
+                <a:cs typeface="Bobby Jones"/>
+                <a:sym typeface="Bobby Jones"/>
+              </a:rPr>
+              <a:t>Objectifs</a:t>
+            </a:r>
+            <a:r>
+              <a:rPr lang="en-US" sz="3000" dirty="0">
+                <a:solidFill>
+                  <a:srgbClr val="000000"/>
+                </a:solidFill>
+                <a:latin typeface="Bobby Jones"/>
+                <a:ea typeface="Bobby Jones"/>
+                <a:cs typeface="Bobby Jones"/>
+                <a:sym typeface="Bobby Jones"/>
+              </a:rPr>
+              <a:t> </a:t>
+            </a:r>
+            <a:r>
+              <a:rPr lang="en-US" sz="3000" dirty="0" err="1">
+                <a:solidFill>
+                  <a:srgbClr val="000000"/>
+                </a:solidFill>
+                <a:latin typeface="Bobby Jones"/>
+                <a:ea typeface="Bobby Jones"/>
+                <a:cs typeface="Bobby Jones"/>
+                <a:sym typeface="Bobby Jones"/>
+              </a:rPr>
+              <a:t>fonctionnels</a:t>
+            </a:r>
+            <a:endParaRPr lang="en-US" sz="3000" dirty="0">
+              <a:solidFill>
+                <a:srgbClr val="000000"/>
+              </a:solidFill>
+              <a:latin typeface="Bobby Jones"/>
+              <a:ea typeface="Bobby Jones"/>
+              <a:cs typeface="Bobby Jones"/>
+              <a:sym typeface="Bobby Jones"/>
+            </a:endParaRPr>
+          </a:p>
+        </p:txBody>
+      </p:sp>
+      <p:sp>
+        <p:nvSpPr>
+          <p:cNvPr id="5" name="Rectangle 4">
+            <a:extLst>
+              <a:ext uri="{FF2B5EF4-FFF2-40B4-BE49-F238E27FC236}">
+                <a16:creationId xmlns:a16="http://schemas.microsoft.com/office/drawing/2014/main" id="{95A552AF-78DF-093F-FD9C-52C0531315E0}"/>
+              </a:ext>
+            </a:extLst>
+          </p:cNvPr>
+          <p:cNvSpPr/>
+          <p:nvPr/>
+        </p:nvSpPr>
+        <p:spPr>
+          <a:xfrm>
+            <a:off x="0" y="9410700"/>
+            <a:ext cx="18288000" cy="876300"/>
+          </a:xfrm>
+          <a:prstGeom prst="rect">
+            <a:avLst/>
+          </a:prstGeom>
+          <a:solidFill>
+            <a:srgbClr val="F5F3F3"/>
+          </a:solidFill>
+          <a:ln>
+            <a:solidFill>
+              <a:srgbClr val="F5F3F3"/>
+            </a:solidFill>
+          </a:ln>
+        </p:spPr>
+        <p:style>
+          <a:lnRef idx="2">
+            <a:schemeClr val="accent1">
+              <a:shade val="15000"/>
+            </a:schemeClr>
+          </a:lnRef>
+          <a:fillRef idx="1">
+            <a:schemeClr val="accent1"/>
+          </a:fillRef>
+          <a:effectRef idx="0">
+            <a:schemeClr val="accent1"/>
+          </a:effectRef>
+          <a:fontRef idx="minor">
+            <a:schemeClr val="lt1"/>
+          </a:fontRef>
+        </p:style>
+        <p:txBody>
+          <a:bodyPr rtlCol="0" anchor="ctr"/>
+          <a:lstStyle/>
+          <a:p>
+            <a:pPr algn="ctr"/>
+            <a:endParaRPr lang="fr-FR"/>
+          </a:p>
+        </p:txBody>
+      </p:sp>
+      <p:sp>
+        <p:nvSpPr>
+          <p:cNvPr id="6" name="ZoneTexte 5">
+            <a:extLst>
+              <a:ext uri="{FF2B5EF4-FFF2-40B4-BE49-F238E27FC236}">
+                <a16:creationId xmlns:a16="http://schemas.microsoft.com/office/drawing/2014/main" id="{26406EE5-BD9A-D697-77EB-091F0339C5CB}"/>
+              </a:ext>
+            </a:extLst>
+          </p:cNvPr>
+          <p:cNvSpPr txBox="1"/>
+          <p:nvPr/>
+        </p:nvSpPr>
+        <p:spPr>
+          <a:xfrm>
+            <a:off x="609600" y="9587240"/>
+            <a:ext cx="17068800" cy="523220"/>
+          </a:xfrm>
+          <a:prstGeom prst="rect">
+            <a:avLst/>
+          </a:prstGeom>
+          <a:noFill/>
+        </p:spPr>
+        <p:txBody>
+          <a:bodyPr wrap="square" rtlCol="0">
+            <a:spAutoFit/>
+          </a:bodyPr>
+          <a:lstStyle/>
+          <a:p>
+            <a:pPr algn="ctr"/>
+            <a:r>
+              <a:rPr lang="fr-FR" sz="2800" b="1" dirty="0">
+                <a:latin typeface="Alegreya" panose="020B0604020202020204" charset="0"/>
+              </a:rPr>
+              <a:t>Contexte        </a:t>
+            </a:r>
+            <a:r>
+              <a:rPr lang="fr-FR" sz="2800" dirty="0">
+                <a:solidFill>
+                  <a:schemeClr val="bg1">
+                    <a:lumMod val="50000"/>
+                  </a:schemeClr>
+                </a:solidFill>
+                <a:latin typeface="Alegreya" panose="020B0604020202020204" charset="0"/>
+              </a:rPr>
+              <a:t>–        Développement et démonstration        –        Analyse        -        Conclusion</a:t>
+            </a:r>
+          </a:p>
+        </p:txBody>
+      </p:sp>
+      <p:sp>
+        <p:nvSpPr>
+          <p:cNvPr id="7" name="ZoneTexte 6">
+            <a:extLst>
+              <a:ext uri="{FF2B5EF4-FFF2-40B4-BE49-F238E27FC236}">
+                <a16:creationId xmlns:a16="http://schemas.microsoft.com/office/drawing/2014/main" id="{43D20655-5781-AFDB-945E-50CE221008EF}"/>
+              </a:ext>
+            </a:extLst>
+          </p:cNvPr>
+          <p:cNvSpPr txBox="1"/>
+          <p:nvPr/>
+        </p:nvSpPr>
+        <p:spPr>
+          <a:xfrm>
+            <a:off x="10820404" y="7252737"/>
+            <a:ext cx="7178040" cy="1569660"/>
+          </a:xfrm>
+          <a:prstGeom prst="rect">
+            <a:avLst/>
+          </a:prstGeom>
+          <a:noFill/>
+        </p:spPr>
+        <p:txBody>
+          <a:bodyPr wrap="square" rtlCol="0">
+            <a:spAutoFit/>
+          </a:bodyPr>
+          <a:lstStyle/>
+          <a:p>
+            <a:pPr>
+              <a:buNone/>
+            </a:pPr>
+            <a:r>
+              <a:rPr lang="fr-FR" sz="3200" b="1" u="sng" dirty="0">
+                <a:latin typeface="Alegreya" panose="020B0604020202020204" charset="0"/>
+              </a:rPr>
+              <a:t>Service technique</a:t>
+            </a:r>
+          </a:p>
+          <a:p>
+            <a:pPr marL="457200" indent="-457200">
+              <a:buFont typeface="Symbol" panose="05050102010706020507" pitchFamily="18" charset="2"/>
+              <a:buChar char="®"/>
+            </a:pPr>
+            <a:r>
+              <a:rPr lang="fr-FR" sz="3200" dirty="0">
+                <a:latin typeface="Alegreya" panose="020B0604020202020204" charset="0"/>
+              </a:rPr>
+              <a:t> Supervision, monitoring, gestion des performances</a:t>
+            </a:r>
+          </a:p>
+        </p:txBody>
+      </p:sp>
+      <p:pic>
+        <p:nvPicPr>
+          <p:cNvPr id="10" name="Graphique 9" descr="Personne s'alimentant contour">
+            <a:extLst>
+              <a:ext uri="{FF2B5EF4-FFF2-40B4-BE49-F238E27FC236}">
+                <a16:creationId xmlns:a16="http://schemas.microsoft.com/office/drawing/2014/main" id="{5F30FC6C-65E9-1C3C-3571-51FA8048E129}"/>
+              </a:ext>
+            </a:extLst>
+          </p:cNvPr>
+          <p:cNvPicPr>
+            <a:picLocks noChangeAspect="1"/>
+          </p:cNvPicPr>
+          <p:nvPr/>
+        </p:nvPicPr>
+        <p:blipFill>
+          <a:blip r:embed="rId3">
+            <a:extLst>
+              <a:ext uri="{96DAC541-7B7A-43D3-8B79-37D633B846F1}">
+                <asvg:svgBlip xmlns:asvg="http://schemas.microsoft.com/office/drawing/2016/SVG/main" r:embed="rId4"/>
+              </a:ext>
+            </a:extLst>
+          </a:blip>
+          <a:stretch>
+            <a:fillRect/>
+          </a:stretch>
+        </p:blipFill>
+        <p:spPr>
+          <a:xfrm>
+            <a:off x="609600" y="3027481"/>
+            <a:ext cx="1676400" cy="1676400"/>
+          </a:xfrm>
+          <a:prstGeom prst="rect">
+            <a:avLst/>
+          </a:prstGeom>
+        </p:spPr>
+      </p:pic>
+      <p:sp>
+        <p:nvSpPr>
+          <p:cNvPr id="14" name="ZoneTexte 13">
+            <a:extLst>
+              <a:ext uri="{FF2B5EF4-FFF2-40B4-BE49-F238E27FC236}">
+                <a16:creationId xmlns:a16="http://schemas.microsoft.com/office/drawing/2014/main" id="{35753CDA-C654-A37A-5FBD-0E7D378FAE93}"/>
+              </a:ext>
+            </a:extLst>
+          </p:cNvPr>
+          <p:cNvSpPr txBox="1"/>
+          <p:nvPr/>
+        </p:nvSpPr>
+        <p:spPr>
+          <a:xfrm>
+            <a:off x="2514600" y="3027481"/>
+            <a:ext cx="5943600" cy="2123658"/>
+          </a:xfrm>
+          <a:prstGeom prst="rect">
+            <a:avLst/>
+          </a:prstGeom>
+          <a:noFill/>
+        </p:spPr>
+        <p:txBody>
+          <a:bodyPr wrap="square">
+            <a:spAutoFit/>
+          </a:bodyPr>
+          <a:lstStyle/>
+          <a:p>
+            <a:r>
+              <a:rPr lang="fr-FR" sz="3200" b="1" u="sng" dirty="0">
+                <a:latin typeface="Alegreya" panose="020B0604020202020204" charset="0"/>
+              </a:rPr>
+              <a:t>Utilisateurs finaux</a:t>
+            </a:r>
+          </a:p>
+          <a:p>
+            <a:pPr marL="285750" indent="-285750">
+              <a:buFont typeface="Symbol" panose="05050102010706020507" pitchFamily="18" charset="2"/>
+              <a:buChar char="®"/>
+            </a:pPr>
+            <a:r>
+              <a:rPr lang="fr-FR" sz="3200" dirty="0">
+                <a:latin typeface="Alegreya" panose="020B0604020202020204" charset="0"/>
+              </a:rPr>
+              <a:t> Commander, payer, suivre une livraison</a:t>
+            </a:r>
+          </a:p>
+          <a:p>
+            <a:pPr marL="285750" indent="-285750">
+              <a:buFont typeface="Symbol" panose="05050102010706020507" pitchFamily="18" charset="2"/>
+              <a:buChar char="®"/>
+            </a:pPr>
+            <a:r>
+              <a:rPr lang="fr-FR" sz="3200" dirty="0">
+                <a:latin typeface="Alegreya" panose="020B0604020202020204" charset="0"/>
+              </a:rPr>
+              <a:t> Parrainage et notifications</a:t>
+            </a:r>
+            <a:endParaRPr lang="fr-FR" sz="3200" dirty="0"/>
+          </a:p>
+        </p:txBody>
+      </p:sp>
+      <p:pic>
+        <p:nvPicPr>
+          <p:cNvPr id="16" name="Graphique 15" descr="Couverts de table  contour">
+            <a:extLst>
+              <a:ext uri="{FF2B5EF4-FFF2-40B4-BE49-F238E27FC236}">
+                <a16:creationId xmlns:a16="http://schemas.microsoft.com/office/drawing/2014/main" id="{5C898455-2AC5-C31B-8957-3FE5DF42570D}"/>
+              </a:ext>
+            </a:extLst>
+          </p:cNvPr>
+          <p:cNvPicPr>
+            <a:picLocks noChangeAspect="1"/>
+          </p:cNvPicPr>
+          <p:nvPr/>
+        </p:nvPicPr>
+        <p:blipFill>
+          <a:blip r:embed="rId5">
+            <a:extLst>
+              <a:ext uri="{96DAC541-7B7A-43D3-8B79-37D633B846F1}">
+                <asvg:svgBlip xmlns:asvg="http://schemas.microsoft.com/office/drawing/2016/SVG/main" r:embed="rId6"/>
+              </a:ext>
+            </a:extLst>
+          </a:blip>
+          <a:stretch>
+            <a:fillRect/>
+          </a:stretch>
+        </p:blipFill>
+        <p:spPr>
+          <a:xfrm>
+            <a:off x="609600" y="5393117"/>
+            <a:ext cx="1676401" cy="1676401"/>
+          </a:xfrm>
+          <a:prstGeom prst="rect">
+            <a:avLst/>
+          </a:prstGeom>
+        </p:spPr>
+      </p:pic>
+      <p:sp>
+        <p:nvSpPr>
+          <p:cNvPr id="18" name="ZoneTexte 17">
+            <a:extLst>
+              <a:ext uri="{FF2B5EF4-FFF2-40B4-BE49-F238E27FC236}">
+                <a16:creationId xmlns:a16="http://schemas.microsoft.com/office/drawing/2014/main" id="{ABF6825B-9AC1-D65C-CFA6-0F1A062E008F}"/>
+              </a:ext>
+            </a:extLst>
+          </p:cNvPr>
+          <p:cNvSpPr txBox="1"/>
+          <p:nvPr/>
+        </p:nvSpPr>
+        <p:spPr>
+          <a:xfrm>
+            <a:off x="2514600" y="5381623"/>
+            <a:ext cx="5943600" cy="1631216"/>
+          </a:xfrm>
+          <a:prstGeom prst="rect">
+            <a:avLst/>
+          </a:prstGeom>
+          <a:noFill/>
+        </p:spPr>
+        <p:txBody>
+          <a:bodyPr wrap="square">
+            <a:spAutoFit/>
+          </a:bodyPr>
+          <a:lstStyle/>
+          <a:p>
+            <a:r>
+              <a:rPr lang="fr-FR" sz="3200" b="1" u="sng" dirty="0">
+                <a:latin typeface="Alegreya" panose="020B0604020202020204" charset="0"/>
+              </a:rPr>
+              <a:t>Restaurateurs</a:t>
+            </a:r>
+          </a:p>
+          <a:p>
+            <a:pPr marL="285750" indent="-285750">
+              <a:buFont typeface="Symbol" panose="05050102010706020507" pitchFamily="18" charset="2"/>
+              <a:buChar char=""/>
+            </a:pPr>
+            <a:r>
+              <a:rPr lang="fr-FR" sz="3200" dirty="0">
+                <a:latin typeface="Alegreya" panose="020B0604020202020204" charset="0"/>
+              </a:rPr>
+              <a:t> Gérer menus, commandes et statistiques</a:t>
+            </a:r>
+            <a:endParaRPr lang="fr-FR" sz="3200" dirty="0"/>
+          </a:p>
+        </p:txBody>
+      </p:sp>
+      <p:pic>
+        <p:nvPicPr>
+          <p:cNvPr id="20" name="Graphique 19" descr="Cyclisme contour">
+            <a:extLst>
+              <a:ext uri="{FF2B5EF4-FFF2-40B4-BE49-F238E27FC236}">
+                <a16:creationId xmlns:a16="http://schemas.microsoft.com/office/drawing/2014/main" id="{0989C6F6-FC14-1E7C-085A-A996F2F1342B}"/>
+              </a:ext>
+            </a:extLst>
+          </p:cNvPr>
+          <p:cNvPicPr>
+            <a:picLocks noChangeAspect="1"/>
+          </p:cNvPicPr>
+          <p:nvPr/>
+        </p:nvPicPr>
+        <p:blipFill>
+          <a:blip r:embed="rId7">
+            <a:extLst>
+              <a:ext uri="{96DAC541-7B7A-43D3-8B79-37D633B846F1}">
+                <asvg:svgBlip xmlns:asvg="http://schemas.microsoft.com/office/drawing/2016/SVG/main" r:embed="rId8"/>
+              </a:ext>
+            </a:extLst>
+          </a:blip>
+          <a:stretch>
+            <a:fillRect/>
+          </a:stretch>
+        </p:blipFill>
+        <p:spPr>
+          <a:xfrm>
+            <a:off x="609600" y="7252737"/>
+            <a:ext cx="1676400" cy="1676400"/>
+          </a:xfrm>
+          <a:prstGeom prst="rect">
+            <a:avLst/>
+          </a:prstGeom>
+        </p:spPr>
+      </p:pic>
+      <p:sp>
+        <p:nvSpPr>
+          <p:cNvPr id="22" name="ZoneTexte 21">
+            <a:extLst>
+              <a:ext uri="{FF2B5EF4-FFF2-40B4-BE49-F238E27FC236}">
+                <a16:creationId xmlns:a16="http://schemas.microsoft.com/office/drawing/2014/main" id="{5D3F21EF-CE07-8BB6-C80D-4606913630BE}"/>
+              </a:ext>
+            </a:extLst>
+          </p:cNvPr>
+          <p:cNvSpPr txBox="1"/>
+          <p:nvPr/>
+        </p:nvSpPr>
+        <p:spPr>
+          <a:xfrm>
+            <a:off x="2514599" y="7252737"/>
+            <a:ext cx="5943600" cy="1569660"/>
+          </a:xfrm>
+          <a:prstGeom prst="rect">
+            <a:avLst/>
+          </a:prstGeom>
+          <a:noFill/>
+        </p:spPr>
+        <p:txBody>
+          <a:bodyPr wrap="square">
+            <a:spAutoFit/>
+          </a:bodyPr>
+          <a:lstStyle/>
+          <a:p>
+            <a:r>
+              <a:rPr lang="fr-FR" sz="3200" b="1" u="sng" dirty="0">
+                <a:latin typeface="Alegreya" panose="020B0604020202020204" charset="0"/>
+              </a:rPr>
+              <a:t>Livreurs</a:t>
+            </a:r>
+          </a:p>
+          <a:p>
+            <a:pPr marL="285750" indent="-285750">
+              <a:buFont typeface="Symbol" panose="05050102010706020507" pitchFamily="18" charset="2"/>
+              <a:buChar char="®"/>
+            </a:pPr>
+            <a:r>
+              <a:rPr lang="fr-FR" sz="3200" dirty="0">
+                <a:latin typeface="Alegreya" panose="020B0604020202020204" charset="0"/>
+              </a:rPr>
+              <a:t> Accepter/refuser des livraisons, validation via QR Code </a:t>
+            </a:r>
+          </a:p>
+        </p:txBody>
+      </p:sp>
+      <p:pic>
+        <p:nvPicPr>
+          <p:cNvPr id="24" name="Graphique 23" descr="Programmeur contour">
+            <a:extLst>
+              <a:ext uri="{FF2B5EF4-FFF2-40B4-BE49-F238E27FC236}">
+                <a16:creationId xmlns:a16="http://schemas.microsoft.com/office/drawing/2014/main" id="{D08890A8-4DAD-D1B2-39D3-BB424714C1AC}"/>
+              </a:ext>
+            </a:extLst>
+          </p:cNvPr>
+          <p:cNvPicPr>
+            <a:picLocks noChangeAspect="1"/>
+          </p:cNvPicPr>
+          <p:nvPr/>
+        </p:nvPicPr>
+        <p:blipFill>
+          <a:blip r:embed="rId9">
+            <a:extLst>
+              <a:ext uri="{96DAC541-7B7A-43D3-8B79-37D633B846F1}">
+                <asvg:svgBlip xmlns:asvg="http://schemas.microsoft.com/office/drawing/2016/SVG/main" r:embed="rId10"/>
+              </a:ext>
+            </a:extLst>
+          </a:blip>
+          <a:stretch>
+            <a:fillRect/>
+          </a:stretch>
+        </p:blipFill>
+        <p:spPr>
+          <a:xfrm>
+            <a:off x="9067802" y="3027481"/>
+            <a:ext cx="1524000" cy="1524000"/>
+          </a:xfrm>
+          <a:prstGeom prst="rect">
+            <a:avLst/>
+          </a:prstGeom>
+        </p:spPr>
+      </p:pic>
+      <p:sp>
+        <p:nvSpPr>
+          <p:cNvPr id="26" name="ZoneTexte 25">
+            <a:extLst>
+              <a:ext uri="{FF2B5EF4-FFF2-40B4-BE49-F238E27FC236}">
+                <a16:creationId xmlns:a16="http://schemas.microsoft.com/office/drawing/2014/main" id="{3581B02E-24DD-B989-C585-0C41B92E5938}"/>
+              </a:ext>
+            </a:extLst>
+          </p:cNvPr>
+          <p:cNvSpPr txBox="1"/>
+          <p:nvPr/>
+        </p:nvSpPr>
+        <p:spPr>
+          <a:xfrm>
+            <a:off x="10576562" y="3010690"/>
+            <a:ext cx="7086598" cy="1631216"/>
+          </a:xfrm>
+          <a:prstGeom prst="rect">
+            <a:avLst/>
+          </a:prstGeom>
+          <a:noFill/>
+        </p:spPr>
+        <p:txBody>
+          <a:bodyPr wrap="square">
+            <a:spAutoFit/>
+          </a:bodyPr>
+          <a:lstStyle/>
+          <a:p>
+            <a:r>
+              <a:rPr lang="fr-FR" sz="3200" b="1" u="sng" dirty="0">
+                <a:latin typeface="Alegreya" panose="020B0604020202020204" charset="0"/>
+              </a:rPr>
+              <a:t>Développeurs tiers</a:t>
+            </a:r>
+          </a:p>
+          <a:p>
+            <a:pPr marL="457200" indent="-457200">
+              <a:buFont typeface="Symbol" panose="05050102010706020507" pitchFamily="18" charset="2"/>
+              <a:buChar char=""/>
+            </a:pPr>
+            <a:r>
+              <a:rPr lang="fr-FR" sz="3200" dirty="0">
+                <a:latin typeface="Alegreya" panose="020B0604020202020204" charset="0"/>
+              </a:rPr>
+              <a:t> Accéder à l’API, télécharger des composants</a:t>
+            </a:r>
+            <a:endParaRPr lang="fr-FR" sz="3200" dirty="0"/>
+          </a:p>
+        </p:txBody>
+      </p:sp>
+      <p:pic>
+        <p:nvPicPr>
+          <p:cNvPr id="28" name="Graphique 27" descr="Graphique à barres contour">
+            <a:extLst>
+              <a:ext uri="{FF2B5EF4-FFF2-40B4-BE49-F238E27FC236}">
+                <a16:creationId xmlns:a16="http://schemas.microsoft.com/office/drawing/2014/main" id="{0F54A25A-5CCF-5D10-41E6-C4E6FD37C0DA}"/>
+              </a:ext>
+            </a:extLst>
+          </p:cNvPr>
+          <p:cNvPicPr>
+            <a:picLocks noChangeAspect="1"/>
+          </p:cNvPicPr>
+          <p:nvPr/>
+        </p:nvPicPr>
+        <p:blipFill>
+          <a:blip r:embed="rId11">
+            <a:extLst>
+              <a:ext uri="{96DAC541-7B7A-43D3-8B79-37D633B846F1}">
+                <asvg:svgBlip xmlns:asvg="http://schemas.microsoft.com/office/drawing/2016/SVG/main" r:embed="rId12"/>
+              </a:ext>
+            </a:extLst>
+          </a:blip>
+          <a:stretch>
+            <a:fillRect/>
+          </a:stretch>
+        </p:blipFill>
+        <p:spPr>
+          <a:xfrm>
+            <a:off x="8778305" y="5117356"/>
+            <a:ext cx="1813497" cy="1813497"/>
+          </a:xfrm>
+          <a:prstGeom prst="rect">
+            <a:avLst/>
+          </a:prstGeom>
+        </p:spPr>
+      </p:pic>
+      <p:sp>
+        <p:nvSpPr>
+          <p:cNvPr id="30" name="ZoneTexte 29">
+            <a:extLst>
+              <a:ext uri="{FF2B5EF4-FFF2-40B4-BE49-F238E27FC236}">
+                <a16:creationId xmlns:a16="http://schemas.microsoft.com/office/drawing/2014/main" id="{6095782C-CE7C-9969-1ED4-9FFC202EB5BE}"/>
+              </a:ext>
+            </a:extLst>
+          </p:cNvPr>
+          <p:cNvSpPr txBox="1"/>
+          <p:nvPr/>
+        </p:nvSpPr>
+        <p:spPr>
+          <a:xfrm>
+            <a:off x="10744200" y="5202618"/>
+            <a:ext cx="7239000" cy="1631216"/>
+          </a:xfrm>
+          <a:prstGeom prst="rect">
+            <a:avLst/>
+          </a:prstGeom>
+          <a:noFill/>
+        </p:spPr>
+        <p:txBody>
+          <a:bodyPr wrap="square">
+            <a:spAutoFit/>
+          </a:bodyPr>
+          <a:lstStyle/>
+          <a:p>
+            <a:r>
+              <a:rPr lang="fr-FR" sz="3200" b="1" u="sng" dirty="0">
+                <a:latin typeface="Alegreya" panose="020B0604020202020204" charset="0"/>
+              </a:rPr>
+              <a:t>Service commercial</a:t>
+            </a:r>
+          </a:p>
+          <a:p>
+            <a:pPr marL="457200" indent="-457200">
+              <a:buFont typeface="Symbol" panose="05050102010706020507" pitchFamily="18" charset="2"/>
+              <a:buChar char="®"/>
+            </a:pPr>
+            <a:r>
+              <a:rPr lang="fr-FR" sz="3200" dirty="0">
+                <a:latin typeface="Alegreya" panose="020B0604020202020204" charset="0"/>
+              </a:rPr>
+              <a:t> Suivi en temps réel des performances commerciales</a:t>
+            </a:r>
+            <a:endParaRPr lang="fr-FR" sz="3200" dirty="0"/>
+          </a:p>
+        </p:txBody>
+      </p:sp>
+      <p:pic>
+        <p:nvPicPr>
+          <p:cNvPr id="32" name="Graphique 31" descr="Outils contour">
+            <a:extLst>
+              <a:ext uri="{FF2B5EF4-FFF2-40B4-BE49-F238E27FC236}">
+                <a16:creationId xmlns:a16="http://schemas.microsoft.com/office/drawing/2014/main" id="{6451D2E2-995B-6618-2C74-1A1769305BBD}"/>
+              </a:ext>
+            </a:extLst>
+          </p:cNvPr>
+          <p:cNvPicPr>
+            <a:picLocks noChangeAspect="1"/>
+          </p:cNvPicPr>
+          <p:nvPr/>
+        </p:nvPicPr>
+        <p:blipFill>
+          <a:blip r:embed="rId13">
+            <a:extLst>
+              <a:ext uri="{96DAC541-7B7A-43D3-8B79-37D633B846F1}">
+                <asvg:svgBlip xmlns:asvg="http://schemas.microsoft.com/office/drawing/2016/SVG/main" r:embed="rId14"/>
+              </a:ext>
+            </a:extLst>
+          </a:blip>
+          <a:stretch>
+            <a:fillRect/>
+          </a:stretch>
+        </p:blipFill>
+        <p:spPr>
+          <a:xfrm>
+            <a:off x="9067802" y="7394257"/>
+            <a:ext cx="1524000" cy="1524000"/>
+          </a:xfrm>
+          <a:prstGeom prst="rect">
+            <a:avLst/>
+          </a:prstGeom>
+        </p:spPr>
+      </p:pic>
     </p:spTree>
+    <p:extLst>
+      <p:ext uri="{BB962C8B-B14F-4D97-AF65-F5344CB8AC3E}">
+        <p14:creationId xmlns:p14="http://schemas.microsoft.com/office/powerpoint/2010/main" val="2955636877"/>
+      </p:ext>
+    </p:extLst>
   </p:cSld>
   <p:clrMapOvr>
     <a:masterClrMapping/>
@@ -10539,12 +13226,18 @@
 </p:sld>
 </file>
 
-<file path=ppt/slides/slide4.xml><?xml version="1.0" encoding="utf-8"?>
+<file path=ppt/slides/slide7.xml><?xml version="1.0" encoding="utf-8"?>
 <p:sld xmlns:a="http://schemas.openxmlformats.org/drawingml/2006/main" xmlns:r="http://schemas.openxmlformats.org/officeDocument/2006/relationships" xmlns:p="http://schemas.openxmlformats.org/presentationml/2006/main">
   <p:cSld>
     <p:spTree>
       <p:nvGrpSpPr>
-        <p:cNvPr id="1" name=""/>
+        <p:cNvPr id="1" name="">
+          <a:extLst>
+            <a:ext uri="{FF2B5EF4-FFF2-40B4-BE49-F238E27FC236}">
+              <a16:creationId xmlns:a16="http://schemas.microsoft.com/office/drawing/2014/main" id="{800FF7C4-27A0-3A53-D72D-4E10BB6663F9}"/>
+            </a:ext>
+          </a:extLst>
+        </p:cNvPr>
         <p:cNvGrpSpPr/>
         <p:nvPr/>
       </p:nvGrpSpPr>
@@ -10558,7 +13251,13 @@
       </p:grpSpPr>
       <p:sp>
         <p:nvSpPr>
-          <p:cNvPr id="2" name="Freeform 2"/>
+          <p:cNvPr id="2" name="Freeform 2">
+            <a:extLst>
+              <a:ext uri="{FF2B5EF4-FFF2-40B4-BE49-F238E27FC236}">
+                <a16:creationId xmlns:a16="http://schemas.microsoft.com/office/drawing/2014/main" id="{3CF12B5B-51A4-D872-78E6-D65B846ED8ED}"/>
+              </a:ext>
+            </a:extLst>
+          </p:cNvPr>
           <p:cNvSpPr/>
           <p:nvPr/>
         </p:nvSpPr>
@@ -10605,16 +13304,178 @@
           <a:bodyPr/>
           <a:lstStyle/>
           <a:p>
-            <a:endParaRPr lang="fr-FR" dirty="0"/>
-          </a:p>
-        </p:txBody>
-      </p:sp>
-      <p:sp>
-        <p:nvSpPr>
-          <p:cNvPr id="5" name="Rectangle 4">
+            <a:endParaRPr lang="fr-FR"/>
+          </a:p>
+        </p:txBody>
+      </p:sp>
+      <p:sp>
+        <p:nvSpPr>
+          <p:cNvPr id="9" name="TextBox 9">
             <a:extLst>
               <a:ext uri="{FF2B5EF4-FFF2-40B4-BE49-F238E27FC236}">
-                <a16:creationId xmlns:a16="http://schemas.microsoft.com/office/drawing/2014/main" id="{6C8BBC26-983F-C560-F369-FBEC2B659228}"/>
+                <a16:creationId xmlns:a16="http://schemas.microsoft.com/office/drawing/2014/main" id="{36D67233-4528-87BA-AD2F-CB26FC329661}"/>
+              </a:ext>
+            </a:extLst>
+          </p:cNvPr>
+          <p:cNvSpPr txBox="1"/>
+          <p:nvPr/>
+        </p:nvSpPr>
+        <p:spPr>
+          <a:xfrm>
+            <a:off x="546931" y="4605194"/>
+            <a:ext cx="5009116" cy="729046"/>
+          </a:xfrm>
+          <a:prstGeom prst="rect">
+            <a:avLst/>
+          </a:prstGeom>
+        </p:spPr>
+        <p:txBody>
+          <a:bodyPr wrap="square" lIns="0" tIns="0" rIns="0" bIns="0" rtlCol="0" anchor="ctr">
+            <a:spAutoFit/>
+          </a:bodyPr>
+          <a:lstStyle/>
+          <a:p>
+            <a:pPr algn="ctr">
+              <a:lnSpc>
+                <a:spcPts val="5880"/>
+              </a:lnSpc>
+            </a:pPr>
+            <a:r>
+              <a:rPr lang="en-US" sz="3600" b="1" dirty="0">
+                <a:solidFill>
+                  <a:srgbClr val="000000"/>
+                </a:solidFill>
+                <a:latin typeface="Alegreya Bold"/>
+                <a:ea typeface="Alegreya Bold"/>
+                <a:cs typeface="Alegreya Bold"/>
+                <a:sym typeface="Alegreya Bold"/>
+              </a:rPr>
+              <a:t>Mohamed Himeur</a:t>
+            </a:r>
+          </a:p>
+        </p:txBody>
+      </p:sp>
+      <p:sp>
+        <p:nvSpPr>
+          <p:cNvPr id="10" name="TextBox 10">
+            <a:extLst>
+              <a:ext uri="{FF2B5EF4-FFF2-40B4-BE49-F238E27FC236}">
+                <a16:creationId xmlns:a16="http://schemas.microsoft.com/office/drawing/2014/main" id="{E418D958-E56F-F6E2-E3C0-3E9659882C6B}"/>
+              </a:ext>
+            </a:extLst>
+          </p:cNvPr>
+          <p:cNvSpPr txBox="1"/>
+          <p:nvPr/>
+        </p:nvSpPr>
+        <p:spPr>
+          <a:xfrm>
+            <a:off x="6694030" y="4605194"/>
+            <a:ext cx="4397525" cy="729046"/>
+          </a:xfrm>
+          <a:prstGeom prst="rect">
+            <a:avLst/>
+          </a:prstGeom>
+        </p:spPr>
+        <p:txBody>
+          <a:bodyPr wrap="square" lIns="0" tIns="0" rIns="0" bIns="0" rtlCol="0" anchor="ctr">
+            <a:spAutoFit/>
+          </a:bodyPr>
+          <a:lstStyle/>
+          <a:p>
+            <a:pPr algn="ctr">
+              <a:lnSpc>
+                <a:spcPts val="5880"/>
+              </a:lnSpc>
+            </a:pPr>
+            <a:r>
+              <a:rPr lang="en-US" sz="4200" b="1" dirty="0">
+                <a:solidFill>
+                  <a:srgbClr val="000000"/>
+                </a:solidFill>
+                <a:latin typeface="Alegreya Bold"/>
+                <a:ea typeface="Alegreya Bold"/>
+                <a:cs typeface="Alegreya Bold"/>
+                <a:sym typeface="Alegreya Bold"/>
+              </a:rPr>
+              <a:t>Lucas Moniot</a:t>
+            </a:r>
+          </a:p>
+        </p:txBody>
+      </p:sp>
+      <p:sp>
+        <p:nvSpPr>
+          <p:cNvPr id="11" name="TextBox 11">
+            <a:extLst>
+              <a:ext uri="{FF2B5EF4-FFF2-40B4-BE49-F238E27FC236}">
+                <a16:creationId xmlns:a16="http://schemas.microsoft.com/office/drawing/2014/main" id="{52443EBB-5A1A-CE4C-3A1B-088178E6F123}"/>
+              </a:ext>
+            </a:extLst>
+          </p:cNvPr>
+          <p:cNvSpPr txBox="1"/>
+          <p:nvPr/>
+        </p:nvSpPr>
+        <p:spPr>
+          <a:xfrm>
+            <a:off x="11991567" y="4605194"/>
+            <a:ext cx="5486398" cy="729046"/>
+          </a:xfrm>
+          <a:prstGeom prst="rect">
+            <a:avLst/>
+          </a:prstGeom>
+        </p:spPr>
+        <p:txBody>
+          <a:bodyPr wrap="square" lIns="0" tIns="0" rIns="0" bIns="0" rtlCol="0" anchor="ctr">
+            <a:spAutoFit/>
+          </a:bodyPr>
+          <a:lstStyle/>
+          <a:p>
+            <a:pPr algn="ctr">
+              <a:lnSpc>
+                <a:spcPts val="5880"/>
+              </a:lnSpc>
+            </a:pPr>
+            <a:r>
+              <a:rPr lang="en-US" sz="4200" b="1" dirty="0">
+                <a:solidFill>
+                  <a:srgbClr val="000000"/>
+                </a:solidFill>
+                <a:latin typeface="Alegreya Bold"/>
+                <a:ea typeface="Alegreya Bold"/>
+                <a:cs typeface="Alegreya Bold"/>
+                <a:sym typeface="Alegreya Bold"/>
+              </a:rPr>
+              <a:t>Noémie </a:t>
+            </a:r>
+            <a:r>
+              <a:rPr lang="en-US" sz="4200" b="1" dirty="0" err="1">
+                <a:solidFill>
+                  <a:srgbClr val="000000"/>
+                </a:solidFill>
+                <a:latin typeface="Alegreya Bold"/>
+                <a:ea typeface="Alegreya Bold"/>
+                <a:cs typeface="Alegreya Bold"/>
+                <a:sym typeface="Alegreya Bold"/>
+              </a:rPr>
+              <a:t>Rappeneau</a:t>
+            </a:r>
+            <a:endParaRPr lang="en-US" sz="4200" b="1" dirty="0">
+              <a:solidFill>
+                <a:srgbClr val="000000"/>
+              </a:solidFill>
+              <a:latin typeface="Alegreya Bold"/>
+              <a:ea typeface="Alegreya Bold"/>
+              <a:cs typeface="Alegreya Bold"/>
+              <a:sym typeface="Alegreya Bold"/>
+            </a:endParaRPr>
+          </a:p>
+        </p:txBody>
+      </p:sp>
+      <p:sp>
+        <p:nvSpPr>
+          <p:cNvPr id="13" name="Rectangle 12">
+            <a:extLst>
+              <a:ext uri="{FF2B5EF4-FFF2-40B4-BE49-F238E27FC236}">
+                <a16:creationId xmlns:a16="http://schemas.microsoft.com/office/drawing/2014/main" id="{9F94FEB5-D3E7-74EA-E8F8-86492EED3B22}"/>
               </a:ext>
             </a:extLst>
           </p:cNvPr>
@@ -10665,10 +13526,10 @@
       </p:sp>
       <p:sp>
         <p:nvSpPr>
-          <p:cNvPr id="6" name="ZoneTexte 5">
+          <p:cNvPr id="14" name="ZoneTexte 13">
             <a:extLst>
               <a:ext uri="{FF2B5EF4-FFF2-40B4-BE49-F238E27FC236}">
-                <a16:creationId xmlns:a16="http://schemas.microsoft.com/office/drawing/2014/main" id="{B55F99E1-02BE-0F98-9E56-349D08E9C75B}"/>
+                <a16:creationId xmlns:a16="http://schemas.microsoft.com/office/drawing/2014/main" id="{0E57311F-29C8-A12B-54F7-6C6F1B742A7E}"/>
               </a:ext>
             </a:extLst>
           </p:cNvPr>
@@ -10696,7 +13557,7 @@
               <a:rPr lang="fr-FR" sz="2800" b="1" dirty="0">
                 <a:latin typeface="Alegreya" panose="020B0604020202020204" charset="0"/>
               </a:rPr>
-              <a:t>Introduction et complexe        </a:t>
+              <a:t>Contexte        </a:t>
             </a:r>
             <a:r>
               <a:rPr lang="fr-FR" sz="2800" dirty="0">
@@ -10707,308 +13568,17 @@
                 </a:solidFill>
                 <a:latin typeface="Alegreya" panose="020B0604020202020204" charset="0"/>
               </a:rPr>
-              <a:t>–        Développement et démonstration        –        Analyse et conclusion</a:t>
-            </a:r>
-          </a:p>
-        </p:txBody>
-      </p:sp>
-      <p:pic>
-        <p:nvPicPr>
-          <p:cNvPr id="9" name="Graphique 8" descr="Épingle contour">
+              <a:t>–        Développement et démonstration        –        Analyse        -        Conclusion</a:t>
+            </a:r>
+          </a:p>
+        </p:txBody>
+      </p:sp>
+      <p:sp>
+        <p:nvSpPr>
+          <p:cNvPr id="19" name="TextBox 12">
             <a:extLst>
               <a:ext uri="{FF2B5EF4-FFF2-40B4-BE49-F238E27FC236}">
-                <a16:creationId xmlns:a16="http://schemas.microsoft.com/office/drawing/2014/main" id="{C068AAC0-443F-16C3-DA40-B6590AAFC063}"/>
-              </a:ext>
-            </a:extLst>
-          </p:cNvPr>
-          <p:cNvPicPr>
-            <a:picLocks noChangeAspect="1"/>
-          </p:cNvPicPr>
-          <p:nvPr/>
-        </p:nvPicPr>
-        <p:blipFill>
-          <a:blip r:embed="rId3">
-            <a:extLst>
-              <a:ext uri="{96DAC541-7B7A-43D3-8B79-37D633B846F1}">
-                <asvg:svgBlip xmlns:asvg="http://schemas.microsoft.com/office/drawing/2016/SVG/main" r:embed="rId4"/>
-              </a:ext>
-            </a:extLst>
-          </a:blip>
-          <a:stretch>
-            <a:fillRect/>
-          </a:stretch>
-        </p:blipFill>
-        <p:spPr>
-          <a:xfrm>
-            <a:off x="1011343" y="2799176"/>
-            <a:ext cx="1676400" cy="1676400"/>
-          </a:xfrm>
-          <a:prstGeom prst="rect">
-            <a:avLst/>
-          </a:prstGeom>
-        </p:spPr>
-      </p:pic>
-      <p:sp>
-        <p:nvSpPr>
-          <p:cNvPr id="11" name="ZoneTexte 10">
-            <a:extLst>
-              <a:ext uri="{FF2B5EF4-FFF2-40B4-BE49-F238E27FC236}">
-                <a16:creationId xmlns:a16="http://schemas.microsoft.com/office/drawing/2014/main" id="{AE6DE22C-1DF7-B7EA-63A8-73B3277B7AF5}"/>
-              </a:ext>
-            </a:extLst>
-          </p:cNvPr>
-          <p:cNvSpPr txBox="1"/>
-          <p:nvPr/>
-        </p:nvSpPr>
-        <p:spPr>
-          <a:xfrm>
-            <a:off x="2841173" y="3027776"/>
-            <a:ext cx="15414170" cy="1938992"/>
-          </a:xfrm>
-          <a:prstGeom prst="rect">
-            <a:avLst/>
-          </a:prstGeom>
-          <a:noFill/>
-        </p:spPr>
-        <p:txBody>
-          <a:bodyPr wrap="square">
-            <a:spAutoFit/>
-          </a:bodyPr>
-          <a:lstStyle/>
-          <a:p>
-            <a:pPr>
-              <a:buNone/>
-            </a:pPr>
-            <a:r>
-              <a:rPr lang="fr-FR" sz="3600" b="1" u="sng" dirty="0">
-                <a:latin typeface="Alegreya" panose="020B0604020202020204" charset="0"/>
-              </a:rPr>
-              <a:t>Contexte du projet</a:t>
-            </a:r>
-          </a:p>
-          <a:p>
-            <a:pPr>
-              <a:lnSpc>
-                <a:spcPct val="150000"/>
-              </a:lnSpc>
-            </a:pPr>
-            <a:r>
-              <a:rPr lang="fr-FR" sz="3200" dirty="0">
-                <a:latin typeface="Alegreya" panose="020B0604020202020204" charset="0"/>
-              </a:rPr>
-              <a:t>Développement d’une plateforme logicielle distribuée pour la restauration en ligne</a:t>
-            </a:r>
-          </a:p>
-          <a:p>
-            <a:pPr>
-              <a:buNone/>
-            </a:pPr>
-            <a:endParaRPr lang="fr-FR" sz="3600" u="sng" dirty="0">
-              <a:latin typeface="Alegreya" panose="020B0604020202020204" charset="0"/>
-            </a:endParaRPr>
-          </a:p>
-        </p:txBody>
-      </p:sp>
-      <p:pic>
-        <p:nvPicPr>
-          <p:cNvPr id="15" name="Graphique 14" descr="Mille contour">
-            <a:extLst>
-              <a:ext uri="{FF2B5EF4-FFF2-40B4-BE49-F238E27FC236}">
-                <a16:creationId xmlns:a16="http://schemas.microsoft.com/office/drawing/2014/main" id="{5AC2ABCD-E957-C411-0D40-F3FB47B47E2A}"/>
-              </a:ext>
-            </a:extLst>
-          </p:cNvPr>
-          <p:cNvPicPr>
-            <a:picLocks noChangeAspect="1"/>
-          </p:cNvPicPr>
-          <p:nvPr/>
-        </p:nvPicPr>
-        <p:blipFill>
-          <a:blip r:embed="rId5">
-            <a:extLst>
-              <a:ext uri="{96DAC541-7B7A-43D3-8B79-37D633B846F1}">
-                <asvg:svgBlip xmlns:asvg="http://schemas.microsoft.com/office/drawing/2016/SVG/main" r:embed="rId6"/>
-              </a:ext>
-            </a:extLst>
-          </a:blip>
-          <a:stretch>
-            <a:fillRect/>
-          </a:stretch>
-        </p:blipFill>
-        <p:spPr>
-          <a:xfrm>
-            <a:off x="1011343" y="4996276"/>
-            <a:ext cx="1676399" cy="1676399"/>
-          </a:xfrm>
-          <a:prstGeom prst="rect">
-            <a:avLst/>
-          </a:prstGeom>
-        </p:spPr>
-      </p:pic>
-      <p:sp>
-        <p:nvSpPr>
-          <p:cNvPr id="16" name="ZoneTexte 15">
-            <a:extLst>
-              <a:ext uri="{FF2B5EF4-FFF2-40B4-BE49-F238E27FC236}">
-                <a16:creationId xmlns:a16="http://schemas.microsoft.com/office/drawing/2014/main" id="{359BD1CD-BD6D-217C-9A0A-12579CF6E05B}"/>
-              </a:ext>
-            </a:extLst>
-          </p:cNvPr>
-          <p:cNvSpPr txBox="1"/>
-          <p:nvPr/>
-        </p:nvSpPr>
-        <p:spPr>
-          <a:xfrm>
-            <a:off x="2841173" y="5051185"/>
-            <a:ext cx="15414170" cy="1938992"/>
-          </a:xfrm>
-          <a:prstGeom prst="rect">
-            <a:avLst/>
-          </a:prstGeom>
-          <a:noFill/>
-        </p:spPr>
-        <p:txBody>
-          <a:bodyPr wrap="square">
-            <a:spAutoFit/>
-          </a:bodyPr>
-          <a:lstStyle/>
-          <a:p>
-            <a:pPr>
-              <a:buNone/>
-            </a:pPr>
-            <a:r>
-              <a:rPr lang="fr-FR" sz="3600" b="1" u="sng" dirty="0">
-                <a:latin typeface="Alegreya" panose="020B0604020202020204" charset="0"/>
-              </a:rPr>
-              <a:t>Objectif du projet</a:t>
-            </a:r>
-          </a:p>
-          <a:p>
-            <a:pPr>
-              <a:lnSpc>
-                <a:spcPct val="150000"/>
-              </a:lnSpc>
-            </a:pPr>
-            <a:r>
-              <a:rPr lang="fr-FR" sz="3200" dirty="0">
-                <a:latin typeface="Alegreya" panose="020B0604020202020204" charset="0"/>
-              </a:rPr>
-              <a:t>Optimiser la gestion des commandes et des livraisons</a:t>
-            </a:r>
-          </a:p>
-          <a:p>
-            <a:pPr>
-              <a:buNone/>
-            </a:pPr>
-            <a:endParaRPr lang="fr-FR" sz="3600" u="sng" dirty="0">
-              <a:latin typeface="Alegreya" panose="020B0604020202020204" charset="0"/>
-            </a:endParaRPr>
-          </a:p>
-        </p:txBody>
-      </p:sp>
-      <p:pic>
-        <p:nvPicPr>
-          <p:cNvPr id="18" name="Graphique 17" descr="Utilisateur contour">
-            <a:extLst>
-              <a:ext uri="{FF2B5EF4-FFF2-40B4-BE49-F238E27FC236}">
-                <a16:creationId xmlns:a16="http://schemas.microsoft.com/office/drawing/2014/main" id="{96CC544B-4F4A-489D-DC9A-85C883A07904}"/>
-              </a:ext>
-            </a:extLst>
-          </p:cNvPr>
-          <p:cNvPicPr>
-            <a:picLocks noChangeAspect="1"/>
-          </p:cNvPicPr>
-          <p:nvPr/>
-        </p:nvPicPr>
-        <p:blipFill>
-          <a:blip r:embed="rId7">
-            <a:extLst>
-              <a:ext uri="{96DAC541-7B7A-43D3-8B79-37D633B846F1}">
-                <asvg:svgBlip xmlns:asvg="http://schemas.microsoft.com/office/drawing/2016/SVG/main" r:embed="rId8"/>
-              </a:ext>
-            </a:extLst>
-          </a:blip>
-          <a:stretch>
-            <a:fillRect/>
-          </a:stretch>
-        </p:blipFill>
-        <p:spPr>
-          <a:xfrm>
-            <a:off x="1011343" y="6906981"/>
-            <a:ext cx="1676400" cy="1676400"/>
-          </a:xfrm>
-          <a:prstGeom prst="rect">
-            <a:avLst/>
-          </a:prstGeom>
-        </p:spPr>
-      </p:pic>
-      <p:sp>
-        <p:nvSpPr>
-          <p:cNvPr id="19" name="ZoneTexte 18">
-            <a:extLst>
-              <a:ext uri="{FF2B5EF4-FFF2-40B4-BE49-F238E27FC236}">
-                <a16:creationId xmlns:a16="http://schemas.microsoft.com/office/drawing/2014/main" id="{59DC83E2-0858-F03D-C11F-A8989A0A62C1}"/>
-              </a:ext>
-            </a:extLst>
-          </p:cNvPr>
-          <p:cNvSpPr txBox="1"/>
-          <p:nvPr/>
-        </p:nvSpPr>
-        <p:spPr>
-          <a:xfrm>
-            <a:off x="2873830" y="7110356"/>
-            <a:ext cx="15414170" cy="1938992"/>
-          </a:xfrm>
-          <a:prstGeom prst="rect">
-            <a:avLst/>
-          </a:prstGeom>
-          <a:noFill/>
-        </p:spPr>
-        <p:txBody>
-          <a:bodyPr wrap="square">
-            <a:spAutoFit/>
-          </a:bodyPr>
-          <a:lstStyle/>
-          <a:p>
-            <a:pPr>
-              <a:buNone/>
-            </a:pPr>
-            <a:r>
-              <a:rPr lang="fr-FR" sz="3600" b="1" u="sng" dirty="0">
-                <a:latin typeface="Alegreya" panose="020B0604020202020204" charset="0"/>
-              </a:rPr>
-              <a:t>Intégration de plusieurs acteurs</a:t>
-            </a:r>
-          </a:p>
-          <a:p>
-            <a:pPr>
-              <a:lnSpc>
-                <a:spcPct val="150000"/>
-              </a:lnSpc>
-            </a:pPr>
-            <a:r>
-              <a:rPr lang="fr-FR" sz="3200" dirty="0">
-                <a:latin typeface="Alegreya" panose="020B0604020202020204" charset="0"/>
-              </a:rPr>
-              <a:t>Clients, restaurateurs, livreurs, développeurs tiers, services commerciaux et techniques</a:t>
-            </a:r>
-          </a:p>
-          <a:p>
-            <a:pPr>
-              <a:buNone/>
-            </a:pPr>
-            <a:endParaRPr lang="fr-FR" sz="3600" u="sng" dirty="0">
-              <a:latin typeface="Alegreya" panose="020B0604020202020204" charset="0"/>
-            </a:endParaRPr>
-          </a:p>
-        </p:txBody>
-      </p:sp>
-      <p:sp>
-        <p:nvSpPr>
-          <p:cNvPr id="22" name="TextBox 12">
-            <a:extLst>
-              <a:ext uri="{FF2B5EF4-FFF2-40B4-BE49-F238E27FC236}">
-                <a16:creationId xmlns:a16="http://schemas.microsoft.com/office/drawing/2014/main" id="{4203723E-2AEC-92D2-25B7-9FE24744DC24}"/>
+                <a16:creationId xmlns:a16="http://schemas.microsoft.com/office/drawing/2014/main" id="{B191B906-245B-459C-87B7-7660E17337FF}"/>
               </a:ext>
             </a:extLst>
           </p:cNvPr>
@@ -11045,7 +13615,7 @@
                 <a:cs typeface="Bobby Jones"/>
                 <a:sym typeface="Bobby Jones"/>
               </a:rPr>
-              <a:t>﻿Rappel du </a:t>
+              <a:t>﻿</a:t>
             </a:r>
             <a:r>
               <a:rPr lang="en-US" sz="8165" dirty="0" err="1">
@@ -11057,7 +13627,31 @@
                 <a:cs typeface="Bobby Jones"/>
                 <a:sym typeface="Bobby Jones"/>
               </a:rPr>
-              <a:t>besoin</a:t>
+              <a:t>Présentation</a:t>
+            </a:r>
+            <a:r>
+              <a:rPr lang="en-US" sz="8165" dirty="0">
+                <a:solidFill>
+                  <a:srgbClr val="000000"/>
+                </a:solidFill>
+                <a:latin typeface="Bobby Jones"/>
+                <a:ea typeface="Bobby Jones"/>
+                <a:cs typeface="Bobby Jones"/>
+                <a:sym typeface="Bobby Jones"/>
+              </a:rPr>
+              <a:t> du </a:t>
+            </a:r>
+            <a:r>
+              <a:rPr lang="en-US" sz="8165" dirty="0" err="1">
+                <a:solidFill>
+                  <a:srgbClr val="000000"/>
+                </a:solidFill>
+                <a:latin typeface="Bobby Jones"/>
+                <a:ea typeface="Bobby Jones"/>
+                <a:cs typeface="Bobby Jones"/>
+                <a:sym typeface="Bobby Jones"/>
+              </a:rPr>
+              <a:t>groupe</a:t>
             </a:r>
             <a:endParaRPr lang="en-US" sz="8165" dirty="0">
               <a:solidFill>
@@ -11073,10 +13667,10 @@
       </p:sp>
       <p:sp>
         <p:nvSpPr>
-          <p:cNvPr id="23" name="TextBox 12">
+          <p:cNvPr id="20" name="TextBox 9">
             <a:extLst>
               <a:ext uri="{FF2B5EF4-FFF2-40B4-BE49-F238E27FC236}">
-                <a16:creationId xmlns:a16="http://schemas.microsoft.com/office/drawing/2014/main" id="{35D00DC7-F25F-A645-4811-C8CA9D00DE82}"/>
+                <a16:creationId xmlns:a16="http://schemas.microsoft.com/office/drawing/2014/main" id="{BDFB82D2-A8EA-432E-E5B3-0945D01F6107}"/>
               </a:ext>
             </a:extLst>
           </p:cNvPr>
@@ -11085,73 +13679,429 @@
         </p:nvSpPr>
         <p:spPr>
           <a:xfrm>
-            <a:off x="7048499" y="1046235"/>
-            <a:ext cx="4191000" cy="1184748"/>
+            <a:off x="3501495" y="7888197"/>
+            <a:ext cx="5009116" cy="729046"/>
           </a:xfrm>
           <a:prstGeom prst="rect">
             <a:avLst/>
           </a:prstGeom>
         </p:spPr>
         <p:txBody>
-          <a:bodyPr wrap="square" lIns="0" tIns="0" rIns="0" bIns="0" rtlCol="0" anchor="ctr">
+          <a:bodyPr wrap="square" lIns="0" tIns="0" rIns="0" bIns="0" rtlCol="0" anchor="t">
             <a:spAutoFit/>
           </a:bodyPr>
           <a:lstStyle/>
           <a:p>
             <a:pPr algn="ctr">
               <a:lnSpc>
-                <a:spcPts val="11432"/>
+                <a:spcPts val="5880"/>
               </a:lnSpc>
             </a:pPr>
             <a:r>
-              <a:rPr lang="en-US" sz="3000" dirty="0" err="1">
+              <a:rPr lang="en-US" sz="4200" b="1" dirty="0">
                 <a:solidFill>
                   <a:srgbClr val="000000"/>
                 </a:solidFill>
-                <a:latin typeface="Bobby Jones"/>
-                <a:ea typeface="Bobby Jones"/>
-                <a:cs typeface="Bobby Jones"/>
-                <a:sym typeface="Bobby Jones"/>
+                <a:latin typeface="Alegreya Bold"/>
+                <a:ea typeface="Alegreya Bold"/>
+                <a:cs typeface="Alegreya Bold"/>
+                <a:sym typeface="Alegreya Bold"/>
               </a:rPr>
-              <a:t>Objectifs</a:t>
-            </a:r>
-            <a:r>
-              <a:rPr lang="en-US" sz="3000" dirty="0">
+              <a:t>Omar Sedrati</a:t>
+            </a:r>
+          </a:p>
+        </p:txBody>
+      </p:sp>
+      <p:sp>
+        <p:nvSpPr>
+          <p:cNvPr id="21" name="TextBox 9">
+            <a:extLst>
+              <a:ext uri="{FF2B5EF4-FFF2-40B4-BE49-F238E27FC236}">
+                <a16:creationId xmlns:a16="http://schemas.microsoft.com/office/drawing/2014/main" id="{2CFB1D8F-B7AF-3D54-0C98-1124C3D2ABB2}"/>
+              </a:ext>
+            </a:extLst>
+          </p:cNvPr>
+          <p:cNvSpPr txBox="1"/>
+          <p:nvPr/>
+        </p:nvSpPr>
+        <p:spPr>
+          <a:xfrm>
+            <a:off x="9287242" y="7888197"/>
+            <a:ext cx="5009116" cy="729046"/>
+          </a:xfrm>
+          <a:prstGeom prst="rect">
+            <a:avLst/>
+          </a:prstGeom>
+        </p:spPr>
+        <p:txBody>
+          <a:bodyPr wrap="square" lIns="0" tIns="0" rIns="0" bIns="0" rtlCol="0" anchor="t">
+            <a:spAutoFit/>
+          </a:bodyPr>
+          <a:lstStyle/>
+          <a:p>
+            <a:pPr algn="ctr">
+              <a:lnSpc>
+                <a:spcPts val="5880"/>
+              </a:lnSpc>
+            </a:pPr>
+            <a:r>
+              <a:rPr lang="en-US" sz="4200" b="1" dirty="0">
                 <a:solidFill>
                   <a:srgbClr val="000000"/>
                 </a:solidFill>
-                <a:latin typeface="Bobby Jones"/>
-                <a:ea typeface="Bobby Jones"/>
-                <a:cs typeface="Bobby Jones"/>
-                <a:sym typeface="Bobby Jones"/>
+                <a:latin typeface="Alegreya Bold"/>
+                <a:ea typeface="Alegreya Bold"/>
+                <a:cs typeface="Alegreya Bold"/>
+                <a:sym typeface="Alegreya Bold"/>
               </a:rPr>
-              <a:t> </a:t>
-            </a:r>
-            <a:r>
-              <a:rPr lang="en-US" sz="3000" dirty="0" err="1">
+              <a:t>Axel </a:t>
+            </a:r>
+            <a:r>
+              <a:rPr lang="en-US" sz="4200" b="1" dirty="0" err="1">
                 <a:solidFill>
                   <a:srgbClr val="000000"/>
                 </a:solidFill>
-                <a:latin typeface="Bobby Jones"/>
-                <a:ea typeface="Bobby Jones"/>
-                <a:cs typeface="Bobby Jones"/>
-                <a:sym typeface="Bobby Jones"/>
+                <a:latin typeface="Alegreya Bold"/>
+                <a:ea typeface="Alegreya Bold"/>
+                <a:cs typeface="Alegreya Bold"/>
+                <a:sym typeface="Alegreya Bold"/>
               </a:rPr>
-              <a:t>fonctionnels</a:t>
-            </a:r>
-            <a:endParaRPr lang="en-US" sz="3000" dirty="0">
+              <a:t>Vion</a:t>
+            </a:r>
+            <a:endParaRPr lang="en-US" sz="4200" b="1" dirty="0">
               <a:solidFill>
                 <a:srgbClr val="000000"/>
               </a:solidFill>
-              <a:latin typeface="Bobby Jones"/>
-              <a:ea typeface="Bobby Jones"/>
-              <a:cs typeface="Bobby Jones"/>
-              <a:sym typeface="Bobby Jones"/>
+              <a:latin typeface="Alegreya Bold"/>
+              <a:ea typeface="Alegreya Bold"/>
+              <a:cs typeface="Alegreya Bold"/>
+              <a:sym typeface="Alegreya Bold"/>
             </a:endParaRPr>
           </a:p>
         </p:txBody>
       </p:sp>
+      <p:pic>
+        <p:nvPicPr>
+          <p:cNvPr id="1026" name="Picture 2" descr="Photo de profil de Axel Vion">
+            <a:extLst>
+              <a:ext uri="{FF2B5EF4-FFF2-40B4-BE49-F238E27FC236}">
+                <a16:creationId xmlns:a16="http://schemas.microsoft.com/office/drawing/2014/main" id="{888926B1-A4A6-7CA9-C3B9-B57D7286DC0E}"/>
+              </a:ext>
+            </a:extLst>
+          </p:cNvPr>
+          <p:cNvPicPr>
+            <a:picLocks noChangeAspect="1" noChangeArrowheads="1"/>
+          </p:cNvPicPr>
+          <p:nvPr/>
+        </p:nvPicPr>
+        <p:blipFill>
+          <a:blip r:embed="rId3" cstate="print">
+            <a:extLst>
+              <a:ext uri="{28A0092B-C50C-407E-A947-70E740481C1C}">
+                <a14:useLocalDpi xmlns:a14="http://schemas.microsoft.com/office/drawing/2010/main" val="0"/>
+              </a:ext>
+            </a:extLst>
+          </a:blip>
+          <a:srcRect/>
+          <a:stretch>
+            <a:fillRect/>
+          </a:stretch>
+        </p:blipFill>
+        <p:spPr bwMode="auto">
+          <a:xfrm>
+            <a:off x="10515600" y="5288108"/>
+            <a:ext cx="2552400" cy="2552400"/>
+          </a:xfrm>
+          <a:prstGeom prst="ellipse">
+            <a:avLst/>
+          </a:prstGeom>
+          <a:ln w="63500" cap="rnd">
+            <a:solidFill>
+              <a:srgbClr val="333333"/>
+            </a:solidFill>
+          </a:ln>
+          <a:effectLst/>
+          <a:scene3d>
+            <a:camera prst="orthographicFront"/>
+            <a:lightRig rig="contrasting" dir="t">
+              <a:rot lat="0" lon="0" rev="3000000"/>
+            </a:lightRig>
+          </a:scene3d>
+          <a:sp3d contourW="7620">
+            <a:bevelT w="95250" h="31750"/>
+            <a:contourClr>
+              <a:srgbClr val="333333"/>
+            </a:contourClr>
+          </a:sp3d>
+          <a:extLst>
+            <a:ext uri="{909E8E84-426E-40DD-AFC4-6F175D3DCCD1}">
+              <a14:hiddenFill xmlns:a14="http://schemas.microsoft.com/office/drawing/2010/main">
+                <a:solidFill>
+                  <a:srgbClr val="FFFFFF"/>
+                </a:solidFill>
+              </a14:hiddenFill>
+            </a:ext>
+          </a:extLst>
+        </p:spPr>
+      </p:pic>
+      <p:pic>
+        <p:nvPicPr>
+          <p:cNvPr id="1030" name="Picture 6" descr="Arkcoz (Lucas Moniot) · GitHub">
+            <a:extLst>
+              <a:ext uri="{FF2B5EF4-FFF2-40B4-BE49-F238E27FC236}">
+                <a16:creationId xmlns:a16="http://schemas.microsoft.com/office/drawing/2014/main" id="{78AA9FE7-A435-9C97-338F-2936E726738E}"/>
+              </a:ext>
+            </a:extLst>
+          </p:cNvPr>
+          <p:cNvPicPr>
+            <a:picLocks noChangeAspect="1" noChangeArrowheads="1"/>
+          </p:cNvPicPr>
+          <p:nvPr/>
+        </p:nvPicPr>
+        <p:blipFill>
+          <a:blip r:embed="rId4">
+            <a:extLst>
+              <a:ext uri="{28A0092B-C50C-407E-A947-70E740481C1C}">
+                <a14:useLocalDpi xmlns:a14="http://schemas.microsoft.com/office/drawing/2010/main" val="0"/>
+              </a:ext>
+            </a:extLst>
+          </a:blip>
+          <a:srcRect/>
+          <a:stretch>
+            <a:fillRect/>
+          </a:stretch>
+        </p:blipFill>
+        <p:spPr bwMode="auto">
+          <a:xfrm>
+            <a:off x="7616593" y="2068362"/>
+            <a:ext cx="2552400" cy="2552400"/>
+          </a:xfrm>
+          <a:prstGeom prst="ellipse">
+            <a:avLst/>
+          </a:prstGeom>
+          <a:ln w="63500" cap="rnd">
+            <a:solidFill>
+              <a:srgbClr val="333333"/>
+            </a:solidFill>
+          </a:ln>
+          <a:effectLst/>
+          <a:scene3d>
+            <a:camera prst="orthographicFront"/>
+            <a:lightRig rig="contrasting" dir="t">
+              <a:rot lat="0" lon="0" rev="3000000"/>
+            </a:lightRig>
+          </a:scene3d>
+          <a:sp3d contourW="7620">
+            <a:bevelT w="95250" h="31750"/>
+            <a:contourClr>
+              <a:srgbClr val="333333"/>
+            </a:contourClr>
+          </a:sp3d>
+          <a:extLst>
+            <a:ext uri="{909E8E84-426E-40DD-AFC4-6F175D3DCCD1}">
+              <a14:hiddenFill xmlns:a14="http://schemas.microsoft.com/office/drawing/2010/main">
+                <a:solidFill>
+                  <a:srgbClr val="FFFFFF"/>
+                </a:solidFill>
+              </a14:hiddenFill>
+            </a:ext>
+          </a:extLst>
+        </p:spPr>
+      </p:pic>
+      <p:pic>
+        <p:nvPicPr>
+          <p:cNvPr id="1032" name="Picture 8" descr="Noémie Rappeneau - Développeuse full stack - YWZ-CONSULT | LinkedIn">
+            <a:extLst>
+              <a:ext uri="{FF2B5EF4-FFF2-40B4-BE49-F238E27FC236}">
+                <a16:creationId xmlns:a16="http://schemas.microsoft.com/office/drawing/2014/main" id="{EC086703-160C-1FC0-96BC-69EC596C3969}"/>
+              </a:ext>
+            </a:extLst>
+          </p:cNvPr>
+          <p:cNvPicPr>
+            <a:picLocks noChangeAspect="1" noChangeArrowheads="1"/>
+          </p:cNvPicPr>
+          <p:nvPr/>
+        </p:nvPicPr>
+        <p:blipFill>
+          <a:blip r:embed="rId5">
+            <a:extLst>
+              <a:ext uri="{28A0092B-C50C-407E-A947-70E740481C1C}">
+                <a14:useLocalDpi xmlns:a14="http://schemas.microsoft.com/office/drawing/2010/main" val="0"/>
+              </a:ext>
+            </a:extLst>
+          </a:blip>
+          <a:srcRect/>
+          <a:stretch>
+            <a:fillRect/>
+          </a:stretch>
+        </p:blipFill>
+        <p:spPr bwMode="auto">
+          <a:xfrm>
+            <a:off x="13458566" y="1932154"/>
+            <a:ext cx="2552400" cy="2552400"/>
+          </a:xfrm>
+          <a:prstGeom prst="ellipse">
+            <a:avLst/>
+          </a:prstGeom>
+          <a:ln w="63500" cap="rnd">
+            <a:solidFill>
+              <a:srgbClr val="333333"/>
+            </a:solidFill>
+          </a:ln>
+          <a:effectLst/>
+          <a:scene3d>
+            <a:camera prst="orthographicFront"/>
+            <a:lightRig rig="contrasting" dir="t">
+              <a:rot lat="0" lon="0" rev="3000000"/>
+            </a:lightRig>
+          </a:scene3d>
+          <a:sp3d contourW="7620">
+            <a:bevelT w="95250" h="31750"/>
+            <a:contourClr>
+              <a:srgbClr val="333333"/>
+            </a:contourClr>
+          </a:sp3d>
+          <a:extLst>
+            <a:ext uri="{909E8E84-426E-40DD-AFC4-6F175D3DCCD1}">
+              <a14:hiddenFill xmlns:a14="http://schemas.microsoft.com/office/drawing/2010/main">
+                <a:solidFill>
+                  <a:srgbClr val="FFFFFF"/>
+                </a:solidFill>
+              </a14:hiddenFill>
+            </a:ext>
+          </a:extLst>
+        </p:spPr>
+      </p:pic>
+      <p:pic>
+        <p:nvPicPr>
+          <p:cNvPr id="26" name="Picture 12" descr="Backgrounds Noir - Wallpaper Cave">
+            <a:extLst>
+              <a:ext uri="{FF2B5EF4-FFF2-40B4-BE49-F238E27FC236}">
+                <a16:creationId xmlns:a16="http://schemas.microsoft.com/office/drawing/2014/main" id="{0BC77180-C0C0-294E-7DEE-DE247D9110AB}"/>
+              </a:ext>
+            </a:extLst>
+          </p:cNvPr>
+          <p:cNvPicPr>
+            <a:picLocks noChangeAspect="1" noChangeArrowheads="1"/>
+          </p:cNvPicPr>
+          <p:nvPr/>
+        </p:nvPicPr>
+        <p:blipFill rotWithShape="1">
+          <a:blip r:embed="rId6" cstate="print">
+            <a:extLst>
+              <a:ext uri="{28A0092B-C50C-407E-A947-70E740481C1C}">
+                <a14:useLocalDpi xmlns:a14="http://schemas.microsoft.com/office/drawing/2010/main" val="0"/>
+              </a:ext>
+            </a:extLst>
+          </a:blip>
+          <a:srcRect l="16667" r="16667"/>
+          <a:stretch/>
+        </p:blipFill>
+        <p:spPr bwMode="auto">
+          <a:xfrm>
+            <a:off x="1775958" y="1933491"/>
+            <a:ext cx="2551063" cy="2551063"/>
+          </a:xfrm>
+          <a:prstGeom prst="ellipse">
+            <a:avLst/>
+          </a:prstGeom>
+          <a:ln w="63500" cap="rnd">
+            <a:solidFill>
+              <a:srgbClr val="333333"/>
+            </a:solidFill>
+          </a:ln>
+          <a:effectLst/>
+          <a:scene3d>
+            <a:camera prst="orthographicFront"/>
+            <a:lightRig rig="contrasting" dir="t">
+              <a:rot lat="0" lon="0" rev="3000000"/>
+            </a:lightRig>
+          </a:scene3d>
+          <a:sp3d contourW="7620">
+            <a:bevelT w="95250" h="31750"/>
+            <a:contourClr>
+              <a:srgbClr val="333333"/>
+            </a:contourClr>
+          </a:sp3d>
+          <a:extLst>
+            <a:ext uri="{909E8E84-426E-40DD-AFC4-6F175D3DCCD1}">
+              <a14:hiddenFill xmlns:a14="http://schemas.microsoft.com/office/drawing/2010/main">
+                <a:solidFill>
+                  <a:srgbClr val="FFFFFF"/>
+                </a:solidFill>
+              </a14:hiddenFill>
+            </a:ext>
+          </a:extLst>
+        </p:spPr>
+      </p:pic>
+      <p:pic>
+        <p:nvPicPr>
+          <p:cNvPr id="27" name="Picture 12" descr="Backgrounds Noir - Wallpaper Cave">
+            <a:extLst>
+              <a:ext uri="{FF2B5EF4-FFF2-40B4-BE49-F238E27FC236}">
+                <a16:creationId xmlns:a16="http://schemas.microsoft.com/office/drawing/2014/main" id="{BC6FCF86-C7A3-15BC-728A-1FA12D0A11DC}"/>
+              </a:ext>
+            </a:extLst>
+          </p:cNvPr>
+          <p:cNvPicPr>
+            <a:picLocks noChangeAspect="1" noChangeArrowheads="1"/>
+          </p:cNvPicPr>
+          <p:nvPr/>
+        </p:nvPicPr>
+        <p:blipFill rotWithShape="1">
+          <a:blip r:embed="rId6" cstate="print">
+            <a:extLst>
+              <a:ext uri="{28A0092B-C50C-407E-A947-70E740481C1C}">
+                <a14:useLocalDpi xmlns:a14="http://schemas.microsoft.com/office/drawing/2010/main" val="0"/>
+              </a:ext>
+            </a:extLst>
+          </a:blip>
+          <a:srcRect l="16667" r="16667"/>
+          <a:stretch/>
+        </p:blipFill>
+        <p:spPr bwMode="auto">
+          <a:xfrm>
+            <a:off x="4730522" y="5288777"/>
+            <a:ext cx="2551063" cy="2551063"/>
+          </a:xfrm>
+          <a:prstGeom prst="ellipse">
+            <a:avLst/>
+          </a:prstGeom>
+          <a:ln w="63500" cap="rnd">
+            <a:solidFill>
+              <a:srgbClr val="333333"/>
+            </a:solidFill>
+          </a:ln>
+          <a:effectLst/>
+          <a:scene3d>
+            <a:camera prst="orthographicFront"/>
+            <a:lightRig rig="contrasting" dir="t">
+              <a:rot lat="0" lon="0" rev="3000000"/>
+            </a:lightRig>
+          </a:scene3d>
+          <a:sp3d contourW="7620">
+            <a:bevelT w="95250" h="31750"/>
+            <a:contourClr>
+              <a:srgbClr val="333333"/>
+            </a:contourClr>
+          </a:sp3d>
+          <a:extLst>
+            <a:ext uri="{909E8E84-426E-40DD-AFC4-6F175D3DCCD1}">
+              <a14:hiddenFill xmlns:a14="http://schemas.microsoft.com/office/drawing/2010/main">
+                <a:solidFill>
+                  <a:srgbClr val="FFFFFF"/>
+                </a:solidFill>
+              </a14:hiddenFill>
+            </a:ext>
+          </a:extLst>
+        </p:spPr>
+      </p:pic>
     </p:spTree>
+    <p:extLst>
+      <p:ext uri="{BB962C8B-B14F-4D97-AF65-F5344CB8AC3E}">
+        <p14:creationId xmlns:p14="http://schemas.microsoft.com/office/powerpoint/2010/main" val="126427486"/>
+      </p:ext>
+    </p:extLst>
   </p:cSld>
   <p:clrMapOvr>
     <a:masterClrMapping/>
@@ -11159,7 +14109,7 @@
 </p:sld>
 </file>
 
-<file path=ppt/slides/slide5.xml><?xml version="1.0" encoding="utf-8"?>
+<file path=ppt/slides/slide8.xml><?xml version="1.0" encoding="utf-8"?>
 <p:sld xmlns:a="http://schemas.openxmlformats.org/drawingml/2006/main" xmlns:r="http://schemas.openxmlformats.org/officeDocument/2006/relationships" xmlns:p="http://schemas.openxmlformats.org/presentationml/2006/main">
   <p:cSld>
     <p:spTree>
@@ -11167,7 +14117,7 @@
         <p:cNvPr id="1" name="">
           <a:extLst>
             <a:ext uri="{FF2B5EF4-FFF2-40B4-BE49-F238E27FC236}">
-              <a16:creationId xmlns:a16="http://schemas.microsoft.com/office/drawing/2014/main" id="{296AF5C7-B838-BA2E-2071-736EBBFF211A}"/>
+              <a16:creationId xmlns:a16="http://schemas.microsoft.com/office/drawing/2014/main" id="{5625565A-6437-451B-BA2D-6AC6DF2A5051}"/>
             </a:ext>
           </a:extLst>
         </p:cNvPr>
@@ -11187,7 +14137,7 @@
           <p:cNvPr id="2" name="Freeform 2">
             <a:extLst>
               <a:ext uri="{FF2B5EF4-FFF2-40B4-BE49-F238E27FC236}">
-                <a16:creationId xmlns:a16="http://schemas.microsoft.com/office/drawing/2014/main" id="{21B1FCFF-E3B4-E305-E098-FB0360067B94}"/>
+                <a16:creationId xmlns:a16="http://schemas.microsoft.com/office/drawing/2014/main" id="{B6E0A60F-1CEF-F33F-EFE4-7CEEB4FB8557}"/>
               </a:ext>
             </a:extLst>
           </p:cNvPr>
@@ -11237,164 +14187,16 @@
           <a:bodyPr/>
           <a:lstStyle/>
           <a:p>
-            <a:endParaRPr lang="fr-FR" dirty="0"/>
-          </a:p>
-        </p:txBody>
-      </p:sp>
-      <p:sp>
-        <p:nvSpPr>
-          <p:cNvPr id="3" name="TextBox 12">
+            <a:endParaRPr lang="fr-FR"/>
+          </a:p>
+        </p:txBody>
+      </p:sp>
+      <p:sp>
+        <p:nvSpPr>
+          <p:cNvPr id="7" name="Rectangle 6">
             <a:extLst>
               <a:ext uri="{FF2B5EF4-FFF2-40B4-BE49-F238E27FC236}">
-                <a16:creationId xmlns:a16="http://schemas.microsoft.com/office/drawing/2014/main" id="{74083DFF-E818-23F6-E50E-C6A4AFC99743}"/>
-              </a:ext>
-            </a:extLst>
-          </p:cNvPr>
-          <p:cNvSpPr txBox="1"/>
-          <p:nvPr/>
-        </p:nvSpPr>
-        <p:spPr>
-          <a:xfrm>
-            <a:off x="3679043" y="560460"/>
-            <a:ext cx="10929913" cy="1332031"/>
-          </a:xfrm>
-          <a:prstGeom prst="rect">
-            <a:avLst/>
-          </a:prstGeom>
-        </p:spPr>
-        <p:txBody>
-          <a:bodyPr lIns="0" tIns="0" rIns="0" bIns="0" rtlCol="0" anchor="t">
-            <a:spAutoFit/>
-          </a:bodyPr>
-          <a:lstStyle/>
-          <a:p>
-            <a:pPr algn="ctr">
-              <a:lnSpc>
-                <a:spcPts val="11432"/>
-              </a:lnSpc>
-            </a:pPr>
-            <a:r>
-              <a:rPr lang="en-US" sz="8165" dirty="0">
-                <a:solidFill>
-                  <a:srgbClr val="000000"/>
-                </a:solidFill>
-                <a:latin typeface="Bobby Jones"/>
-                <a:ea typeface="Bobby Jones"/>
-                <a:cs typeface="Bobby Jones"/>
-                <a:sym typeface="Bobby Jones"/>
-              </a:rPr>
-              <a:t>﻿Rappel du </a:t>
-            </a:r>
-            <a:r>
-              <a:rPr lang="en-US" sz="8165" dirty="0" err="1">
-                <a:solidFill>
-                  <a:srgbClr val="000000"/>
-                </a:solidFill>
-                <a:latin typeface="Bobby Jones"/>
-                <a:ea typeface="Bobby Jones"/>
-                <a:cs typeface="Bobby Jones"/>
-                <a:sym typeface="Bobby Jones"/>
-              </a:rPr>
-              <a:t>besoin</a:t>
-            </a:r>
-            <a:endParaRPr lang="en-US" sz="8165" dirty="0">
-              <a:solidFill>
-                <a:srgbClr val="000000"/>
-              </a:solidFill>
-              <a:latin typeface="Bobby Jones"/>
-              <a:ea typeface="Bobby Jones"/>
-              <a:cs typeface="Bobby Jones"/>
-              <a:sym typeface="Bobby Jones"/>
-            </a:endParaRPr>
-          </a:p>
-        </p:txBody>
-      </p:sp>
-      <p:sp>
-        <p:nvSpPr>
-          <p:cNvPr id="4" name="TextBox 12">
-            <a:extLst>
-              <a:ext uri="{FF2B5EF4-FFF2-40B4-BE49-F238E27FC236}">
-                <a16:creationId xmlns:a16="http://schemas.microsoft.com/office/drawing/2014/main" id="{D2CA2140-578B-C79E-C300-AA3E3B3A354D}"/>
-              </a:ext>
-            </a:extLst>
-          </p:cNvPr>
-          <p:cNvSpPr txBox="1"/>
-          <p:nvPr/>
-        </p:nvSpPr>
-        <p:spPr>
-          <a:xfrm>
-            <a:off x="7048499" y="1046235"/>
-            <a:ext cx="4191000" cy="1184748"/>
-          </a:xfrm>
-          <a:prstGeom prst="rect">
-            <a:avLst/>
-          </a:prstGeom>
-        </p:spPr>
-        <p:txBody>
-          <a:bodyPr wrap="square" lIns="0" tIns="0" rIns="0" bIns="0" rtlCol="0" anchor="ctr">
-            <a:spAutoFit/>
-          </a:bodyPr>
-          <a:lstStyle/>
-          <a:p>
-            <a:pPr algn="ctr">
-              <a:lnSpc>
-                <a:spcPts val="11432"/>
-              </a:lnSpc>
-            </a:pPr>
-            <a:r>
-              <a:rPr lang="en-US" sz="3000" dirty="0" err="1">
-                <a:solidFill>
-                  <a:srgbClr val="000000"/>
-                </a:solidFill>
-                <a:latin typeface="Bobby Jones"/>
-                <a:ea typeface="Bobby Jones"/>
-                <a:cs typeface="Bobby Jones"/>
-                <a:sym typeface="Bobby Jones"/>
-              </a:rPr>
-              <a:t>Objectifs</a:t>
-            </a:r>
-            <a:r>
-              <a:rPr lang="en-US" sz="3000" dirty="0">
-                <a:solidFill>
-                  <a:srgbClr val="000000"/>
-                </a:solidFill>
-                <a:latin typeface="Bobby Jones"/>
-                <a:ea typeface="Bobby Jones"/>
-                <a:cs typeface="Bobby Jones"/>
-                <a:sym typeface="Bobby Jones"/>
-              </a:rPr>
-              <a:t> </a:t>
-            </a:r>
-            <a:r>
-              <a:rPr lang="en-US" sz="3000" dirty="0" err="1">
-                <a:solidFill>
-                  <a:srgbClr val="000000"/>
-                </a:solidFill>
-                <a:latin typeface="Bobby Jones"/>
-                <a:ea typeface="Bobby Jones"/>
-                <a:cs typeface="Bobby Jones"/>
-                <a:sym typeface="Bobby Jones"/>
-              </a:rPr>
-              <a:t>fonctionnels</a:t>
-            </a:r>
-            <a:endParaRPr lang="en-US" sz="3000" dirty="0">
-              <a:solidFill>
-                <a:srgbClr val="000000"/>
-              </a:solidFill>
-              <a:latin typeface="Bobby Jones"/>
-              <a:ea typeface="Bobby Jones"/>
-              <a:cs typeface="Bobby Jones"/>
-              <a:sym typeface="Bobby Jones"/>
-            </a:endParaRPr>
-          </a:p>
-        </p:txBody>
-      </p:sp>
-      <p:sp>
-        <p:nvSpPr>
-          <p:cNvPr id="5" name="Rectangle 4">
-            <a:extLst>
-              <a:ext uri="{FF2B5EF4-FFF2-40B4-BE49-F238E27FC236}">
-                <a16:creationId xmlns:a16="http://schemas.microsoft.com/office/drawing/2014/main" id="{95A552AF-78DF-093F-FD9C-52C0531315E0}"/>
+                <a16:creationId xmlns:a16="http://schemas.microsoft.com/office/drawing/2014/main" id="{65C3FFAD-2059-1635-2AF4-39838293297E}"/>
               </a:ext>
             </a:extLst>
           </p:cNvPr>
@@ -11445,10 +14247,10 @@
       </p:sp>
       <p:sp>
         <p:nvSpPr>
-          <p:cNvPr id="6" name="ZoneTexte 5">
+          <p:cNvPr id="8" name="ZoneTexte 7">
             <a:extLst>
               <a:ext uri="{FF2B5EF4-FFF2-40B4-BE49-F238E27FC236}">
-                <a16:creationId xmlns:a16="http://schemas.microsoft.com/office/drawing/2014/main" id="{26406EE5-BD9A-D697-77EB-091F0339C5CB}"/>
+                <a16:creationId xmlns:a16="http://schemas.microsoft.com/office/drawing/2014/main" id="{11015572-AF35-EEC1-D649-015D563597D1}"/>
               </a:ext>
             </a:extLst>
           </p:cNvPr>
@@ -11476,7 +14278,7 @@
               <a:rPr lang="fr-FR" sz="2800" b="1" dirty="0">
                 <a:latin typeface="Alegreya" panose="020B0604020202020204" charset="0"/>
               </a:rPr>
-              <a:t>Introduction et complexe        </a:t>
+              <a:t>Contexte        </a:t>
             </a:r>
             <a:r>
               <a:rPr lang="fr-FR" sz="2800" dirty="0">
@@ -11487,17 +14289,17 @@
                 </a:solidFill>
                 <a:latin typeface="Alegreya" panose="020B0604020202020204" charset="0"/>
               </a:rPr>
-              <a:t>–        Développement et démonstration        –        Analyse et conclusion</a:t>
-            </a:r>
-          </a:p>
-        </p:txBody>
-      </p:sp>
-      <p:sp>
-        <p:nvSpPr>
-          <p:cNvPr id="7" name="ZoneTexte 6">
+              <a:t>–        Développement et démonstration        –        Analyse        -        Conclusion</a:t>
+            </a:r>
+          </a:p>
+        </p:txBody>
+      </p:sp>
+      <p:sp>
+        <p:nvSpPr>
+          <p:cNvPr id="9" name="TextBox 12">
             <a:extLst>
               <a:ext uri="{FF2B5EF4-FFF2-40B4-BE49-F238E27FC236}">
-                <a16:creationId xmlns:a16="http://schemas.microsoft.com/office/drawing/2014/main" id="{43D20655-5781-AFDB-945E-50CE221008EF}"/>
+                <a16:creationId xmlns:a16="http://schemas.microsoft.com/office/drawing/2014/main" id="{84284C80-3731-A57F-6614-67B93D58087E}"/>
               </a:ext>
             </a:extLst>
           </p:cNvPr>
@@ -11506,525 +14308,88 @@
         </p:nvSpPr>
         <p:spPr>
           <a:xfrm>
-            <a:off x="10820404" y="7252737"/>
-            <a:ext cx="7178040" cy="1569660"/>
-          </a:xfrm>
-          <a:prstGeom prst="rect">
-            <a:avLst/>
-          </a:prstGeom>
-          <a:noFill/>
-        </p:spPr>
-        <p:txBody>
-          <a:bodyPr wrap="square" rtlCol="0">
-            <a:spAutoFit/>
-          </a:bodyPr>
-          <a:lstStyle/>
-          <a:p>
-            <a:pPr>
-              <a:buNone/>
-            </a:pPr>
-            <a:r>
-              <a:rPr lang="fr-FR" sz="3200" b="1" u="sng" dirty="0">
-                <a:latin typeface="Alegreya" panose="020B0604020202020204" charset="0"/>
-              </a:rPr>
-              <a:t>Service technique</a:t>
-            </a:r>
-          </a:p>
-          <a:p>
-            <a:pPr marL="457200" indent="-457200">
-              <a:buFont typeface="Symbol" panose="05050102010706020507" pitchFamily="18" charset="2"/>
-              <a:buChar char="®"/>
-            </a:pPr>
-            <a:r>
-              <a:rPr lang="fr-FR" sz="3200" dirty="0">
-                <a:latin typeface="Alegreya" panose="020B0604020202020204" charset="0"/>
-              </a:rPr>
-              <a:t> Supervision, monitoring, gestion des performances</a:t>
-            </a:r>
-          </a:p>
-        </p:txBody>
-      </p:sp>
-      <p:pic>
-        <p:nvPicPr>
-          <p:cNvPr id="10" name="Graphique 9" descr="Personne s'alimentant contour">
-            <a:extLst>
-              <a:ext uri="{FF2B5EF4-FFF2-40B4-BE49-F238E27FC236}">
-                <a16:creationId xmlns:a16="http://schemas.microsoft.com/office/drawing/2014/main" id="{5F30FC6C-65E9-1C3C-3571-51FA8048E129}"/>
-              </a:ext>
-            </a:extLst>
-          </p:cNvPr>
-          <p:cNvPicPr>
-            <a:picLocks noChangeAspect="1"/>
-          </p:cNvPicPr>
-          <p:nvPr/>
-        </p:nvPicPr>
-        <p:blipFill>
-          <a:blip r:embed="rId3">
-            <a:extLst>
-              <a:ext uri="{96DAC541-7B7A-43D3-8B79-37D633B846F1}">
-                <asvg:svgBlip xmlns:asvg="http://schemas.microsoft.com/office/drawing/2016/SVG/main" r:embed="rId4"/>
-              </a:ext>
-            </a:extLst>
-          </a:blip>
-          <a:stretch>
-            <a:fillRect/>
-          </a:stretch>
-        </p:blipFill>
-        <p:spPr>
-          <a:xfrm>
-            <a:off x="609600" y="3027481"/>
-            <a:ext cx="1676400" cy="1676400"/>
+            <a:off x="3679043" y="560460"/>
+            <a:ext cx="10929913" cy="1332031"/>
           </a:xfrm>
           <a:prstGeom prst="rect">
             <a:avLst/>
           </a:prstGeom>
         </p:spPr>
-      </p:pic>
-      <p:sp>
-        <p:nvSpPr>
-          <p:cNvPr id="14" name="ZoneTexte 13">
-            <a:extLst>
-              <a:ext uri="{FF2B5EF4-FFF2-40B4-BE49-F238E27FC236}">
-                <a16:creationId xmlns:a16="http://schemas.microsoft.com/office/drawing/2014/main" id="{35753CDA-C654-A37A-5FBD-0E7D378FAE93}"/>
-              </a:ext>
-            </a:extLst>
-          </p:cNvPr>
-          <p:cNvSpPr txBox="1"/>
-          <p:nvPr/>
-        </p:nvSpPr>
-        <p:spPr>
-          <a:xfrm>
-            <a:off x="2514600" y="3027481"/>
-            <a:ext cx="5943600" cy="2123658"/>
-          </a:xfrm>
-          <a:prstGeom prst="rect">
-            <a:avLst/>
-          </a:prstGeom>
-          <a:noFill/>
-        </p:spPr>
-        <p:txBody>
-          <a:bodyPr wrap="square">
+        <p:txBody>
+          <a:bodyPr lIns="0" tIns="0" rIns="0" bIns="0" rtlCol="0" anchor="t">
             <a:spAutoFit/>
           </a:bodyPr>
           <a:lstStyle/>
           <a:p>
-            <a:r>
-              <a:rPr lang="fr-FR" sz="3200" b="1" u="sng" dirty="0">
-                <a:latin typeface="Alegreya" panose="020B0604020202020204" charset="0"/>
+            <a:pPr algn="ctr">
+              <a:lnSpc>
+                <a:spcPts val="11432"/>
+              </a:lnSpc>
+            </a:pPr>
+            <a:r>
+              <a:rPr lang="en-US" sz="8165" dirty="0">
+                <a:solidFill>
+                  <a:srgbClr val="000000"/>
+                </a:solidFill>
+                <a:latin typeface="Bobby Jones"/>
+                <a:ea typeface="Bobby Jones"/>
+                <a:cs typeface="Bobby Jones"/>
+                <a:sym typeface="Bobby Jones"/>
               </a:rPr>
-              <a:t>Utilisateurs finaux</a:t>
-            </a:r>
-          </a:p>
-          <a:p>
-            <a:pPr marL="285750" indent="-285750">
-              <a:buFont typeface="Symbol" panose="05050102010706020507" pitchFamily="18" charset="2"/>
-              <a:buChar char="®"/>
-            </a:pPr>
-            <a:r>
-              <a:rPr lang="fr-FR" sz="3200" dirty="0">
-                <a:latin typeface="Alegreya" panose="020B0604020202020204" charset="0"/>
+              <a:t>﻿</a:t>
+            </a:r>
+            <a:r>
+              <a:rPr lang="en-US" sz="8165" dirty="0" err="1">
+                <a:solidFill>
+                  <a:srgbClr val="000000"/>
+                </a:solidFill>
+                <a:latin typeface="Bobby Jones"/>
+                <a:ea typeface="Bobby Jones"/>
+                <a:cs typeface="Bobby Jones"/>
+                <a:sym typeface="Bobby Jones"/>
               </a:rPr>
-              <a:t> Commander, payer, suivre une livraison</a:t>
-            </a:r>
-          </a:p>
-          <a:p>
-            <a:pPr marL="285750" indent="-285750">
-              <a:buFont typeface="Symbol" panose="05050102010706020507" pitchFamily="18" charset="2"/>
-              <a:buChar char="®"/>
-            </a:pPr>
-            <a:r>
-              <a:rPr lang="fr-FR" sz="3200" dirty="0">
-                <a:latin typeface="Alegreya" panose="020B0604020202020204" charset="0"/>
+              <a:t>Organisation</a:t>
+            </a:r>
+            <a:r>
+              <a:rPr lang="en-US" sz="8165" dirty="0">
+                <a:solidFill>
+                  <a:srgbClr val="000000"/>
+                </a:solidFill>
+                <a:latin typeface="Bobby Jones"/>
+                <a:ea typeface="Bobby Jones"/>
+                <a:cs typeface="Bobby Jones"/>
+                <a:sym typeface="Bobby Jones"/>
               </a:rPr>
-              <a:t> Parrainage et notifications</a:t>
-            </a:r>
-            <a:endParaRPr lang="fr-FR" sz="3200" dirty="0"/>
-          </a:p>
-        </p:txBody>
-      </p:sp>
-      <p:pic>
-        <p:nvPicPr>
-          <p:cNvPr id="16" name="Graphique 15" descr="Couverts de table  contour">
-            <a:extLst>
-              <a:ext uri="{FF2B5EF4-FFF2-40B4-BE49-F238E27FC236}">
-                <a16:creationId xmlns:a16="http://schemas.microsoft.com/office/drawing/2014/main" id="{5C898455-2AC5-C31B-8957-3FE5DF42570D}"/>
-              </a:ext>
-            </a:extLst>
-          </p:cNvPr>
-          <p:cNvPicPr>
-            <a:picLocks noChangeAspect="1"/>
-          </p:cNvPicPr>
-          <p:nvPr/>
-        </p:nvPicPr>
-        <p:blipFill>
-          <a:blip r:embed="rId5">
-            <a:extLst>
-              <a:ext uri="{96DAC541-7B7A-43D3-8B79-37D633B846F1}">
-                <asvg:svgBlip xmlns:asvg="http://schemas.microsoft.com/office/drawing/2016/SVG/main" r:embed="rId6"/>
-              </a:ext>
-            </a:extLst>
-          </a:blip>
-          <a:stretch>
-            <a:fillRect/>
-          </a:stretch>
-        </p:blipFill>
-        <p:spPr>
-          <a:xfrm>
-            <a:off x="609600" y="5393117"/>
-            <a:ext cx="1676401" cy="1676401"/>
-          </a:xfrm>
-          <a:prstGeom prst="rect">
-            <a:avLst/>
-          </a:prstGeom>
-        </p:spPr>
-      </p:pic>
-      <p:sp>
-        <p:nvSpPr>
-          <p:cNvPr id="18" name="ZoneTexte 17">
-            <a:extLst>
-              <a:ext uri="{FF2B5EF4-FFF2-40B4-BE49-F238E27FC236}">
-                <a16:creationId xmlns:a16="http://schemas.microsoft.com/office/drawing/2014/main" id="{ABF6825B-9AC1-D65C-CFA6-0F1A062E008F}"/>
-              </a:ext>
-            </a:extLst>
-          </p:cNvPr>
-          <p:cNvSpPr txBox="1"/>
-          <p:nvPr/>
-        </p:nvSpPr>
-        <p:spPr>
-          <a:xfrm>
-            <a:off x="2514600" y="5381623"/>
-            <a:ext cx="5943600" cy="1631216"/>
-          </a:xfrm>
-          <a:prstGeom prst="rect">
-            <a:avLst/>
-          </a:prstGeom>
-          <a:noFill/>
-        </p:spPr>
-        <p:txBody>
-          <a:bodyPr wrap="square">
-            <a:spAutoFit/>
-          </a:bodyPr>
-          <a:lstStyle/>
-          <a:p>
-            <a:r>
-              <a:rPr lang="fr-FR" sz="3200" b="1" u="sng" dirty="0">
-                <a:latin typeface="Alegreya" panose="020B0604020202020204" charset="0"/>
+              <a:t> du </a:t>
+            </a:r>
+            <a:r>
+              <a:rPr lang="en-US" sz="8165" dirty="0" err="1">
+                <a:solidFill>
+                  <a:srgbClr val="000000"/>
+                </a:solidFill>
+                <a:latin typeface="Bobby Jones"/>
+                <a:ea typeface="Bobby Jones"/>
+                <a:cs typeface="Bobby Jones"/>
+                <a:sym typeface="Bobby Jones"/>
               </a:rPr>
-              <a:t>Restaurateurs</a:t>
-            </a:r>
-          </a:p>
-          <a:p>
-            <a:pPr marL="285750" indent="-285750">
-              <a:buFont typeface="Symbol" panose="05050102010706020507" pitchFamily="18" charset="2"/>
-              <a:buChar char=""/>
-            </a:pPr>
-            <a:r>
-              <a:rPr lang="fr-FR" sz="3200" dirty="0">
-                <a:latin typeface="Alegreya" panose="020B0604020202020204" charset="0"/>
-              </a:rPr>
-              <a:t> Gérer menus, commandes et statistiques</a:t>
-            </a:r>
-            <a:endParaRPr lang="fr-FR" sz="3200" dirty="0"/>
-          </a:p>
-        </p:txBody>
-      </p:sp>
-      <p:pic>
-        <p:nvPicPr>
-          <p:cNvPr id="20" name="Graphique 19" descr="Cyclisme contour">
-            <a:extLst>
-              <a:ext uri="{FF2B5EF4-FFF2-40B4-BE49-F238E27FC236}">
-                <a16:creationId xmlns:a16="http://schemas.microsoft.com/office/drawing/2014/main" id="{0989C6F6-FC14-1E7C-085A-A996F2F1342B}"/>
-              </a:ext>
-            </a:extLst>
-          </p:cNvPr>
-          <p:cNvPicPr>
-            <a:picLocks noChangeAspect="1"/>
-          </p:cNvPicPr>
-          <p:nvPr/>
-        </p:nvPicPr>
-        <p:blipFill>
-          <a:blip r:embed="rId7">
-            <a:extLst>
-              <a:ext uri="{96DAC541-7B7A-43D3-8B79-37D633B846F1}">
-                <asvg:svgBlip xmlns:asvg="http://schemas.microsoft.com/office/drawing/2016/SVG/main" r:embed="rId8"/>
-              </a:ext>
-            </a:extLst>
-          </a:blip>
-          <a:stretch>
-            <a:fillRect/>
-          </a:stretch>
-        </p:blipFill>
-        <p:spPr>
-          <a:xfrm>
-            <a:off x="609600" y="7252737"/>
-            <a:ext cx="1676400" cy="1676400"/>
-          </a:xfrm>
-          <a:prstGeom prst="rect">
-            <a:avLst/>
-          </a:prstGeom>
-        </p:spPr>
-      </p:pic>
-      <p:sp>
-        <p:nvSpPr>
-          <p:cNvPr id="22" name="ZoneTexte 21">
-            <a:extLst>
-              <a:ext uri="{FF2B5EF4-FFF2-40B4-BE49-F238E27FC236}">
-                <a16:creationId xmlns:a16="http://schemas.microsoft.com/office/drawing/2014/main" id="{5D3F21EF-CE07-8BB6-C80D-4606913630BE}"/>
-              </a:ext>
-            </a:extLst>
-          </p:cNvPr>
-          <p:cNvSpPr txBox="1"/>
-          <p:nvPr/>
-        </p:nvSpPr>
-        <p:spPr>
-          <a:xfrm>
-            <a:off x="2514599" y="7252737"/>
-            <a:ext cx="5943600" cy="1569660"/>
-          </a:xfrm>
-          <a:prstGeom prst="rect">
-            <a:avLst/>
-          </a:prstGeom>
-          <a:noFill/>
-        </p:spPr>
-        <p:txBody>
-          <a:bodyPr wrap="square">
-            <a:spAutoFit/>
-          </a:bodyPr>
-          <a:lstStyle/>
-          <a:p>
-            <a:r>
-              <a:rPr lang="fr-FR" sz="3200" b="1" u="sng" dirty="0">
-                <a:latin typeface="Alegreya" panose="020B0604020202020204" charset="0"/>
-              </a:rPr>
-              <a:t>Livreurs</a:t>
-            </a:r>
-          </a:p>
-          <a:p>
-            <a:pPr marL="285750" indent="-285750">
-              <a:buFont typeface="Symbol" panose="05050102010706020507" pitchFamily="18" charset="2"/>
-              <a:buChar char="®"/>
-            </a:pPr>
-            <a:r>
-              <a:rPr lang="fr-FR" sz="3200" dirty="0">
-                <a:latin typeface="Alegreya" panose="020B0604020202020204" charset="0"/>
-              </a:rPr>
-              <a:t> Accepter/refuser des livraisons, validation via QR Code </a:t>
-            </a:r>
-          </a:p>
-        </p:txBody>
-      </p:sp>
-      <p:pic>
-        <p:nvPicPr>
-          <p:cNvPr id="24" name="Graphique 23" descr="Programmeur contour">
-            <a:extLst>
-              <a:ext uri="{FF2B5EF4-FFF2-40B4-BE49-F238E27FC236}">
-                <a16:creationId xmlns:a16="http://schemas.microsoft.com/office/drawing/2014/main" id="{D08890A8-4DAD-D1B2-39D3-BB424714C1AC}"/>
-              </a:ext>
-            </a:extLst>
-          </p:cNvPr>
-          <p:cNvPicPr>
-            <a:picLocks noChangeAspect="1"/>
-          </p:cNvPicPr>
-          <p:nvPr/>
-        </p:nvPicPr>
-        <p:blipFill>
-          <a:blip r:embed="rId9">
-            <a:extLst>
-              <a:ext uri="{96DAC541-7B7A-43D3-8B79-37D633B846F1}">
-                <asvg:svgBlip xmlns:asvg="http://schemas.microsoft.com/office/drawing/2016/SVG/main" r:embed="rId10"/>
-              </a:ext>
-            </a:extLst>
-          </a:blip>
-          <a:stretch>
-            <a:fillRect/>
-          </a:stretch>
-        </p:blipFill>
-        <p:spPr>
-          <a:xfrm>
-            <a:off x="9067802" y="3027481"/>
-            <a:ext cx="1524000" cy="1524000"/>
-          </a:xfrm>
-          <a:prstGeom prst="rect">
-            <a:avLst/>
-          </a:prstGeom>
-        </p:spPr>
-      </p:pic>
-      <p:sp>
-        <p:nvSpPr>
-          <p:cNvPr id="26" name="ZoneTexte 25">
-            <a:extLst>
-              <a:ext uri="{FF2B5EF4-FFF2-40B4-BE49-F238E27FC236}">
-                <a16:creationId xmlns:a16="http://schemas.microsoft.com/office/drawing/2014/main" id="{3581B02E-24DD-B989-C585-0C41B92E5938}"/>
-              </a:ext>
-            </a:extLst>
-          </p:cNvPr>
-          <p:cNvSpPr txBox="1"/>
-          <p:nvPr/>
-        </p:nvSpPr>
-        <p:spPr>
-          <a:xfrm>
-            <a:off x="10576562" y="3010690"/>
-            <a:ext cx="7086598" cy="1631216"/>
-          </a:xfrm>
-          <a:prstGeom prst="rect">
-            <a:avLst/>
-          </a:prstGeom>
-          <a:noFill/>
-        </p:spPr>
-        <p:txBody>
-          <a:bodyPr wrap="square">
-            <a:spAutoFit/>
-          </a:bodyPr>
-          <a:lstStyle/>
-          <a:p>
-            <a:r>
-              <a:rPr lang="fr-FR" sz="3200" b="1" u="sng" dirty="0">
-                <a:latin typeface="Alegreya" panose="020B0604020202020204" charset="0"/>
-              </a:rPr>
-              <a:t>Développeurs tiers</a:t>
-            </a:r>
-          </a:p>
-          <a:p>
-            <a:pPr marL="457200" indent="-457200">
-              <a:buFont typeface="Symbol" panose="05050102010706020507" pitchFamily="18" charset="2"/>
-              <a:buChar char=""/>
-            </a:pPr>
-            <a:r>
-              <a:rPr lang="fr-FR" sz="3200" dirty="0">
-                <a:latin typeface="Alegreya" panose="020B0604020202020204" charset="0"/>
-              </a:rPr>
-              <a:t> Accéder à l’API, télécharger des composants</a:t>
-            </a:r>
-            <a:endParaRPr lang="fr-FR" sz="3200" dirty="0"/>
-          </a:p>
-        </p:txBody>
-      </p:sp>
-      <p:pic>
-        <p:nvPicPr>
-          <p:cNvPr id="28" name="Graphique 27" descr="Graphique à barres contour">
-            <a:extLst>
-              <a:ext uri="{FF2B5EF4-FFF2-40B4-BE49-F238E27FC236}">
-                <a16:creationId xmlns:a16="http://schemas.microsoft.com/office/drawing/2014/main" id="{0F54A25A-5CCF-5D10-41E6-C4E6FD37C0DA}"/>
-              </a:ext>
-            </a:extLst>
-          </p:cNvPr>
-          <p:cNvPicPr>
-            <a:picLocks noChangeAspect="1"/>
-          </p:cNvPicPr>
-          <p:nvPr/>
-        </p:nvPicPr>
-        <p:blipFill>
-          <a:blip r:embed="rId11">
-            <a:extLst>
-              <a:ext uri="{96DAC541-7B7A-43D3-8B79-37D633B846F1}">
-                <asvg:svgBlip xmlns:asvg="http://schemas.microsoft.com/office/drawing/2016/SVG/main" r:embed="rId12"/>
-              </a:ext>
-            </a:extLst>
-          </a:blip>
-          <a:stretch>
-            <a:fillRect/>
-          </a:stretch>
-        </p:blipFill>
-        <p:spPr>
-          <a:xfrm>
-            <a:off x="8778305" y="5117356"/>
-            <a:ext cx="1813497" cy="1813497"/>
-          </a:xfrm>
-          <a:prstGeom prst="rect">
-            <a:avLst/>
-          </a:prstGeom>
-        </p:spPr>
-      </p:pic>
-      <p:sp>
-        <p:nvSpPr>
-          <p:cNvPr id="30" name="ZoneTexte 29">
-            <a:extLst>
-              <a:ext uri="{FF2B5EF4-FFF2-40B4-BE49-F238E27FC236}">
-                <a16:creationId xmlns:a16="http://schemas.microsoft.com/office/drawing/2014/main" id="{6095782C-CE7C-9969-1ED4-9FFC202EB5BE}"/>
-              </a:ext>
-            </a:extLst>
-          </p:cNvPr>
-          <p:cNvSpPr txBox="1"/>
-          <p:nvPr/>
-        </p:nvSpPr>
-        <p:spPr>
-          <a:xfrm>
-            <a:off x="10744200" y="5202618"/>
-            <a:ext cx="7239000" cy="1631216"/>
-          </a:xfrm>
-          <a:prstGeom prst="rect">
-            <a:avLst/>
-          </a:prstGeom>
-          <a:noFill/>
-        </p:spPr>
-        <p:txBody>
-          <a:bodyPr wrap="square">
-            <a:spAutoFit/>
-          </a:bodyPr>
-          <a:lstStyle/>
-          <a:p>
-            <a:r>
-              <a:rPr lang="fr-FR" sz="3200" b="1" u="sng" dirty="0">
-                <a:latin typeface="Alegreya" panose="020B0604020202020204" charset="0"/>
-              </a:rPr>
-              <a:t>Service commercial</a:t>
-            </a:r>
-          </a:p>
-          <a:p>
-            <a:pPr marL="457200" indent="-457200">
-              <a:buFont typeface="Symbol" panose="05050102010706020507" pitchFamily="18" charset="2"/>
-              <a:buChar char="®"/>
-            </a:pPr>
-            <a:r>
-              <a:rPr lang="fr-FR" sz="3200" dirty="0">
-                <a:latin typeface="Alegreya" panose="020B0604020202020204" charset="0"/>
-              </a:rPr>
-              <a:t> Suivi en temps réel des performances commerciales</a:t>
-            </a:r>
-            <a:endParaRPr lang="fr-FR" sz="3200" dirty="0"/>
-          </a:p>
-        </p:txBody>
-      </p:sp>
-      <p:pic>
-        <p:nvPicPr>
-          <p:cNvPr id="32" name="Graphique 31" descr="Outils contour">
-            <a:extLst>
-              <a:ext uri="{FF2B5EF4-FFF2-40B4-BE49-F238E27FC236}">
-                <a16:creationId xmlns:a16="http://schemas.microsoft.com/office/drawing/2014/main" id="{6451D2E2-995B-6618-2C74-1A1769305BBD}"/>
-              </a:ext>
-            </a:extLst>
-          </p:cNvPr>
-          <p:cNvPicPr>
-            <a:picLocks noChangeAspect="1"/>
-          </p:cNvPicPr>
-          <p:nvPr/>
-        </p:nvPicPr>
-        <p:blipFill>
-          <a:blip r:embed="rId13">
-            <a:extLst>
-              <a:ext uri="{96DAC541-7B7A-43D3-8B79-37D633B846F1}">
-                <asvg:svgBlip xmlns:asvg="http://schemas.microsoft.com/office/drawing/2016/SVG/main" r:embed="rId14"/>
-              </a:ext>
-            </a:extLst>
-          </a:blip>
-          <a:stretch>
-            <a:fillRect/>
-          </a:stretch>
-        </p:blipFill>
-        <p:spPr>
-          <a:xfrm>
-            <a:off x="9067802" y="7394257"/>
-            <a:ext cx="1524000" cy="1524000"/>
-          </a:xfrm>
-          <a:prstGeom prst="rect">
-            <a:avLst/>
-          </a:prstGeom>
-        </p:spPr>
-      </p:pic>
+              <a:t>groupe</a:t>
+            </a:r>
+            <a:endParaRPr lang="en-US" sz="8165" dirty="0">
+              <a:solidFill>
+                <a:srgbClr val="000000"/>
+              </a:solidFill>
+              <a:latin typeface="Bobby Jones"/>
+              <a:ea typeface="Bobby Jones"/>
+              <a:cs typeface="Bobby Jones"/>
+              <a:sym typeface="Bobby Jones"/>
+            </a:endParaRPr>
+          </a:p>
+        </p:txBody>
+      </p:sp>
     </p:spTree>
     <p:extLst>
       <p:ext uri="{BB962C8B-B14F-4D97-AF65-F5344CB8AC3E}">
-        <p14:creationId xmlns:p14="http://schemas.microsoft.com/office/powerpoint/2010/main" val="2955636877"/>
+        <p14:creationId xmlns:p14="http://schemas.microsoft.com/office/powerpoint/2010/main" val="3231268009"/>
       </p:ext>
     </p:extLst>
   </p:cSld>
@@ -12034,7 +14399,7 @@
 </p:sld>
 </file>
 
-<file path=ppt/slides/slide6.xml><?xml version="1.0" encoding="utf-8"?>
+<file path=ppt/slides/slide9.xml><?xml version="1.0" encoding="utf-8"?>
 <p:sld xmlns:a="http://schemas.openxmlformats.org/drawingml/2006/main" xmlns:r="http://schemas.openxmlformats.org/officeDocument/2006/relationships" xmlns:p="http://schemas.openxmlformats.org/presentationml/2006/main">
   <p:cSld>
     <p:spTree>
@@ -12042,7 +14407,7 @@
         <p:cNvPr id="1" name="">
           <a:extLst>
             <a:ext uri="{FF2B5EF4-FFF2-40B4-BE49-F238E27FC236}">
-              <a16:creationId xmlns:a16="http://schemas.microsoft.com/office/drawing/2014/main" id="{800FF7C4-27A0-3A53-D72D-4E10BB6663F9}"/>
+              <a16:creationId xmlns:a16="http://schemas.microsoft.com/office/drawing/2014/main" id="{2CA0C7E9-0826-BCE7-9110-3D7D2D336089}"/>
             </a:ext>
           </a:extLst>
         </p:cNvPr>
@@ -12062,7 +14427,7 @@
           <p:cNvPr id="2" name="Freeform 2">
             <a:extLst>
               <a:ext uri="{FF2B5EF4-FFF2-40B4-BE49-F238E27FC236}">
-                <a16:creationId xmlns:a16="http://schemas.microsoft.com/office/drawing/2014/main" id="{3CF12B5B-51A4-D872-78E6-D65B846ED8ED}"/>
+                <a16:creationId xmlns:a16="http://schemas.microsoft.com/office/drawing/2014/main" id="{C0B18682-DA32-F1EC-B023-44A7F5C9C6CB}"/>
               </a:ext>
             </a:extLst>
           </p:cNvPr>
@@ -12116,1171 +14481,12 @@
           </a:p>
         </p:txBody>
       </p:sp>
-      <p:grpSp>
-        <p:nvGrpSpPr>
-          <p:cNvPr id="3" name="Group 3">
-            <a:extLst>
-              <a:ext uri="{FF2B5EF4-FFF2-40B4-BE49-F238E27FC236}">
-                <a16:creationId xmlns:a16="http://schemas.microsoft.com/office/drawing/2014/main" id="{BC929D20-E324-64B4-3479-E1204A66D8BD}"/>
-              </a:ext>
-            </a:extLst>
-          </p:cNvPr>
-          <p:cNvGrpSpPr>
-            <a:grpSpLocks noChangeAspect="1"/>
-          </p:cNvGrpSpPr>
-          <p:nvPr/>
-        </p:nvGrpSpPr>
-        <p:grpSpPr>
-          <a:xfrm>
-            <a:off x="1334007" y="3124680"/>
-            <a:ext cx="4690072" cy="4690054"/>
-            <a:chOff x="0" y="0"/>
-            <a:chExt cx="6350000" cy="6349975"/>
-          </a:xfrm>
-        </p:grpSpPr>
-        <p:sp>
-          <p:nvSpPr>
-            <p:cNvPr id="4" name="Freeform 4">
-              <a:extLst>
-                <a:ext uri="{FF2B5EF4-FFF2-40B4-BE49-F238E27FC236}">
-                  <a16:creationId xmlns:a16="http://schemas.microsoft.com/office/drawing/2014/main" id="{41E8FB12-A30C-94C7-7494-22C0D9B85866}"/>
-                </a:ext>
-              </a:extLst>
-            </p:cNvPr>
-            <p:cNvSpPr/>
-            <p:nvPr/>
-          </p:nvSpPr>
-          <p:spPr>
-            <a:xfrm>
-              <a:off x="0" y="0"/>
-              <a:ext cx="6350000" cy="6349974"/>
-            </a:xfrm>
-            <a:custGeom>
-              <a:avLst/>
-              <a:gdLst/>
-              <a:ahLst/>
-              <a:cxnLst/>
-              <a:rect l="l" t="t" r="r" b="b"/>
-              <a:pathLst>
-                <a:path w="6350000" h="6349974">
-                  <a:moveTo>
-                    <a:pt x="6350000" y="3175025"/>
-                  </a:moveTo>
-                  <a:cubicBezTo>
-                    <a:pt x="6350000" y="4928451"/>
-                    <a:pt x="4928476" y="6349974"/>
-                    <a:pt x="3175000" y="6349974"/>
-                  </a:cubicBezTo>
-                  <a:cubicBezTo>
-                    <a:pt x="1421498" y="6349974"/>
-                    <a:pt x="0" y="4928451"/>
-                    <a:pt x="0" y="3175025"/>
-                  </a:cubicBezTo>
-                  <a:cubicBezTo>
-                    <a:pt x="0" y="1421511"/>
-                    <a:pt x="1421498" y="0"/>
-                    <a:pt x="3175000" y="0"/>
-                  </a:cubicBezTo>
-                  <a:cubicBezTo>
-                    <a:pt x="4928501" y="0"/>
-                    <a:pt x="6350000" y="1421511"/>
-                    <a:pt x="6350000" y="3175025"/>
-                  </a:cubicBezTo>
-                  <a:close/>
-                </a:path>
-              </a:pathLst>
-            </a:custGeom>
-            <a:blipFill>
-              <a:blip r:embed="rId3"/>
-              <a:stretch>
-                <a:fillRect l="-13054" t="-34515" r="-639" b="-35813"/>
-              </a:stretch>
-            </a:blipFill>
-          </p:spPr>
-          <p:txBody>
-            <a:bodyPr/>
-            <a:lstStyle/>
-            <a:p>
-              <a:endParaRPr lang="fr-FR"/>
-            </a:p>
-          </p:txBody>
-        </p:sp>
-      </p:grpSp>
-      <p:grpSp>
-        <p:nvGrpSpPr>
-          <p:cNvPr id="5" name="Group 5">
-            <a:extLst>
-              <a:ext uri="{FF2B5EF4-FFF2-40B4-BE49-F238E27FC236}">
-                <a16:creationId xmlns:a16="http://schemas.microsoft.com/office/drawing/2014/main" id="{AC1D5A59-AB14-9F1B-5C6E-3433ABA64D10}"/>
-              </a:ext>
-            </a:extLst>
-          </p:cNvPr>
-          <p:cNvGrpSpPr>
-            <a:grpSpLocks noChangeAspect="1"/>
-          </p:cNvGrpSpPr>
-          <p:nvPr/>
-        </p:nvGrpSpPr>
-        <p:grpSpPr>
-          <a:xfrm>
-            <a:off x="6818416" y="3124680"/>
-            <a:ext cx="4690072" cy="4690054"/>
-            <a:chOff x="0" y="0"/>
-            <a:chExt cx="6350000" cy="6349975"/>
-          </a:xfrm>
-        </p:grpSpPr>
-        <p:sp>
-          <p:nvSpPr>
-            <p:cNvPr id="6" name="Freeform 6">
-              <a:extLst>
-                <a:ext uri="{FF2B5EF4-FFF2-40B4-BE49-F238E27FC236}">
-                  <a16:creationId xmlns:a16="http://schemas.microsoft.com/office/drawing/2014/main" id="{47B5EE71-F28B-96BF-FBEF-C47989C871D5}"/>
-                </a:ext>
-              </a:extLst>
-            </p:cNvPr>
-            <p:cNvSpPr/>
-            <p:nvPr/>
-          </p:nvSpPr>
-          <p:spPr>
-            <a:xfrm>
-              <a:off x="0" y="0"/>
-              <a:ext cx="6350000" cy="6349974"/>
-            </a:xfrm>
-            <a:custGeom>
-              <a:avLst/>
-              <a:gdLst/>
-              <a:ahLst/>
-              <a:cxnLst/>
-              <a:rect l="l" t="t" r="r" b="b"/>
-              <a:pathLst>
-                <a:path w="6350000" h="6349974">
-                  <a:moveTo>
-                    <a:pt x="6350000" y="3175025"/>
-                  </a:moveTo>
-                  <a:cubicBezTo>
-                    <a:pt x="6350000" y="4928451"/>
-                    <a:pt x="4928476" y="6349974"/>
-                    <a:pt x="3175000" y="6349974"/>
-                  </a:cubicBezTo>
-                  <a:cubicBezTo>
-                    <a:pt x="1421498" y="6349974"/>
-                    <a:pt x="0" y="4928451"/>
-                    <a:pt x="0" y="3175025"/>
-                  </a:cubicBezTo>
-                  <a:cubicBezTo>
-                    <a:pt x="0" y="1421511"/>
-                    <a:pt x="1421498" y="0"/>
-                    <a:pt x="3175000" y="0"/>
-                  </a:cubicBezTo>
-                  <a:cubicBezTo>
-                    <a:pt x="4928501" y="0"/>
-                    <a:pt x="6350000" y="1421511"/>
-                    <a:pt x="6350000" y="3175025"/>
-                  </a:cubicBezTo>
-                  <a:close/>
-                </a:path>
-              </a:pathLst>
-            </a:custGeom>
-            <a:blipFill>
-              <a:blip r:embed="rId4"/>
-              <a:stretch>
-                <a:fillRect t="-44768" b="-5326"/>
-              </a:stretch>
-            </a:blipFill>
-          </p:spPr>
-          <p:txBody>
-            <a:bodyPr/>
-            <a:lstStyle/>
-            <a:p>
-              <a:endParaRPr lang="fr-FR"/>
-            </a:p>
-          </p:txBody>
-        </p:sp>
-      </p:grpSp>
-      <p:grpSp>
-        <p:nvGrpSpPr>
-          <p:cNvPr id="7" name="Group 7">
-            <a:extLst>
-              <a:ext uri="{FF2B5EF4-FFF2-40B4-BE49-F238E27FC236}">
-                <a16:creationId xmlns:a16="http://schemas.microsoft.com/office/drawing/2014/main" id="{B4941FF2-ACC7-E21D-C20D-DDE59B94A4A8}"/>
-              </a:ext>
-            </a:extLst>
-          </p:cNvPr>
-          <p:cNvGrpSpPr>
-            <a:grpSpLocks noChangeAspect="1"/>
-          </p:cNvGrpSpPr>
-          <p:nvPr/>
-        </p:nvGrpSpPr>
-        <p:grpSpPr>
-          <a:xfrm>
-            <a:off x="12302825" y="3124680"/>
-            <a:ext cx="4690072" cy="4690054"/>
-            <a:chOff x="0" y="0"/>
-            <a:chExt cx="6350000" cy="6349975"/>
-          </a:xfrm>
-        </p:grpSpPr>
-        <p:sp>
-          <p:nvSpPr>
-            <p:cNvPr id="8" name="Freeform 8">
-              <a:extLst>
-                <a:ext uri="{FF2B5EF4-FFF2-40B4-BE49-F238E27FC236}">
-                  <a16:creationId xmlns:a16="http://schemas.microsoft.com/office/drawing/2014/main" id="{32260819-2803-734B-6F41-D018DEFDC3DF}"/>
-                </a:ext>
-              </a:extLst>
-            </p:cNvPr>
-            <p:cNvSpPr/>
-            <p:nvPr/>
-          </p:nvSpPr>
-          <p:spPr>
-            <a:xfrm>
-              <a:off x="0" y="0"/>
-              <a:ext cx="6350000" cy="6349974"/>
-            </a:xfrm>
-            <a:custGeom>
-              <a:avLst/>
-              <a:gdLst/>
-              <a:ahLst/>
-              <a:cxnLst/>
-              <a:rect l="l" t="t" r="r" b="b"/>
-              <a:pathLst>
-                <a:path w="6350000" h="6349974">
-                  <a:moveTo>
-                    <a:pt x="6350000" y="3175025"/>
-                  </a:moveTo>
-                  <a:cubicBezTo>
-                    <a:pt x="6350000" y="4928451"/>
-                    <a:pt x="4928476" y="6349974"/>
-                    <a:pt x="3175000" y="6349974"/>
-                  </a:cubicBezTo>
-                  <a:cubicBezTo>
-                    <a:pt x="1421498" y="6349974"/>
-                    <a:pt x="0" y="4928451"/>
-                    <a:pt x="0" y="3175025"/>
-                  </a:cubicBezTo>
-                  <a:cubicBezTo>
-                    <a:pt x="0" y="1421511"/>
-                    <a:pt x="1421498" y="0"/>
-                    <a:pt x="3175000" y="0"/>
-                  </a:cubicBezTo>
-                  <a:cubicBezTo>
-                    <a:pt x="4928501" y="0"/>
-                    <a:pt x="6350000" y="1421511"/>
-                    <a:pt x="6350000" y="3175025"/>
-                  </a:cubicBezTo>
-                  <a:close/>
-                </a:path>
-              </a:pathLst>
-            </a:custGeom>
-            <a:blipFill>
-              <a:blip r:embed="rId5"/>
-              <a:stretch>
-                <a:fillRect l="-25471" r="-25471"/>
-              </a:stretch>
-            </a:blipFill>
-          </p:spPr>
-          <p:txBody>
-            <a:bodyPr/>
-            <a:lstStyle/>
-            <a:p>
-              <a:endParaRPr lang="fr-FR"/>
-            </a:p>
-          </p:txBody>
-        </p:sp>
-      </p:grpSp>
-      <p:sp>
-        <p:nvSpPr>
-          <p:cNvPr id="9" name="TextBox 9">
-            <a:extLst>
-              <a:ext uri="{FF2B5EF4-FFF2-40B4-BE49-F238E27FC236}">
-                <a16:creationId xmlns:a16="http://schemas.microsoft.com/office/drawing/2014/main" id="{36D67233-4528-87BA-AD2F-CB26FC329661}"/>
-              </a:ext>
-            </a:extLst>
-          </p:cNvPr>
-          <p:cNvSpPr txBox="1"/>
-          <p:nvPr/>
-        </p:nvSpPr>
-        <p:spPr>
-          <a:xfrm>
-            <a:off x="1372912" y="8033809"/>
-            <a:ext cx="4651168" cy="712470"/>
-          </a:xfrm>
-          <a:prstGeom prst="rect">
-            <a:avLst/>
-          </a:prstGeom>
-        </p:spPr>
-        <p:txBody>
-          <a:bodyPr lIns="0" tIns="0" rIns="0" bIns="0" rtlCol="0" anchor="t">
-            <a:spAutoFit/>
-          </a:bodyPr>
-          <a:lstStyle/>
-          <a:p>
-            <a:pPr algn="ctr">
-              <a:lnSpc>
-                <a:spcPts val="5880"/>
-              </a:lnSpc>
-            </a:pPr>
-            <a:r>
-              <a:rPr lang="en-US" sz="4200" b="1">
-                <a:solidFill>
-                  <a:srgbClr val="000000"/>
-                </a:solidFill>
-                <a:latin typeface="Alegreya Bold"/>
-                <a:ea typeface="Alegreya Bold"/>
-                <a:cs typeface="Alegreya Bold"/>
-                <a:sym typeface="Alegreya Bold"/>
-              </a:rPr>
-              <a:t>Juliana Silva</a:t>
-            </a:r>
-          </a:p>
-        </p:txBody>
-      </p:sp>
-      <p:sp>
-        <p:nvSpPr>
-          <p:cNvPr id="10" name="TextBox 10">
-            <a:extLst>
-              <a:ext uri="{FF2B5EF4-FFF2-40B4-BE49-F238E27FC236}">
-                <a16:creationId xmlns:a16="http://schemas.microsoft.com/office/drawing/2014/main" id="{E418D958-E56F-F6E2-E3C0-3E9659882C6B}"/>
-              </a:ext>
-            </a:extLst>
-          </p:cNvPr>
-          <p:cNvSpPr txBox="1"/>
-          <p:nvPr/>
-        </p:nvSpPr>
-        <p:spPr>
-          <a:xfrm>
-            <a:off x="6857321" y="8033809"/>
-            <a:ext cx="4651168" cy="712470"/>
-          </a:xfrm>
-          <a:prstGeom prst="rect">
-            <a:avLst/>
-          </a:prstGeom>
-        </p:spPr>
-        <p:txBody>
-          <a:bodyPr lIns="0" tIns="0" rIns="0" bIns="0" rtlCol="0" anchor="t">
-            <a:spAutoFit/>
-          </a:bodyPr>
-          <a:lstStyle/>
-          <a:p>
-            <a:pPr algn="ctr">
-              <a:lnSpc>
-                <a:spcPts val="5880"/>
-              </a:lnSpc>
-            </a:pPr>
-            <a:r>
-              <a:rPr lang="en-US" sz="4200" b="1">
-                <a:solidFill>
-                  <a:srgbClr val="000000"/>
-                </a:solidFill>
-                <a:latin typeface="Alegreya Bold"/>
-                <a:ea typeface="Alegreya Bold"/>
-                <a:cs typeface="Alegreya Bold"/>
-                <a:sym typeface="Alegreya Bold"/>
-              </a:rPr>
-              <a:t>Olivia Wilson</a:t>
-            </a:r>
-          </a:p>
-        </p:txBody>
-      </p:sp>
-      <p:sp>
-        <p:nvSpPr>
-          <p:cNvPr id="11" name="TextBox 11">
-            <a:extLst>
-              <a:ext uri="{FF2B5EF4-FFF2-40B4-BE49-F238E27FC236}">
-                <a16:creationId xmlns:a16="http://schemas.microsoft.com/office/drawing/2014/main" id="{52443EBB-5A1A-CE4C-3A1B-088178E6F123}"/>
-              </a:ext>
-            </a:extLst>
-          </p:cNvPr>
-          <p:cNvSpPr txBox="1"/>
-          <p:nvPr/>
-        </p:nvSpPr>
-        <p:spPr>
-          <a:xfrm>
-            <a:off x="12341730" y="8033809"/>
-            <a:ext cx="4651168" cy="712470"/>
-          </a:xfrm>
-          <a:prstGeom prst="rect">
-            <a:avLst/>
-          </a:prstGeom>
-        </p:spPr>
-        <p:txBody>
-          <a:bodyPr lIns="0" tIns="0" rIns="0" bIns="0" rtlCol="0" anchor="t">
-            <a:spAutoFit/>
-          </a:bodyPr>
-          <a:lstStyle/>
-          <a:p>
-            <a:pPr algn="ctr">
-              <a:lnSpc>
-                <a:spcPts val="5880"/>
-              </a:lnSpc>
-            </a:pPr>
-            <a:r>
-              <a:rPr lang="en-US" sz="4200" b="1">
-                <a:solidFill>
-                  <a:srgbClr val="000000"/>
-                </a:solidFill>
-                <a:latin typeface="Alegreya Bold"/>
-                <a:ea typeface="Alegreya Bold"/>
-                <a:cs typeface="Alegreya Bold"/>
-                <a:sym typeface="Alegreya Bold"/>
-              </a:rPr>
-              <a:t>Claudia Alves</a:t>
-            </a:r>
-          </a:p>
-        </p:txBody>
-      </p:sp>
-      <p:sp>
-        <p:nvSpPr>
-          <p:cNvPr id="12" name="TextBox 12">
-            <a:extLst>
-              <a:ext uri="{FF2B5EF4-FFF2-40B4-BE49-F238E27FC236}">
-                <a16:creationId xmlns:a16="http://schemas.microsoft.com/office/drawing/2014/main" id="{F7F19A09-ABA1-CB36-BAC6-3C24E29309F6}"/>
-              </a:ext>
-            </a:extLst>
-          </p:cNvPr>
-          <p:cNvSpPr txBox="1"/>
-          <p:nvPr/>
-        </p:nvSpPr>
-        <p:spPr>
-          <a:xfrm>
-            <a:off x="3679044" y="847725"/>
-            <a:ext cx="10929913" cy="1332031"/>
-          </a:xfrm>
-          <a:prstGeom prst="rect">
-            <a:avLst/>
-          </a:prstGeom>
-        </p:spPr>
-        <p:txBody>
-          <a:bodyPr lIns="0" tIns="0" rIns="0" bIns="0" rtlCol="0" anchor="t">
-            <a:spAutoFit/>
-          </a:bodyPr>
-          <a:lstStyle/>
-          <a:p>
-            <a:pPr algn="ctr">
-              <a:lnSpc>
-                <a:spcPts val="11432"/>
-              </a:lnSpc>
-            </a:pPr>
-            <a:r>
-              <a:rPr lang="en-US" sz="8165" dirty="0">
-                <a:solidFill>
-                  <a:srgbClr val="000000"/>
-                </a:solidFill>
-                <a:latin typeface="Bobby Jones"/>
-                <a:ea typeface="Bobby Jones"/>
-                <a:cs typeface="Bobby Jones"/>
-                <a:sym typeface="Bobby Jones"/>
-              </a:rPr>
-              <a:t>﻿</a:t>
-            </a:r>
-            <a:r>
-              <a:rPr lang="en-US" sz="8165" dirty="0" err="1">
-                <a:solidFill>
-                  <a:srgbClr val="000000"/>
-                </a:solidFill>
-                <a:latin typeface="Bobby Jones"/>
-                <a:ea typeface="Bobby Jones"/>
-                <a:cs typeface="Bobby Jones"/>
-                <a:sym typeface="Bobby Jones"/>
-              </a:rPr>
-              <a:t>Présentation</a:t>
-            </a:r>
-            <a:r>
-              <a:rPr lang="en-US" sz="8165" dirty="0">
-                <a:solidFill>
-                  <a:srgbClr val="000000"/>
-                </a:solidFill>
-                <a:latin typeface="Bobby Jones"/>
-                <a:ea typeface="Bobby Jones"/>
-                <a:cs typeface="Bobby Jones"/>
-                <a:sym typeface="Bobby Jones"/>
-              </a:rPr>
-              <a:t> du </a:t>
-            </a:r>
-            <a:r>
-              <a:rPr lang="en-US" sz="8165" dirty="0" err="1">
-                <a:solidFill>
-                  <a:srgbClr val="000000"/>
-                </a:solidFill>
-                <a:latin typeface="Bobby Jones"/>
-                <a:ea typeface="Bobby Jones"/>
-                <a:cs typeface="Bobby Jones"/>
-                <a:sym typeface="Bobby Jones"/>
-              </a:rPr>
-              <a:t>groupe</a:t>
-            </a:r>
-            <a:endParaRPr lang="en-US" sz="8165" dirty="0">
-              <a:solidFill>
-                <a:srgbClr val="000000"/>
-              </a:solidFill>
-              <a:latin typeface="Bobby Jones"/>
-              <a:ea typeface="Bobby Jones"/>
-              <a:cs typeface="Bobby Jones"/>
-              <a:sym typeface="Bobby Jones"/>
-            </a:endParaRPr>
-          </a:p>
-        </p:txBody>
-      </p:sp>
-      <p:sp>
-        <p:nvSpPr>
-          <p:cNvPr id="13" name="Rectangle 12">
-            <a:extLst>
-              <a:ext uri="{FF2B5EF4-FFF2-40B4-BE49-F238E27FC236}">
-                <a16:creationId xmlns:a16="http://schemas.microsoft.com/office/drawing/2014/main" id="{9F94FEB5-D3E7-74EA-E8F8-86492EED3B22}"/>
-              </a:ext>
-            </a:extLst>
-          </p:cNvPr>
-          <p:cNvSpPr/>
-          <p:nvPr/>
-        </p:nvSpPr>
-        <p:spPr>
-          <a:xfrm>
-            <a:off x="0" y="9410700"/>
-            <a:ext cx="18288000" cy="876300"/>
-          </a:xfrm>
-          <a:prstGeom prst="rect">
-            <a:avLst/>
-          </a:prstGeom>
-          <a:solidFill>
-            <a:srgbClr val="F5F3F3"/>
-          </a:solidFill>
-          <a:ln>
-            <a:solidFill>
-              <a:srgbClr val="F5F3F3"/>
-            </a:solidFill>
-          </a:ln>
-        </p:spPr>
-        <p:style>
-          <a:lnRef idx="2">
-            <a:schemeClr val="accent1">
-              <a:shade val="15000"/>
-            </a:schemeClr>
-          </a:lnRef>
-          <a:fillRef idx="1">
-            <a:schemeClr val="accent1"/>
-          </a:fillRef>
-          <a:effectRef idx="0">
-            <a:schemeClr val="accent1"/>
-          </a:effectRef>
-          <a:fontRef idx="minor">
-            <a:schemeClr val="lt1"/>
-          </a:fontRef>
-        </p:style>
-        <p:txBody>
-          <a:bodyPr rtlCol="0" anchor="ctr"/>
-          <a:lstStyle/>
-          <a:p>
-            <a:pPr algn="ctr"/>
-            <a:endParaRPr lang="fr-FR"/>
-          </a:p>
-        </p:txBody>
-      </p:sp>
-      <p:sp>
-        <p:nvSpPr>
-          <p:cNvPr id="14" name="ZoneTexte 13">
-            <a:extLst>
-              <a:ext uri="{FF2B5EF4-FFF2-40B4-BE49-F238E27FC236}">
-                <a16:creationId xmlns:a16="http://schemas.microsoft.com/office/drawing/2014/main" id="{0E57311F-29C8-A12B-54F7-6C6F1B742A7E}"/>
-              </a:ext>
-            </a:extLst>
-          </p:cNvPr>
-          <p:cNvSpPr txBox="1"/>
-          <p:nvPr/>
-        </p:nvSpPr>
-        <p:spPr>
-          <a:xfrm>
-            <a:off x="609600" y="9587240"/>
-            <a:ext cx="17068800" cy="523220"/>
-          </a:xfrm>
-          <a:prstGeom prst="rect">
-            <a:avLst/>
-          </a:prstGeom>
-          <a:noFill/>
-        </p:spPr>
-        <p:txBody>
-          <a:bodyPr wrap="square" rtlCol="0">
-            <a:spAutoFit/>
-          </a:bodyPr>
-          <a:lstStyle/>
-          <a:p>
-            <a:pPr algn="ctr"/>
-            <a:r>
-              <a:rPr lang="fr-FR" sz="2800" b="1" dirty="0">
-                <a:latin typeface="Alegreya" panose="020B0604020202020204" charset="0"/>
-              </a:rPr>
-              <a:t>Introduction et complexe        </a:t>
-            </a:r>
-            <a:r>
-              <a:rPr lang="fr-FR" sz="2800" dirty="0">
-                <a:solidFill>
-                  <a:schemeClr val="bg1">
-                    <a:lumMod val="50000"/>
-                  </a:schemeClr>
-                </a:solidFill>
-                <a:latin typeface="Alegreya" panose="020B0604020202020204" charset="0"/>
-              </a:rPr>
-              <a:t>–        Développement et démonstration        –        Analyse et conclusion</a:t>
-            </a:r>
-          </a:p>
-        </p:txBody>
-      </p:sp>
     </p:spTree>
     <p:extLst>
       <p:ext uri="{BB962C8B-B14F-4D97-AF65-F5344CB8AC3E}">
-        <p14:creationId xmlns:p14="http://schemas.microsoft.com/office/powerpoint/2010/main" val="126427486"/>
+        <p14:creationId xmlns:p14="http://schemas.microsoft.com/office/powerpoint/2010/main" val="531744519"/>
       </p:ext>
     </p:extLst>
-  </p:cSld>
-  <p:clrMapOvr>
-    <a:masterClrMapping/>
-  </p:clrMapOvr>
-</p:sld>
-</file>
-
-<file path=ppt/slides/slide7.xml><?xml version="1.0" encoding="utf-8"?>
-<p:sld xmlns:a="http://schemas.openxmlformats.org/drawingml/2006/main" xmlns:r="http://schemas.openxmlformats.org/officeDocument/2006/relationships" xmlns:p="http://schemas.openxmlformats.org/presentationml/2006/main">
-  <p:cSld>
-    <p:spTree>
-      <p:nvGrpSpPr>
-        <p:cNvPr id="1" name="">
-          <a:extLst>
-            <a:ext uri="{FF2B5EF4-FFF2-40B4-BE49-F238E27FC236}">
-              <a16:creationId xmlns:a16="http://schemas.microsoft.com/office/drawing/2014/main" id="{5625565A-6437-451B-BA2D-6AC6DF2A5051}"/>
-            </a:ext>
-          </a:extLst>
-        </p:cNvPr>
-        <p:cNvGrpSpPr/>
-        <p:nvPr/>
-      </p:nvGrpSpPr>
-      <p:grpSpPr>
-        <a:xfrm>
-          <a:off x="0" y="0"/>
-          <a:ext cx="0" cy="0"/>
-          <a:chOff x="0" y="0"/>
-          <a:chExt cx="0" cy="0"/>
-        </a:xfrm>
-      </p:grpSpPr>
-      <p:sp>
-        <p:nvSpPr>
-          <p:cNvPr id="2" name="Freeform 2">
-            <a:extLst>
-              <a:ext uri="{FF2B5EF4-FFF2-40B4-BE49-F238E27FC236}">
-                <a16:creationId xmlns:a16="http://schemas.microsoft.com/office/drawing/2014/main" id="{B6E0A60F-1CEF-F33F-EFE4-7CEEB4FB8557}"/>
-              </a:ext>
-            </a:extLst>
-          </p:cNvPr>
-          <p:cNvSpPr/>
-          <p:nvPr/>
-        </p:nvSpPr>
-        <p:spPr>
-          <a:xfrm>
-            <a:off x="0" y="0"/>
-            <a:ext cx="18288000" cy="10287000"/>
-          </a:xfrm>
-          <a:custGeom>
-            <a:avLst/>
-            <a:gdLst/>
-            <a:ahLst/>
-            <a:cxnLst/>
-            <a:rect l="l" t="t" r="r" b="b"/>
-            <a:pathLst>
-              <a:path w="18288000" h="10287000">
-                <a:moveTo>
-                  <a:pt x="0" y="0"/>
-                </a:moveTo>
-                <a:lnTo>
-                  <a:pt x="18288000" y="0"/>
-                </a:lnTo>
-                <a:lnTo>
-                  <a:pt x="18288000" y="10287000"/>
-                </a:lnTo>
-                <a:lnTo>
-                  <a:pt x="0" y="10287000"/>
-                </a:lnTo>
-                <a:lnTo>
-                  <a:pt x="0" y="0"/>
-                </a:lnTo>
-                <a:close/>
-              </a:path>
-            </a:pathLst>
-          </a:custGeom>
-          <a:blipFill>
-            <a:blip r:embed="rId2"/>
-            <a:stretch>
-              <a:fillRect l="-220" t="-9510" r="-1696" b="-11203"/>
-            </a:stretch>
-          </a:blipFill>
-        </p:spPr>
-        <p:txBody>
-          <a:bodyPr/>
-          <a:lstStyle/>
-          <a:p>
-            <a:endParaRPr lang="fr-FR"/>
-          </a:p>
-        </p:txBody>
-      </p:sp>
-    </p:spTree>
-    <p:extLst>
-      <p:ext uri="{BB962C8B-B14F-4D97-AF65-F5344CB8AC3E}">
-        <p14:creationId xmlns:p14="http://schemas.microsoft.com/office/powerpoint/2010/main" val="3231268009"/>
-      </p:ext>
-    </p:extLst>
-  </p:cSld>
-  <p:clrMapOvr>
-    <a:masterClrMapping/>
-  </p:clrMapOvr>
-</p:sld>
-</file>
-
-<file path=ppt/slides/slide8.xml><?xml version="1.0" encoding="utf-8"?>
-<p:sld xmlns:a="http://schemas.openxmlformats.org/drawingml/2006/main" xmlns:r="http://schemas.openxmlformats.org/officeDocument/2006/relationships" xmlns:p="http://schemas.openxmlformats.org/presentationml/2006/main">
-  <p:cSld>
-    <p:spTree>
-      <p:nvGrpSpPr>
-        <p:cNvPr id="1" name=""/>
-        <p:cNvGrpSpPr/>
-        <p:nvPr/>
-      </p:nvGrpSpPr>
-      <p:grpSpPr>
-        <a:xfrm>
-          <a:off x="0" y="0"/>
-          <a:ext cx="0" cy="0"/>
-          <a:chOff x="0" y="0"/>
-          <a:chExt cx="0" cy="0"/>
-        </a:xfrm>
-      </p:grpSpPr>
-      <p:sp>
-        <p:nvSpPr>
-          <p:cNvPr id="2" name="Freeform 2"/>
-          <p:cNvSpPr/>
-          <p:nvPr/>
-        </p:nvSpPr>
-        <p:spPr>
-          <a:xfrm>
-            <a:off x="0" y="0"/>
-            <a:ext cx="18288000" cy="10287000"/>
-          </a:xfrm>
-          <a:custGeom>
-            <a:avLst/>
-            <a:gdLst/>
-            <a:ahLst/>
-            <a:cxnLst/>
-            <a:rect l="l" t="t" r="r" b="b"/>
-            <a:pathLst>
-              <a:path w="18288000" h="10287000">
-                <a:moveTo>
-                  <a:pt x="0" y="0"/>
-                </a:moveTo>
-                <a:lnTo>
-                  <a:pt x="18288000" y="0"/>
-                </a:lnTo>
-                <a:lnTo>
-                  <a:pt x="18288000" y="10287000"/>
-                </a:lnTo>
-                <a:lnTo>
-                  <a:pt x="0" y="10287000"/>
-                </a:lnTo>
-                <a:lnTo>
-                  <a:pt x="0" y="0"/>
-                </a:lnTo>
-                <a:close/>
-              </a:path>
-            </a:pathLst>
-          </a:custGeom>
-          <a:blipFill>
-            <a:blip r:embed="rId2"/>
-            <a:stretch>
-              <a:fillRect l="-220" t="-9510" r="-1696" b="-11203"/>
-            </a:stretch>
-          </a:blipFill>
-        </p:spPr>
-        <p:txBody>
-          <a:bodyPr/>
-          <a:lstStyle/>
-          <a:p>
-            <a:endParaRPr lang="fr-FR"/>
-          </a:p>
-        </p:txBody>
-      </p:sp>
-      <p:sp>
-        <p:nvSpPr>
-          <p:cNvPr id="3" name="TextBox 3"/>
-          <p:cNvSpPr txBox="1"/>
-          <p:nvPr/>
-        </p:nvSpPr>
-        <p:spPr>
-          <a:xfrm>
-            <a:off x="1761580" y="3027933"/>
-            <a:ext cx="14764841" cy="2443780"/>
-          </a:xfrm>
-          <a:prstGeom prst="rect">
-            <a:avLst/>
-          </a:prstGeom>
-        </p:spPr>
-        <p:txBody>
-          <a:bodyPr lIns="0" tIns="0" rIns="0" bIns="0" rtlCol="0" anchor="t">
-            <a:spAutoFit/>
-          </a:bodyPr>
-          <a:lstStyle/>
-          <a:p>
-            <a:pPr algn="ctr">
-              <a:lnSpc>
-                <a:spcPts val="19653"/>
-              </a:lnSpc>
-            </a:pPr>
-            <a:r>
-              <a:rPr lang="en-US" sz="14038">
-                <a:solidFill>
-                  <a:srgbClr val="000000"/>
-                </a:solidFill>
-                <a:latin typeface="Bobby Jones"/>
-                <a:ea typeface="Bobby Jones"/>
-                <a:cs typeface="Bobby Jones"/>
-                <a:sym typeface="Bobby Jones"/>
-              </a:rPr>
-              <a:t>Group Project</a:t>
-            </a:r>
-          </a:p>
-        </p:txBody>
-      </p:sp>
-      <p:sp>
-        <p:nvSpPr>
-          <p:cNvPr id="4" name="TextBox 4"/>
-          <p:cNvSpPr txBox="1"/>
-          <p:nvPr/>
-        </p:nvSpPr>
-        <p:spPr>
-          <a:xfrm>
-            <a:off x="2831326" y="5654893"/>
-            <a:ext cx="12625348" cy="987804"/>
-          </a:xfrm>
-          <a:prstGeom prst="rect">
-            <a:avLst/>
-          </a:prstGeom>
-        </p:spPr>
-        <p:txBody>
-          <a:bodyPr lIns="0" tIns="0" rIns="0" bIns="0" rtlCol="0" anchor="t">
-            <a:spAutoFit/>
-          </a:bodyPr>
-          <a:lstStyle/>
-          <a:p>
-            <a:pPr algn="ctr">
-              <a:lnSpc>
-                <a:spcPts val="8029"/>
-              </a:lnSpc>
-            </a:pPr>
-            <a:r>
-              <a:rPr lang="en-US" sz="5735" b="1">
-                <a:solidFill>
-                  <a:srgbClr val="000000"/>
-                </a:solidFill>
-                <a:latin typeface="Alegreya Bold"/>
-                <a:ea typeface="Alegreya Bold"/>
-                <a:cs typeface="Alegreya Bold"/>
-                <a:sym typeface="Alegreya Bold"/>
-              </a:rPr>
-              <a:t>Presented By : Group Borcelle</a:t>
-            </a:r>
-          </a:p>
-        </p:txBody>
-      </p:sp>
-    </p:spTree>
-  </p:cSld>
-  <p:clrMapOvr>
-    <a:masterClrMapping/>
-  </p:clrMapOvr>
-</p:sld>
-</file>
-
-<file path=ppt/slides/slide9.xml><?xml version="1.0" encoding="utf-8"?>
-<p:sld xmlns:a="http://schemas.openxmlformats.org/drawingml/2006/main" xmlns:r="http://schemas.openxmlformats.org/officeDocument/2006/relationships" xmlns:p="http://schemas.openxmlformats.org/presentationml/2006/main">
-  <p:cSld>
-    <p:spTree>
-      <p:nvGrpSpPr>
-        <p:cNvPr id="1" name=""/>
-        <p:cNvGrpSpPr/>
-        <p:nvPr/>
-      </p:nvGrpSpPr>
-      <p:grpSpPr>
-        <a:xfrm>
-          <a:off x="0" y="0"/>
-          <a:ext cx="0" cy="0"/>
-          <a:chOff x="0" y="0"/>
-          <a:chExt cx="0" cy="0"/>
-        </a:xfrm>
-      </p:grpSpPr>
-      <p:sp>
-        <p:nvSpPr>
-          <p:cNvPr id="2" name="Freeform 2"/>
-          <p:cNvSpPr/>
-          <p:nvPr/>
-        </p:nvSpPr>
-        <p:spPr>
-          <a:xfrm>
-            <a:off x="0" y="0"/>
-            <a:ext cx="18288000" cy="10287000"/>
-          </a:xfrm>
-          <a:custGeom>
-            <a:avLst/>
-            <a:gdLst/>
-            <a:ahLst/>
-            <a:cxnLst/>
-            <a:rect l="l" t="t" r="r" b="b"/>
-            <a:pathLst>
-              <a:path w="18288000" h="10287000">
-                <a:moveTo>
-                  <a:pt x="0" y="0"/>
-                </a:moveTo>
-                <a:lnTo>
-                  <a:pt x="18288000" y="0"/>
-                </a:lnTo>
-                <a:lnTo>
-                  <a:pt x="18288000" y="10287000"/>
-                </a:lnTo>
-                <a:lnTo>
-                  <a:pt x="0" y="10287000"/>
-                </a:lnTo>
-                <a:lnTo>
-                  <a:pt x="0" y="0"/>
-                </a:lnTo>
-                <a:close/>
-              </a:path>
-            </a:pathLst>
-          </a:custGeom>
-          <a:blipFill>
-            <a:blip r:embed="rId2"/>
-            <a:stretch>
-              <a:fillRect l="-220" t="-9510" r="-1696" b="-11203"/>
-            </a:stretch>
-          </a:blipFill>
-        </p:spPr>
-        <p:txBody>
-          <a:bodyPr/>
-          <a:lstStyle/>
-          <a:p>
-            <a:endParaRPr lang="fr-FR"/>
-          </a:p>
-        </p:txBody>
-      </p:sp>
-      <p:grpSp>
-        <p:nvGrpSpPr>
-          <p:cNvPr id="3" name="Group 3"/>
-          <p:cNvGrpSpPr/>
-          <p:nvPr/>
-        </p:nvGrpSpPr>
-        <p:grpSpPr>
-          <a:xfrm>
-            <a:off x="1978052" y="2879312"/>
-            <a:ext cx="14331896" cy="6093238"/>
-            <a:chOff x="0" y="0"/>
-            <a:chExt cx="3774656" cy="1604803"/>
-          </a:xfrm>
-        </p:grpSpPr>
-        <p:sp>
-          <p:nvSpPr>
-            <p:cNvPr id="4" name="Freeform 4"/>
-            <p:cNvSpPr/>
-            <p:nvPr/>
-          </p:nvSpPr>
-          <p:spPr>
-            <a:xfrm>
-              <a:off x="0" y="0"/>
-              <a:ext cx="3774656" cy="1604803"/>
-            </a:xfrm>
-            <a:custGeom>
-              <a:avLst/>
-              <a:gdLst/>
-              <a:ahLst/>
-              <a:cxnLst/>
-              <a:rect l="l" t="t" r="r" b="b"/>
-              <a:pathLst>
-                <a:path w="3774656" h="1604803">
-                  <a:moveTo>
-                    <a:pt x="27550" y="0"/>
-                  </a:moveTo>
-                  <a:lnTo>
-                    <a:pt x="3747106" y="0"/>
-                  </a:lnTo>
-                  <a:cubicBezTo>
-                    <a:pt x="3754413" y="0"/>
-                    <a:pt x="3761420" y="2903"/>
-                    <a:pt x="3766586" y="8069"/>
-                  </a:cubicBezTo>
-                  <a:cubicBezTo>
-                    <a:pt x="3771753" y="13236"/>
-                    <a:pt x="3774656" y="20243"/>
-                    <a:pt x="3774656" y="27550"/>
-                  </a:cubicBezTo>
-                  <a:lnTo>
-                    <a:pt x="3774656" y="1577254"/>
-                  </a:lnTo>
-                  <a:cubicBezTo>
-                    <a:pt x="3774656" y="1592469"/>
-                    <a:pt x="3762321" y="1604803"/>
-                    <a:pt x="3747106" y="1604803"/>
-                  </a:cubicBezTo>
-                  <a:lnTo>
-                    <a:pt x="27550" y="1604803"/>
-                  </a:lnTo>
-                  <a:cubicBezTo>
-                    <a:pt x="20243" y="1604803"/>
-                    <a:pt x="13236" y="1601901"/>
-                    <a:pt x="8069" y="1596734"/>
-                  </a:cubicBezTo>
-                  <a:cubicBezTo>
-                    <a:pt x="2903" y="1591568"/>
-                    <a:pt x="0" y="1584560"/>
-                    <a:pt x="0" y="1577254"/>
-                  </a:cubicBezTo>
-                  <a:lnTo>
-                    <a:pt x="0" y="27550"/>
-                  </a:lnTo>
-                  <a:cubicBezTo>
-                    <a:pt x="0" y="20243"/>
-                    <a:pt x="2903" y="13236"/>
-                    <a:pt x="8069" y="8069"/>
-                  </a:cubicBezTo>
-                  <a:cubicBezTo>
-                    <a:pt x="13236" y="2903"/>
-                    <a:pt x="20243" y="0"/>
-                    <a:pt x="27550" y="0"/>
-                  </a:cubicBezTo>
-                  <a:close/>
-                </a:path>
-              </a:pathLst>
-            </a:custGeom>
-            <a:solidFill>
-              <a:srgbClr val="FFFFFF"/>
-            </a:solidFill>
-            <a:ln w="38100" cap="rnd">
-              <a:solidFill>
-                <a:srgbClr val="000000"/>
-              </a:solidFill>
-              <a:prstDash val="lgDash"/>
-              <a:round/>
-            </a:ln>
-          </p:spPr>
-          <p:txBody>
-            <a:bodyPr/>
-            <a:lstStyle/>
-            <a:p>
-              <a:endParaRPr lang="fr-FR"/>
-            </a:p>
-          </p:txBody>
-        </p:sp>
-        <p:sp>
-          <p:nvSpPr>
-            <p:cNvPr id="5" name="TextBox 5"/>
-            <p:cNvSpPr txBox="1"/>
-            <p:nvPr/>
-          </p:nvSpPr>
-          <p:spPr>
-            <a:xfrm>
-              <a:off x="0" y="-38100"/>
-              <a:ext cx="3774656" cy="1642903"/>
-            </a:xfrm>
-            <a:prstGeom prst="rect">
-              <a:avLst/>
-            </a:prstGeom>
-          </p:spPr>
-          <p:txBody>
-            <a:bodyPr lIns="50800" tIns="50800" rIns="50800" bIns="50800" rtlCol="0" anchor="ctr"/>
-            <a:lstStyle/>
-            <a:p>
-              <a:pPr algn="ctr">
-                <a:lnSpc>
-                  <a:spcPts val="2659"/>
-                </a:lnSpc>
-                <a:spcBef>
-                  <a:spcPct val="0"/>
-                </a:spcBef>
-              </a:pPr>
-              <a:endParaRPr/>
-            </a:p>
-          </p:txBody>
-        </p:sp>
-      </p:grpSp>
-      <p:sp>
-        <p:nvSpPr>
-          <p:cNvPr id="6" name="TextBox 6"/>
-          <p:cNvSpPr txBox="1"/>
-          <p:nvPr/>
-        </p:nvSpPr>
-        <p:spPr>
-          <a:xfrm>
-            <a:off x="2678497" y="3394916"/>
-            <a:ext cx="12555011" cy="4919155"/>
-          </a:xfrm>
-          <a:prstGeom prst="rect">
-            <a:avLst/>
-          </a:prstGeom>
-        </p:spPr>
-        <p:txBody>
-          <a:bodyPr lIns="0" tIns="0" rIns="0" bIns="0" rtlCol="0" anchor="t">
-            <a:spAutoFit/>
-          </a:bodyPr>
-          <a:lstStyle/>
-          <a:p>
-            <a:pPr algn="l">
-              <a:lnSpc>
-                <a:spcPts val="6542"/>
-              </a:lnSpc>
-            </a:pPr>
-            <a:r>
-              <a:rPr lang="en-US" sz="4673" b="1">
-                <a:solidFill>
-                  <a:srgbClr val="000000"/>
-                </a:solidFill>
-                <a:latin typeface="Alegreya Bold"/>
-                <a:ea typeface="Alegreya Bold"/>
-                <a:cs typeface="Alegreya Bold"/>
-                <a:sym typeface="Alegreya Bold"/>
-              </a:rPr>
-              <a:t>Presentations are communication tools that can be used as demonstrations, lectures, speeches, reports, and more. Mostly presented before an audience, it serves a variety of purposes, making presentations powerful tools for convicing and teaching.</a:t>
-            </a:r>
-          </a:p>
-        </p:txBody>
-      </p:sp>
-      <p:sp>
-        <p:nvSpPr>
-          <p:cNvPr id="7" name="TextBox 7"/>
-          <p:cNvSpPr txBox="1"/>
-          <p:nvPr/>
-        </p:nvSpPr>
-        <p:spPr>
-          <a:xfrm>
-            <a:off x="3918390" y="857250"/>
-            <a:ext cx="10451219" cy="1420496"/>
-          </a:xfrm>
-          <a:prstGeom prst="rect">
-            <a:avLst/>
-          </a:prstGeom>
-        </p:spPr>
-        <p:txBody>
-          <a:bodyPr lIns="0" tIns="0" rIns="0" bIns="0" rtlCol="0" anchor="t">
-            <a:spAutoFit/>
-          </a:bodyPr>
-          <a:lstStyle/>
-          <a:p>
-            <a:pPr algn="ctr">
-              <a:lnSpc>
-                <a:spcPts val="11479"/>
-              </a:lnSpc>
-            </a:pPr>
-            <a:r>
-              <a:rPr lang="en-US" sz="8199">
-                <a:solidFill>
-                  <a:srgbClr val="000000"/>
-                </a:solidFill>
-                <a:latin typeface="Bobby Jones"/>
-                <a:ea typeface="Bobby Jones"/>
-                <a:cs typeface="Bobby Jones"/>
-                <a:sym typeface="Bobby Jones"/>
-              </a:rPr>
-              <a:t>Project Overview</a:t>
-            </a:r>
-          </a:p>
-        </p:txBody>
-      </p:sp>
-    </p:spTree>
   </p:cSld>
   <p:clrMapOvr>
     <a:masterClrMapping/>
@@ -13569,4 +14775,319 @@
   <a:objectDefaults/>
   <a:extraClrSchemeLst/>
 </a:theme>
+</file>
+
+<file path=ppt/theme/theme2.xml><?xml version="1.0" encoding="utf-8"?>
+<a:theme xmlns:a="http://schemas.openxmlformats.org/drawingml/2006/main" name="Thème Office">
+  <a:themeElements>
+    <a:clrScheme name="Office">
+      <a:dk1>
+        <a:sysClr val="windowText" lastClr="000000"/>
+      </a:dk1>
+      <a:lt1>
+        <a:sysClr val="window" lastClr="FFFFFF"/>
+      </a:lt1>
+      <a:dk2>
+        <a:srgbClr val="0E2841"/>
+      </a:dk2>
+      <a:lt2>
+        <a:srgbClr val="E8E8E8"/>
+      </a:lt2>
+      <a:accent1>
+        <a:srgbClr val="156082"/>
+      </a:accent1>
+      <a:accent2>
+        <a:srgbClr val="E97132"/>
+      </a:accent2>
+      <a:accent3>
+        <a:srgbClr val="196B24"/>
+      </a:accent3>
+      <a:accent4>
+        <a:srgbClr val="0F9ED5"/>
+      </a:accent4>
+      <a:accent5>
+        <a:srgbClr val="A02B93"/>
+      </a:accent5>
+      <a:accent6>
+        <a:srgbClr val="4EA72E"/>
+      </a:accent6>
+      <a:hlink>
+        <a:srgbClr val="467886"/>
+      </a:hlink>
+      <a:folHlink>
+        <a:srgbClr val="96607D"/>
+      </a:folHlink>
+    </a:clrScheme>
+    <a:fontScheme name="Office">
+      <a:majorFont>
+        <a:latin typeface="Aptos Display" panose="02110004020202020204"/>
+        <a:ea typeface=""/>
+        <a:cs typeface=""/>
+        <a:font script="Jpan" typeface="游ゴシック Light"/>
+        <a:font script="Hang" typeface="맑은 고딕"/>
+        <a:font script="Hans" typeface="等线 Light"/>
+        <a:font script="Hant" typeface="新細明體"/>
+        <a:font script="Arab" typeface="Times New Roman"/>
+        <a:font script="Hebr" typeface="Times New Roman"/>
+        <a:font script="Thai" typeface="Angsana New"/>
+        <a:font script="Ethi" typeface="Nyala"/>
+        <a:font script="Beng" typeface="Vrinda"/>
+        <a:font script="Gujr" typeface="Shruti"/>
+        <a:font script="Khmr" typeface="MoolBoran"/>
+        <a:font script="Knda" typeface="Tunga"/>
+        <a:font script="Guru" typeface="Raavi"/>
+        <a:font script="Cans" typeface="Euphemia"/>
+        <a:font script="Cher" typeface="Plantagenet Cherokee"/>
+        <a:font script="Yiii" typeface="Microsoft Yi Baiti"/>
+        <a:font script="Tibt" typeface="Microsoft Himalaya"/>
+        <a:font script="Thaa" typeface="MV Boli"/>
+        <a:font script="Deva" typeface="Mangal"/>
+        <a:font script="Telu" typeface="Gautami"/>
+        <a:font script="Taml" typeface="Latha"/>
+        <a:font script="Syrc" typeface="Estrangelo Edessa"/>
+        <a:font script="Orya" typeface="Kalinga"/>
+        <a:font script="Mlym" typeface="Kartika"/>
+        <a:font script="Laoo" typeface="DokChampa"/>
+        <a:font script="Sinh" typeface="Iskoola Pota"/>
+        <a:font script="Mong" typeface="Mongolian Baiti"/>
+        <a:font script="Viet" typeface="Times New Roman"/>
+        <a:font script="Uigh" typeface="Microsoft Uighur"/>
+        <a:font script="Geor" typeface="Sylfaen"/>
+        <a:font script="Armn" typeface="Arial"/>
+        <a:font script="Bugi" typeface="Leelawadee UI"/>
+        <a:font script="Bopo" typeface="Microsoft JhengHei"/>
+        <a:font script="Java" typeface="Javanese Text"/>
+        <a:font script="Lisu" typeface="Segoe UI"/>
+        <a:font script="Mymr" typeface="Myanmar Text"/>
+        <a:font script="Nkoo" typeface="Ebrima"/>
+        <a:font script="Olck" typeface="Nirmala UI"/>
+        <a:font script="Osma" typeface="Ebrima"/>
+        <a:font script="Phag" typeface="Phagspa"/>
+        <a:font script="Syrn" typeface="Estrangelo Edessa"/>
+        <a:font script="Syrj" typeface="Estrangelo Edessa"/>
+        <a:font script="Syre" typeface="Estrangelo Edessa"/>
+        <a:font script="Sora" typeface="Nirmala UI"/>
+        <a:font script="Tale" typeface="Microsoft Tai Le"/>
+        <a:font script="Talu" typeface="Microsoft New Tai Lue"/>
+        <a:font script="Tfng" typeface="Ebrima"/>
+      </a:majorFont>
+      <a:minorFont>
+        <a:latin typeface="Aptos" panose="02110004020202020204"/>
+        <a:ea typeface=""/>
+        <a:cs typeface=""/>
+        <a:font script="Jpan" typeface="游ゴシック"/>
+        <a:font script="Hang" typeface="맑은 고딕"/>
+        <a:font script="Hans" typeface="等线"/>
+        <a:font script="Hant" typeface="新細明體"/>
+        <a:font script="Arab" typeface="Arial"/>
+        <a:font script="Hebr" typeface="Arial"/>
+        <a:font script="Thai" typeface="Cordia New"/>
+        <a:font script="Ethi" typeface="Nyala"/>
+        <a:font script="Beng" typeface="Vrinda"/>
+        <a:font script="Gujr" typeface="Shruti"/>
+        <a:font script="Khmr" typeface="DaunPenh"/>
+        <a:font script="Knda" typeface="Tunga"/>
+        <a:font script="Guru" typeface="Raavi"/>
+        <a:font script="Cans" typeface="Euphemia"/>
+        <a:font script="Cher" typeface="Plantagenet Cherokee"/>
+        <a:font script="Yiii" typeface="Microsoft Yi Baiti"/>
+        <a:font script="Tibt" typeface="Microsoft Himalaya"/>
+        <a:font script="Thaa" typeface="MV Boli"/>
+        <a:font script="Deva" typeface="Mangal"/>
+        <a:font script="Telu" typeface="Gautami"/>
+        <a:font script="Taml" typeface="Latha"/>
+        <a:font script="Syrc" typeface="Estrangelo Edessa"/>
+        <a:font script="Orya" typeface="Kalinga"/>
+        <a:font script="Mlym" typeface="Kartika"/>
+        <a:font script="Laoo" typeface="DokChampa"/>
+        <a:font script="Sinh" typeface="Iskoola Pota"/>
+        <a:font script="Mong" typeface="Mongolian Baiti"/>
+        <a:font script="Viet" typeface="Arial"/>
+        <a:font script="Uigh" typeface="Microsoft Uighur"/>
+        <a:font script="Geor" typeface="Sylfaen"/>
+        <a:font script="Armn" typeface="Arial"/>
+        <a:font script="Bugi" typeface="Leelawadee UI"/>
+        <a:font script="Bopo" typeface="Microsoft JhengHei"/>
+        <a:font script="Java" typeface="Javanese Text"/>
+        <a:font script="Lisu" typeface="Segoe UI"/>
+        <a:font script="Mymr" typeface="Myanmar Text"/>
+        <a:font script="Nkoo" typeface="Ebrima"/>
+        <a:font script="Olck" typeface="Nirmala UI"/>
+        <a:font script="Osma" typeface="Ebrima"/>
+        <a:font script="Phag" typeface="Phagspa"/>
+        <a:font script="Syrn" typeface="Estrangelo Edessa"/>
+        <a:font script="Syrj" typeface="Estrangelo Edessa"/>
+        <a:font script="Syre" typeface="Estrangelo Edessa"/>
+        <a:font script="Sora" typeface="Nirmala UI"/>
+        <a:font script="Tale" typeface="Microsoft Tai Le"/>
+        <a:font script="Talu" typeface="Microsoft New Tai Lue"/>
+        <a:font script="Tfng" typeface="Ebrima"/>
+      </a:minorFont>
+    </a:fontScheme>
+    <a:fmtScheme name="Office">
+      <a:fillStyleLst>
+        <a:solidFill>
+          <a:schemeClr val="phClr"/>
+        </a:solidFill>
+        <a:gradFill rotWithShape="1">
+          <a:gsLst>
+            <a:gs pos="0">
+              <a:schemeClr val="phClr">
+                <a:lumMod val="110000"/>
+                <a:satMod val="105000"/>
+                <a:tint val="67000"/>
+              </a:schemeClr>
+            </a:gs>
+            <a:gs pos="50000">
+              <a:schemeClr val="phClr">
+                <a:lumMod val="105000"/>
+                <a:satMod val="103000"/>
+                <a:tint val="73000"/>
+              </a:schemeClr>
+            </a:gs>
+            <a:gs pos="100000">
+              <a:schemeClr val="phClr">
+                <a:lumMod val="105000"/>
+                <a:satMod val="109000"/>
+                <a:tint val="81000"/>
+              </a:schemeClr>
+            </a:gs>
+          </a:gsLst>
+          <a:lin ang="5400000" scaled="0"/>
+        </a:gradFill>
+        <a:gradFill rotWithShape="1">
+          <a:gsLst>
+            <a:gs pos="0">
+              <a:schemeClr val="phClr">
+                <a:satMod val="103000"/>
+                <a:lumMod val="102000"/>
+                <a:tint val="94000"/>
+              </a:schemeClr>
+            </a:gs>
+            <a:gs pos="50000">
+              <a:schemeClr val="phClr">
+                <a:satMod val="110000"/>
+                <a:lumMod val="100000"/>
+                <a:shade val="100000"/>
+              </a:schemeClr>
+            </a:gs>
+            <a:gs pos="100000">
+              <a:schemeClr val="phClr">
+                <a:lumMod val="99000"/>
+                <a:satMod val="120000"/>
+                <a:shade val="78000"/>
+              </a:schemeClr>
+            </a:gs>
+          </a:gsLst>
+          <a:lin ang="5400000" scaled="0"/>
+        </a:gradFill>
+      </a:fillStyleLst>
+      <a:lnStyleLst>
+        <a:ln w="12700" cap="flat" cmpd="sng" algn="ctr">
+          <a:solidFill>
+            <a:schemeClr val="phClr"/>
+          </a:solidFill>
+          <a:prstDash val="solid"/>
+          <a:miter lim="800000"/>
+        </a:ln>
+        <a:ln w="19050" cap="flat" cmpd="sng" algn="ctr">
+          <a:solidFill>
+            <a:schemeClr val="phClr"/>
+          </a:solidFill>
+          <a:prstDash val="solid"/>
+          <a:miter lim="800000"/>
+        </a:ln>
+        <a:ln w="25400" cap="flat" cmpd="sng" algn="ctr">
+          <a:solidFill>
+            <a:schemeClr val="phClr"/>
+          </a:solidFill>
+          <a:prstDash val="solid"/>
+          <a:miter lim="800000"/>
+        </a:ln>
+      </a:lnStyleLst>
+      <a:effectStyleLst>
+        <a:effectStyle>
+          <a:effectLst/>
+        </a:effectStyle>
+        <a:effectStyle>
+          <a:effectLst/>
+        </a:effectStyle>
+        <a:effectStyle>
+          <a:effectLst>
+            <a:outerShdw blurRad="57150" dist="19050" dir="5400000" algn="ctr" rotWithShape="0">
+              <a:srgbClr val="000000">
+                <a:alpha val="63000"/>
+              </a:srgbClr>
+            </a:outerShdw>
+          </a:effectLst>
+        </a:effectStyle>
+      </a:effectStyleLst>
+      <a:bgFillStyleLst>
+        <a:solidFill>
+          <a:schemeClr val="phClr"/>
+        </a:solidFill>
+        <a:solidFill>
+          <a:schemeClr val="phClr">
+            <a:tint val="95000"/>
+            <a:satMod val="170000"/>
+          </a:schemeClr>
+        </a:solidFill>
+        <a:gradFill rotWithShape="1">
+          <a:gsLst>
+            <a:gs pos="0">
+              <a:schemeClr val="phClr">
+                <a:tint val="93000"/>
+                <a:satMod val="150000"/>
+                <a:shade val="98000"/>
+                <a:lumMod val="102000"/>
+              </a:schemeClr>
+            </a:gs>
+            <a:gs pos="50000">
+              <a:schemeClr val="phClr">
+                <a:tint val="98000"/>
+                <a:satMod val="130000"/>
+                <a:shade val="90000"/>
+                <a:lumMod val="103000"/>
+              </a:schemeClr>
+            </a:gs>
+            <a:gs pos="100000">
+              <a:schemeClr val="phClr">
+                <a:shade val="63000"/>
+                <a:satMod val="120000"/>
+              </a:schemeClr>
+            </a:gs>
+          </a:gsLst>
+          <a:lin ang="5400000" scaled="0"/>
+        </a:gradFill>
+      </a:bgFillStyleLst>
+    </a:fmtScheme>
+  </a:themeElements>
+  <a:objectDefaults>
+    <a:lnDef>
+      <a:spPr/>
+      <a:bodyPr/>
+      <a:lstStyle/>
+      <a:style>
+        <a:lnRef idx="2">
+          <a:schemeClr val="accent1"/>
+        </a:lnRef>
+        <a:fillRef idx="0">
+          <a:schemeClr val="accent1"/>
+        </a:fillRef>
+        <a:effectRef idx="1">
+          <a:schemeClr val="accent1"/>
+        </a:effectRef>
+        <a:fontRef idx="minor">
+          <a:schemeClr val="tx1"/>
+        </a:fontRef>
+      </a:style>
+    </a:lnDef>
+  </a:objectDefaults>
+  <a:extraClrSchemeLst/>
+  <a:extLst>
+    <a:ext uri="{05A4C25C-085E-4340-85A3-A5531E510DB2}">
+      <thm15:themeFamily xmlns:thm15="http://schemas.microsoft.com/office/thememl/2012/main" name="Office Theme" id="{2E142A2C-CD16-42D6-873A-C26D2A0506FA}" vid="{1BDDFF52-6CD6-40A5-AB3C-68EB2F1E4D0A}"/>
+    </a:ext>
+  </a:extLst>
+</a:theme>
 </file>